--- a/2. 1학년2학기/1. 어프렌티스 프로젝트/11주차_기말프로젝트/11주차_과제_발표자료.pptx
+++ b/2. 1학년2학기/1. 어프렌티스 프로젝트/11주차_기말프로젝트/11주차_과제_발표자료.pptx
@@ -5,10 +5,10 @@
     <p:sldMasterId id="2147483648" r:id="rId1"/>
   </p:sldMasterIdLst>
   <p:notesMasterIdLst>
-    <p:notesMasterId r:id="rId27"/>
+    <p:notesMasterId r:id="rId34"/>
   </p:notesMasterIdLst>
   <p:handoutMasterIdLst>
-    <p:handoutMasterId r:id="rId28"/>
+    <p:handoutMasterId r:id="rId35"/>
   </p:handoutMasterIdLst>
   <p:sldIdLst>
     <p:sldId id="256" r:id="rId2"/>
@@ -36,6 +36,13 @@
     <p:sldId id="626" r:id="rId24"/>
     <p:sldId id="624" r:id="rId25"/>
     <p:sldId id="627" r:id="rId26"/>
+    <p:sldId id="628" r:id="rId27"/>
+    <p:sldId id="629" r:id="rId28"/>
+    <p:sldId id="633" r:id="rId29"/>
+    <p:sldId id="634" r:id="rId30"/>
+    <p:sldId id="630" r:id="rId31"/>
+    <p:sldId id="631" r:id="rId32"/>
+    <p:sldId id="632" r:id="rId33"/>
   </p:sldIdLst>
   <p:sldSz cx="9144000" cy="6858000" type="screen4x3"/>
   <p:notesSz cx="6889750" cy="10021888"/>
@@ -2225,6 +2232,276 @@
     <p:extLst>
       <p:ext uri="{BB962C8B-B14F-4D97-AF65-F5344CB8AC3E}">
         <p14:creationId xmlns:p14="http://schemas.microsoft.com/office/powerpoint/2010/main" val="4032959872"/>
+      </p:ext>
+    </p:extLst>
+  </p:cSld>
+  <p:clrMapOvr>
+    <a:masterClrMapping/>
+  </p:clrMapOvr>
+</p:notes>
+</file>
+
+<file path=ppt/notesSlides/notesSlide20.xml><?xml version="1.0" encoding="utf-8"?>
+<p:notes xmlns:a="http://schemas.openxmlformats.org/drawingml/2006/main" xmlns:r="http://schemas.openxmlformats.org/officeDocument/2006/relationships" xmlns:p="http://schemas.openxmlformats.org/presentationml/2006/main">
+  <p:cSld>
+    <p:spTree>
+      <p:nvGrpSpPr>
+        <p:cNvPr id="1" name=""/>
+        <p:cNvGrpSpPr/>
+        <p:nvPr/>
+      </p:nvGrpSpPr>
+      <p:grpSpPr>
+        <a:xfrm>
+          <a:off x="0" y="0"/>
+          <a:ext cx="0" cy="0"/>
+          <a:chOff x="0" y="0"/>
+          <a:chExt cx="0" cy="0"/>
+        </a:xfrm>
+      </p:grpSpPr>
+      <p:sp>
+        <p:nvSpPr>
+          <p:cNvPr id="2" name="슬라이드 이미지 개체 틀 1"/>
+          <p:cNvSpPr>
+            <a:spLocks noGrp="1" noRot="1" noChangeAspect="1"/>
+          </p:cNvSpPr>
+          <p:nvPr>
+            <p:ph type="sldImg"/>
+          </p:nvPr>
+        </p:nvSpPr>
+        <p:spPr/>
+      </p:sp>
+      <p:sp>
+        <p:nvSpPr>
+          <p:cNvPr id="3" name="슬라이드 노트 개체 틀 2"/>
+          <p:cNvSpPr>
+            <a:spLocks noGrp="1"/>
+          </p:cNvSpPr>
+          <p:nvPr>
+            <p:ph type="body" idx="1"/>
+          </p:nvPr>
+        </p:nvSpPr>
+        <p:spPr/>
+        <p:txBody>
+          <a:bodyPr/>
+          <a:lstStyle/>
+          <a:p>
+            <a:endParaRPr lang="en-US" altLang="ko-KR" dirty="0"/>
+          </a:p>
+        </p:txBody>
+      </p:sp>
+      <p:sp>
+        <p:nvSpPr>
+          <p:cNvPr id="4" name="슬라이드 번호 개체 틀 3"/>
+          <p:cNvSpPr>
+            <a:spLocks noGrp="1"/>
+          </p:cNvSpPr>
+          <p:nvPr>
+            <p:ph type="sldNum" sz="quarter" idx="5"/>
+          </p:nvPr>
+        </p:nvSpPr>
+        <p:spPr/>
+        <p:txBody>
+          <a:bodyPr/>
+          <a:lstStyle/>
+          <a:p>
+            <a:pPr>
+              <a:defRPr/>
+            </a:pPr>
+            <a:fld id="{A10404A0-7E6D-450D-97DD-AFCF6972070C}" type="slidenum">
+              <a:rPr lang="en-US" altLang="ko-KR" smtClean="0"/>
+              <a:pPr>
+                <a:defRPr/>
+              </a:pPr>
+              <a:t>27</a:t>
+            </a:fld>
+            <a:endParaRPr lang="en-US" altLang="ko-KR"/>
+          </a:p>
+        </p:txBody>
+      </p:sp>
+    </p:spTree>
+    <p:extLst>
+      <p:ext uri="{BB962C8B-B14F-4D97-AF65-F5344CB8AC3E}">
+        <p14:creationId xmlns:p14="http://schemas.microsoft.com/office/powerpoint/2010/main" val="3747650955"/>
+      </p:ext>
+    </p:extLst>
+  </p:cSld>
+  <p:clrMapOvr>
+    <a:masterClrMapping/>
+  </p:clrMapOvr>
+</p:notes>
+</file>
+
+<file path=ppt/notesSlides/notesSlide21.xml><?xml version="1.0" encoding="utf-8"?>
+<p:notes xmlns:a="http://schemas.openxmlformats.org/drawingml/2006/main" xmlns:r="http://schemas.openxmlformats.org/officeDocument/2006/relationships" xmlns:p="http://schemas.openxmlformats.org/presentationml/2006/main">
+  <p:cSld>
+    <p:spTree>
+      <p:nvGrpSpPr>
+        <p:cNvPr id="1" name=""/>
+        <p:cNvGrpSpPr/>
+        <p:nvPr/>
+      </p:nvGrpSpPr>
+      <p:grpSpPr>
+        <a:xfrm>
+          <a:off x="0" y="0"/>
+          <a:ext cx="0" cy="0"/>
+          <a:chOff x="0" y="0"/>
+          <a:chExt cx="0" cy="0"/>
+        </a:xfrm>
+      </p:grpSpPr>
+      <p:sp>
+        <p:nvSpPr>
+          <p:cNvPr id="2" name="슬라이드 이미지 개체 틀 1"/>
+          <p:cNvSpPr>
+            <a:spLocks noGrp="1" noRot="1" noChangeAspect="1"/>
+          </p:cNvSpPr>
+          <p:nvPr>
+            <p:ph type="sldImg"/>
+          </p:nvPr>
+        </p:nvSpPr>
+        <p:spPr/>
+      </p:sp>
+      <p:sp>
+        <p:nvSpPr>
+          <p:cNvPr id="3" name="슬라이드 노트 개체 틀 2"/>
+          <p:cNvSpPr>
+            <a:spLocks noGrp="1"/>
+          </p:cNvSpPr>
+          <p:nvPr>
+            <p:ph type="body" idx="1"/>
+          </p:nvPr>
+        </p:nvSpPr>
+        <p:spPr/>
+        <p:txBody>
+          <a:bodyPr/>
+          <a:lstStyle/>
+          <a:p>
+            <a:endParaRPr lang="en-US" altLang="ko-KR" dirty="0"/>
+          </a:p>
+        </p:txBody>
+      </p:sp>
+      <p:sp>
+        <p:nvSpPr>
+          <p:cNvPr id="4" name="슬라이드 번호 개체 틀 3"/>
+          <p:cNvSpPr>
+            <a:spLocks noGrp="1"/>
+          </p:cNvSpPr>
+          <p:nvPr>
+            <p:ph type="sldNum" sz="quarter" idx="5"/>
+          </p:nvPr>
+        </p:nvSpPr>
+        <p:spPr/>
+        <p:txBody>
+          <a:bodyPr/>
+          <a:lstStyle/>
+          <a:p>
+            <a:pPr>
+              <a:defRPr/>
+            </a:pPr>
+            <a:fld id="{A10404A0-7E6D-450D-97DD-AFCF6972070C}" type="slidenum">
+              <a:rPr lang="en-US" altLang="ko-KR" smtClean="0"/>
+              <a:pPr>
+                <a:defRPr/>
+              </a:pPr>
+              <a:t>28</a:t>
+            </a:fld>
+            <a:endParaRPr lang="en-US" altLang="ko-KR"/>
+          </a:p>
+        </p:txBody>
+      </p:sp>
+    </p:spTree>
+    <p:extLst>
+      <p:ext uri="{BB962C8B-B14F-4D97-AF65-F5344CB8AC3E}">
+        <p14:creationId xmlns:p14="http://schemas.microsoft.com/office/powerpoint/2010/main" val="740068246"/>
+      </p:ext>
+    </p:extLst>
+  </p:cSld>
+  <p:clrMapOvr>
+    <a:masterClrMapping/>
+  </p:clrMapOvr>
+</p:notes>
+</file>
+
+<file path=ppt/notesSlides/notesSlide22.xml><?xml version="1.0" encoding="utf-8"?>
+<p:notes xmlns:a="http://schemas.openxmlformats.org/drawingml/2006/main" xmlns:r="http://schemas.openxmlformats.org/officeDocument/2006/relationships" xmlns:p="http://schemas.openxmlformats.org/presentationml/2006/main">
+  <p:cSld>
+    <p:spTree>
+      <p:nvGrpSpPr>
+        <p:cNvPr id="1" name=""/>
+        <p:cNvGrpSpPr/>
+        <p:nvPr/>
+      </p:nvGrpSpPr>
+      <p:grpSpPr>
+        <a:xfrm>
+          <a:off x="0" y="0"/>
+          <a:ext cx="0" cy="0"/>
+          <a:chOff x="0" y="0"/>
+          <a:chExt cx="0" cy="0"/>
+        </a:xfrm>
+      </p:grpSpPr>
+      <p:sp>
+        <p:nvSpPr>
+          <p:cNvPr id="2" name="슬라이드 이미지 개체 틀 1"/>
+          <p:cNvSpPr>
+            <a:spLocks noGrp="1" noRot="1" noChangeAspect="1"/>
+          </p:cNvSpPr>
+          <p:nvPr>
+            <p:ph type="sldImg"/>
+          </p:nvPr>
+        </p:nvSpPr>
+        <p:spPr/>
+      </p:sp>
+      <p:sp>
+        <p:nvSpPr>
+          <p:cNvPr id="3" name="슬라이드 노트 개체 틀 2"/>
+          <p:cNvSpPr>
+            <a:spLocks noGrp="1"/>
+          </p:cNvSpPr>
+          <p:nvPr>
+            <p:ph type="body" idx="1"/>
+          </p:nvPr>
+        </p:nvSpPr>
+        <p:spPr/>
+        <p:txBody>
+          <a:bodyPr/>
+          <a:lstStyle/>
+          <a:p>
+            <a:endParaRPr lang="en-US" altLang="ko-KR" dirty="0"/>
+          </a:p>
+        </p:txBody>
+      </p:sp>
+      <p:sp>
+        <p:nvSpPr>
+          <p:cNvPr id="4" name="슬라이드 번호 개체 틀 3"/>
+          <p:cNvSpPr>
+            <a:spLocks noGrp="1"/>
+          </p:cNvSpPr>
+          <p:nvPr>
+            <p:ph type="sldNum" sz="quarter" idx="5"/>
+          </p:nvPr>
+        </p:nvSpPr>
+        <p:spPr/>
+        <p:txBody>
+          <a:bodyPr/>
+          <a:lstStyle/>
+          <a:p>
+            <a:pPr>
+              <a:defRPr/>
+            </a:pPr>
+            <a:fld id="{A10404A0-7E6D-450D-97DD-AFCF6972070C}" type="slidenum">
+              <a:rPr lang="en-US" altLang="ko-KR" smtClean="0"/>
+              <a:pPr>
+                <a:defRPr/>
+              </a:pPr>
+              <a:t>29</a:t>
+            </a:fld>
+            <a:endParaRPr lang="en-US" altLang="ko-KR"/>
+          </a:p>
+        </p:txBody>
+      </p:sp>
+    </p:spTree>
+    <p:extLst>
+      <p:ext uri="{BB962C8B-B14F-4D97-AF65-F5344CB8AC3E}">
+        <p14:creationId xmlns:p14="http://schemas.microsoft.com/office/powerpoint/2010/main" val="75004988"/>
       </p:ext>
     </p:extLst>
   </p:cSld>
@@ -5477,7 +5754,7 @@
                 <a:latin typeface="HY견고딕" panose="02030600000101010101" pitchFamily="18" charset="-127"/>
                 <a:ea typeface="HY견고딕" panose="02030600000101010101" pitchFamily="18" charset="-127"/>
               </a:rPr>
-              <a:t>2023. 11. 13</a:t>
+              <a:t>2023. 12. 11 </a:t>
             </a:r>
             <a:endParaRPr lang="ko-KR" altLang="en-US" sz="2500" dirty="0">
               <a:latin typeface="HY견고딕" panose="02030600000101010101" pitchFamily="18" charset="-127"/>
@@ -5564,13 +5841,10 @@
               </a:rPr>
               <a:t>불량 발생 예측 시스템</a:t>
             </a:r>
-            <a:r>
-              <a:rPr lang="en-US" altLang="ko-KR" sz="2800" dirty="0">
-                <a:latin typeface="HY견고딕" panose="02030600000101010101" pitchFamily="18" charset="-127"/>
-                <a:ea typeface="HY견고딕" panose="02030600000101010101" pitchFamily="18" charset="-127"/>
-              </a:rPr>
-              <a:t>_1</a:t>
-            </a:r>
+            <a:endParaRPr lang="en-US" altLang="ko-KR" sz="2800" dirty="0">
+              <a:latin typeface="HY견고딕" panose="02030600000101010101" pitchFamily="18" charset="-127"/>
+              <a:ea typeface="HY견고딕" panose="02030600000101010101" pitchFamily="18" charset="-127"/>
+            </a:endParaRPr>
           </a:p>
         </p:txBody>
       </p:sp>
@@ -9001,8 +9275,8 @@
         </p:nvSpPr>
         <p:spPr bwMode="auto">
           <a:xfrm>
-            <a:off x="1907704" y="2276872"/>
-            <a:ext cx="6934733" cy="3223447"/>
+            <a:off x="1907704" y="847780"/>
+            <a:ext cx="6934733" cy="5808770"/>
           </a:xfrm>
           <a:prstGeom prst="rect">
             <a:avLst/>
@@ -9219,6 +9493,174 @@
                 <a:ea typeface="HY헤드라인M" pitchFamily="18" charset="-127"/>
               </a:rPr>
               <a:t>데이터 스케일링</a:t>
+            </a:r>
+            <a:r>
+              <a:rPr lang="en-US" altLang="ko-KR" sz="2800" b="1" dirty="0">
+                <a:latin typeface="HY헤드라인M" pitchFamily="18" charset="-127"/>
+                <a:ea typeface="HY헤드라인M" pitchFamily="18" charset="-127"/>
+              </a:rPr>
+              <a:t>)</a:t>
+            </a:r>
+          </a:p>
+          <a:p>
+            <a:pPr>
+              <a:lnSpc>
+                <a:spcPct val="150000"/>
+              </a:lnSpc>
+            </a:pPr>
+            <a:r>
+              <a:rPr lang="en-US" altLang="ko-KR" sz="2800" b="1" dirty="0">
+                <a:latin typeface="HY헤드라인M" pitchFamily="18" charset="-127"/>
+                <a:ea typeface="HY헤드라인M" pitchFamily="18" charset="-127"/>
+              </a:rPr>
+              <a:t>6. 5</a:t>
+            </a:r>
+            <a:r>
+              <a:rPr lang="ko-KR" altLang="en-US" sz="2800" b="1" dirty="0">
+                <a:latin typeface="HY헤드라인M" pitchFamily="18" charset="-127"/>
+                <a:ea typeface="HY헤드라인M" pitchFamily="18" charset="-127"/>
+              </a:rPr>
+              <a:t>단계 </a:t>
+            </a:r>
+            <a:r>
+              <a:rPr lang="en-US" altLang="ko-KR" sz="2800" b="1" dirty="0">
+                <a:latin typeface="HY헤드라인M" pitchFamily="18" charset="-127"/>
+                <a:ea typeface="HY헤드라인M" pitchFamily="18" charset="-127"/>
+              </a:rPr>
+              <a:t>(</a:t>
+            </a:r>
+            <a:r>
+              <a:rPr lang="ko-KR" altLang="en-US" sz="2800" b="1" dirty="0">
+                <a:latin typeface="HY헤드라인M" pitchFamily="18" charset="-127"/>
+                <a:ea typeface="HY헤드라인M" pitchFamily="18" charset="-127"/>
+              </a:rPr>
+              <a:t>파이프라인 구성</a:t>
+            </a:r>
+            <a:r>
+              <a:rPr lang="en-US" altLang="ko-KR" sz="2800" b="1" dirty="0">
+                <a:latin typeface="HY헤드라인M" pitchFamily="18" charset="-127"/>
+                <a:ea typeface="HY헤드라인M" pitchFamily="18" charset="-127"/>
+              </a:rPr>
+              <a:t>)</a:t>
+            </a:r>
+          </a:p>
+          <a:p>
+            <a:pPr>
+              <a:lnSpc>
+                <a:spcPct val="150000"/>
+              </a:lnSpc>
+            </a:pPr>
+            <a:r>
+              <a:rPr lang="en-US" altLang="ko-KR" sz="2800" b="1" dirty="0">
+                <a:latin typeface="HY헤드라인M" pitchFamily="18" charset="-127"/>
+                <a:ea typeface="HY헤드라인M" pitchFamily="18" charset="-127"/>
+              </a:rPr>
+              <a:t>7. 6</a:t>
+            </a:r>
+            <a:r>
+              <a:rPr lang="ko-KR" altLang="en-US" sz="2800" b="1" dirty="0">
+                <a:latin typeface="HY헤드라인M" pitchFamily="18" charset="-127"/>
+                <a:ea typeface="HY헤드라인M" pitchFamily="18" charset="-127"/>
+              </a:rPr>
+              <a:t>단계 </a:t>
+            </a:r>
+            <a:r>
+              <a:rPr lang="en-US" altLang="ko-KR" sz="2800" b="1" dirty="0">
+                <a:latin typeface="HY헤드라인M" pitchFamily="18" charset="-127"/>
+                <a:ea typeface="HY헤드라인M" pitchFamily="18" charset="-127"/>
+              </a:rPr>
+              <a:t>(</a:t>
+            </a:r>
+            <a:r>
+              <a:rPr lang="ko-KR" altLang="en-US" sz="2800" b="1" dirty="0">
+                <a:latin typeface="HY헤드라인M" pitchFamily="18" charset="-127"/>
+                <a:ea typeface="HY헤드라인M" pitchFamily="18" charset="-127"/>
+              </a:rPr>
+              <a:t>모델 선택 및 훈련</a:t>
+            </a:r>
+            <a:r>
+              <a:rPr lang="en-US" altLang="ko-KR" sz="2800" b="1" dirty="0">
+                <a:latin typeface="HY헤드라인M" pitchFamily="18" charset="-127"/>
+                <a:ea typeface="HY헤드라인M" pitchFamily="18" charset="-127"/>
+              </a:rPr>
+              <a:t>)</a:t>
+            </a:r>
+          </a:p>
+          <a:p>
+            <a:pPr>
+              <a:lnSpc>
+                <a:spcPct val="150000"/>
+              </a:lnSpc>
+            </a:pPr>
+            <a:r>
+              <a:rPr lang="en-US" altLang="ko-KR" sz="2800" b="1" dirty="0">
+                <a:latin typeface="HY헤드라인M" pitchFamily="18" charset="-127"/>
+                <a:ea typeface="HY헤드라인M" pitchFamily="18" charset="-127"/>
+              </a:rPr>
+              <a:t>8. 7</a:t>
+            </a:r>
+            <a:r>
+              <a:rPr lang="ko-KR" altLang="en-US" sz="2800" b="1" dirty="0">
+                <a:latin typeface="HY헤드라인M" pitchFamily="18" charset="-127"/>
+                <a:ea typeface="HY헤드라인M" pitchFamily="18" charset="-127"/>
+              </a:rPr>
+              <a:t>단계 </a:t>
+            </a:r>
+            <a:r>
+              <a:rPr lang="en-US" altLang="ko-KR" sz="2800" b="1" dirty="0">
+                <a:latin typeface="HY헤드라인M" pitchFamily="18" charset="-127"/>
+                <a:ea typeface="HY헤드라인M" pitchFamily="18" charset="-127"/>
+              </a:rPr>
+              <a:t>(</a:t>
+            </a:r>
+            <a:r>
+              <a:rPr lang="ko-KR" altLang="en-US" sz="2800" b="1" dirty="0">
+                <a:latin typeface="HY헤드라인M" pitchFamily="18" charset="-127"/>
+                <a:ea typeface="HY헤드라인M" pitchFamily="18" charset="-127"/>
+              </a:rPr>
+              <a:t>모델 세부 튜닝</a:t>
+            </a:r>
+            <a:r>
+              <a:rPr lang="en-US" altLang="ko-KR" sz="2800" b="1" dirty="0">
+                <a:latin typeface="HY헤드라인M" pitchFamily="18" charset="-127"/>
+                <a:ea typeface="HY헤드라인M" pitchFamily="18" charset="-127"/>
+              </a:rPr>
+              <a:t>)</a:t>
+            </a:r>
+          </a:p>
+          <a:p>
+            <a:pPr>
+              <a:lnSpc>
+                <a:spcPct val="150000"/>
+              </a:lnSpc>
+            </a:pPr>
+            <a:r>
+              <a:rPr lang="en-US" altLang="ko-KR" sz="2800" b="1" dirty="0">
+                <a:latin typeface="HY헤드라인M" pitchFamily="18" charset="-127"/>
+                <a:ea typeface="HY헤드라인M" pitchFamily="18" charset="-127"/>
+              </a:rPr>
+              <a:t>9. 8</a:t>
+            </a:r>
+            <a:r>
+              <a:rPr lang="ko-KR" altLang="en-US" sz="2800" b="1" dirty="0">
+                <a:latin typeface="HY헤드라인M" pitchFamily="18" charset="-127"/>
+                <a:ea typeface="HY헤드라인M" pitchFamily="18" charset="-127"/>
+              </a:rPr>
+              <a:t>단계 </a:t>
+            </a:r>
+            <a:r>
+              <a:rPr lang="en-US" altLang="ko-KR" sz="2800" b="1" dirty="0">
+                <a:latin typeface="HY헤드라인M" pitchFamily="18" charset="-127"/>
+                <a:ea typeface="HY헤드라인M" pitchFamily="18" charset="-127"/>
+              </a:rPr>
+              <a:t>(</a:t>
+            </a:r>
+            <a:r>
+              <a:rPr lang="ko-KR" altLang="en-US" sz="2800" b="1" dirty="0">
+                <a:latin typeface="HY헤드라인M" pitchFamily="18" charset="-127"/>
+                <a:ea typeface="HY헤드라인M" pitchFamily="18" charset="-127"/>
+              </a:rPr>
+              <a:t>결과 및 결론</a:t>
             </a:r>
             <a:r>
               <a:rPr lang="en-US" altLang="ko-KR" sz="2800" b="1" dirty="0">
@@ -11434,6 +11876,943 @@
 </p:sld>
 </file>
 
+<file path=ppt/slides/slide26.xml><?xml version="1.0" encoding="utf-8"?>
+<p:sld xmlns:a="http://schemas.openxmlformats.org/drawingml/2006/main" xmlns:r="http://schemas.openxmlformats.org/officeDocument/2006/relationships" xmlns:p="http://schemas.openxmlformats.org/presentationml/2006/main">
+  <p:cSld>
+    <p:spTree>
+      <p:nvGrpSpPr>
+        <p:cNvPr id="1" name=""/>
+        <p:cNvGrpSpPr/>
+        <p:nvPr/>
+      </p:nvGrpSpPr>
+      <p:grpSpPr>
+        <a:xfrm>
+          <a:off x="0" y="0"/>
+          <a:ext cx="0" cy="0"/>
+          <a:chOff x="0" y="0"/>
+          <a:chExt cx="0" cy="0"/>
+        </a:xfrm>
+      </p:grpSpPr>
+      <p:pic>
+        <p:nvPicPr>
+          <p:cNvPr id="3" name="Picture 5" descr="Aqua"/>
+          <p:cNvPicPr>
+            <a:picLocks noChangeAspect="1" noChangeArrowheads="1"/>
+          </p:cNvPicPr>
+          <p:nvPr/>
+        </p:nvPicPr>
+        <p:blipFill>
+          <a:blip r:embed="rId2" cstate="print"/>
+          <a:srcRect/>
+          <a:stretch>
+            <a:fillRect/>
+          </a:stretch>
+        </p:blipFill>
+        <p:spPr bwMode="auto">
+          <a:xfrm>
+            <a:off x="2224586" y="3109938"/>
+            <a:ext cx="933450" cy="868243"/>
+          </a:xfrm>
+          <a:prstGeom prst="rect">
+            <a:avLst/>
+          </a:prstGeom>
+          <a:noFill/>
+          <a:ln w="9525">
+            <a:noFill/>
+            <a:miter lim="800000"/>
+            <a:headEnd/>
+            <a:tailEnd/>
+          </a:ln>
+        </p:spPr>
+      </p:pic>
+      <p:sp>
+        <p:nvSpPr>
+          <p:cNvPr id="4" name="직사각형 3"/>
+          <p:cNvSpPr/>
+          <p:nvPr/>
+        </p:nvSpPr>
+        <p:spPr>
+          <a:xfrm>
+            <a:off x="2440808" y="3127082"/>
+            <a:ext cx="474810" cy="707886"/>
+          </a:xfrm>
+          <a:prstGeom prst="rect">
+            <a:avLst/>
+          </a:prstGeom>
+          <a:noFill/>
+        </p:spPr>
+        <p:txBody>
+          <a:bodyPr wrap="none" lIns="91440" tIns="45720" rIns="91440" bIns="45720">
+            <a:spAutoFit/>
+          </a:bodyPr>
+          <a:lstStyle/>
+          <a:p>
+            <a:pPr algn="ctr"/>
+            <a:r>
+              <a:rPr lang="en-US" altLang="ko-KR" sz="4000" b="1" dirty="0">
+                <a:ln w="17780" cmpd="sng">
+                  <a:solidFill>
+                    <a:schemeClr val="accent1">
+                      <a:tint val="3000"/>
+                    </a:schemeClr>
+                  </a:solidFill>
+                  <a:prstDash val="solid"/>
+                  <a:miter lim="800000"/>
+                </a:ln>
+                <a:solidFill>
+                  <a:schemeClr val="tx2">
+                    <a:lumMod val="60000"/>
+                    <a:lumOff val="40000"/>
+                  </a:schemeClr>
+                </a:solidFill>
+                <a:effectLst>
+                  <a:outerShdw blurRad="55000" dist="50800" dir="5400000" algn="tl">
+                    <a:srgbClr val="000000">
+                      <a:alpha val="33000"/>
+                    </a:srgbClr>
+                  </a:outerShdw>
+                </a:effectLst>
+              </a:rPr>
+              <a:t>6</a:t>
+            </a:r>
+            <a:endParaRPr lang="en-US" altLang="ko-KR" sz="4000" b="1" cap="none" spc="0" dirty="0">
+              <a:ln w="17780" cmpd="sng">
+                <a:solidFill>
+                  <a:schemeClr val="accent1">
+                    <a:tint val="3000"/>
+                  </a:schemeClr>
+                </a:solidFill>
+                <a:prstDash val="solid"/>
+                <a:miter lim="800000"/>
+              </a:ln>
+              <a:solidFill>
+                <a:schemeClr val="tx2">
+                  <a:lumMod val="60000"/>
+                  <a:lumOff val="40000"/>
+                </a:schemeClr>
+              </a:solidFill>
+              <a:effectLst>
+                <a:outerShdw blurRad="55000" dist="50800" dir="5400000" algn="tl">
+                  <a:srgbClr val="000000">
+                    <a:alpha val="33000"/>
+                  </a:srgbClr>
+                </a:outerShdw>
+              </a:effectLst>
+            </a:endParaRPr>
+          </a:p>
+        </p:txBody>
+      </p:sp>
+      <p:sp>
+        <p:nvSpPr>
+          <p:cNvPr id="8" name="Rectangle 203"/>
+          <p:cNvSpPr>
+            <a:spLocks noChangeArrowheads="1"/>
+          </p:cNvSpPr>
+          <p:nvPr/>
+        </p:nvSpPr>
+        <p:spPr bwMode="auto">
+          <a:xfrm>
+            <a:off x="3131840" y="3109938"/>
+            <a:ext cx="4104456" cy="638123"/>
+          </a:xfrm>
+          <a:prstGeom prst="rect">
+            <a:avLst/>
+          </a:prstGeom>
+          <a:noFill/>
+          <a:ln w="9525">
+            <a:noFill/>
+            <a:miter lim="800000"/>
+            <a:headEnd/>
+            <a:tailEnd/>
+          </a:ln>
+        </p:spPr>
+        <p:txBody>
+          <a:bodyPr wrap="square">
+            <a:spAutoFit/>
+          </a:bodyPr>
+          <a:lstStyle/>
+          <a:p>
+            <a:pPr>
+              <a:lnSpc>
+                <a:spcPct val="150000"/>
+              </a:lnSpc>
+            </a:pPr>
+            <a:r>
+              <a:rPr lang="en-US" altLang="ko-KR" sz="2800" b="1" dirty="0">
+                <a:latin typeface="HY헤드라인M" pitchFamily="18" charset="-127"/>
+                <a:ea typeface="HY헤드라인M" pitchFamily="18" charset="-127"/>
+              </a:rPr>
+              <a:t>5</a:t>
+            </a:r>
+            <a:r>
+              <a:rPr lang="ko-KR" altLang="en-US" sz="2800" b="1" dirty="0">
+                <a:latin typeface="HY헤드라인M" pitchFamily="18" charset="-127"/>
+                <a:ea typeface="HY헤드라인M" pitchFamily="18" charset="-127"/>
+              </a:rPr>
+              <a:t>단계 </a:t>
+            </a:r>
+            <a:r>
+              <a:rPr lang="en-US" altLang="ko-KR" sz="2800" b="1" dirty="0">
+                <a:latin typeface="HY헤드라인M" pitchFamily="18" charset="-127"/>
+                <a:ea typeface="HY헤드라인M" pitchFamily="18" charset="-127"/>
+              </a:rPr>
+              <a:t>(</a:t>
+            </a:r>
+            <a:r>
+              <a:rPr lang="ko-KR" altLang="en-US" sz="2800" b="1" dirty="0">
+                <a:latin typeface="HY헤드라인M" pitchFamily="18" charset="-127"/>
+                <a:ea typeface="HY헤드라인M" pitchFamily="18" charset="-127"/>
+              </a:rPr>
+              <a:t>파이프라인 구성</a:t>
+            </a:r>
+            <a:r>
+              <a:rPr lang="en-US" altLang="ko-KR" sz="2800" b="1" dirty="0">
+                <a:latin typeface="HY헤드라인M" pitchFamily="18" charset="-127"/>
+                <a:ea typeface="HY헤드라인M" pitchFamily="18" charset="-127"/>
+              </a:rPr>
+              <a:t>)</a:t>
+            </a:r>
+            <a:endParaRPr lang="ko-KR" altLang="en-US" sz="2800" b="1" dirty="0">
+              <a:latin typeface="HY헤드라인M" pitchFamily="18" charset="-127"/>
+              <a:ea typeface="HY헤드라인M" pitchFamily="18" charset="-127"/>
+            </a:endParaRPr>
+          </a:p>
+        </p:txBody>
+      </p:sp>
+    </p:spTree>
+    <p:extLst>
+      <p:ext uri="{BB962C8B-B14F-4D97-AF65-F5344CB8AC3E}">
+        <p14:creationId xmlns:p14="http://schemas.microsoft.com/office/powerpoint/2010/main" val="1878462729"/>
+      </p:ext>
+    </p:extLst>
+  </p:cSld>
+  <p:clrMapOvr>
+    <a:masterClrMapping/>
+  </p:clrMapOvr>
+  <p:transition>
+    <p:fade/>
+  </p:transition>
+</p:sld>
+</file>
+
+<file path=ppt/slides/slide27.xml><?xml version="1.0" encoding="utf-8"?>
+<p:sld xmlns:a="http://schemas.openxmlformats.org/drawingml/2006/main" xmlns:r="http://schemas.openxmlformats.org/officeDocument/2006/relationships" xmlns:p="http://schemas.openxmlformats.org/presentationml/2006/main">
+  <p:cSld>
+    <p:spTree>
+      <p:nvGrpSpPr>
+        <p:cNvPr id="1" name=""/>
+        <p:cNvGrpSpPr/>
+        <p:nvPr/>
+      </p:nvGrpSpPr>
+      <p:grpSpPr>
+        <a:xfrm>
+          <a:off x="0" y="0"/>
+          <a:ext cx="0" cy="0"/>
+          <a:chOff x="0" y="0"/>
+          <a:chExt cx="0" cy="0"/>
+        </a:xfrm>
+      </p:grpSpPr>
+      <p:sp>
+        <p:nvSpPr>
+          <p:cNvPr id="14" name="내용 개체 틀 1"/>
+          <p:cNvSpPr>
+            <a:spLocks noGrp="1"/>
+          </p:cNvSpPr>
+          <p:nvPr>
+            <p:ph/>
+          </p:nvPr>
+        </p:nvSpPr>
+        <p:spPr bwMode="auto">
+          <a:xfrm>
+            <a:off x="179387" y="981075"/>
+            <a:ext cx="8785225" cy="431800"/>
+          </a:xfrm>
+          <a:noFill/>
+          <a:ln>
+            <a:miter lim="800000"/>
+            <a:headEnd/>
+            <a:tailEnd/>
+          </a:ln>
+        </p:spPr>
+        <p:txBody>
+          <a:bodyPr vert="horz" wrap="square" lIns="91440" tIns="45720" rIns="91440" bIns="45720" numCol="1" anchor="t" anchorCtr="0" compatLnSpc="1">
+            <a:prstTxWarp prst="textNoShape">
+              <a:avLst/>
+            </a:prstTxWarp>
+          </a:bodyPr>
+          <a:lstStyle/>
+          <a:p>
+            <a:r>
+              <a:rPr lang="ko-KR" altLang="en-US" dirty="0">
+                <a:latin typeface="HY헤드라인M" pitchFamily="18" charset="-127"/>
+                <a:ea typeface="HY헤드라인M" pitchFamily="18" charset="-127"/>
+              </a:rPr>
+              <a:t>파이프라인 구성</a:t>
+            </a:r>
+          </a:p>
+        </p:txBody>
+      </p:sp>
+      <p:sp>
+        <p:nvSpPr>
+          <p:cNvPr id="9" name="TextBox 8"/>
+          <p:cNvSpPr txBox="1"/>
+          <p:nvPr/>
+        </p:nvSpPr>
+        <p:spPr>
+          <a:xfrm>
+            <a:off x="514350" y="1422600"/>
+            <a:ext cx="8280724" cy="482120"/>
+          </a:xfrm>
+          <a:prstGeom prst="rect">
+            <a:avLst/>
+          </a:prstGeom>
+          <a:noFill/>
+        </p:spPr>
+        <p:txBody>
+          <a:bodyPr wrap="square" rtlCol="0">
+            <a:spAutoFit/>
+          </a:bodyPr>
+          <a:lstStyle/>
+          <a:p>
+            <a:pPr marL="285750" indent="-285750" algn="just">
+              <a:lnSpc>
+                <a:spcPct val="150000"/>
+              </a:lnSpc>
+              <a:buClr>
+                <a:srgbClr val="C00000"/>
+              </a:buClr>
+              <a:buFont typeface="Wingdings" panose="05000000000000000000" pitchFamily="2" charset="2"/>
+              <a:buChar char="l"/>
+            </a:pPr>
+            <a:r>
+              <a:rPr lang="en-US" altLang="ko-KR" sz="2000" dirty="0">
+                <a:latin typeface="HY헤드라인M" panose="02030600000101010101" pitchFamily="18" charset="-127"/>
+                <a:ea typeface="HY헤드라인M" panose="02030600000101010101" pitchFamily="18" charset="-127"/>
+              </a:rPr>
+              <a:t>Default Pipeline </a:t>
+            </a:r>
+            <a:r>
+              <a:rPr lang="en-US" altLang="ko-KR" sz="1600" dirty="0">
+                <a:latin typeface="HY헤드라인M" panose="02030600000101010101" pitchFamily="18" charset="-127"/>
+                <a:ea typeface="HY헤드라인M" panose="02030600000101010101" pitchFamily="18" charset="-127"/>
+              </a:rPr>
+              <a:t>- Simple Imputer + Min-Max Scaler</a:t>
+            </a:r>
+          </a:p>
+        </p:txBody>
+      </p:sp>
+      <p:sp>
+        <p:nvSpPr>
+          <p:cNvPr id="2" name="Rectangle 203">
+            <a:extLst>
+              <a:ext uri="{FF2B5EF4-FFF2-40B4-BE49-F238E27FC236}">
+                <a16:creationId xmlns:a16="http://schemas.microsoft.com/office/drawing/2014/main" id="{F3781700-51B4-0BC0-C3F4-E02EE8ECB30D}"/>
+              </a:ext>
+            </a:extLst>
+          </p:cNvPr>
+          <p:cNvSpPr>
+            <a:spLocks noChangeArrowheads="1"/>
+          </p:cNvSpPr>
+          <p:nvPr/>
+        </p:nvSpPr>
+        <p:spPr bwMode="auto">
+          <a:xfrm>
+            <a:off x="2051843" y="142852"/>
+            <a:ext cx="5040313" cy="457200"/>
+          </a:xfrm>
+          <a:prstGeom prst="rect">
+            <a:avLst/>
+          </a:prstGeom>
+          <a:noFill/>
+          <a:ln w="9525">
+            <a:noFill/>
+            <a:miter lim="800000"/>
+            <a:headEnd/>
+            <a:tailEnd/>
+          </a:ln>
+        </p:spPr>
+        <p:txBody>
+          <a:bodyPr>
+            <a:spAutoFit/>
+          </a:bodyPr>
+          <a:lstStyle/>
+          <a:p>
+            <a:pPr algn="ctr"/>
+            <a:r>
+              <a:rPr lang="ko-KR" altLang="en-US" sz="2400" b="1" dirty="0">
+                <a:solidFill>
+                  <a:schemeClr val="bg1"/>
+                </a:solidFill>
+                <a:latin typeface="HY헤드라인M" pitchFamily="18" charset="-127"/>
+                <a:ea typeface="HY헤드라인M" pitchFamily="18" charset="-127"/>
+              </a:rPr>
+              <a:t>파이프라인 구성</a:t>
+            </a:r>
+          </a:p>
+        </p:txBody>
+      </p:sp>
+      <p:pic>
+        <p:nvPicPr>
+          <p:cNvPr id="6" name="그림 5">
+            <a:extLst>
+              <a:ext uri="{FF2B5EF4-FFF2-40B4-BE49-F238E27FC236}">
+                <a16:creationId xmlns:a16="http://schemas.microsoft.com/office/drawing/2014/main" id="{1A4C86EE-B1E3-7EBC-8E96-E266D9A019E0}"/>
+              </a:ext>
+            </a:extLst>
+          </p:cNvPr>
+          <p:cNvPicPr>
+            <a:picLocks noChangeAspect="1"/>
+          </p:cNvPicPr>
+          <p:nvPr/>
+        </p:nvPicPr>
+        <p:blipFill>
+          <a:blip r:embed="rId3"/>
+          <a:stretch>
+            <a:fillRect/>
+          </a:stretch>
+        </p:blipFill>
+        <p:spPr>
+          <a:xfrm>
+            <a:off x="1115616" y="1988840"/>
+            <a:ext cx="5760640" cy="2156333"/>
+          </a:xfrm>
+          <a:prstGeom prst="rect">
+            <a:avLst/>
+          </a:prstGeom>
+        </p:spPr>
+      </p:pic>
+      <p:sp>
+        <p:nvSpPr>
+          <p:cNvPr id="8" name="TextBox 7">
+            <a:extLst>
+              <a:ext uri="{FF2B5EF4-FFF2-40B4-BE49-F238E27FC236}">
+                <a16:creationId xmlns:a16="http://schemas.microsoft.com/office/drawing/2014/main" id="{CB8D9248-17A0-C072-D467-7458DC2F433B}"/>
+              </a:ext>
+            </a:extLst>
+          </p:cNvPr>
+          <p:cNvSpPr txBox="1"/>
+          <p:nvPr/>
+        </p:nvSpPr>
+        <p:spPr>
+          <a:xfrm>
+            <a:off x="514638" y="4169729"/>
+            <a:ext cx="7369730" cy="482120"/>
+          </a:xfrm>
+          <a:prstGeom prst="rect">
+            <a:avLst/>
+          </a:prstGeom>
+          <a:noFill/>
+        </p:spPr>
+        <p:txBody>
+          <a:bodyPr wrap="square" rtlCol="0">
+            <a:spAutoFit/>
+          </a:bodyPr>
+          <a:lstStyle/>
+          <a:p>
+            <a:pPr marL="285750" indent="-285750" algn="just">
+              <a:lnSpc>
+                <a:spcPct val="150000"/>
+              </a:lnSpc>
+              <a:buClr>
+                <a:srgbClr val="C00000"/>
+              </a:buClr>
+              <a:buFont typeface="Wingdings" panose="05000000000000000000" pitchFamily="2" charset="2"/>
+              <a:buChar char="l"/>
+            </a:pPr>
+            <a:r>
+              <a:rPr lang="en-US" altLang="ko-KR" sz="2000" dirty="0">
+                <a:latin typeface="HY헤드라인M" panose="02030600000101010101" pitchFamily="18" charset="-127"/>
+                <a:ea typeface="HY헤드라인M" panose="02030600000101010101" pitchFamily="18" charset="-127"/>
+              </a:rPr>
+              <a:t>Ratio Pipeline </a:t>
+            </a:r>
+            <a:r>
+              <a:rPr lang="en-US" altLang="ko-KR" sz="1600" dirty="0">
+                <a:latin typeface="HY헤드라인M" panose="02030600000101010101" pitchFamily="18" charset="-127"/>
+                <a:ea typeface="HY헤드라인M" panose="02030600000101010101" pitchFamily="18" charset="-127"/>
+              </a:rPr>
+              <a:t>– Ratio</a:t>
+            </a:r>
+            <a:r>
+              <a:rPr lang="ko-KR" altLang="en-US" sz="1600" dirty="0">
+                <a:latin typeface="HY헤드라인M" panose="02030600000101010101" pitchFamily="18" charset="-127"/>
+                <a:ea typeface="HY헤드라인M" panose="02030600000101010101" pitchFamily="18" charset="-127"/>
+              </a:rPr>
+              <a:t> </a:t>
+            </a:r>
+            <a:r>
+              <a:rPr lang="en-US" altLang="ko-KR" sz="1600" dirty="0">
+                <a:latin typeface="HY헤드라인M" panose="02030600000101010101" pitchFamily="18" charset="-127"/>
+                <a:ea typeface="HY헤드라인M" panose="02030600000101010101" pitchFamily="18" charset="-127"/>
+              </a:rPr>
+              <a:t>+ Default Pipeline   </a:t>
+            </a:r>
+          </a:p>
+        </p:txBody>
+      </p:sp>
+      <p:pic>
+        <p:nvPicPr>
+          <p:cNvPr id="11" name="그림 10">
+            <a:extLst>
+              <a:ext uri="{FF2B5EF4-FFF2-40B4-BE49-F238E27FC236}">
+                <a16:creationId xmlns:a16="http://schemas.microsoft.com/office/drawing/2014/main" id="{5B4C2DF1-B244-0A23-2B5C-1BE143420DC6}"/>
+              </a:ext>
+            </a:extLst>
+          </p:cNvPr>
+          <p:cNvPicPr>
+            <a:picLocks noChangeAspect="1"/>
+          </p:cNvPicPr>
+          <p:nvPr/>
+        </p:nvPicPr>
+        <p:blipFill>
+          <a:blip r:embed="rId4"/>
+          <a:stretch>
+            <a:fillRect/>
+          </a:stretch>
+        </p:blipFill>
+        <p:spPr>
+          <a:xfrm>
+            <a:off x="1775743" y="4676205"/>
+            <a:ext cx="3685580" cy="1972817"/>
+          </a:xfrm>
+          <a:prstGeom prst="rect">
+            <a:avLst/>
+          </a:prstGeom>
+        </p:spPr>
+      </p:pic>
+    </p:spTree>
+    <p:extLst>
+      <p:ext uri="{BB962C8B-B14F-4D97-AF65-F5344CB8AC3E}">
+        <p14:creationId xmlns:p14="http://schemas.microsoft.com/office/powerpoint/2010/main" val="4241000825"/>
+      </p:ext>
+    </p:extLst>
+  </p:cSld>
+  <p:clrMapOvr>
+    <a:masterClrMapping/>
+  </p:clrMapOvr>
+  <p:transition>
+    <p:fade/>
+  </p:transition>
+</p:sld>
+</file>
+
+<file path=ppt/slides/slide28.xml><?xml version="1.0" encoding="utf-8"?>
+<p:sld xmlns:a="http://schemas.openxmlformats.org/drawingml/2006/main" xmlns:r="http://schemas.openxmlformats.org/officeDocument/2006/relationships" xmlns:p="http://schemas.openxmlformats.org/presentationml/2006/main">
+  <p:cSld>
+    <p:spTree>
+      <p:nvGrpSpPr>
+        <p:cNvPr id="1" name=""/>
+        <p:cNvGrpSpPr/>
+        <p:nvPr/>
+      </p:nvGrpSpPr>
+      <p:grpSpPr>
+        <a:xfrm>
+          <a:off x="0" y="0"/>
+          <a:ext cx="0" cy="0"/>
+          <a:chOff x="0" y="0"/>
+          <a:chExt cx="0" cy="0"/>
+        </a:xfrm>
+      </p:grpSpPr>
+      <p:sp>
+        <p:nvSpPr>
+          <p:cNvPr id="14" name="내용 개체 틀 1"/>
+          <p:cNvSpPr>
+            <a:spLocks noGrp="1"/>
+          </p:cNvSpPr>
+          <p:nvPr>
+            <p:ph/>
+          </p:nvPr>
+        </p:nvSpPr>
+        <p:spPr bwMode="auto">
+          <a:xfrm>
+            <a:off x="179387" y="981075"/>
+            <a:ext cx="8785225" cy="431800"/>
+          </a:xfrm>
+          <a:noFill/>
+          <a:ln>
+            <a:miter lim="800000"/>
+            <a:headEnd/>
+            <a:tailEnd/>
+          </a:ln>
+        </p:spPr>
+        <p:txBody>
+          <a:bodyPr vert="horz" wrap="square" lIns="91440" tIns="45720" rIns="91440" bIns="45720" numCol="1" anchor="t" anchorCtr="0" compatLnSpc="1">
+            <a:prstTxWarp prst="textNoShape">
+              <a:avLst/>
+            </a:prstTxWarp>
+          </a:bodyPr>
+          <a:lstStyle/>
+          <a:p>
+            <a:r>
+              <a:rPr lang="ko-KR" altLang="en-US" dirty="0">
+                <a:latin typeface="HY헤드라인M" pitchFamily="18" charset="-127"/>
+                <a:ea typeface="HY헤드라인M" pitchFamily="18" charset="-127"/>
+              </a:rPr>
+              <a:t>파이프라인 구성</a:t>
+            </a:r>
+          </a:p>
+        </p:txBody>
+      </p:sp>
+      <p:sp>
+        <p:nvSpPr>
+          <p:cNvPr id="2" name="Rectangle 203">
+            <a:extLst>
+              <a:ext uri="{FF2B5EF4-FFF2-40B4-BE49-F238E27FC236}">
+                <a16:creationId xmlns:a16="http://schemas.microsoft.com/office/drawing/2014/main" id="{F3781700-51B4-0BC0-C3F4-E02EE8ECB30D}"/>
+              </a:ext>
+            </a:extLst>
+          </p:cNvPr>
+          <p:cNvSpPr>
+            <a:spLocks noChangeArrowheads="1"/>
+          </p:cNvSpPr>
+          <p:nvPr/>
+        </p:nvSpPr>
+        <p:spPr bwMode="auto">
+          <a:xfrm>
+            <a:off x="2051843" y="142852"/>
+            <a:ext cx="5040313" cy="457200"/>
+          </a:xfrm>
+          <a:prstGeom prst="rect">
+            <a:avLst/>
+          </a:prstGeom>
+          <a:noFill/>
+          <a:ln w="9525">
+            <a:noFill/>
+            <a:miter lim="800000"/>
+            <a:headEnd/>
+            <a:tailEnd/>
+          </a:ln>
+        </p:spPr>
+        <p:txBody>
+          <a:bodyPr>
+            <a:spAutoFit/>
+          </a:bodyPr>
+          <a:lstStyle/>
+          <a:p>
+            <a:pPr algn="ctr"/>
+            <a:r>
+              <a:rPr lang="ko-KR" altLang="en-US" sz="2400" b="1" dirty="0">
+                <a:solidFill>
+                  <a:schemeClr val="bg1"/>
+                </a:solidFill>
+                <a:latin typeface="HY헤드라인M" pitchFamily="18" charset="-127"/>
+                <a:ea typeface="HY헤드라인M" pitchFamily="18" charset="-127"/>
+              </a:rPr>
+              <a:t>파이프라인 구성</a:t>
+            </a:r>
+          </a:p>
+        </p:txBody>
+      </p:sp>
+      <p:sp>
+        <p:nvSpPr>
+          <p:cNvPr id="3" name="TextBox 2">
+            <a:extLst>
+              <a:ext uri="{FF2B5EF4-FFF2-40B4-BE49-F238E27FC236}">
+                <a16:creationId xmlns:a16="http://schemas.microsoft.com/office/drawing/2014/main" id="{669C6553-957D-AFF8-6A34-2F349878E9EF}"/>
+              </a:ext>
+            </a:extLst>
+          </p:cNvPr>
+          <p:cNvSpPr txBox="1"/>
+          <p:nvPr/>
+        </p:nvSpPr>
+        <p:spPr>
+          <a:xfrm>
+            <a:off x="514350" y="1422600"/>
+            <a:ext cx="8280724" cy="482120"/>
+          </a:xfrm>
+          <a:prstGeom prst="rect">
+            <a:avLst/>
+          </a:prstGeom>
+          <a:noFill/>
+        </p:spPr>
+        <p:txBody>
+          <a:bodyPr wrap="square" rtlCol="0">
+            <a:spAutoFit/>
+          </a:bodyPr>
+          <a:lstStyle/>
+          <a:p>
+            <a:pPr marL="285750" indent="-285750" algn="just">
+              <a:lnSpc>
+                <a:spcPct val="150000"/>
+              </a:lnSpc>
+              <a:buClr>
+                <a:srgbClr val="C00000"/>
+              </a:buClr>
+              <a:buFont typeface="Wingdings" panose="05000000000000000000" pitchFamily="2" charset="2"/>
+              <a:buChar char="l"/>
+            </a:pPr>
+            <a:r>
+              <a:rPr lang="en-US" altLang="ko-KR" sz="2000" dirty="0">
+                <a:latin typeface="HY헤드라인M" panose="02030600000101010101" pitchFamily="18" charset="-127"/>
+                <a:ea typeface="HY헤드라인M" panose="02030600000101010101" pitchFamily="18" charset="-127"/>
+              </a:rPr>
+              <a:t>Log Pipeline </a:t>
+            </a:r>
+            <a:r>
+              <a:rPr lang="en-US" altLang="ko-KR" sz="1600" dirty="0">
+                <a:latin typeface="HY헤드라인M" panose="02030600000101010101" pitchFamily="18" charset="-127"/>
+                <a:ea typeface="HY헤드라인M" panose="02030600000101010101" pitchFamily="18" charset="-127"/>
+              </a:rPr>
+              <a:t>– Logarithm + Default Pipeline</a:t>
+            </a:r>
+          </a:p>
+        </p:txBody>
+      </p:sp>
+      <p:pic>
+        <p:nvPicPr>
+          <p:cNvPr id="5" name="그림 4">
+            <a:extLst>
+              <a:ext uri="{FF2B5EF4-FFF2-40B4-BE49-F238E27FC236}">
+                <a16:creationId xmlns:a16="http://schemas.microsoft.com/office/drawing/2014/main" id="{A19E18BD-0A31-08DD-69CC-E45BCC07637A}"/>
+              </a:ext>
+            </a:extLst>
+          </p:cNvPr>
+          <p:cNvPicPr>
+            <a:picLocks noChangeAspect="1"/>
+          </p:cNvPicPr>
+          <p:nvPr/>
+        </p:nvPicPr>
+        <p:blipFill>
+          <a:blip r:embed="rId3"/>
+          <a:stretch>
+            <a:fillRect/>
+          </a:stretch>
+        </p:blipFill>
+        <p:spPr>
+          <a:xfrm>
+            <a:off x="1619672" y="1988840"/>
+            <a:ext cx="5335021" cy="3240360"/>
+          </a:xfrm>
+          <a:prstGeom prst="rect">
+            <a:avLst/>
+          </a:prstGeom>
+        </p:spPr>
+      </p:pic>
+    </p:spTree>
+    <p:extLst>
+      <p:ext uri="{BB962C8B-B14F-4D97-AF65-F5344CB8AC3E}">
+        <p14:creationId xmlns:p14="http://schemas.microsoft.com/office/powerpoint/2010/main" val="3727444881"/>
+      </p:ext>
+    </p:extLst>
+  </p:cSld>
+  <p:clrMapOvr>
+    <a:masterClrMapping/>
+  </p:clrMapOvr>
+  <p:transition>
+    <p:fade/>
+  </p:transition>
+</p:sld>
+</file>
+
+<file path=ppt/slides/slide29.xml><?xml version="1.0" encoding="utf-8"?>
+<p:sld xmlns:a="http://schemas.openxmlformats.org/drawingml/2006/main" xmlns:r="http://schemas.openxmlformats.org/officeDocument/2006/relationships" xmlns:p="http://schemas.openxmlformats.org/presentationml/2006/main">
+  <p:cSld>
+    <p:spTree>
+      <p:nvGrpSpPr>
+        <p:cNvPr id="1" name=""/>
+        <p:cNvGrpSpPr/>
+        <p:nvPr/>
+      </p:nvGrpSpPr>
+      <p:grpSpPr>
+        <a:xfrm>
+          <a:off x="0" y="0"/>
+          <a:ext cx="0" cy="0"/>
+          <a:chOff x="0" y="0"/>
+          <a:chExt cx="0" cy="0"/>
+        </a:xfrm>
+      </p:grpSpPr>
+      <p:sp>
+        <p:nvSpPr>
+          <p:cNvPr id="14" name="내용 개체 틀 1"/>
+          <p:cNvSpPr>
+            <a:spLocks noGrp="1"/>
+          </p:cNvSpPr>
+          <p:nvPr>
+            <p:ph/>
+          </p:nvPr>
+        </p:nvSpPr>
+        <p:spPr bwMode="auto">
+          <a:xfrm>
+            <a:off x="179387" y="981075"/>
+            <a:ext cx="8785225" cy="431800"/>
+          </a:xfrm>
+          <a:noFill/>
+          <a:ln>
+            <a:miter lim="800000"/>
+            <a:headEnd/>
+            <a:tailEnd/>
+          </a:ln>
+        </p:spPr>
+        <p:txBody>
+          <a:bodyPr vert="horz" wrap="square" lIns="91440" tIns="45720" rIns="91440" bIns="45720" numCol="1" anchor="t" anchorCtr="0" compatLnSpc="1">
+            <a:prstTxWarp prst="textNoShape">
+              <a:avLst/>
+            </a:prstTxWarp>
+          </a:bodyPr>
+          <a:lstStyle/>
+          <a:p>
+            <a:r>
+              <a:rPr lang="ko-KR" altLang="en-US" dirty="0">
+                <a:latin typeface="HY헤드라인M" pitchFamily="18" charset="-127"/>
+                <a:ea typeface="HY헤드라인M" pitchFamily="18" charset="-127"/>
+              </a:rPr>
+              <a:t>파이프라인 구성</a:t>
+            </a:r>
+          </a:p>
+        </p:txBody>
+      </p:sp>
+      <p:sp>
+        <p:nvSpPr>
+          <p:cNvPr id="9" name="TextBox 8"/>
+          <p:cNvSpPr txBox="1"/>
+          <p:nvPr/>
+        </p:nvSpPr>
+        <p:spPr>
+          <a:xfrm>
+            <a:off x="514350" y="1422600"/>
+            <a:ext cx="8629650" cy="482120"/>
+          </a:xfrm>
+          <a:prstGeom prst="rect">
+            <a:avLst/>
+          </a:prstGeom>
+          <a:noFill/>
+        </p:spPr>
+        <p:txBody>
+          <a:bodyPr wrap="square" rtlCol="0">
+            <a:spAutoFit/>
+          </a:bodyPr>
+          <a:lstStyle/>
+          <a:p>
+            <a:pPr marL="285750" indent="-285750" algn="just">
+              <a:lnSpc>
+                <a:spcPct val="150000"/>
+              </a:lnSpc>
+              <a:buClr>
+                <a:srgbClr val="C00000"/>
+              </a:buClr>
+              <a:buFont typeface="Wingdings" panose="05000000000000000000" pitchFamily="2" charset="2"/>
+              <a:buChar char="l"/>
+            </a:pPr>
+            <a:r>
+              <a:rPr lang="ko-KR" altLang="en-US" sz="2000" dirty="0">
+                <a:latin typeface="HY헤드라인M" panose="02030600000101010101" pitchFamily="18" charset="-127"/>
+                <a:ea typeface="HY헤드라인M" panose="02030600000101010101" pitchFamily="18" charset="-127"/>
+              </a:rPr>
+              <a:t>전체 파이프라인 </a:t>
+            </a:r>
+            <a:r>
+              <a:rPr lang="en-US" altLang="ko-KR" sz="2000" dirty="0">
+                <a:latin typeface="HY헤드라인M" panose="02030600000101010101" pitchFamily="18" charset="-127"/>
+                <a:ea typeface="HY헤드라인M" panose="02030600000101010101" pitchFamily="18" charset="-127"/>
+              </a:rPr>
+              <a:t>: </a:t>
+            </a:r>
+            <a:r>
+              <a:rPr lang="en-US" altLang="ko-KR" sz="1600" dirty="0">
+                <a:latin typeface="HY헤드라인M" panose="02030600000101010101" pitchFamily="18" charset="-127"/>
+                <a:ea typeface="HY헤드라인M" panose="02030600000101010101" pitchFamily="18" charset="-127"/>
+              </a:rPr>
+              <a:t>Ratio pipeline → Log pipeline → Default pipeline(Remainder)  </a:t>
+            </a:r>
+          </a:p>
+        </p:txBody>
+      </p:sp>
+      <p:sp>
+        <p:nvSpPr>
+          <p:cNvPr id="2" name="Rectangle 203">
+            <a:extLst>
+              <a:ext uri="{FF2B5EF4-FFF2-40B4-BE49-F238E27FC236}">
+                <a16:creationId xmlns:a16="http://schemas.microsoft.com/office/drawing/2014/main" id="{F3781700-51B4-0BC0-C3F4-E02EE8ECB30D}"/>
+              </a:ext>
+            </a:extLst>
+          </p:cNvPr>
+          <p:cNvSpPr>
+            <a:spLocks noChangeArrowheads="1"/>
+          </p:cNvSpPr>
+          <p:nvPr/>
+        </p:nvSpPr>
+        <p:spPr bwMode="auto">
+          <a:xfrm>
+            <a:off x="2051843" y="142852"/>
+            <a:ext cx="5040313" cy="457200"/>
+          </a:xfrm>
+          <a:prstGeom prst="rect">
+            <a:avLst/>
+          </a:prstGeom>
+          <a:noFill/>
+          <a:ln w="9525">
+            <a:noFill/>
+            <a:miter lim="800000"/>
+            <a:headEnd/>
+            <a:tailEnd/>
+          </a:ln>
+        </p:spPr>
+        <p:txBody>
+          <a:bodyPr>
+            <a:spAutoFit/>
+          </a:bodyPr>
+          <a:lstStyle/>
+          <a:p>
+            <a:pPr algn="ctr"/>
+            <a:r>
+              <a:rPr lang="ko-KR" altLang="en-US" sz="2400" b="1" dirty="0">
+                <a:solidFill>
+                  <a:schemeClr val="bg1"/>
+                </a:solidFill>
+                <a:latin typeface="HY헤드라인M" pitchFamily="18" charset="-127"/>
+                <a:ea typeface="HY헤드라인M" pitchFamily="18" charset="-127"/>
+              </a:rPr>
+              <a:t>파이프라인 구성</a:t>
+            </a:r>
+          </a:p>
+        </p:txBody>
+      </p:sp>
+      <p:pic>
+        <p:nvPicPr>
+          <p:cNvPr id="4" name="그림 3">
+            <a:extLst>
+              <a:ext uri="{FF2B5EF4-FFF2-40B4-BE49-F238E27FC236}">
+                <a16:creationId xmlns:a16="http://schemas.microsoft.com/office/drawing/2014/main" id="{A8869395-AAF9-E4EC-8B17-2FB4436A2FB7}"/>
+              </a:ext>
+            </a:extLst>
+          </p:cNvPr>
+          <p:cNvPicPr>
+            <a:picLocks noChangeAspect="1"/>
+          </p:cNvPicPr>
+          <p:nvPr/>
+        </p:nvPicPr>
+        <p:blipFill>
+          <a:blip r:embed="rId3"/>
+          <a:stretch>
+            <a:fillRect/>
+          </a:stretch>
+        </p:blipFill>
+        <p:spPr>
+          <a:xfrm>
+            <a:off x="1259632" y="2204864"/>
+            <a:ext cx="5973588" cy="3933528"/>
+          </a:xfrm>
+          <a:prstGeom prst="rect">
+            <a:avLst/>
+          </a:prstGeom>
+        </p:spPr>
+      </p:pic>
+    </p:spTree>
+    <p:extLst>
+      <p:ext uri="{BB962C8B-B14F-4D97-AF65-F5344CB8AC3E}">
+        <p14:creationId xmlns:p14="http://schemas.microsoft.com/office/powerpoint/2010/main" val="1290180636"/>
+      </p:ext>
+    </p:extLst>
+  </p:cSld>
+  <p:clrMapOvr>
+    <a:masterClrMapping/>
+  </p:clrMapOvr>
+  <p:transition>
+    <p:fade/>
+  </p:transition>
+</p:sld>
+</file>
+
 <file path=ppt/slides/slide3.xml><?xml version="1.0" encoding="utf-8"?>
 <p:sld xmlns:a="http://schemas.openxmlformats.org/drawingml/2006/main" xmlns:r="http://schemas.openxmlformats.org/officeDocument/2006/relationships" xmlns:p="http://schemas.openxmlformats.org/presentationml/2006/main">
   <p:cSld>
@@ -11592,6 +12971,591 @@
 </p:sld>
 </file>
 
+<file path=ppt/slides/slide30.xml><?xml version="1.0" encoding="utf-8"?>
+<p:sld xmlns:a="http://schemas.openxmlformats.org/drawingml/2006/main" xmlns:r="http://schemas.openxmlformats.org/officeDocument/2006/relationships" xmlns:p="http://schemas.openxmlformats.org/presentationml/2006/main">
+  <p:cSld>
+    <p:spTree>
+      <p:nvGrpSpPr>
+        <p:cNvPr id="1" name=""/>
+        <p:cNvGrpSpPr/>
+        <p:nvPr/>
+      </p:nvGrpSpPr>
+      <p:grpSpPr>
+        <a:xfrm>
+          <a:off x="0" y="0"/>
+          <a:ext cx="0" cy="0"/>
+          <a:chOff x="0" y="0"/>
+          <a:chExt cx="0" cy="0"/>
+        </a:xfrm>
+      </p:grpSpPr>
+      <p:pic>
+        <p:nvPicPr>
+          <p:cNvPr id="3" name="Picture 5" descr="Aqua"/>
+          <p:cNvPicPr>
+            <a:picLocks noChangeAspect="1" noChangeArrowheads="1"/>
+          </p:cNvPicPr>
+          <p:nvPr/>
+        </p:nvPicPr>
+        <p:blipFill>
+          <a:blip r:embed="rId2" cstate="print"/>
+          <a:srcRect/>
+          <a:stretch>
+            <a:fillRect/>
+          </a:stretch>
+        </p:blipFill>
+        <p:spPr bwMode="auto">
+          <a:xfrm>
+            <a:off x="2008562" y="3109938"/>
+            <a:ext cx="933450" cy="868243"/>
+          </a:xfrm>
+          <a:prstGeom prst="rect">
+            <a:avLst/>
+          </a:prstGeom>
+          <a:noFill/>
+          <a:ln w="9525">
+            <a:noFill/>
+            <a:miter lim="800000"/>
+            <a:headEnd/>
+            <a:tailEnd/>
+          </a:ln>
+        </p:spPr>
+      </p:pic>
+      <p:sp>
+        <p:nvSpPr>
+          <p:cNvPr id="4" name="직사각형 3"/>
+          <p:cNvSpPr/>
+          <p:nvPr/>
+        </p:nvSpPr>
+        <p:spPr>
+          <a:xfrm>
+            <a:off x="2224784" y="3127082"/>
+            <a:ext cx="474810" cy="707886"/>
+          </a:xfrm>
+          <a:prstGeom prst="rect">
+            <a:avLst/>
+          </a:prstGeom>
+          <a:noFill/>
+        </p:spPr>
+        <p:txBody>
+          <a:bodyPr wrap="none" lIns="91440" tIns="45720" rIns="91440" bIns="45720">
+            <a:spAutoFit/>
+          </a:bodyPr>
+          <a:lstStyle/>
+          <a:p>
+            <a:pPr algn="ctr"/>
+            <a:r>
+              <a:rPr lang="en-US" altLang="ko-KR" sz="4000" b="1" cap="none" spc="0" dirty="0">
+                <a:ln w="17780" cmpd="sng">
+                  <a:solidFill>
+                    <a:schemeClr val="accent1">
+                      <a:tint val="3000"/>
+                    </a:schemeClr>
+                  </a:solidFill>
+                  <a:prstDash val="solid"/>
+                  <a:miter lim="800000"/>
+                </a:ln>
+                <a:solidFill>
+                  <a:schemeClr val="tx2">
+                    <a:lumMod val="60000"/>
+                    <a:lumOff val="40000"/>
+                  </a:schemeClr>
+                </a:solidFill>
+                <a:effectLst>
+                  <a:outerShdw blurRad="55000" dist="50800" dir="5400000" algn="tl">
+                    <a:srgbClr val="000000">
+                      <a:alpha val="33000"/>
+                    </a:srgbClr>
+                  </a:outerShdw>
+                </a:effectLst>
+              </a:rPr>
+              <a:t>7</a:t>
+            </a:r>
+          </a:p>
+        </p:txBody>
+      </p:sp>
+      <p:sp>
+        <p:nvSpPr>
+          <p:cNvPr id="8" name="Rectangle 203"/>
+          <p:cNvSpPr>
+            <a:spLocks noChangeArrowheads="1"/>
+          </p:cNvSpPr>
+          <p:nvPr/>
+        </p:nvSpPr>
+        <p:spPr bwMode="auto">
+          <a:xfrm>
+            <a:off x="2915816" y="3109938"/>
+            <a:ext cx="4104456" cy="638123"/>
+          </a:xfrm>
+          <a:prstGeom prst="rect">
+            <a:avLst/>
+          </a:prstGeom>
+          <a:noFill/>
+          <a:ln w="9525">
+            <a:noFill/>
+            <a:miter lim="800000"/>
+            <a:headEnd/>
+            <a:tailEnd/>
+          </a:ln>
+        </p:spPr>
+        <p:txBody>
+          <a:bodyPr wrap="square">
+            <a:spAutoFit/>
+          </a:bodyPr>
+          <a:lstStyle/>
+          <a:p>
+            <a:pPr>
+              <a:lnSpc>
+                <a:spcPct val="150000"/>
+              </a:lnSpc>
+            </a:pPr>
+            <a:r>
+              <a:rPr lang="en-US" altLang="ko-KR" sz="2800" b="1" dirty="0">
+                <a:latin typeface="HY헤드라인M" pitchFamily="18" charset="-127"/>
+                <a:ea typeface="HY헤드라인M" pitchFamily="18" charset="-127"/>
+              </a:rPr>
+              <a:t>6</a:t>
+            </a:r>
+            <a:r>
+              <a:rPr lang="ko-KR" altLang="en-US" sz="2800" b="1" dirty="0">
+                <a:latin typeface="HY헤드라인M" pitchFamily="18" charset="-127"/>
+                <a:ea typeface="HY헤드라인M" pitchFamily="18" charset="-127"/>
+              </a:rPr>
+              <a:t>단계 </a:t>
+            </a:r>
+            <a:r>
+              <a:rPr lang="en-US" altLang="ko-KR" sz="2800" b="1" dirty="0">
+                <a:latin typeface="HY헤드라인M" pitchFamily="18" charset="-127"/>
+                <a:ea typeface="HY헤드라인M" pitchFamily="18" charset="-127"/>
+              </a:rPr>
+              <a:t>(</a:t>
+            </a:r>
+            <a:r>
+              <a:rPr lang="ko-KR" altLang="en-US" sz="2800" b="1" dirty="0">
+                <a:latin typeface="HY헤드라인M" pitchFamily="18" charset="-127"/>
+                <a:ea typeface="HY헤드라인M" pitchFamily="18" charset="-127"/>
+              </a:rPr>
+              <a:t>모델 선택 및 훈련</a:t>
+            </a:r>
+            <a:r>
+              <a:rPr lang="en-US" altLang="ko-KR" sz="2800" b="1" dirty="0">
+                <a:latin typeface="HY헤드라인M" pitchFamily="18" charset="-127"/>
+                <a:ea typeface="HY헤드라인M" pitchFamily="18" charset="-127"/>
+              </a:rPr>
+              <a:t>)</a:t>
+            </a:r>
+            <a:endParaRPr lang="ko-KR" altLang="en-US" sz="2800" b="1" dirty="0">
+              <a:latin typeface="HY헤드라인M" pitchFamily="18" charset="-127"/>
+              <a:ea typeface="HY헤드라인M" pitchFamily="18" charset="-127"/>
+            </a:endParaRPr>
+          </a:p>
+        </p:txBody>
+      </p:sp>
+    </p:spTree>
+    <p:extLst>
+      <p:ext uri="{BB962C8B-B14F-4D97-AF65-F5344CB8AC3E}">
+        <p14:creationId xmlns:p14="http://schemas.microsoft.com/office/powerpoint/2010/main" val="783436203"/>
+      </p:ext>
+    </p:extLst>
+  </p:cSld>
+  <p:clrMapOvr>
+    <a:masterClrMapping/>
+  </p:clrMapOvr>
+  <p:transition>
+    <p:fade/>
+  </p:transition>
+</p:sld>
+</file>
+
+<file path=ppt/slides/slide31.xml><?xml version="1.0" encoding="utf-8"?>
+<p:sld xmlns:a="http://schemas.openxmlformats.org/drawingml/2006/main" xmlns:r="http://schemas.openxmlformats.org/officeDocument/2006/relationships" xmlns:p="http://schemas.openxmlformats.org/presentationml/2006/main">
+  <p:cSld>
+    <p:spTree>
+      <p:nvGrpSpPr>
+        <p:cNvPr id="1" name=""/>
+        <p:cNvGrpSpPr/>
+        <p:nvPr/>
+      </p:nvGrpSpPr>
+      <p:grpSpPr>
+        <a:xfrm>
+          <a:off x="0" y="0"/>
+          <a:ext cx="0" cy="0"/>
+          <a:chOff x="0" y="0"/>
+          <a:chExt cx="0" cy="0"/>
+        </a:xfrm>
+      </p:grpSpPr>
+      <p:pic>
+        <p:nvPicPr>
+          <p:cNvPr id="3" name="Picture 5" descr="Aqua"/>
+          <p:cNvPicPr>
+            <a:picLocks noChangeAspect="1" noChangeArrowheads="1"/>
+          </p:cNvPicPr>
+          <p:nvPr/>
+        </p:nvPicPr>
+        <p:blipFill>
+          <a:blip r:embed="rId2" cstate="print"/>
+          <a:srcRect/>
+          <a:stretch>
+            <a:fillRect/>
+          </a:stretch>
+        </p:blipFill>
+        <p:spPr bwMode="auto">
+          <a:xfrm>
+            <a:off x="2224586" y="3109938"/>
+            <a:ext cx="933450" cy="868243"/>
+          </a:xfrm>
+          <a:prstGeom prst="rect">
+            <a:avLst/>
+          </a:prstGeom>
+          <a:noFill/>
+          <a:ln w="9525">
+            <a:noFill/>
+            <a:miter lim="800000"/>
+            <a:headEnd/>
+            <a:tailEnd/>
+          </a:ln>
+        </p:spPr>
+      </p:pic>
+      <p:sp>
+        <p:nvSpPr>
+          <p:cNvPr id="4" name="직사각형 3"/>
+          <p:cNvSpPr/>
+          <p:nvPr/>
+        </p:nvSpPr>
+        <p:spPr>
+          <a:xfrm>
+            <a:off x="2440808" y="3127082"/>
+            <a:ext cx="474810" cy="707886"/>
+          </a:xfrm>
+          <a:prstGeom prst="rect">
+            <a:avLst/>
+          </a:prstGeom>
+          <a:noFill/>
+        </p:spPr>
+        <p:txBody>
+          <a:bodyPr wrap="none" lIns="91440" tIns="45720" rIns="91440" bIns="45720">
+            <a:spAutoFit/>
+          </a:bodyPr>
+          <a:lstStyle/>
+          <a:p>
+            <a:pPr algn="ctr"/>
+            <a:r>
+              <a:rPr lang="en-US" altLang="ko-KR" sz="4000" b="1" cap="none" spc="0" dirty="0">
+                <a:ln w="17780" cmpd="sng">
+                  <a:solidFill>
+                    <a:schemeClr val="accent1">
+                      <a:tint val="3000"/>
+                    </a:schemeClr>
+                  </a:solidFill>
+                  <a:prstDash val="solid"/>
+                  <a:miter lim="800000"/>
+                </a:ln>
+                <a:solidFill>
+                  <a:schemeClr val="tx2">
+                    <a:lumMod val="60000"/>
+                    <a:lumOff val="40000"/>
+                  </a:schemeClr>
+                </a:solidFill>
+                <a:effectLst>
+                  <a:outerShdw blurRad="55000" dist="50800" dir="5400000" algn="tl">
+                    <a:srgbClr val="000000">
+                      <a:alpha val="33000"/>
+                    </a:srgbClr>
+                  </a:outerShdw>
+                </a:effectLst>
+              </a:rPr>
+              <a:t>8</a:t>
+            </a:r>
+          </a:p>
+        </p:txBody>
+      </p:sp>
+      <p:sp>
+        <p:nvSpPr>
+          <p:cNvPr id="8" name="Rectangle 203"/>
+          <p:cNvSpPr>
+            <a:spLocks noChangeArrowheads="1"/>
+          </p:cNvSpPr>
+          <p:nvPr/>
+        </p:nvSpPr>
+        <p:spPr bwMode="auto">
+          <a:xfrm>
+            <a:off x="3131840" y="3109938"/>
+            <a:ext cx="4104456" cy="638123"/>
+          </a:xfrm>
+          <a:prstGeom prst="rect">
+            <a:avLst/>
+          </a:prstGeom>
+          <a:noFill/>
+          <a:ln w="9525">
+            <a:noFill/>
+            <a:miter lim="800000"/>
+            <a:headEnd/>
+            <a:tailEnd/>
+          </a:ln>
+        </p:spPr>
+        <p:txBody>
+          <a:bodyPr wrap="square">
+            <a:spAutoFit/>
+          </a:bodyPr>
+          <a:lstStyle/>
+          <a:p>
+            <a:pPr>
+              <a:lnSpc>
+                <a:spcPct val="150000"/>
+              </a:lnSpc>
+            </a:pPr>
+            <a:r>
+              <a:rPr lang="en-US" altLang="ko-KR" sz="2800" b="1" dirty="0">
+                <a:latin typeface="HY헤드라인M" pitchFamily="18" charset="-127"/>
+                <a:ea typeface="HY헤드라인M" pitchFamily="18" charset="-127"/>
+              </a:rPr>
+              <a:t>7</a:t>
+            </a:r>
+            <a:r>
+              <a:rPr lang="ko-KR" altLang="en-US" sz="2800" b="1" dirty="0">
+                <a:latin typeface="HY헤드라인M" pitchFamily="18" charset="-127"/>
+                <a:ea typeface="HY헤드라인M" pitchFamily="18" charset="-127"/>
+              </a:rPr>
+              <a:t>단계 </a:t>
+            </a:r>
+            <a:r>
+              <a:rPr lang="en-US" altLang="ko-KR" sz="2800" b="1" dirty="0">
+                <a:latin typeface="HY헤드라인M" pitchFamily="18" charset="-127"/>
+                <a:ea typeface="HY헤드라인M" pitchFamily="18" charset="-127"/>
+              </a:rPr>
+              <a:t>(</a:t>
+            </a:r>
+            <a:r>
+              <a:rPr lang="ko-KR" altLang="en-US" sz="2800" b="1" dirty="0">
+                <a:latin typeface="HY헤드라인M" pitchFamily="18" charset="-127"/>
+                <a:ea typeface="HY헤드라인M" pitchFamily="18" charset="-127"/>
+              </a:rPr>
+              <a:t>모델 세부 튜닝</a:t>
+            </a:r>
+            <a:r>
+              <a:rPr lang="en-US" altLang="ko-KR" sz="2800" b="1" dirty="0">
+                <a:latin typeface="HY헤드라인M" pitchFamily="18" charset="-127"/>
+                <a:ea typeface="HY헤드라인M" pitchFamily="18" charset="-127"/>
+              </a:rPr>
+              <a:t>)</a:t>
+            </a:r>
+            <a:endParaRPr lang="ko-KR" altLang="en-US" sz="2800" b="1" dirty="0">
+              <a:latin typeface="HY헤드라인M" pitchFamily="18" charset="-127"/>
+              <a:ea typeface="HY헤드라인M" pitchFamily="18" charset="-127"/>
+            </a:endParaRPr>
+          </a:p>
+        </p:txBody>
+      </p:sp>
+    </p:spTree>
+    <p:extLst>
+      <p:ext uri="{BB962C8B-B14F-4D97-AF65-F5344CB8AC3E}">
+        <p14:creationId xmlns:p14="http://schemas.microsoft.com/office/powerpoint/2010/main" val="1189484830"/>
+      </p:ext>
+    </p:extLst>
+  </p:cSld>
+  <p:clrMapOvr>
+    <a:masterClrMapping/>
+  </p:clrMapOvr>
+  <p:transition>
+    <p:fade/>
+  </p:transition>
+</p:sld>
+</file>
+
+<file path=ppt/slides/slide32.xml><?xml version="1.0" encoding="utf-8"?>
+<p:sld xmlns:a="http://schemas.openxmlformats.org/drawingml/2006/main" xmlns:r="http://schemas.openxmlformats.org/officeDocument/2006/relationships" xmlns:p="http://schemas.openxmlformats.org/presentationml/2006/main">
+  <p:cSld>
+    <p:spTree>
+      <p:nvGrpSpPr>
+        <p:cNvPr id="1" name=""/>
+        <p:cNvGrpSpPr/>
+        <p:nvPr/>
+      </p:nvGrpSpPr>
+      <p:grpSpPr>
+        <a:xfrm>
+          <a:off x="0" y="0"/>
+          <a:ext cx="0" cy="0"/>
+          <a:chOff x="0" y="0"/>
+          <a:chExt cx="0" cy="0"/>
+        </a:xfrm>
+      </p:grpSpPr>
+      <p:pic>
+        <p:nvPicPr>
+          <p:cNvPr id="3" name="Picture 5" descr="Aqua"/>
+          <p:cNvPicPr>
+            <a:picLocks noChangeAspect="1" noChangeArrowheads="1"/>
+          </p:cNvPicPr>
+          <p:nvPr/>
+        </p:nvPicPr>
+        <p:blipFill>
+          <a:blip r:embed="rId2" cstate="print"/>
+          <a:srcRect/>
+          <a:stretch>
+            <a:fillRect/>
+          </a:stretch>
+        </p:blipFill>
+        <p:spPr bwMode="auto">
+          <a:xfrm>
+            <a:off x="2224586" y="3109938"/>
+            <a:ext cx="933450" cy="868243"/>
+          </a:xfrm>
+          <a:prstGeom prst="rect">
+            <a:avLst/>
+          </a:prstGeom>
+          <a:noFill/>
+          <a:ln w="9525">
+            <a:noFill/>
+            <a:miter lim="800000"/>
+            <a:headEnd/>
+            <a:tailEnd/>
+          </a:ln>
+        </p:spPr>
+      </p:pic>
+      <p:sp>
+        <p:nvSpPr>
+          <p:cNvPr id="4" name="직사각형 3"/>
+          <p:cNvSpPr/>
+          <p:nvPr/>
+        </p:nvSpPr>
+        <p:spPr>
+          <a:xfrm>
+            <a:off x="2440808" y="3127082"/>
+            <a:ext cx="474810" cy="707886"/>
+          </a:xfrm>
+          <a:prstGeom prst="rect">
+            <a:avLst/>
+          </a:prstGeom>
+          <a:noFill/>
+        </p:spPr>
+        <p:txBody>
+          <a:bodyPr wrap="none" lIns="91440" tIns="45720" rIns="91440" bIns="45720">
+            <a:spAutoFit/>
+          </a:bodyPr>
+          <a:lstStyle/>
+          <a:p>
+            <a:pPr algn="ctr"/>
+            <a:r>
+              <a:rPr lang="en-US" altLang="ko-KR" sz="4000" b="1" cap="none" spc="0" dirty="0">
+                <a:ln w="17780" cmpd="sng">
+                  <a:solidFill>
+                    <a:schemeClr val="accent1">
+                      <a:tint val="3000"/>
+                    </a:schemeClr>
+                  </a:solidFill>
+                  <a:prstDash val="solid"/>
+                  <a:miter lim="800000"/>
+                </a:ln>
+                <a:solidFill>
+                  <a:schemeClr val="tx2">
+                    <a:lumMod val="60000"/>
+                    <a:lumOff val="40000"/>
+                  </a:schemeClr>
+                </a:solidFill>
+                <a:effectLst>
+                  <a:outerShdw blurRad="55000" dist="50800" dir="5400000" algn="tl">
+                    <a:srgbClr val="000000">
+                      <a:alpha val="33000"/>
+                    </a:srgbClr>
+                  </a:outerShdw>
+                </a:effectLst>
+              </a:rPr>
+              <a:t>9</a:t>
+            </a:r>
+          </a:p>
+        </p:txBody>
+      </p:sp>
+      <p:sp>
+        <p:nvSpPr>
+          <p:cNvPr id="8" name="Rectangle 203"/>
+          <p:cNvSpPr>
+            <a:spLocks noChangeArrowheads="1"/>
+          </p:cNvSpPr>
+          <p:nvPr/>
+        </p:nvSpPr>
+        <p:spPr bwMode="auto">
+          <a:xfrm>
+            <a:off x="3131840" y="3109938"/>
+            <a:ext cx="4104456" cy="638123"/>
+          </a:xfrm>
+          <a:prstGeom prst="rect">
+            <a:avLst/>
+          </a:prstGeom>
+          <a:noFill/>
+          <a:ln w="9525">
+            <a:noFill/>
+            <a:miter lim="800000"/>
+            <a:headEnd/>
+            <a:tailEnd/>
+          </a:ln>
+        </p:spPr>
+        <p:txBody>
+          <a:bodyPr wrap="square">
+            <a:spAutoFit/>
+          </a:bodyPr>
+          <a:lstStyle/>
+          <a:p>
+            <a:pPr>
+              <a:lnSpc>
+                <a:spcPct val="150000"/>
+              </a:lnSpc>
+            </a:pPr>
+            <a:r>
+              <a:rPr lang="en-US" altLang="ko-KR" sz="2800" b="1" dirty="0">
+                <a:latin typeface="HY헤드라인M" pitchFamily="18" charset="-127"/>
+                <a:ea typeface="HY헤드라인M" pitchFamily="18" charset="-127"/>
+              </a:rPr>
+              <a:t>8</a:t>
+            </a:r>
+            <a:r>
+              <a:rPr lang="ko-KR" altLang="en-US" sz="2800" b="1" dirty="0">
+                <a:latin typeface="HY헤드라인M" pitchFamily="18" charset="-127"/>
+                <a:ea typeface="HY헤드라인M" pitchFamily="18" charset="-127"/>
+              </a:rPr>
+              <a:t>단계 </a:t>
+            </a:r>
+            <a:r>
+              <a:rPr lang="en-US" altLang="ko-KR" sz="2800" b="1" dirty="0">
+                <a:latin typeface="HY헤드라인M" pitchFamily="18" charset="-127"/>
+                <a:ea typeface="HY헤드라인M" pitchFamily="18" charset="-127"/>
+              </a:rPr>
+              <a:t>(</a:t>
+            </a:r>
+            <a:r>
+              <a:rPr lang="ko-KR" altLang="en-US" sz="2800" b="1" dirty="0">
+                <a:latin typeface="HY헤드라인M" pitchFamily="18" charset="-127"/>
+                <a:ea typeface="HY헤드라인M" pitchFamily="18" charset="-127"/>
+              </a:rPr>
+              <a:t>결과 및 결론</a:t>
+            </a:r>
+            <a:r>
+              <a:rPr lang="en-US" altLang="ko-KR" sz="2800" b="1" dirty="0">
+                <a:latin typeface="HY헤드라인M" pitchFamily="18" charset="-127"/>
+                <a:ea typeface="HY헤드라인M" pitchFamily="18" charset="-127"/>
+              </a:rPr>
+              <a:t>)</a:t>
+            </a:r>
+            <a:endParaRPr lang="ko-KR" altLang="en-US" sz="2800" b="1" dirty="0">
+              <a:latin typeface="HY헤드라인M" pitchFamily="18" charset="-127"/>
+              <a:ea typeface="HY헤드라인M" pitchFamily="18" charset="-127"/>
+            </a:endParaRPr>
+          </a:p>
+        </p:txBody>
+      </p:sp>
+    </p:spTree>
+    <p:extLst>
+      <p:ext uri="{BB962C8B-B14F-4D97-AF65-F5344CB8AC3E}">
+        <p14:creationId xmlns:p14="http://schemas.microsoft.com/office/powerpoint/2010/main" val="3572525411"/>
+      </p:ext>
+    </p:extLst>
+  </p:cSld>
+  <p:clrMapOvr>
+    <a:masterClrMapping/>
+  </p:clrMapOvr>
+  <p:transition>
+    <p:fade/>
+  </p:transition>
+</p:sld>
+</file>
+
 <file path=ppt/slides/slide4.xml><?xml version="1.0" encoding="utf-8"?>
 <p:sld xmlns:a="http://schemas.openxmlformats.org/drawingml/2006/main" xmlns:r="http://schemas.openxmlformats.org/officeDocument/2006/relationships" xmlns:p="http://schemas.openxmlformats.org/presentationml/2006/main">
   <p:cSld>
@@ -11715,7 +13679,7 @@
           <p:nvPr>
             <p:extLst>
               <p:ext uri="{D42A27DB-BD31-4B8C-83A1-F6EECF244321}">
-                <p14:modId xmlns:p14="http://schemas.microsoft.com/office/powerpoint/2010/main" val="3266770910"/>
+                <p14:modId xmlns:p14="http://schemas.microsoft.com/office/powerpoint/2010/main" val="1062723811"/>
               </p:ext>
             </p:extLst>
           </p:nvPr>
@@ -14431,7 +16395,7 @@
                           <a:ea typeface="휴먼명조" panose="02010504000101010101" pitchFamily="2" charset="-127"/>
                           <a:cs typeface="+mn-cs"/>
                         </a:rPr>
-                        <a:t>Ratio / log </a:t>
+                        <a:t>Ratio/ log </a:t>
                       </a:r>
                       <a:r>
                         <a:rPr kumimoji="0" lang="ko-KR" altLang="en-US" sz="1600" b="0" i="0" u="none" strike="noStrike" kern="1200" cap="none" spc="0" normalizeH="0" baseline="0" noProof="0" dirty="0">
@@ -14465,43 +16429,7 @@
                           <a:ea typeface="휴먼명조" panose="02010504000101010101" pitchFamily="2" charset="-127"/>
                           <a:cs typeface="+mn-cs"/>
                         </a:rPr>
-                        <a:t> / categorical(one-hot-encoding) </a:t>
-                      </a:r>
-                    </a:p>
-                    <a:p>
-                      <a:pPr marL="0" marR="0" lvl="0" indent="0" algn="ctr" defTabSz="914400" rtl="0" eaLnBrk="1" fontAlgn="base" latinLnBrk="0" hangingPunct="1">
-                        <a:lnSpc>
-                          <a:spcPct val="100000"/>
-                        </a:lnSpc>
-                        <a:spcBef>
-                          <a:spcPts val="0"/>
-                        </a:spcBef>
-                        <a:spcAft>
-                          <a:spcPts val="0"/>
-                        </a:spcAft>
-                        <a:buClrTx/>
-                        <a:buSzTx/>
-                        <a:buFontTx/>
-                        <a:buNone/>
-                        <a:tabLst/>
-                        <a:defRPr/>
-                      </a:pPr>
-                      <a:r>
-                        <a:rPr kumimoji="0" lang="en-US" altLang="ko-KR" sz="1600" b="0" i="0" u="none" strike="noStrike" kern="1200" cap="none" spc="0" normalizeH="0" baseline="0" noProof="0" dirty="0">
-                          <a:ln>
-                            <a:noFill/>
-                          </a:ln>
-                          <a:solidFill>
-                            <a:srgbClr val="000000"/>
-                          </a:solidFill>
-                          <a:effectLst/>
-                          <a:uLnTx/>
-                          <a:uFillTx/>
-                          <a:latin typeface="휴먼명조" panose="02010504000101010101" pitchFamily="2" charset="-127"/>
-                          <a:ea typeface="휴먼명조" panose="02010504000101010101" pitchFamily="2" charset="-127"/>
-                          <a:cs typeface="+mn-cs"/>
-                        </a:rPr>
-                        <a:t>(Default: Simple-Imputer(Median) + Min-Max-Scaler)</a:t>
+                        <a:t> (Default: Simple-Imputer(Median) + Min-Max-Scaler)</a:t>
                       </a:r>
                     </a:p>
                   </a:txBody>

--- a/2. 1학년2학기/1. 어프렌티스 프로젝트/11주차_기말프로젝트/11주차_과제_발표자료.pptx
+++ b/2. 1학년2학기/1. 어프렌티스 프로젝트/11주차_기말프로젝트/11주차_과제_발표자료.pptx
@@ -5,10 +5,10 @@
     <p:sldMasterId id="2147483648" r:id="rId1"/>
   </p:sldMasterIdLst>
   <p:notesMasterIdLst>
-    <p:notesMasterId r:id="rId34"/>
+    <p:notesMasterId r:id="rId45"/>
   </p:notesMasterIdLst>
   <p:handoutMasterIdLst>
-    <p:handoutMasterId r:id="rId35"/>
+    <p:handoutMasterId r:id="rId46"/>
   </p:handoutMasterIdLst>
   <p:sldIdLst>
     <p:sldId id="256" r:id="rId2"/>
@@ -41,8 +41,19 @@
     <p:sldId id="633" r:id="rId29"/>
     <p:sldId id="634" r:id="rId30"/>
     <p:sldId id="630" r:id="rId31"/>
-    <p:sldId id="631" r:id="rId32"/>
-    <p:sldId id="632" r:id="rId33"/>
+    <p:sldId id="636" r:id="rId32"/>
+    <p:sldId id="637" r:id="rId33"/>
+    <p:sldId id="631" r:id="rId34"/>
+    <p:sldId id="639" r:id="rId35"/>
+    <p:sldId id="640" r:id="rId36"/>
+    <p:sldId id="632" r:id="rId37"/>
+    <p:sldId id="641" r:id="rId38"/>
+    <p:sldId id="643" r:id="rId39"/>
+    <p:sldId id="642" r:id="rId40"/>
+    <p:sldId id="644" r:id="rId41"/>
+    <p:sldId id="645" r:id="rId42"/>
+    <p:sldId id="646" r:id="rId43"/>
+    <p:sldId id="647" r:id="rId44"/>
   </p:sldIdLst>
   <p:sldSz cx="9144000" cy="6858000" type="screen4x3"/>
   <p:notesSz cx="6889750" cy="10021888"/>
@@ -2511,6 +2522,636 @@
 </p:notes>
 </file>
 
+<file path=ppt/notesSlides/notesSlide23.xml><?xml version="1.0" encoding="utf-8"?>
+<p:notes xmlns:a="http://schemas.openxmlformats.org/drawingml/2006/main" xmlns:r="http://schemas.openxmlformats.org/officeDocument/2006/relationships" xmlns:p="http://schemas.openxmlformats.org/presentationml/2006/main">
+  <p:cSld>
+    <p:spTree>
+      <p:nvGrpSpPr>
+        <p:cNvPr id="1" name=""/>
+        <p:cNvGrpSpPr/>
+        <p:nvPr/>
+      </p:nvGrpSpPr>
+      <p:grpSpPr>
+        <a:xfrm>
+          <a:off x="0" y="0"/>
+          <a:ext cx="0" cy="0"/>
+          <a:chOff x="0" y="0"/>
+          <a:chExt cx="0" cy="0"/>
+        </a:xfrm>
+      </p:grpSpPr>
+      <p:sp>
+        <p:nvSpPr>
+          <p:cNvPr id="2" name="슬라이드 이미지 개체 틀 1"/>
+          <p:cNvSpPr>
+            <a:spLocks noGrp="1" noRot="1" noChangeAspect="1"/>
+          </p:cNvSpPr>
+          <p:nvPr>
+            <p:ph type="sldImg"/>
+          </p:nvPr>
+        </p:nvSpPr>
+        <p:spPr/>
+      </p:sp>
+      <p:sp>
+        <p:nvSpPr>
+          <p:cNvPr id="3" name="슬라이드 노트 개체 틀 2"/>
+          <p:cNvSpPr>
+            <a:spLocks noGrp="1"/>
+          </p:cNvSpPr>
+          <p:nvPr>
+            <p:ph type="body" idx="1"/>
+          </p:nvPr>
+        </p:nvSpPr>
+        <p:spPr/>
+        <p:txBody>
+          <a:bodyPr/>
+          <a:lstStyle/>
+          <a:p>
+            <a:endParaRPr lang="en-US" altLang="ko-KR" dirty="0"/>
+          </a:p>
+        </p:txBody>
+      </p:sp>
+      <p:sp>
+        <p:nvSpPr>
+          <p:cNvPr id="4" name="슬라이드 번호 개체 틀 3"/>
+          <p:cNvSpPr>
+            <a:spLocks noGrp="1"/>
+          </p:cNvSpPr>
+          <p:nvPr>
+            <p:ph type="sldNum" sz="quarter" idx="5"/>
+          </p:nvPr>
+        </p:nvSpPr>
+        <p:spPr/>
+        <p:txBody>
+          <a:bodyPr/>
+          <a:lstStyle/>
+          <a:p>
+            <a:pPr>
+              <a:defRPr/>
+            </a:pPr>
+            <a:fld id="{A10404A0-7E6D-450D-97DD-AFCF6972070C}" type="slidenum">
+              <a:rPr lang="en-US" altLang="ko-KR" smtClean="0"/>
+              <a:pPr>
+                <a:defRPr/>
+              </a:pPr>
+              <a:t>31</a:t>
+            </a:fld>
+            <a:endParaRPr lang="en-US" altLang="ko-KR"/>
+          </a:p>
+        </p:txBody>
+      </p:sp>
+    </p:spTree>
+    <p:extLst>
+      <p:ext uri="{BB962C8B-B14F-4D97-AF65-F5344CB8AC3E}">
+        <p14:creationId xmlns:p14="http://schemas.microsoft.com/office/powerpoint/2010/main" val="158283610"/>
+      </p:ext>
+    </p:extLst>
+  </p:cSld>
+  <p:clrMapOvr>
+    <a:masterClrMapping/>
+  </p:clrMapOvr>
+</p:notes>
+</file>
+
+<file path=ppt/notesSlides/notesSlide24.xml><?xml version="1.0" encoding="utf-8"?>
+<p:notes xmlns:a="http://schemas.openxmlformats.org/drawingml/2006/main" xmlns:r="http://schemas.openxmlformats.org/officeDocument/2006/relationships" xmlns:p="http://schemas.openxmlformats.org/presentationml/2006/main">
+  <p:cSld>
+    <p:spTree>
+      <p:nvGrpSpPr>
+        <p:cNvPr id="1" name=""/>
+        <p:cNvGrpSpPr/>
+        <p:nvPr/>
+      </p:nvGrpSpPr>
+      <p:grpSpPr>
+        <a:xfrm>
+          <a:off x="0" y="0"/>
+          <a:ext cx="0" cy="0"/>
+          <a:chOff x="0" y="0"/>
+          <a:chExt cx="0" cy="0"/>
+        </a:xfrm>
+      </p:grpSpPr>
+      <p:sp>
+        <p:nvSpPr>
+          <p:cNvPr id="2" name="슬라이드 이미지 개체 틀 1"/>
+          <p:cNvSpPr>
+            <a:spLocks noGrp="1" noRot="1" noChangeAspect="1"/>
+          </p:cNvSpPr>
+          <p:nvPr>
+            <p:ph type="sldImg"/>
+          </p:nvPr>
+        </p:nvSpPr>
+        <p:spPr/>
+      </p:sp>
+      <p:sp>
+        <p:nvSpPr>
+          <p:cNvPr id="3" name="슬라이드 노트 개체 틀 2"/>
+          <p:cNvSpPr>
+            <a:spLocks noGrp="1"/>
+          </p:cNvSpPr>
+          <p:nvPr>
+            <p:ph type="body" idx="1"/>
+          </p:nvPr>
+        </p:nvSpPr>
+        <p:spPr/>
+        <p:txBody>
+          <a:bodyPr/>
+          <a:lstStyle/>
+          <a:p>
+            <a:endParaRPr lang="en-US" altLang="ko-KR" dirty="0"/>
+          </a:p>
+        </p:txBody>
+      </p:sp>
+      <p:sp>
+        <p:nvSpPr>
+          <p:cNvPr id="4" name="슬라이드 번호 개체 틀 3"/>
+          <p:cNvSpPr>
+            <a:spLocks noGrp="1"/>
+          </p:cNvSpPr>
+          <p:nvPr>
+            <p:ph type="sldNum" sz="quarter" idx="5"/>
+          </p:nvPr>
+        </p:nvSpPr>
+        <p:spPr/>
+        <p:txBody>
+          <a:bodyPr/>
+          <a:lstStyle/>
+          <a:p>
+            <a:pPr>
+              <a:defRPr/>
+            </a:pPr>
+            <a:fld id="{A10404A0-7E6D-450D-97DD-AFCF6972070C}" type="slidenum">
+              <a:rPr lang="en-US" altLang="ko-KR" smtClean="0"/>
+              <a:pPr>
+                <a:defRPr/>
+              </a:pPr>
+              <a:t>32</a:t>
+            </a:fld>
+            <a:endParaRPr lang="en-US" altLang="ko-KR"/>
+          </a:p>
+        </p:txBody>
+      </p:sp>
+    </p:spTree>
+    <p:extLst>
+      <p:ext uri="{BB962C8B-B14F-4D97-AF65-F5344CB8AC3E}">
+        <p14:creationId xmlns:p14="http://schemas.microsoft.com/office/powerpoint/2010/main" val="433053188"/>
+      </p:ext>
+    </p:extLst>
+  </p:cSld>
+  <p:clrMapOvr>
+    <a:masterClrMapping/>
+  </p:clrMapOvr>
+</p:notes>
+</file>
+
+<file path=ppt/notesSlides/notesSlide25.xml><?xml version="1.0" encoding="utf-8"?>
+<p:notes xmlns:a="http://schemas.openxmlformats.org/drawingml/2006/main" xmlns:r="http://schemas.openxmlformats.org/officeDocument/2006/relationships" xmlns:p="http://schemas.openxmlformats.org/presentationml/2006/main">
+  <p:cSld>
+    <p:spTree>
+      <p:nvGrpSpPr>
+        <p:cNvPr id="1" name=""/>
+        <p:cNvGrpSpPr/>
+        <p:nvPr/>
+      </p:nvGrpSpPr>
+      <p:grpSpPr>
+        <a:xfrm>
+          <a:off x="0" y="0"/>
+          <a:ext cx="0" cy="0"/>
+          <a:chOff x="0" y="0"/>
+          <a:chExt cx="0" cy="0"/>
+        </a:xfrm>
+      </p:grpSpPr>
+      <p:sp>
+        <p:nvSpPr>
+          <p:cNvPr id="2" name="슬라이드 이미지 개체 틀 1"/>
+          <p:cNvSpPr>
+            <a:spLocks noGrp="1" noRot="1" noChangeAspect="1"/>
+          </p:cNvSpPr>
+          <p:nvPr>
+            <p:ph type="sldImg"/>
+          </p:nvPr>
+        </p:nvSpPr>
+        <p:spPr/>
+      </p:sp>
+      <p:sp>
+        <p:nvSpPr>
+          <p:cNvPr id="3" name="슬라이드 노트 개체 틀 2"/>
+          <p:cNvSpPr>
+            <a:spLocks noGrp="1"/>
+          </p:cNvSpPr>
+          <p:nvPr>
+            <p:ph type="body" idx="1"/>
+          </p:nvPr>
+        </p:nvSpPr>
+        <p:spPr/>
+        <p:txBody>
+          <a:bodyPr/>
+          <a:lstStyle/>
+          <a:p>
+            <a:endParaRPr lang="en-US" altLang="ko-KR" dirty="0"/>
+          </a:p>
+        </p:txBody>
+      </p:sp>
+      <p:sp>
+        <p:nvSpPr>
+          <p:cNvPr id="4" name="슬라이드 번호 개체 틀 3"/>
+          <p:cNvSpPr>
+            <a:spLocks noGrp="1"/>
+          </p:cNvSpPr>
+          <p:nvPr>
+            <p:ph type="sldNum" sz="quarter" idx="5"/>
+          </p:nvPr>
+        </p:nvSpPr>
+        <p:spPr/>
+        <p:txBody>
+          <a:bodyPr/>
+          <a:lstStyle/>
+          <a:p>
+            <a:pPr>
+              <a:defRPr/>
+            </a:pPr>
+            <a:fld id="{A10404A0-7E6D-450D-97DD-AFCF6972070C}" type="slidenum">
+              <a:rPr lang="en-US" altLang="ko-KR" smtClean="0"/>
+              <a:pPr>
+                <a:defRPr/>
+              </a:pPr>
+              <a:t>34</a:t>
+            </a:fld>
+            <a:endParaRPr lang="en-US" altLang="ko-KR"/>
+          </a:p>
+        </p:txBody>
+      </p:sp>
+    </p:spTree>
+    <p:extLst>
+      <p:ext uri="{BB962C8B-B14F-4D97-AF65-F5344CB8AC3E}">
+        <p14:creationId xmlns:p14="http://schemas.microsoft.com/office/powerpoint/2010/main" val="2120217767"/>
+      </p:ext>
+    </p:extLst>
+  </p:cSld>
+  <p:clrMapOvr>
+    <a:masterClrMapping/>
+  </p:clrMapOvr>
+</p:notes>
+</file>
+
+<file path=ppt/notesSlides/notesSlide26.xml><?xml version="1.0" encoding="utf-8"?>
+<p:notes xmlns:a="http://schemas.openxmlformats.org/drawingml/2006/main" xmlns:r="http://schemas.openxmlformats.org/officeDocument/2006/relationships" xmlns:p="http://schemas.openxmlformats.org/presentationml/2006/main">
+  <p:cSld>
+    <p:spTree>
+      <p:nvGrpSpPr>
+        <p:cNvPr id="1" name=""/>
+        <p:cNvGrpSpPr/>
+        <p:nvPr/>
+      </p:nvGrpSpPr>
+      <p:grpSpPr>
+        <a:xfrm>
+          <a:off x="0" y="0"/>
+          <a:ext cx="0" cy="0"/>
+          <a:chOff x="0" y="0"/>
+          <a:chExt cx="0" cy="0"/>
+        </a:xfrm>
+      </p:grpSpPr>
+      <p:sp>
+        <p:nvSpPr>
+          <p:cNvPr id="2" name="슬라이드 이미지 개체 틀 1"/>
+          <p:cNvSpPr>
+            <a:spLocks noGrp="1" noRot="1" noChangeAspect="1"/>
+          </p:cNvSpPr>
+          <p:nvPr>
+            <p:ph type="sldImg"/>
+          </p:nvPr>
+        </p:nvSpPr>
+        <p:spPr/>
+      </p:sp>
+      <p:sp>
+        <p:nvSpPr>
+          <p:cNvPr id="3" name="슬라이드 노트 개체 틀 2"/>
+          <p:cNvSpPr>
+            <a:spLocks noGrp="1"/>
+          </p:cNvSpPr>
+          <p:nvPr>
+            <p:ph type="body" idx="1"/>
+          </p:nvPr>
+        </p:nvSpPr>
+        <p:spPr/>
+        <p:txBody>
+          <a:bodyPr/>
+          <a:lstStyle/>
+          <a:p>
+            <a:endParaRPr lang="en-US" altLang="ko-KR" dirty="0"/>
+          </a:p>
+        </p:txBody>
+      </p:sp>
+      <p:sp>
+        <p:nvSpPr>
+          <p:cNvPr id="4" name="슬라이드 번호 개체 틀 3"/>
+          <p:cNvSpPr>
+            <a:spLocks noGrp="1"/>
+          </p:cNvSpPr>
+          <p:nvPr>
+            <p:ph type="sldNum" sz="quarter" idx="5"/>
+          </p:nvPr>
+        </p:nvSpPr>
+        <p:spPr/>
+        <p:txBody>
+          <a:bodyPr/>
+          <a:lstStyle/>
+          <a:p>
+            <a:pPr>
+              <a:defRPr/>
+            </a:pPr>
+            <a:fld id="{A10404A0-7E6D-450D-97DD-AFCF6972070C}" type="slidenum">
+              <a:rPr lang="en-US" altLang="ko-KR" smtClean="0"/>
+              <a:pPr>
+                <a:defRPr/>
+              </a:pPr>
+              <a:t>35</a:t>
+            </a:fld>
+            <a:endParaRPr lang="en-US" altLang="ko-KR"/>
+          </a:p>
+        </p:txBody>
+      </p:sp>
+    </p:spTree>
+    <p:extLst>
+      <p:ext uri="{BB962C8B-B14F-4D97-AF65-F5344CB8AC3E}">
+        <p14:creationId xmlns:p14="http://schemas.microsoft.com/office/powerpoint/2010/main" val="1510567606"/>
+      </p:ext>
+    </p:extLst>
+  </p:cSld>
+  <p:clrMapOvr>
+    <a:masterClrMapping/>
+  </p:clrMapOvr>
+</p:notes>
+</file>
+
+<file path=ppt/notesSlides/notesSlide27.xml><?xml version="1.0" encoding="utf-8"?>
+<p:notes xmlns:a="http://schemas.openxmlformats.org/drawingml/2006/main" xmlns:r="http://schemas.openxmlformats.org/officeDocument/2006/relationships" xmlns:p="http://schemas.openxmlformats.org/presentationml/2006/main">
+  <p:cSld>
+    <p:spTree>
+      <p:nvGrpSpPr>
+        <p:cNvPr id="1" name=""/>
+        <p:cNvGrpSpPr/>
+        <p:nvPr/>
+      </p:nvGrpSpPr>
+      <p:grpSpPr>
+        <a:xfrm>
+          <a:off x="0" y="0"/>
+          <a:ext cx="0" cy="0"/>
+          <a:chOff x="0" y="0"/>
+          <a:chExt cx="0" cy="0"/>
+        </a:xfrm>
+      </p:grpSpPr>
+      <p:sp>
+        <p:nvSpPr>
+          <p:cNvPr id="2" name="슬라이드 이미지 개체 틀 1"/>
+          <p:cNvSpPr>
+            <a:spLocks noGrp="1" noRot="1" noChangeAspect="1"/>
+          </p:cNvSpPr>
+          <p:nvPr>
+            <p:ph type="sldImg"/>
+          </p:nvPr>
+        </p:nvSpPr>
+        <p:spPr/>
+      </p:sp>
+      <p:sp>
+        <p:nvSpPr>
+          <p:cNvPr id="3" name="슬라이드 노트 개체 틀 2"/>
+          <p:cNvSpPr>
+            <a:spLocks noGrp="1"/>
+          </p:cNvSpPr>
+          <p:nvPr>
+            <p:ph type="body" idx="1"/>
+          </p:nvPr>
+        </p:nvSpPr>
+        <p:spPr/>
+        <p:txBody>
+          <a:bodyPr/>
+          <a:lstStyle/>
+          <a:p>
+            <a:endParaRPr lang="en-US" altLang="ko-KR" dirty="0"/>
+          </a:p>
+        </p:txBody>
+      </p:sp>
+      <p:sp>
+        <p:nvSpPr>
+          <p:cNvPr id="4" name="슬라이드 번호 개체 틀 3"/>
+          <p:cNvSpPr>
+            <a:spLocks noGrp="1"/>
+          </p:cNvSpPr>
+          <p:nvPr>
+            <p:ph type="sldNum" sz="quarter" idx="5"/>
+          </p:nvPr>
+        </p:nvSpPr>
+        <p:spPr/>
+        <p:txBody>
+          <a:bodyPr/>
+          <a:lstStyle/>
+          <a:p>
+            <a:pPr>
+              <a:defRPr/>
+            </a:pPr>
+            <a:fld id="{A10404A0-7E6D-450D-97DD-AFCF6972070C}" type="slidenum">
+              <a:rPr lang="en-US" altLang="ko-KR" smtClean="0"/>
+              <a:pPr>
+                <a:defRPr/>
+              </a:pPr>
+              <a:t>37</a:t>
+            </a:fld>
+            <a:endParaRPr lang="en-US" altLang="ko-KR"/>
+          </a:p>
+        </p:txBody>
+      </p:sp>
+    </p:spTree>
+    <p:extLst>
+      <p:ext uri="{BB962C8B-B14F-4D97-AF65-F5344CB8AC3E}">
+        <p14:creationId xmlns:p14="http://schemas.microsoft.com/office/powerpoint/2010/main" val="291996920"/>
+      </p:ext>
+    </p:extLst>
+  </p:cSld>
+  <p:clrMapOvr>
+    <a:masterClrMapping/>
+  </p:clrMapOvr>
+</p:notes>
+</file>
+
+<file path=ppt/notesSlides/notesSlide28.xml><?xml version="1.0" encoding="utf-8"?>
+<p:notes xmlns:a="http://schemas.openxmlformats.org/drawingml/2006/main" xmlns:r="http://schemas.openxmlformats.org/officeDocument/2006/relationships" xmlns:p="http://schemas.openxmlformats.org/presentationml/2006/main">
+  <p:cSld>
+    <p:spTree>
+      <p:nvGrpSpPr>
+        <p:cNvPr id="1" name=""/>
+        <p:cNvGrpSpPr/>
+        <p:nvPr/>
+      </p:nvGrpSpPr>
+      <p:grpSpPr>
+        <a:xfrm>
+          <a:off x="0" y="0"/>
+          <a:ext cx="0" cy="0"/>
+          <a:chOff x="0" y="0"/>
+          <a:chExt cx="0" cy="0"/>
+        </a:xfrm>
+      </p:grpSpPr>
+      <p:sp>
+        <p:nvSpPr>
+          <p:cNvPr id="2" name="슬라이드 이미지 개체 틀 1"/>
+          <p:cNvSpPr>
+            <a:spLocks noGrp="1" noRot="1" noChangeAspect="1"/>
+          </p:cNvSpPr>
+          <p:nvPr>
+            <p:ph type="sldImg"/>
+          </p:nvPr>
+        </p:nvSpPr>
+        <p:spPr/>
+      </p:sp>
+      <p:sp>
+        <p:nvSpPr>
+          <p:cNvPr id="3" name="슬라이드 노트 개체 틀 2"/>
+          <p:cNvSpPr>
+            <a:spLocks noGrp="1"/>
+          </p:cNvSpPr>
+          <p:nvPr>
+            <p:ph type="body" idx="1"/>
+          </p:nvPr>
+        </p:nvSpPr>
+        <p:spPr/>
+        <p:txBody>
+          <a:bodyPr/>
+          <a:lstStyle/>
+          <a:p>
+            <a:endParaRPr lang="en-US" altLang="ko-KR" dirty="0"/>
+          </a:p>
+        </p:txBody>
+      </p:sp>
+      <p:sp>
+        <p:nvSpPr>
+          <p:cNvPr id="4" name="슬라이드 번호 개체 틀 3"/>
+          <p:cNvSpPr>
+            <a:spLocks noGrp="1"/>
+          </p:cNvSpPr>
+          <p:nvPr>
+            <p:ph type="sldNum" sz="quarter" idx="5"/>
+          </p:nvPr>
+        </p:nvSpPr>
+        <p:spPr/>
+        <p:txBody>
+          <a:bodyPr/>
+          <a:lstStyle/>
+          <a:p>
+            <a:pPr>
+              <a:defRPr/>
+            </a:pPr>
+            <a:fld id="{A10404A0-7E6D-450D-97DD-AFCF6972070C}" type="slidenum">
+              <a:rPr lang="en-US" altLang="ko-KR" smtClean="0"/>
+              <a:pPr>
+                <a:defRPr/>
+              </a:pPr>
+              <a:t>38</a:t>
+            </a:fld>
+            <a:endParaRPr lang="en-US" altLang="ko-KR"/>
+          </a:p>
+        </p:txBody>
+      </p:sp>
+    </p:spTree>
+    <p:extLst>
+      <p:ext uri="{BB962C8B-B14F-4D97-AF65-F5344CB8AC3E}">
+        <p14:creationId xmlns:p14="http://schemas.microsoft.com/office/powerpoint/2010/main" val="2885646054"/>
+      </p:ext>
+    </p:extLst>
+  </p:cSld>
+  <p:clrMapOvr>
+    <a:masterClrMapping/>
+  </p:clrMapOvr>
+</p:notes>
+</file>
+
+<file path=ppt/notesSlides/notesSlide29.xml><?xml version="1.0" encoding="utf-8"?>
+<p:notes xmlns:a="http://schemas.openxmlformats.org/drawingml/2006/main" xmlns:r="http://schemas.openxmlformats.org/officeDocument/2006/relationships" xmlns:p="http://schemas.openxmlformats.org/presentationml/2006/main">
+  <p:cSld>
+    <p:spTree>
+      <p:nvGrpSpPr>
+        <p:cNvPr id="1" name=""/>
+        <p:cNvGrpSpPr/>
+        <p:nvPr/>
+      </p:nvGrpSpPr>
+      <p:grpSpPr>
+        <a:xfrm>
+          <a:off x="0" y="0"/>
+          <a:ext cx="0" cy="0"/>
+          <a:chOff x="0" y="0"/>
+          <a:chExt cx="0" cy="0"/>
+        </a:xfrm>
+      </p:grpSpPr>
+      <p:sp>
+        <p:nvSpPr>
+          <p:cNvPr id="2" name="슬라이드 이미지 개체 틀 1"/>
+          <p:cNvSpPr>
+            <a:spLocks noGrp="1" noRot="1" noChangeAspect="1"/>
+          </p:cNvSpPr>
+          <p:nvPr>
+            <p:ph type="sldImg"/>
+          </p:nvPr>
+        </p:nvSpPr>
+        <p:spPr/>
+      </p:sp>
+      <p:sp>
+        <p:nvSpPr>
+          <p:cNvPr id="3" name="슬라이드 노트 개체 틀 2"/>
+          <p:cNvSpPr>
+            <a:spLocks noGrp="1"/>
+          </p:cNvSpPr>
+          <p:nvPr>
+            <p:ph type="body" idx="1"/>
+          </p:nvPr>
+        </p:nvSpPr>
+        <p:spPr/>
+        <p:txBody>
+          <a:bodyPr/>
+          <a:lstStyle/>
+          <a:p>
+            <a:endParaRPr lang="en-US" altLang="ko-KR" dirty="0"/>
+          </a:p>
+        </p:txBody>
+      </p:sp>
+      <p:sp>
+        <p:nvSpPr>
+          <p:cNvPr id="4" name="슬라이드 번호 개체 틀 3"/>
+          <p:cNvSpPr>
+            <a:spLocks noGrp="1"/>
+          </p:cNvSpPr>
+          <p:nvPr>
+            <p:ph type="sldNum" sz="quarter" idx="5"/>
+          </p:nvPr>
+        </p:nvSpPr>
+        <p:spPr/>
+        <p:txBody>
+          <a:bodyPr/>
+          <a:lstStyle/>
+          <a:p>
+            <a:pPr>
+              <a:defRPr/>
+            </a:pPr>
+            <a:fld id="{A10404A0-7E6D-450D-97DD-AFCF6972070C}" type="slidenum">
+              <a:rPr lang="en-US" altLang="ko-KR" smtClean="0"/>
+              <a:pPr>
+                <a:defRPr/>
+              </a:pPr>
+              <a:t>39</a:t>
+            </a:fld>
+            <a:endParaRPr lang="en-US" altLang="ko-KR"/>
+          </a:p>
+        </p:txBody>
+      </p:sp>
+    </p:spTree>
+    <p:extLst>
+      <p:ext uri="{BB962C8B-B14F-4D97-AF65-F5344CB8AC3E}">
+        <p14:creationId xmlns:p14="http://schemas.microsoft.com/office/powerpoint/2010/main" val="664273741"/>
+      </p:ext>
+    </p:extLst>
+  </p:cSld>
+  <p:clrMapOvr>
+    <a:masterClrMapping/>
+  </p:clrMapOvr>
+</p:notes>
+</file>
+
 <file path=ppt/notesSlides/notesSlide3.xml><?xml version="1.0" encoding="utf-8"?>
 <p:notes xmlns:a="http://schemas.openxmlformats.org/drawingml/2006/main" xmlns:r="http://schemas.openxmlformats.org/officeDocument/2006/relationships" xmlns:p="http://schemas.openxmlformats.org/presentationml/2006/main">
   <p:cSld>
@@ -2592,6 +3233,366 @@
     <p:extLst>
       <p:ext uri="{BB962C8B-B14F-4D97-AF65-F5344CB8AC3E}">
         <p14:creationId xmlns:p14="http://schemas.microsoft.com/office/powerpoint/2010/main" val="232099838"/>
+      </p:ext>
+    </p:extLst>
+  </p:cSld>
+  <p:clrMapOvr>
+    <a:masterClrMapping/>
+  </p:clrMapOvr>
+</p:notes>
+</file>
+
+<file path=ppt/notesSlides/notesSlide30.xml><?xml version="1.0" encoding="utf-8"?>
+<p:notes xmlns:a="http://schemas.openxmlformats.org/drawingml/2006/main" xmlns:r="http://schemas.openxmlformats.org/officeDocument/2006/relationships" xmlns:p="http://schemas.openxmlformats.org/presentationml/2006/main">
+  <p:cSld>
+    <p:spTree>
+      <p:nvGrpSpPr>
+        <p:cNvPr id="1" name=""/>
+        <p:cNvGrpSpPr/>
+        <p:nvPr/>
+      </p:nvGrpSpPr>
+      <p:grpSpPr>
+        <a:xfrm>
+          <a:off x="0" y="0"/>
+          <a:ext cx="0" cy="0"/>
+          <a:chOff x="0" y="0"/>
+          <a:chExt cx="0" cy="0"/>
+        </a:xfrm>
+      </p:grpSpPr>
+      <p:sp>
+        <p:nvSpPr>
+          <p:cNvPr id="2" name="슬라이드 이미지 개체 틀 1"/>
+          <p:cNvSpPr>
+            <a:spLocks noGrp="1" noRot="1" noChangeAspect="1"/>
+          </p:cNvSpPr>
+          <p:nvPr>
+            <p:ph type="sldImg"/>
+          </p:nvPr>
+        </p:nvSpPr>
+        <p:spPr/>
+      </p:sp>
+      <p:sp>
+        <p:nvSpPr>
+          <p:cNvPr id="3" name="슬라이드 노트 개체 틀 2"/>
+          <p:cNvSpPr>
+            <a:spLocks noGrp="1"/>
+          </p:cNvSpPr>
+          <p:nvPr>
+            <p:ph type="body" idx="1"/>
+          </p:nvPr>
+        </p:nvSpPr>
+        <p:spPr/>
+        <p:txBody>
+          <a:bodyPr/>
+          <a:lstStyle/>
+          <a:p>
+            <a:endParaRPr lang="en-US" altLang="ko-KR" dirty="0"/>
+          </a:p>
+        </p:txBody>
+      </p:sp>
+      <p:sp>
+        <p:nvSpPr>
+          <p:cNvPr id="4" name="슬라이드 번호 개체 틀 3"/>
+          <p:cNvSpPr>
+            <a:spLocks noGrp="1"/>
+          </p:cNvSpPr>
+          <p:nvPr>
+            <p:ph type="sldNum" sz="quarter" idx="5"/>
+          </p:nvPr>
+        </p:nvSpPr>
+        <p:spPr/>
+        <p:txBody>
+          <a:bodyPr/>
+          <a:lstStyle/>
+          <a:p>
+            <a:pPr>
+              <a:defRPr/>
+            </a:pPr>
+            <a:fld id="{A10404A0-7E6D-450D-97DD-AFCF6972070C}" type="slidenum">
+              <a:rPr lang="en-US" altLang="ko-KR" smtClean="0"/>
+              <a:pPr>
+                <a:defRPr/>
+              </a:pPr>
+              <a:t>40</a:t>
+            </a:fld>
+            <a:endParaRPr lang="en-US" altLang="ko-KR"/>
+          </a:p>
+        </p:txBody>
+      </p:sp>
+    </p:spTree>
+    <p:extLst>
+      <p:ext uri="{BB962C8B-B14F-4D97-AF65-F5344CB8AC3E}">
+        <p14:creationId xmlns:p14="http://schemas.microsoft.com/office/powerpoint/2010/main" val="3274374427"/>
+      </p:ext>
+    </p:extLst>
+  </p:cSld>
+  <p:clrMapOvr>
+    <a:masterClrMapping/>
+  </p:clrMapOvr>
+</p:notes>
+</file>
+
+<file path=ppt/notesSlides/notesSlide31.xml><?xml version="1.0" encoding="utf-8"?>
+<p:notes xmlns:a="http://schemas.openxmlformats.org/drawingml/2006/main" xmlns:r="http://schemas.openxmlformats.org/officeDocument/2006/relationships" xmlns:p="http://schemas.openxmlformats.org/presentationml/2006/main">
+  <p:cSld>
+    <p:spTree>
+      <p:nvGrpSpPr>
+        <p:cNvPr id="1" name=""/>
+        <p:cNvGrpSpPr/>
+        <p:nvPr/>
+      </p:nvGrpSpPr>
+      <p:grpSpPr>
+        <a:xfrm>
+          <a:off x="0" y="0"/>
+          <a:ext cx="0" cy="0"/>
+          <a:chOff x="0" y="0"/>
+          <a:chExt cx="0" cy="0"/>
+        </a:xfrm>
+      </p:grpSpPr>
+      <p:sp>
+        <p:nvSpPr>
+          <p:cNvPr id="2" name="슬라이드 이미지 개체 틀 1"/>
+          <p:cNvSpPr>
+            <a:spLocks noGrp="1" noRot="1" noChangeAspect="1"/>
+          </p:cNvSpPr>
+          <p:nvPr>
+            <p:ph type="sldImg"/>
+          </p:nvPr>
+        </p:nvSpPr>
+        <p:spPr/>
+      </p:sp>
+      <p:sp>
+        <p:nvSpPr>
+          <p:cNvPr id="3" name="슬라이드 노트 개체 틀 2"/>
+          <p:cNvSpPr>
+            <a:spLocks noGrp="1"/>
+          </p:cNvSpPr>
+          <p:nvPr>
+            <p:ph type="body" idx="1"/>
+          </p:nvPr>
+        </p:nvSpPr>
+        <p:spPr/>
+        <p:txBody>
+          <a:bodyPr/>
+          <a:lstStyle/>
+          <a:p>
+            <a:endParaRPr lang="en-US" altLang="ko-KR" dirty="0"/>
+          </a:p>
+        </p:txBody>
+      </p:sp>
+      <p:sp>
+        <p:nvSpPr>
+          <p:cNvPr id="4" name="슬라이드 번호 개체 틀 3"/>
+          <p:cNvSpPr>
+            <a:spLocks noGrp="1"/>
+          </p:cNvSpPr>
+          <p:nvPr>
+            <p:ph type="sldNum" sz="quarter" idx="5"/>
+          </p:nvPr>
+        </p:nvSpPr>
+        <p:spPr/>
+        <p:txBody>
+          <a:bodyPr/>
+          <a:lstStyle/>
+          <a:p>
+            <a:pPr>
+              <a:defRPr/>
+            </a:pPr>
+            <a:fld id="{A10404A0-7E6D-450D-97DD-AFCF6972070C}" type="slidenum">
+              <a:rPr lang="en-US" altLang="ko-KR" smtClean="0"/>
+              <a:pPr>
+                <a:defRPr/>
+              </a:pPr>
+              <a:t>41</a:t>
+            </a:fld>
+            <a:endParaRPr lang="en-US" altLang="ko-KR"/>
+          </a:p>
+        </p:txBody>
+      </p:sp>
+    </p:spTree>
+    <p:extLst>
+      <p:ext uri="{BB962C8B-B14F-4D97-AF65-F5344CB8AC3E}">
+        <p14:creationId xmlns:p14="http://schemas.microsoft.com/office/powerpoint/2010/main" val="1033122903"/>
+      </p:ext>
+    </p:extLst>
+  </p:cSld>
+  <p:clrMapOvr>
+    <a:masterClrMapping/>
+  </p:clrMapOvr>
+</p:notes>
+</file>
+
+<file path=ppt/notesSlides/notesSlide32.xml><?xml version="1.0" encoding="utf-8"?>
+<p:notes xmlns:a="http://schemas.openxmlformats.org/drawingml/2006/main" xmlns:r="http://schemas.openxmlformats.org/officeDocument/2006/relationships" xmlns:p="http://schemas.openxmlformats.org/presentationml/2006/main">
+  <p:cSld>
+    <p:spTree>
+      <p:nvGrpSpPr>
+        <p:cNvPr id="1" name=""/>
+        <p:cNvGrpSpPr/>
+        <p:nvPr/>
+      </p:nvGrpSpPr>
+      <p:grpSpPr>
+        <a:xfrm>
+          <a:off x="0" y="0"/>
+          <a:ext cx="0" cy="0"/>
+          <a:chOff x="0" y="0"/>
+          <a:chExt cx="0" cy="0"/>
+        </a:xfrm>
+      </p:grpSpPr>
+      <p:sp>
+        <p:nvSpPr>
+          <p:cNvPr id="2" name="슬라이드 이미지 개체 틀 1"/>
+          <p:cNvSpPr>
+            <a:spLocks noGrp="1" noRot="1" noChangeAspect="1"/>
+          </p:cNvSpPr>
+          <p:nvPr>
+            <p:ph type="sldImg"/>
+          </p:nvPr>
+        </p:nvSpPr>
+        <p:spPr/>
+      </p:sp>
+      <p:sp>
+        <p:nvSpPr>
+          <p:cNvPr id="3" name="슬라이드 노트 개체 틀 2"/>
+          <p:cNvSpPr>
+            <a:spLocks noGrp="1"/>
+          </p:cNvSpPr>
+          <p:nvPr>
+            <p:ph type="body" idx="1"/>
+          </p:nvPr>
+        </p:nvSpPr>
+        <p:spPr/>
+        <p:txBody>
+          <a:bodyPr/>
+          <a:lstStyle/>
+          <a:p>
+            <a:endParaRPr lang="en-US" altLang="ko-KR" dirty="0"/>
+          </a:p>
+        </p:txBody>
+      </p:sp>
+      <p:sp>
+        <p:nvSpPr>
+          <p:cNvPr id="4" name="슬라이드 번호 개체 틀 3"/>
+          <p:cNvSpPr>
+            <a:spLocks noGrp="1"/>
+          </p:cNvSpPr>
+          <p:nvPr>
+            <p:ph type="sldNum" sz="quarter" idx="5"/>
+          </p:nvPr>
+        </p:nvSpPr>
+        <p:spPr/>
+        <p:txBody>
+          <a:bodyPr/>
+          <a:lstStyle/>
+          <a:p>
+            <a:pPr>
+              <a:defRPr/>
+            </a:pPr>
+            <a:fld id="{A10404A0-7E6D-450D-97DD-AFCF6972070C}" type="slidenum">
+              <a:rPr lang="en-US" altLang="ko-KR" smtClean="0"/>
+              <a:pPr>
+                <a:defRPr/>
+              </a:pPr>
+              <a:t>42</a:t>
+            </a:fld>
+            <a:endParaRPr lang="en-US" altLang="ko-KR"/>
+          </a:p>
+        </p:txBody>
+      </p:sp>
+    </p:spTree>
+    <p:extLst>
+      <p:ext uri="{BB962C8B-B14F-4D97-AF65-F5344CB8AC3E}">
+        <p14:creationId xmlns:p14="http://schemas.microsoft.com/office/powerpoint/2010/main" val="3949540091"/>
+      </p:ext>
+    </p:extLst>
+  </p:cSld>
+  <p:clrMapOvr>
+    <a:masterClrMapping/>
+  </p:clrMapOvr>
+</p:notes>
+</file>
+
+<file path=ppt/notesSlides/notesSlide33.xml><?xml version="1.0" encoding="utf-8"?>
+<p:notes xmlns:a="http://schemas.openxmlformats.org/drawingml/2006/main" xmlns:r="http://schemas.openxmlformats.org/officeDocument/2006/relationships" xmlns:p="http://schemas.openxmlformats.org/presentationml/2006/main">
+  <p:cSld>
+    <p:spTree>
+      <p:nvGrpSpPr>
+        <p:cNvPr id="1" name=""/>
+        <p:cNvGrpSpPr/>
+        <p:nvPr/>
+      </p:nvGrpSpPr>
+      <p:grpSpPr>
+        <a:xfrm>
+          <a:off x="0" y="0"/>
+          <a:ext cx="0" cy="0"/>
+          <a:chOff x="0" y="0"/>
+          <a:chExt cx="0" cy="0"/>
+        </a:xfrm>
+      </p:grpSpPr>
+      <p:sp>
+        <p:nvSpPr>
+          <p:cNvPr id="2" name="슬라이드 이미지 개체 틀 1"/>
+          <p:cNvSpPr>
+            <a:spLocks noGrp="1" noRot="1" noChangeAspect="1"/>
+          </p:cNvSpPr>
+          <p:nvPr>
+            <p:ph type="sldImg"/>
+          </p:nvPr>
+        </p:nvSpPr>
+        <p:spPr/>
+      </p:sp>
+      <p:sp>
+        <p:nvSpPr>
+          <p:cNvPr id="3" name="슬라이드 노트 개체 틀 2"/>
+          <p:cNvSpPr>
+            <a:spLocks noGrp="1"/>
+          </p:cNvSpPr>
+          <p:nvPr>
+            <p:ph type="body" idx="1"/>
+          </p:nvPr>
+        </p:nvSpPr>
+        <p:spPr/>
+        <p:txBody>
+          <a:bodyPr/>
+          <a:lstStyle/>
+          <a:p>
+            <a:endParaRPr lang="en-US" altLang="ko-KR" dirty="0"/>
+          </a:p>
+        </p:txBody>
+      </p:sp>
+      <p:sp>
+        <p:nvSpPr>
+          <p:cNvPr id="4" name="슬라이드 번호 개체 틀 3"/>
+          <p:cNvSpPr>
+            <a:spLocks noGrp="1"/>
+          </p:cNvSpPr>
+          <p:nvPr>
+            <p:ph type="sldNum" sz="quarter" idx="5"/>
+          </p:nvPr>
+        </p:nvSpPr>
+        <p:spPr/>
+        <p:txBody>
+          <a:bodyPr/>
+          <a:lstStyle/>
+          <a:p>
+            <a:pPr>
+              <a:defRPr/>
+            </a:pPr>
+            <a:fld id="{A10404A0-7E6D-450D-97DD-AFCF6972070C}" type="slidenum">
+              <a:rPr lang="en-US" altLang="ko-KR" smtClean="0"/>
+              <a:pPr>
+                <a:defRPr/>
+              </a:pPr>
+              <a:t>43</a:t>
+            </a:fld>
+            <a:endParaRPr lang="en-US" altLang="ko-KR"/>
+          </a:p>
+        </p:txBody>
+      </p:sp>
+    </p:spTree>
+    <p:extLst>
+      <p:ext uri="{BB962C8B-B14F-4D97-AF65-F5344CB8AC3E}">
+        <p14:creationId xmlns:p14="http://schemas.microsoft.com/office/powerpoint/2010/main" val="2494829876"/>
       </p:ext>
     </p:extLst>
   </p:cSld>
@@ -13183,25 +14184,110 @@
           <a:chExt cx="0" cy="0"/>
         </a:xfrm>
       </p:grpSpPr>
-      <p:pic>
-        <p:nvPicPr>
-          <p:cNvPr id="3" name="Picture 5" descr="Aqua"/>
-          <p:cNvPicPr>
-            <a:picLocks noChangeAspect="1" noChangeArrowheads="1"/>
-          </p:cNvPicPr>
-          <p:nvPr/>
-        </p:nvPicPr>
-        <p:blipFill>
-          <a:blip r:embed="rId2" cstate="print"/>
-          <a:srcRect/>
-          <a:stretch>
-            <a:fillRect/>
-          </a:stretch>
-        </p:blipFill>
+      <p:sp>
+        <p:nvSpPr>
+          <p:cNvPr id="14" name="내용 개체 틀 1"/>
+          <p:cNvSpPr>
+            <a:spLocks noGrp="1"/>
+          </p:cNvSpPr>
+          <p:nvPr>
+            <p:ph/>
+          </p:nvPr>
+        </p:nvSpPr>
         <p:spPr bwMode="auto">
           <a:xfrm>
-            <a:off x="2224586" y="3109938"/>
-            <a:ext cx="933450" cy="868243"/>
+            <a:off x="179387" y="981075"/>
+            <a:ext cx="8785225" cy="431800"/>
+          </a:xfrm>
+          <a:noFill/>
+          <a:ln>
+            <a:miter lim="800000"/>
+            <a:headEnd/>
+            <a:tailEnd/>
+          </a:ln>
+        </p:spPr>
+        <p:txBody>
+          <a:bodyPr vert="horz" wrap="square" lIns="91440" tIns="45720" rIns="91440" bIns="45720" numCol="1" anchor="t" anchorCtr="0" compatLnSpc="1">
+            <a:prstTxWarp prst="textNoShape">
+              <a:avLst/>
+            </a:prstTxWarp>
+          </a:bodyPr>
+          <a:lstStyle/>
+          <a:p>
+            <a:r>
+              <a:rPr lang="ko-KR" altLang="en-US" dirty="0">
+                <a:latin typeface="HY헤드라인M" pitchFamily="18" charset="-127"/>
+                <a:ea typeface="HY헤드라인M" pitchFamily="18" charset="-127"/>
+              </a:rPr>
+              <a:t>모델 훈련</a:t>
+            </a:r>
+          </a:p>
+        </p:txBody>
+      </p:sp>
+      <p:sp>
+        <p:nvSpPr>
+          <p:cNvPr id="9" name="TextBox 8"/>
+          <p:cNvSpPr txBox="1"/>
+          <p:nvPr/>
+        </p:nvSpPr>
+        <p:spPr>
+          <a:xfrm>
+            <a:off x="514350" y="1422600"/>
+            <a:ext cx="8280724" cy="482120"/>
+          </a:xfrm>
+          <a:prstGeom prst="rect">
+            <a:avLst/>
+          </a:prstGeom>
+          <a:noFill/>
+        </p:spPr>
+        <p:txBody>
+          <a:bodyPr wrap="square" rtlCol="0">
+            <a:spAutoFit/>
+          </a:bodyPr>
+          <a:lstStyle/>
+          <a:p>
+            <a:pPr marL="285750" indent="-285750" algn="just">
+              <a:lnSpc>
+                <a:spcPct val="150000"/>
+              </a:lnSpc>
+              <a:buClr>
+                <a:srgbClr val="C00000"/>
+              </a:buClr>
+              <a:buFont typeface="Wingdings" panose="05000000000000000000" pitchFamily="2" charset="2"/>
+              <a:buChar char="l"/>
+            </a:pPr>
+            <a:r>
+              <a:rPr lang="en-US" altLang="ko-KR" sz="2000" dirty="0">
+                <a:latin typeface="HY헤드라인M" panose="02030600000101010101" pitchFamily="18" charset="-127"/>
+                <a:ea typeface="HY헤드라인M" panose="02030600000101010101" pitchFamily="18" charset="-127"/>
+              </a:rPr>
+              <a:t>Logistic Regression</a:t>
+            </a:r>
+            <a:endParaRPr lang="en-US" altLang="ko-KR" sz="1600" dirty="0">
+              <a:latin typeface="HY헤드라인M" panose="02030600000101010101" pitchFamily="18" charset="-127"/>
+              <a:ea typeface="HY헤드라인M" panose="02030600000101010101" pitchFamily="18" charset="-127"/>
+            </a:endParaRPr>
+          </a:p>
+        </p:txBody>
+      </p:sp>
+      <p:sp>
+        <p:nvSpPr>
+          <p:cNvPr id="2" name="Rectangle 203">
+            <a:extLst>
+              <a:ext uri="{FF2B5EF4-FFF2-40B4-BE49-F238E27FC236}">
+                <a16:creationId xmlns:a16="http://schemas.microsoft.com/office/drawing/2014/main" id="{F3781700-51B4-0BC0-C3F4-E02EE8ECB30D}"/>
+              </a:ext>
+            </a:extLst>
+          </p:cNvPr>
+          <p:cNvSpPr>
+            <a:spLocks noChangeArrowheads="1"/>
+          </p:cNvSpPr>
+          <p:nvPr/>
+        </p:nvSpPr>
+        <p:spPr bwMode="auto">
+          <a:xfrm>
+            <a:off x="2051843" y="142852"/>
+            <a:ext cx="5040313" cy="457200"/>
           </a:xfrm>
           <a:prstGeom prst="rect">
             <a:avLst/>
@@ -13214,17 +14300,42 @@
             <a:tailEnd/>
           </a:ln>
         </p:spPr>
-      </p:pic>
-      <p:sp>
-        <p:nvSpPr>
-          <p:cNvPr id="4" name="직사각형 3"/>
-          <p:cNvSpPr/>
+        <p:txBody>
+          <a:bodyPr>
+            <a:spAutoFit/>
+          </a:bodyPr>
+          <a:lstStyle/>
+          <a:p>
+            <a:pPr algn="ctr"/>
+            <a:r>
+              <a:rPr lang="ko-KR" altLang="en-US" sz="2400" b="1" dirty="0">
+                <a:solidFill>
+                  <a:schemeClr val="bg1"/>
+                </a:solidFill>
+                <a:latin typeface="HY헤드라인M" pitchFamily="18" charset="-127"/>
+                <a:ea typeface="HY헤드라인M" pitchFamily="18" charset="-127"/>
+              </a:rPr>
+              <a:t>모델 선택 및 훈련</a:t>
+            </a:r>
+          </a:p>
+        </p:txBody>
+      </p:sp>
+      <p:sp>
+        <p:nvSpPr>
+          <p:cNvPr id="8" name="TextBox 7">
+            <a:extLst>
+              <a:ext uri="{FF2B5EF4-FFF2-40B4-BE49-F238E27FC236}">
+                <a16:creationId xmlns:a16="http://schemas.microsoft.com/office/drawing/2014/main" id="{CB8D9248-17A0-C072-D467-7458DC2F433B}"/>
+              </a:ext>
+            </a:extLst>
+          </p:cNvPr>
+          <p:cNvSpPr txBox="1"/>
           <p:nvPr/>
         </p:nvSpPr>
         <p:spPr>
           <a:xfrm>
-            <a:off x="2440808" y="3127082"/>
-            <a:ext cx="474810" cy="707886"/>
+            <a:off x="611560" y="4068444"/>
+            <a:ext cx="7369730" cy="482120"/>
           </a:xfrm>
           <a:prstGeom prst="rect">
             <a:avLst/>
@@ -13232,123 +14343,159 @@
           <a:noFill/>
         </p:spPr>
         <p:txBody>
-          <a:bodyPr wrap="none" lIns="91440" tIns="45720" rIns="91440" bIns="45720">
+          <a:bodyPr wrap="square" rtlCol="0">
             <a:spAutoFit/>
           </a:bodyPr>
           <a:lstStyle/>
           <a:p>
-            <a:pPr algn="ctr"/>
-            <a:r>
-              <a:rPr lang="en-US" altLang="ko-KR" sz="4000" b="1" cap="none" spc="0" dirty="0">
-                <a:ln w="17780" cmpd="sng">
-                  <a:solidFill>
-                    <a:schemeClr val="accent1">
-                      <a:tint val="3000"/>
-                    </a:schemeClr>
-                  </a:solidFill>
-                  <a:prstDash val="solid"/>
-                  <a:miter lim="800000"/>
-                </a:ln>
-                <a:solidFill>
-                  <a:schemeClr val="tx2">
-                    <a:lumMod val="60000"/>
-                    <a:lumOff val="40000"/>
-                  </a:schemeClr>
-                </a:solidFill>
-                <a:effectLst>
-                  <a:outerShdw blurRad="55000" dist="50800" dir="5400000" algn="tl">
-                    <a:srgbClr val="000000">
-                      <a:alpha val="33000"/>
-                    </a:srgbClr>
-                  </a:outerShdw>
-                </a:effectLst>
-              </a:rPr>
-              <a:t>8</a:t>
-            </a:r>
-          </a:p>
-        </p:txBody>
-      </p:sp>
-      <p:sp>
-        <p:nvSpPr>
-          <p:cNvPr id="8" name="Rectangle 203"/>
-          <p:cNvSpPr>
-            <a:spLocks noChangeArrowheads="1"/>
-          </p:cNvSpPr>
+            <a:pPr marL="285750" indent="-285750" algn="just">
+              <a:lnSpc>
+                <a:spcPct val="150000"/>
+              </a:lnSpc>
+              <a:buClr>
+                <a:srgbClr val="C00000"/>
+              </a:buClr>
+              <a:buFont typeface="Wingdings" panose="05000000000000000000" pitchFamily="2" charset="2"/>
+              <a:buChar char="l"/>
+            </a:pPr>
+            <a:r>
+              <a:rPr lang="en-US" altLang="ko-KR" sz="2000" dirty="0">
+                <a:latin typeface="HY헤드라인M" panose="02030600000101010101" pitchFamily="18" charset="-127"/>
+                <a:ea typeface="HY헤드라인M" panose="02030600000101010101" pitchFamily="18" charset="-127"/>
+              </a:rPr>
+              <a:t>Decision Tree</a:t>
+            </a:r>
+            <a:endParaRPr lang="en-US" altLang="ko-KR" sz="1600" dirty="0">
+              <a:latin typeface="HY헤드라인M" panose="02030600000101010101" pitchFamily="18" charset="-127"/>
+              <a:ea typeface="HY헤드라인M" panose="02030600000101010101" pitchFamily="18" charset="-127"/>
+            </a:endParaRPr>
+          </a:p>
+        </p:txBody>
+      </p:sp>
+      <p:pic>
+        <p:nvPicPr>
+          <p:cNvPr id="5" name="그림 4">
+            <a:extLst>
+              <a:ext uri="{FF2B5EF4-FFF2-40B4-BE49-F238E27FC236}">
+                <a16:creationId xmlns:a16="http://schemas.microsoft.com/office/drawing/2014/main" id="{0AC360CF-0250-0468-5F8D-4E0F26928E2E}"/>
+              </a:ext>
+            </a:extLst>
+          </p:cNvPr>
+          <p:cNvPicPr>
+            <a:picLocks noChangeAspect="1"/>
+          </p:cNvPicPr>
           <p:nvPr/>
-        </p:nvSpPr>
-        <p:spPr bwMode="auto">
+        </p:nvPicPr>
+        <p:blipFill>
+          <a:blip r:embed="rId3"/>
+          <a:stretch>
+            <a:fillRect/>
+          </a:stretch>
+        </p:blipFill>
+        <p:spPr>
           <a:xfrm>
-            <a:off x="3131840" y="3109938"/>
-            <a:ext cx="4104456" cy="638123"/>
+            <a:off x="431540" y="2493244"/>
+            <a:ext cx="3384376" cy="592623"/>
           </a:xfrm>
           <a:prstGeom prst="rect">
             <a:avLst/>
           </a:prstGeom>
-          <a:noFill/>
-          <a:ln w="9525">
-            <a:noFill/>
-            <a:miter lim="800000"/>
-            <a:headEnd/>
-            <a:tailEnd/>
-          </a:ln>
-        </p:spPr>
-        <p:txBody>
-          <a:bodyPr wrap="square">
-            <a:spAutoFit/>
-          </a:bodyPr>
-          <a:lstStyle/>
-          <a:p>
-            <a:pPr>
-              <a:lnSpc>
-                <a:spcPct val="150000"/>
-              </a:lnSpc>
-            </a:pPr>
-            <a:r>
-              <a:rPr lang="en-US" altLang="ko-KR" sz="2800" b="1" dirty="0">
-                <a:latin typeface="HY헤드라인M" pitchFamily="18" charset="-127"/>
-                <a:ea typeface="HY헤드라인M" pitchFamily="18" charset="-127"/>
-              </a:rPr>
-              <a:t>7</a:t>
-            </a:r>
-            <a:r>
-              <a:rPr lang="ko-KR" altLang="en-US" sz="2800" b="1" dirty="0">
-                <a:latin typeface="HY헤드라인M" pitchFamily="18" charset="-127"/>
-                <a:ea typeface="HY헤드라인M" pitchFamily="18" charset="-127"/>
-              </a:rPr>
-              <a:t>단계 </a:t>
-            </a:r>
-            <a:r>
-              <a:rPr lang="en-US" altLang="ko-KR" sz="2800" b="1" dirty="0">
-                <a:latin typeface="HY헤드라인M" pitchFamily="18" charset="-127"/>
-                <a:ea typeface="HY헤드라인M" pitchFamily="18" charset="-127"/>
-              </a:rPr>
-              <a:t>(</a:t>
-            </a:r>
-            <a:r>
-              <a:rPr lang="ko-KR" altLang="en-US" sz="2800" b="1" dirty="0">
-                <a:latin typeface="HY헤드라인M" pitchFamily="18" charset="-127"/>
-                <a:ea typeface="HY헤드라인M" pitchFamily="18" charset="-127"/>
-              </a:rPr>
-              <a:t>모델 세부 튜닝</a:t>
-            </a:r>
-            <a:r>
-              <a:rPr lang="en-US" altLang="ko-KR" sz="2800" b="1" dirty="0">
-                <a:latin typeface="HY헤드라인M" pitchFamily="18" charset="-127"/>
-                <a:ea typeface="HY헤드라인M" pitchFamily="18" charset="-127"/>
-              </a:rPr>
-              <a:t>)</a:t>
-            </a:r>
-            <a:endParaRPr lang="ko-KR" altLang="en-US" sz="2800" b="1" dirty="0">
-              <a:latin typeface="HY헤드라인M" pitchFamily="18" charset="-127"/>
-              <a:ea typeface="HY헤드라인M" pitchFamily="18" charset="-127"/>
-            </a:endParaRPr>
-          </a:p>
-        </p:txBody>
-      </p:sp>
+        </p:spPr>
+      </p:pic>
+      <p:pic>
+        <p:nvPicPr>
+          <p:cNvPr id="10" name="그림 9">
+            <a:extLst>
+              <a:ext uri="{FF2B5EF4-FFF2-40B4-BE49-F238E27FC236}">
+                <a16:creationId xmlns:a16="http://schemas.microsoft.com/office/drawing/2014/main" id="{97692EB2-B7F2-81D6-CFE4-64BDA5F6B47B}"/>
+              </a:ext>
+            </a:extLst>
+          </p:cNvPr>
+          <p:cNvPicPr>
+            <a:picLocks noChangeAspect="1"/>
+          </p:cNvPicPr>
+          <p:nvPr/>
+        </p:nvPicPr>
+        <p:blipFill>
+          <a:blip r:embed="rId4"/>
+          <a:stretch>
+            <a:fillRect/>
+          </a:stretch>
+        </p:blipFill>
+        <p:spPr>
+          <a:xfrm>
+            <a:off x="3896868" y="1939400"/>
+            <a:ext cx="3496740" cy="1995994"/>
+          </a:xfrm>
+          <a:prstGeom prst="rect">
+            <a:avLst/>
+          </a:prstGeom>
+        </p:spPr>
+      </p:pic>
+      <p:pic>
+        <p:nvPicPr>
+          <p:cNvPr id="12" name="그림 11">
+            <a:extLst>
+              <a:ext uri="{FF2B5EF4-FFF2-40B4-BE49-F238E27FC236}">
+                <a16:creationId xmlns:a16="http://schemas.microsoft.com/office/drawing/2014/main" id="{04AF8B9E-94B9-D959-1990-BFE42F65E755}"/>
+              </a:ext>
+            </a:extLst>
+          </p:cNvPr>
+          <p:cNvPicPr>
+            <a:picLocks noChangeAspect="1"/>
+          </p:cNvPicPr>
+          <p:nvPr/>
+        </p:nvPicPr>
+        <p:blipFill>
+          <a:blip r:embed="rId5"/>
+          <a:stretch>
+            <a:fillRect/>
+          </a:stretch>
+        </p:blipFill>
+        <p:spPr>
+          <a:xfrm>
+            <a:off x="467544" y="5013176"/>
+            <a:ext cx="3456384" cy="592727"/>
+          </a:xfrm>
+          <a:prstGeom prst="rect">
+            <a:avLst/>
+          </a:prstGeom>
+        </p:spPr>
+      </p:pic>
+      <p:pic>
+        <p:nvPicPr>
+          <p:cNvPr id="15" name="그림 14">
+            <a:extLst>
+              <a:ext uri="{FF2B5EF4-FFF2-40B4-BE49-F238E27FC236}">
+                <a16:creationId xmlns:a16="http://schemas.microsoft.com/office/drawing/2014/main" id="{CC8175E8-80C2-33D7-CE50-42CFA9203CE0}"/>
+              </a:ext>
+            </a:extLst>
+          </p:cNvPr>
+          <p:cNvPicPr>
+            <a:picLocks noChangeAspect="1"/>
+          </p:cNvPicPr>
+          <p:nvPr/>
+        </p:nvPicPr>
+        <p:blipFill>
+          <a:blip r:embed="rId6"/>
+          <a:stretch>
+            <a:fillRect/>
+          </a:stretch>
+        </p:blipFill>
+        <p:spPr>
+          <a:xfrm>
+            <a:off x="4033505" y="4581128"/>
+            <a:ext cx="3384376" cy="1959376"/>
+          </a:xfrm>
+          <a:prstGeom prst="rect">
+            <a:avLst/>
+          </a:prstGeom>
+        </p:spPr>
+      </p:pic>
     </p:spTree>
     <p:extLst>
       <p:ext uri="{BB962C8B-B14F-4D97-AF65-F5344CB8AC3E}">
-        <p14:creationId xmlns:p14="http://schemas.microsoft.com/office/powerpoint/2010/main" val="1189484830"/>
+        <p14:creationId xmlns:p14="http://schemas.microsoft.com/office/powerpoint/2010/main" val="2449908888"/>
       </p:ext>
     </p:extLst>
   </p:cSld>
@@ -13362,6 +14509,361 @@
 </file>
 
 <file path=ppt/slides/slide32.xml><?xml version="1.0" encoding="utf-8"?>
+<p:sld xmlns:a="http://schemas.openxmlformats.org/drawingml/2006/main" xmlns:r="http://schemas.openxmlformats.org/officeDocument/2006/relationships" xmlns:p="http://schemas.openxmlformats.org/presentationml/2006/main">
+  <p:cSld>
+    <p:spTree>
+      <p:nvGrpSpPr>
+        <p:cNvPr id="1" name=""/>
+        <p:cNvGrpSpPr/>
+        <p:nvPr/>
+      </p:nvGrpSpPr>
+      <p:grpSpPr>
+        <a:xfrm>
+          <a:off x="0" y="0"/>
+          <a:ext cx="0" cy="0"/>
+          <a:chOff x="0" y="0"/>
+          <a:chExt cx="0" cy="0"/>
+        </a:xfrm>
+      </p:grpSpPr>
+      <p:sp>
+        <p:nvSpPr>
+          <p:cNvPr id="14" name="내용 개체 틀 1"/>
+          <p:cNvSpPr>
+            <a:spLocks noGrp="1"/>
+          </p:cNvSpPr>
+          <p:nvPr>
+            <p:ph/>
+          </p:nvPr>
+        </p:nvSpPr>
+        <p:spPr bwMode="auto">
+          <a:xfrm>
+            <a:off x="179387" y="981075"/>
+            <a:ext cx="8785225" cy="431800"/>
+          </a:xfrm>
+          <a:noFill/>
+          <a:ln>
+            <a:miter lim="800000"/>
+            <a:headEnd/>
+            <a:tailEnd/>
+          </a:ln>
+        </p:spPr>
+        <p:txBody>
+          <a:bodyPr vert="horz" wrap="square" lIns="91440" tIns="45720" rIns="91440" bIns="45720" numCol="1" anchor="t" anchorCtr="0" compatLnSpc="1">
+            <a:prstTxWarp prst="textNoShape">
+              <a:avLst/>
+            </a:prstTxWarp>
+          </a:bodyPr>
+          <a:lstStyle/>
+          <a:p>
+            <a:r>
+              <a:rPr lang="ko-KR" altLang="en-US" dirty="0">
+                <a:latin typeface="HY헤드라인M" pitchFamily="18" charset="-127"/>
+                <a:ea typeface="HY헤드라인M" pitchFamily="18" charset="-127"/>
+              </a:rPr>
+              <a:t>모델 훈련</a:t>
+            </a:r>
+          </a:p>
+        </p:txBody>
+      </p:sp>
+      <p:sp>
+        <p:nvSpPr>
+          <p:cNvPr id="9" name="TextBox 8"/>
+          <p:cNvSpPr txBox="1"/>
+          <p:nvPr/>
+        </p:nvSpPr>
+        <p:spPr>
+          <a:xfrm>
+            <a:off x="514350" y="1422600"/>
+            <a:ext cx="8280724" cy="482120"/>
+          </a:xfrm>
+          <a:prstGeom prst="rect">
+            <a:avLst/>
+          </a:prstGeom>
+          <a:noFill/>
+        </p:spPr>
+        <p:txBody>
+          <a:bodyPr wrap="square" rtlCol="0">
+            <a:spAutoFit/>
+          </a:bodyPr>
+          <a:lstStyle/>
+          <a:p>
+            <a:pPr marL="285750" indent="-285750" algn="just">
+              <a:lnSpc>
+                <a:spcPct val="150000"/>
+              </a:lnSpc>
+              <a:buClr>
+                <a:srgbClr val="C00000"/>
+              </a:buClr>
+              <a:buFont typeface="Wingdings" panose="05000000000000000000" pitchFamily="2" charset="2"/>
+              <a:buChar char="l"/>
+            </a:pPr>
+            <a:r>
+              <a:rPr lang="en-US" altLang="ko-KR" sz="2000" dirty="0">
+                <a:latin typeface="HY헤드라인M" panose="02030600000101010101" pitchFamily="18" charset="-127"/>
+                <a:ea typeface="HY헤드라인M" panose="02030600000101010101" pitchFamily="18" charset="-127"/>
+              </a:rPr>
+              <a:t>Random</a:t>
+            </a:r>
+            <a:r>
+              <a:rPr lang="ko-KR" altLang="en-US" sz="2000" dirty="0">
+                <a:latin typeface="HY헤드라인M" panose="02030600000101010101" pitchFamily="18" charset="-127"/>
+                <a:ea typeface="HY헤드라인M" panose="02030600000101010101" pitchFamily="18" charset="-127"/>
+              </a:rPr>
+              <a:t> </a:t>
+            </a:r>
+            <a:r>
+              <a:rPr lang="en-US" altLang="ko-KR" sz="2000" dirty="0">
+                <a:latin typeface="HY헤드라인M" panose="02030600000101010101" pitchFamily="18" charset="-127"/>
+                <a:ea typeface="HY헤드라인M" panose="02030600000101010101" pitchFamily="18" charset="-127"/>
+              </a:rPr>
+              <a:t>Forest</a:t>
+            </a:r>
+            <a:endParaRPr lang="en-US" altLang="ko-KR" sz="1600" dirty="0">
+              <a:latin typeface="HY헤드라인M" panose="02030600000101010101" pitchFamily="18" charset="-127"/>
+              <a:ea typeface="HY헤드라인M" panose="02030600000101010101" pitchFamily="18" charset="-127"/>
+            </a:endParaRPr>
+          </a:p>
+        </p:txBody>
+      </p:sp>
+      <p:sp>
+        <p:nvSpPr>
+          <p:cNvPr id="2" name="Rectangle 203">
+            <a:extLst>
+              <a:ext uri="{FF2B5EF4-FFF2-40B4-BE49-F238E27FC236}">
+                <a16:creationId xmlns:a16="http://schemas.microsoft.com/office/drawing/2014/main" id="{F3781700-51B4-0BC0-C3F4-E02EE8ECB30D}"/>
+              </a:ext>
+            </a:extLst>
+          </p:cNvPr>
+          <p:cNvSpPr>
+            <a:spLocks noChangeArrowheads="1"/>
+          </p:cNvSpPr>
+          <p:nvPr/>
+        </p:nvSpPr>
+        <p:spPr bwMode="auto">
+          <a:xfrm>
+            <a:off x="2051843" y="142852"/>
+            <a:ext cx="5040313" cy="457200"/>
+          </a:xfrm>
+          <a:prstGeom prst="rect">
+            <a:avLst/>
+          </a:prstGeom>
+          <a:noFill/>
+          <a:ln w="9525">
+            <a:noFill/>
+            <a:miter lim="800000"/>
+            <a:headEnd/>
+            <a:tailEnd/>
+          </a:ln>
+        </p:spPr>
+        <p:txBody>
+          <a:bodyPr>
+            <a:spAutoFit/>
+          </a:bodyPr>
+          <a:lstStyle/>
+          <a:p>
+            <a:pPr algn="ctr"/>
+            <a:r>
+              <a:rPr lang="ko-KR" altLang="en-US" sz="2400" b="1" dirty="0">
+                <a:solidFill>
+                  <a:schemeClr val="bg1"/>
+                </a:solidFill>
+                <a:latin typeface="HY헤드라인M" pitchFamily="18" charset="-127"/>
+                <a:ea typeface="HY헤드라인M" pitchFamily="18" charset="-127"/>
+              </a:rPr>
+              <a:t>모델 선택 및 훈련</a:t>
+            </a:r>
+          </a:p>
+        </p:txBody>
+      </p:sp>
+      <p:sp>
+        <p:nvSpPr>
+          <p:cNvPr id="8" name="TextBox 7">
+            <a:extLst>
+              <a:ext uri="{FF2B5EF4-FFF2-40B4-BE49-F238E27FC236}">
+                <a16:creationId xmlns:a16="http://schemas.microsoft.com/office/drawing/2014/main" id="{CB8D9248-17A0-C072-D467-7458DC2F433B}"/>
+              </a:ext>
+            </a:extLst>
+          </p:cNvPr>
+          <p:cNvSpPr txBox="1"/>
+          <p:nvPr/>
+        </p:nvSpPr>
+        <p:spPr>
+          <a:xfrm>
+            <a:off x="611560" y="4068444"/>
+            <a:ext cx="7369730" cy="482120"/>
+          </a:xfrm>
+          <a:prstGeom prst="rect">
+            <a:avLst/>
+          </a:prstGeom>
+          <a:noFill/>
+        </p:spPr>
+        <p:txBody>
+          <a:bodyPr wrap="square" rtlCol="0">
+            <a:spAutoFit/>
+          </a:bodyPr>
+          <a:lstStyle/>
+          <a:p>
+            <a:pPr marL="285750" indent="-285750" algn="just">
+              <a:lnSpc>
+                <a:spcPct val="150000"/>
+              </a:lnSpc>
+              <a:buClr>
+                <a:srgbClr val="C00000"/>
+              </a:buClr>
+              <a:buFont typeface="Wingdings" panose="05000000000000000000" pitchFamily="2" charset="2"/>
+              <a:buChar char="l"/>
+            </a:pPr>
+            <a:r>
+              <a:rPr lang="en-US" altLang="ko-KR" sz="2000" dirty="0" err="1">
+                <a:latin typeface="HY헤드라인M" panose="02030600000101010101" pitchFamily="18" charset="-127"/>
+                <a:ea typeface="HY헤드라인M" panose="02030600000101010101" pitchFamily="18" charset="-127"/>
+              </a:rPr>
+              <a:t>Adaboost</a:t>
+            </a:r>
+            <a:endParaRPr lang="en-US" altLang="ko-KR" sz="1600" dirty="0">
+              <a:latin typeface="HY헤드라인M" panose="02030600000101010101" pitchFamily="18" charset="-127"/>
+              <a:ea typeface="HY헤드라인M" panose="02030600000101010101" pitchFamily="18" charset="-127"/>
+            </a:endParaRPr>
+          </a:p>
+        </p:txBody>
+      </p:sp>
+      <p:pic>
+        <p:nvPicPr>
+          <p:cNvPr id="4" name="그림 3">
+            <a:extLst>
+              <a:ext uri="{FF2B5EF4-FFF2-40B4-BE49-F238E27FC236}">
+                <a16:creationId xmlns:a16="http://schemas.microsoft.com/office/drawing/2014/main" id="{FAEFDB3B-D1B2-DC6E-2A5F-070B30D54FF0}"/>
+              </a:ext>
+            </a:extLst>
+          </p:cNvPr>
+          <p:cNvPicPr>
+            <a:picLocks noChangeAspect="1"/>
+          </p:cNvPicPr>
+          <p:nvPr/>
+        </p:nvPicPr>
+        <p:blipFill>
+          <a:blip r:embed="rId3"/>
+          <a:stretch>
+            <a:fillRect/>
+          </a:stretch>
+        </p:blipFill>
+        <p:spPr>
+          <a:xfrm>
+            <a:off x="683569" y="2963317"/>
+            <a:ext cx="4032448" cy="524598"/>
+          </a:xfrm>
+          <a:prstGeom prst="rect">
+            <a:avLst/>
+          </a:prstGeom>
+        </p:spPr>
+      </p:pic>
+      <p:pic>
+        <p:nvPicPr>
+          <p:cNvPr id="7" name="그림 6">
+            <a:extLst>
+              <a:ext uri="{FF2B5EF4-FFF2-40B4-BE49-F238E27FC236}">
+                <a16:creationId xmlns:a16="http://schemas.microsoft.com/office/drawing/2014/main" id="{E07FC7ED-E073-1BB6-9BE9-7A1A0487A074}"/>
+              </a:ext>
+            </a:extLst>
+          </p:cNvPr>
+          <p:cNvPicPr>
+            <a:picLocks noChangeAspect="1"/>
+          </p:cNvPicPr>
+          <p:nvPr/>
+        </p:nvPicPr>
+        <p:blipFill>
+          <a:blip r:embed="rId4"/>
+          <a:stretch>
+            <a:fillRect/>
+          </a:stretch>
+        </p:blipFill>
+        <p:spPr>
+          <a:xfrm>
+            <a:off x="4759989" y="1882475"/>
+            <a:ext cx="3706709" cy="2088059"/>
+          </a:xfrm>
+          <a:prstGeom prst="rect">
+            <a:avLst/>
+          </a:prstGeom>
+        </p:spPr>
+      </p:pic>
+      <p:pic>
+        <p:nvPicPr>
+          <p:cNvPr id="13" name="그림 12">
+            <a:extLst>
+              <a:ext uri="{FF2B5EF4-FFF2-40B4-BE49-F238E27FC236}">
+                <a16:creationId xmlns:a16="http://schemas.microsoft.com/office/drawing/2014/main" id="{763C218B-C4F4-ECD4-03F0-4DFEED31F3D7}"/>
+              </a:ext>
+            </a:extLst>
+          </p:cNvPr>
+          <p:cNvPicPr>
+            <a:picLocks noChangeAspect="1"/>
+          </p:cNvPicPr>
+          <p:nvPr/>
+        </p:nvPicPr>
+        <p:blipFill>
+          <a:blip r:embed="rId5"/>
+          <a:stretch>
+            <a:fillRect/>
+          </a:stretch>
+        </p:blipFill>
+        <p:spPr>
+          <a:xfrm>
+            <a:off x="683569" y="5014257"/>
+            <a:ext cx="3528391" cy="589278"/>
+          </a:xfrm>
+          <a:prstGeom prst="rect">
+            <a:avLst/>
+          </a:prstGeom>
+        </p:spPr>
+      </p:pic>
+      <p:pic>
+        <p:nvPicPr>
+          <p:cNvPr id="17" name="그림 16">
+            <a:extLst>
+              <a:ext uri="{FF2B5EF4-FFF2-40B4-BE49-F238E27FC236}">
+                <a16:creationId xmlns:a16="http://schemas.microsoft.com/office/drawing/2014/main" id="{5DFACD68-97EF-013A-91F9-4D31C5FBBFB7}"/>
+              </a:ext>
+            </a:extLst>
+          </p:cNvPr>
+          <p:cNvPicPr>
+            <a:picLocks noChangeAspect="1"/>
+          </p:cNvPicPr>
+          <p:nvPr/>
+        </p:nvPicPr>
+        <p:blipFill>
+          <a:blip r:embed="rId6"/>
+          <a:stretch>
+            <a:fillRect/>
+          </a:stretch>
+        </p:blipFill>
+        <p:spPr>
+          <a:xfrm>
+            <a:off x="4355976" y="4391370"/>
+            <a:ext cx="3696758" cy="2088059"/>
+          </a:xfrm>
+          <a:prstGeom prst="rect">
+            <a:avLst/>
+          </a:prstGeom>
+        </p:spPr>
+      </p:pic>
+    </p:spTree>
+    <p:extLst>
+      <p:ext uri="{BB962C8B-B14F-4D97-AF65-F5344CB8AC3E}">
+        <p14:creationId xmlns:p14="http://schemas.microsoft.com/office/powerpoint/2010/main" val="4290482080"/>
+      </p:ext>
+    </p:extLst>
+  </p:cSld>
+  <p:clrMapOvr>
+    <a:masterClrMapping/>
+  </p:clrMapOvr>
+  <p:transition>
+    <p:fade/>
+  </p:transition>
+</p:sld>
+</file>
+
+<file path=ppt/slides/slide33.xml><?xml version="1.0" encoding="utf-8"?>
 <p:sld xmlns:a="http://schemas.openxmlformats.org/drawingml/2006/main" xmlns:r="http://schemas.openxmlformats.org/officeDocument/2006/relationships" xmlns:p="http://schemas.openxmlformats.org/presentationml/2006/main">
   <p:cSld>
     <p:spTree>
@@ -13458,7 +14960,7 @@
                   </a:outerShdw>
                 </a:effectLst>
               </a:rPr>
-              <a:t>9</a:t>
+              <a:t>8</a:t>
             </a:r>
           </a:p>
         </p:txBody>
@@ -13503,7 +15005,7 @@
                 <a:latin typeface="HY헤드라인M" pitchFamily="18" charset="-127"/>
                 <a:ea typeface="HY헤드라인M" pitchFamily="18" charset="-127"/>
               </a:rPr>
-              <a:t>8</a:t>
+              <a:t>7</a:t>
             </a:r>
             <a:r>
               <a:rPr lang="ko-KR" altLang="en-US" sz="2800" b="1" dirty="0">
@@ -13524,7 +15026,7 @@
                 <a:latin typeface="HY헤드라인M" pitchFamily="18" charset="-127"/>
                 <a:ea typeface="HY헤드라인M" pitchFamily="18" charset="-127"/>
               </a:rPr>
-              <a:t>결과 및 결론</a:t>
+              <a:t>모델 세부 튜닝</a:t>
             </a:r>
             <a:r>
               <a:rPr lang="en-US" altLang="ko-KR" sz="2800" b="1" dirty="0">
@@ -13543,7 +15045,2393 @@
     </p:spTree>
     <p:extLst>
       <p:ext uri="{BB962C8B-B14F-4D97-AF65-F5344CB8AC3E}">
+        <p14:creationId xmlns:p14="http://schemas.microsoft.com/office/powerpoint/2010/main" val="1189484830"/>
+      </p:ext>
+    </p:extLst>
+  </p:cSld>
+  <p:clrMapOvr>
+    <a:masterClrMapping/>
+  </p:clrMapOvr>
+  <p:transition>
+    <p:fade/>
+  </p:transition>
+</p:sld>
+</file>
+
+<file path=ppt/slides/slide34.xml><?xml version="1.0" encoding="utf-8"?>
+<p:sld xmlns:a="http://schemas.openxmlformats.org/drawingml/2006/main" xmlns:r="http://schemas.openxmlformats.org/officeDocument/2006/relationships" xmlns:p="http://schemas.openxmlformats.org/presentationml/2006/main">
+  <p:cSld>
+    <p:spTree>
+      <p:nvGrpSpPr>
+        <p:cNvPr id="1" name=""/>
+        <p:cNvGrpSpPr/>
+        <p:nvPr/>
+      </p:nvGrpSpPr>
+      <p:grpSpPr>
+        <a:xfrm>
+          <a:off x="0" y="0"/>
+          <a:ext cx="0" cy="0"/>
+          <a:chOff x="0" y="0"/>
+          <a:chExt cx="0" cy="0"/>
+        </a:xfrm>
+      </p:grpSpPr>
+      <p:sp>
+        <p:nvSpPr>
+          <p:cNvPr id="14" name="내용 개체 틀 1"/>
+          <p:cNvSpPr>
+            <a:spLocks noGrp="1"/>
+          </p:cNvSpPr>
+          <p:nvPr>
+            <p:ph/>
+          </p:nvPr>
+        </p:nvSpPr>
+        <p:spPr bwMode="auto">
+          <a:xfrm>
+            <a:off x="179387" y="981075"/>
+            <a:ext cx="8785225" cy="431800"/>
+          </a:xfrm>
+          <a:noFill/>
+          <a:ln>
+            <a:miter lim="800000"/>
+            <a:headEnd/>
+            <a:tailEnd/>
+          </a:ln>
+        </p:spPr>
+        <p:txBody>
+          <a:bodyPr vert="horz" wrap="square" lIns="91440" tIns="45720" rIns="91440" bIns="45720" numCol="1" anchor="t" anchorCtr="0" compatLnSpc="1">
+            <a:prstTxWarp prst="textNoShape">
+              <a:avLst/>
+            </a:prstTxWarp>
+          </a:bodyPr>
+          <a:lstStyle/>
+          <a:p>
+            <a:r>
+              <a:rPr lang="ko-KR" altLang="en-US" dirty="0">
+                <a:latin typeface="HY헤드라인M" pitchFamily="18" charset="-127"/>
+                <a:ea typeface="HY헤드라인M" pitchFamily="18" charset="-127"/>
+              </a:rPr>
+              <a:t>세부 튜닝</a:t>
+            </a:r>
+          </a:p>
+        </p:txBody>
+      </p:sp>
+      <p:sp>
+        <p:nvSpPr>
+          <p:cNvPr id="9" name="TextBox 8"/>
+          <p:cNvSpPr txBox="1"/>
+          <p:nvPr/>
+        </p:nvSpPr>
+        <p:spPr>
+          <a:xfrm>
+            <a:off x="514350" y="1422600"/>
+            <a:ext cx="8280724" cy="482120"/>
+          </a:xfrm>
+          <a:prstGeom prst="rect">
+            <a:avLst/>
+          </a:prstGeom>
+          <a:noFill/>
+        </p:spPr>
+        <p:txBody>
+          <a:bodyPr wrap="square" rtlCol="0">
+            <a:spAutoFit/>
+          </a:bodyPr>
+          <a:lstStyle/>
+          <a:p>
+            <a:pPr marL="285750" indent="-285750" algn="just">
+              <a:lnSpc>
+                <a:spcPct val="150000"/>
+              </a:lnSpc>
+              <a:buClr>
+                <a:srgbClr val="C00000"/>
+              </a:buClr>
+              <a:buFont typeface="Wingdings" panose="05000000000000000000" pitchFamily="2" charset="2"/>
+              <a:buChar char="l"/>
+            </a:pPr>
+            <a:r>
+              <a:rPr lang="en-US" altLang="ko-KR" sz="2000" dirty="0">
+                <a:latin typeface="HY헤드라인M" panose="02030600000101010101" pitchFamily="18" charset="-127"/>
+                <a:ea typeface="HY헤드라인M" panose="02030600000101010101" pitchFamily="18" charset="-127"/>
+              </a:rPr>
+              <a:t>Random</a:t>
+            </a:r>
+            <a:r>
+              <a:rPr lang="ko-KR" altLang="en-US" sz="2000" dirty="0">
+                <a:latin typeface="HY헤드라인M" panose="02030600000101010101" pitchFamily="18" charset="-127"/>
+                <a:ea typeface="HY헤드라인M" panose="02030600000101010101" pitchFamily="18" charset="-127"/>
+              </a:rPr>
+              <a:t> </a:t>
+            </a:r>
+            <a:r>
+              <a:rPr lang="en-US" altLang="ko-KR" sz="2000" dirty="0">
+                <a:latin typeface="HY헤드라인M" panose="02030600000101010101" pitchFamily="18" charset="-127"/>
+                <a:ea typeface="HY헤드라인M" panose="02030600000101010101" pitchFamily="18" charset="-127"/>
+              </a:rPr>
+              <a:t>Forest </a:t>
+            </a:r>
+            <a:r>
+              <a:rPr lang="en-US" altLang="ko-KR" sz="1600" dirty="0">
+                <a:latin typeface="HY헤드라인M" panose="02030600000101010101" pitchFamily="18" charset="-127"/>
+                <a:ea typeface="HY헤드라인M" panose="02030600000101010101" pitchFamily="18" charset="-127"/>
+              </a:rPr>
+              <a:t>– </a:t>
+            </a:r>
+            <a:r>
+              <a:rPr lang="en-US" altLang="ko-KR" sz="1600" dirty="0" err="1">
+                <a:latin typeface="HY헤드라인M" panose="02030600000101010101" pitchFamily="18" charset="-127"/>
+                <a:ea typeface="HY헤드라인M" panose="02030600000101010101" pitchFamily="18" charset="-127"/>
+              </a:rPr>
+              <a:t>n_estimators</a:t>
+            </a:r>
+            <a:r>
+              <a:rPr lang="en-US" altLang="ko-KR" sz="1600" dirty="0">
+                <a:latin typeface="HY헤드라인M" panose="02030600000101010101" pitchFamily="18" charset="-127"/>
+                <a:ea typeface="HY헤드라인M" panose="02030600000101010101" pitchFamily="18" charset="-127"/>
+              </a:rPr>
+              <a:t> </a:t>
+            </a:r>
+            <a:r>
+              <a:rPr lang="ko-KR" altLang="en-US" sz="1600" dirty="0">
+                <a:latin typeface="HY헤드라인M" panose="02030600000101010101" pitchFamily="18" charset="-127"/>
+                <a:ea typeface="HY헤드라인M" panose="02030600000101010101" pitchFamily="18" charset="-127"/>
+              </a:rPr>
+              <a:t>파라미터 변경</a:t>
+            </a:r>
+            <a:endParaRPr lang="en-US" altLang="ko-KR" sz="1600" dirty="0">
+              <a:latin typeface="HY헤드라인M" panose="02030600000101010101" pitchFamily="18" charset="-127"/>
+              <a:ea typeface="HY헤드라인M" panose="02030600000101010101" pitchFamily="18" charset="-127"/>
+            </a:endParaRPr>
+          </a:p>
+        </p:txBody>
+      </p:sp>
+      <p:sp>
+        <p:nvSpPr>
+          <p:cNvPr id="2" name="Rectangle 203">
+            <a:extLst>
+              <a:ext uri="{FF2B5EF4-FFF2-40B4-BE49-F238E27FC236}">
+                <a16:creationId xmlns:a16="http://schemas.microsoft.com/office/drawing/2014/main" id="{F3781700-51B4-0BC0-C3F4-E02EE8ECB30D}"/>
+              </a:ext>
+            </a:extLst>
+          </p:cNvPr>
+          <p:cNvSpPr>
+            <a:spLocks noChangeArrowheads="1"/>
+          </p:cNvSpPr>
+          <p:nvPr/>
+        </p:nvSpPr>
+        <p:spPr bwMode="auto">
+          <a:xfrm>
+            <a:off x="2051843" y="142852"/>
+            <a:ext cx="5040313" cy="457200"/>
+          </a:xfrm>
+          <a:prstGeom prst="rect">
+            <a:avLst/>
+          </a:prstGeom>
+          <a:noFill/>
+          <a:ln w="9525">
+            <a:noFill/>
+            <a:miter lim="800000"/>
+            <a:headEnd/>
+            <a:tailEnd/>
+          </a:ln>
+        </p:spPr>
+        <p:txBody>
+          <a:bodyPr>
+            <a:spAutoFit/>
+          </a:bodyPr>
+          <a:lstStyle/>
+          <a:p>
+            <a:pPr algn="ctr"/>
+            <a:r>
+              <a:rPr lang="ko-KR" altLang="en-US" sz="2400" b="1" dirty="0">
+                <a:solidFill>
+                  <a:schemeClr val="bg1"/>
+                </a:solidFill>
+                <a:latin typeface="HY헤드라인M" pitchFamily="18" charset="-127"/>
+                <a:ea typeface="HY헤드라인M" pitchFamily="18" charset="-127"/>
+              </a:rPr>
+              <a:t>모델 세부 튜닝</a:t>
+            </a:r>
+          </a:p>
+        </p:txBody>
+      </p:sp>
+      <p:pic>
+        <p:nvPicPr>
+          <p:cNvPr id="6" name="그림 5">
+            <a:extLst>
+              <a:ext uri="{FF2B5EF4-FFF2-40B4-BE49-F238E27FC236}">
+                <a16:creationId xmlns:a16="http://schemas.microsoft.com/office/drawing/2014/main" id="{3EADEC40-E690-0006-88D5-45D7ABE8A406}"/>
+              </a:ext>
+            </a:extLst>
+          </p:cNvPr>
+          <p:cNvPicPr>
+            <a:picLocks noChangeAspect="1"/>
+          </p:cNvPicPr>
+          <p:nvPr/>
+        </p:nvPicPr>
+        <p:blipFill>
+          <a:blip r:embed="rId3"/>
+          <a:stretch>
+            <a:fillRect/>
+          </a:stretch>
+        </p:blipFill>
+        <p:spPr>
+          <a:xfrm>
+            <a:off x="1547664" y="1921305"/>
+            <a:ext cx="5616624" cy="4793843"/>
+          </a:xfrm>
+          <a:prstGeom prst="rect">
+            <a:avLst/>
+          </a:prstGeom>
+        </p:spPr>
+      </p:pic>
+      <p:sp>
+        <p:nvSpPr>
+          <p:cNvPr id="10" name="직사각형 9">
+            <a:extLst>
+              <a:ext uri="{FF2B5EF4-FFF2-40B4-BE49-F238E27FC236}">
+                <a16:creationId xmlns:a16="http://schemas.microsoft.com/office/drawing/2014/main" id="{FD679E80-39EC-4665-4547-C9953FEBE157}"/>
+              </a:ext>
+            </a:extLst>
+          </p:cNvPr>
+          <p:cNvSpPr/>
+          <p:nvPr/>
+        </p:nvSpPr>
+        <p:spPr>
+          <a:xfrm>
+            <a:off x="2267744" y="4319628"/>
+            <a:ext cx="648072" cy="216024"/>
+          </a:xfrm>
+          <a:prstGeom prst="rect">
+            <a:avLst/>
+          </a:prstGeom>
+          <a:noFill/>
+          <a:ln>
+            <a:solidFill>
+              <a:srgbClr val="FF0000"/>
+            </a:solidFill>
+          </a:ln>
+        </p:spPr>
+        <p:style>
+          <a:lnRef idx="2">
+            <a:schemeClr val="accent1">
+              <a:shade val="50000"/>
+            </a:schemeClr>
+          </a:lnRef>
+          <a:fillRef idx="1">
+            <a:schemeClr val="accent1"/>
+          </a:fillRef>
+          <a:effectRef idx="0">
+            <a:schemeClr val="accent1"/>
+          </a:effectRef>
+          <a:fontRef idx="minor">
+            <a:schemeClr val="lt1"/>
+          </a:fontRef>
+        </p:style>
+        <p:txBody>
+          <a:bodyPr rtlCol="0" anchor="ctr"/>
+          <a:lstStyle/>
+          <a:p>
+            <a:pPr algn="ctr"/>
+            <a:endParaRPr lang="ko-KR" altLang="en-US"/>
+          </a:p>
+        </p:txBody>
+      </p:sp>
+      <p:sp>
+        <p:nvSpPr>
+          <p:cNvPr id="15" name="TextBox 14">
+            <a:extLst>
+              <a:ext uri="{FF2B5EF4-FFF2-40B4-BE49-F238E27FC236}">
+                <a16:creationId xmlns:a16="http://schemas.microsoft.com/office/drawing/2014/main" id="{02788257-A63D-AAC2-1FBD-410EC013FAA4}"/>
+              </a:ext>
+            </a:extLst>
+          </p:cNvPr>
+          <p:cNvSpPr txBox="1"/>
+          <p:nvPr/>
+        </p:nvSpPr>
+        <p:spPr>
+          <a:xfrm>
+            <a:off x="2951222" y="4294837"/>
+            <a:ext cx="2268850" cy="461665"/>
+          </a:xfrm>
+          <a:prstGeom prst="rect">
+            <a:avLst/>
+          </a:prstGeom>
+          <a:noFill/>
+        </p:spPr>
+        <p:txBody>
+          <a:bodyPr wrap="square" rtlCol="0">
+            <a:spAutoFit/>
+          </a:bodyPr>
+          <a:lstStyle/>
+          <a:p>
+            <a:r>
+              <a:rPr lang="en-US" altLang="ko-KR" sz="1200" b="1" dirty="0">
+                <a:solidFill>
+                  <a:srgbClr val="FF0000"/>
+                </a:solidFill>
+              </a:rPr>
+              <a:t>3, 7, 9, 10</a:t>
+            </a:r>
+            <a:r>
+              <a:rPr lang="ko-KR" altLang="en-US" sz="1200" b="1" dirty="0">
+                <a:solidFill>
+                  <a:srgbClr val="FF0000"/>
+                </a:solidFill>
+              </a:rPr>
+              <a:t>에서</a:t>
+            </a:r>
+            <a:r>
+              <a:rPr lang="en-US" altLang="ko-KR" sz="1200" b="1" dirty="0">
+                <a:solidFill>
+                  <a:srgbClr val="FF0000"/>
+                </a:solidFill>
+              </a:rPr>
+              <a:t> </a:t>
+            </a:r>
+            <a:r>
+              <a:rPr lang="ko-KR" altLang="en-US" sz="1200" b="1" dirty="0">
+                <a:solidFill>
+                  <a:srgbClr val="FF0000"/>
+                </a:solidFill>
+              </a:rPr>
+              <a:t>정확도 최대 </a:t>
+            </a:r>
+            <a:r>
+              <a:rPr lang="en-US" altLang="ko-KR" sz="1200" b="1" dirty="0">
+                <a:solidFill>
+                  <a:srgbClr val="FF0000"/>
+                </a:solidFill>
+              </a:rPr>
+              <a:t>1.0 </a:t>
+            </a:r>
+            <a:r>
+              <a:rPr lang="ko-KR" altLang="en-US" sz="1200" b="1" dirty="0">
+                <a:solidFill>
+                  <a:srgbClr val="FF0000"/>
+                </a:solidFill>
+              </a:rPr>
+              <a:t>확인</a:t>
+            </a:r>
+            <a:r>
+              <a:rPr lang="en-US" altLang="ko-KR" sz="1200" b="1" dirty="0">
+                <a:solidFill>
+                  <a:srgbClr val="FF0000"/>
+                </a:solidFill>
+              </a:rPr>
+              <a:t> (</a:t>
+            </a:r>
+            <a:r>
+              <a:rPr lang="en-US" altLang="ko-KR" sz="1200" b="1" u="sng" dirty="0">
+                <a:solidFill>
+                  <a:srgbClr val="FF0000"/>
+                </a:solidFill>
+              </a:rPr>
+              <a:t>10</a:t>
+            </a:r>
+            <a:r>
+              <a:rPr lang="ko-KR" altLang="en-US" sz="1200" b="1" u="sng" dirty="0">
+                <a:solidFill>
+                  <a:srgbClr val="FF0000"/>
+                </a:solidFill>
+              </a:rPr>
+              <a:t>으로 확정</a:t>
+            </a:r>
+            <a:r>
+              <a:rPr lang="en-US" altLang="ko-KR" sz="1200" b="1" dirty="0">
+                <a:solidFill>
+                  <a:srgbClr val="FF0000"/>
+                </a:solidFill>
+              </a:rPr>
+              <a:t>) </a:t>
+            </a:r>
+            <a:endParaRPr lang="ko-KR" altLang="en-US" sz="1200" b="1" dirty="0">
+              <a:solidFill>
+                <a:srgbClr val="FF0000"/>
+              </a:solidFill>
+            </a:endParaRPr>
+          </a:p>
+        </p:txBody>
+      </p:sp>
+    </p:spTree>
+    <p:extLst>
+      <p:ext uri="{BB962C8B-B14F-4D97-AF65-F5344CB8AC3E}">
+        <p14:creationId xmlns:p14="http://schemas.microsoft.com/office/powerpoint/2010/main" val="3017026060"/>
+      </p:ext>
+    </p:extLst>
+  </p:cSld>
+  <p:clrMapOvr>
+    <a:masterClrMapping/>
+  </p:clrMapOvr>
+  <p:transition>
+    <p:fade/>
+  </p:transition>
+</p:sld>
+</file>
+
+<file path=ppt/slides/slide35.xml><?xml version="1.0" encoding="utf-8"?>
+<p:sld xmlns:a="http://schemas.openxmlformats.org/drawingml/2006/main" xmlns:r="http://schemas.openxmlformats.org/officeDocument/2006/relationships" xmlns:p="http://schemas.openxmlformats.org/presentationml/2006/main">
+  <p:cSld>
+    <p:spTree>
+      <p:nvGrpSpPr>
+        <p:cNvPr id="1" name=""/>
+        <p:cNvGrpSpPr/>
+        <p:nvPr/>
+      </p:nvGrpSpPr>
+      <p:grpSpPr>
+        <a:xfrm>
+          <a:off x="0" y="0"/>
+          <a:ext cx="0" cy="0"/>
+          <a:chOff x="0" y="0"/>
+          <a:chExt cx="0" cy="0"/>
+        </a:xfrm>
+      </p:grpSpPr>
+      <p:pic>
+        <p:nvPicPr>
+          <p:cNvPr id="4" name="그림 3">
+            <a:extLst>
+              <a:ext uri="{FF2B5EF4-FFF2-40B4-BE49-F238E27FC236}">
+                <a16:creationId xmlns:a16="http://schemas.microsoft.com/office/drawing/2014/main" id="{60618915-C298-778A-06AE-EFFDAE8EAF28}"/>
+              </a:ext>
+            </a:extLst>
+          </p:cNvPr>
+          <p:cNvPicPr>
+            <a:picLocks noChangeAspect="1"/>
+          </p:cNvPicPr>
+          <p:nvPr/>
+        </p:nvPicPr>
+        <p:blipFill>
+          <a:blip r:embed="rId3"/>
+          <a:stretch>
+            <a:fillRect/>
+          </a:stretch>
+        </p:blipFill>
+        <p:spPr>
+          <a:xfrm>
+            <a:off x="1288497" y="1950839"/>
+            <a:ext cx="6019807" cy="4824472"/>
+          </a:xfrm>
+          <a:prstGeom prst="rect">
+            <a:avLst/>
+          </a:prstGeom>
+        </p:spPr>
+      </p:pic>
+      <p:sp>
+        <p:nvSpPr>
+          <p:cNvPr id="14" name="내용 개체 틀 1"/>
+          <p:cNvSpPr>
+            <a:spLocks noGrp="1"/>
+          </p:cNvSpPr>
+          <p:nvPr>
+            <p:ph/>
+          </p:nvPr>
+        </p:nvSpPr>
+        <p:spPr bwMode="auto">
+          <a:xfrm>
+            <a:off x="179387" y="981075"/>
+            <a:ext cx="8785225" cy="431800"/>
+          </a:xfrm>
+          <a:noFill/>
+          <a:ln>
+            <a:miter lim="800000"/>
+            <a:headEnd/>
+            <a:tailEnd/>
+          </a:ln>
+        </p:spPr>
+        <p:txBody>
+          <a:bodyPr vert="horz" wrap="square" lIns="91440" tIns="45720" rIns="91440" bIns="45720" numCol="1" anchor="t" anchorCtr="0" compatLnSpc="1">
+            <a:prstTxWarp prst="textNoShape">
+              <a:avLst/>
+            </a:prstTxWarp>
+          </a:bodyPr>
+          <a:lstStyle/>
+          <a:p>
+            <a:r>
+              <a:rPr lang="ko-KR" altLang="en-US" dirty="0">
+                <a:latin typeface="HY헤드라인M" pitchFamily="18" charset="-127"/>
+                <a:ea typeface="HY헤드라인M" pitchFamily="18" charset="-127"/>
+              </a:rPr>
+              <a:t>세부 튜닝</a:t>
+            </a:r>
+          </a:p>
+        </p:txBody>
+      </p:sp>
+      <p:sp>
+        <p:nvSpPr>
+          <p:cNvPr id="9" name="TextBox 8"/>
+          <p:cNvSpPr txBox="1"/>
+          <p:nvPr/>
+        </p:nvSpPr>
+        <p:spPr>
+          <a:xfrm>
+            <a:off x="514350" y="1422600"/>
+            <a:ext cx="8280724" cy="482120"/>
+          </a:xfrm>
+          <a:prstGeom prst="rect">
+            <a:avLst/>
+          </a:prstGeom>
+          <a:noFill/>
+        </p:spPr>
+        <p:txBody>
+          <a:bodyPr wrap="square" rtlCol="0">
+            <a:spAutoFit/>
+          </a:bodyPr>
+          <a:lstStyle/>
+          <a:p>
+            <a:pPr marL="285750" indent="-285750" algn="just">
+              <a:lnSpc>
+                <a:spcPct val="150000"/>
+              </a:lnSpc>
+              <a:buClr>
+                <a:srgbClr val="C00000"/>
+              </a:buClr>
+              <a:buFont typeface="Wingdings" panose="05000000000000000000" pitchFamily="2" charset="2"/>
+              <a:buChar char="l"/>
+            </a:pPr>
+            <a:r>
+              <a:rPr lang="en-US" altLang="ko-KR" sz="2000" dirty="0">
+                <a:latin typeface="HY헤드라인M" panose="02030600000101010101" pitchFamily="18" charset="-127"/>
+                <a:ea typeface="HY헤드라인M" panose="02030600000101010101" pitchFamily="18" charset="-127"/>
+              </a:rPr>
+              <a:t>AdaBoost - </a:t>
+            </a:r>
+            <a:r>
+              <a:rPr lang="en-US" altLang="ko-KR" sz="1600" dirty="0" err="1">
+                <a:latin typeface="HY헤드라인M" panose="02030600000101010101" pitchFamily="18" charset="-127"/>
+                <a:ea typeface="HY헤드라인M" panose="02030600000101010101" pitchFamily="18" charset="-127"/>
+              </a:rPr>
+              <a:t>n_estimators</a:t>
+            </a:r>
+            <a:r>
+              <a:rPr lang="en-US" altLang="ko-KR" sz="1600" dirty="0">
+                <a:latin typeface="HY헤드라인M" panose="02030600000101010101" pitchFamily="18" charset="-127"/>
+                <a:ea typeface="HY헤드라인M" panose="02030600000101010101" pitchFamily="18" charset="-127"/>
+              </a:rPr>
+              <a:t> </a:t>
+            </a:r>
+            <a:r>
+              <a:rPr lang="ko-KR" altLang="en-US" sz="1600" dirty="0">
+                <a:latin typeface="HY헤드라인M" panose="02030600000101010101" pitchFamily="18" charset="-127"/>
+                <a:ea typeface="HY헤드라인M" panose="02030600000101010101" pitchFamily="18" charset="-127"/>
+              </a:rPr>
+              <a:t>파라미터 변경</a:t>
+            </a:r>
+            <a:endParaRPr lang="en-US" altLang="ko-KR" sz="1600" dirty="0">
+              <a:latin typeface="HY헤드라인M" panose="02030600000101010101" pitchFamily="18" charset="-127"/>
+              <a:ea typeface="HY헤드라인M" panose="02030600000101010101" pitchFamily="18" charset="-127"/>
+            </a:endParaRPr>
+          </a:p>
+        </p:txBody>
+      </p:sp>
+      <p:sp>
+        <p:nvSpPr>
+          <p:cNvPr id="2" name="Rectangle 203">
+            <a:extLst>
+              <a:ext uri="{FF2B5EF4-FFF2-40B4-BE49-F238E27FC236}">
+                <a16:creationId xmlns:a16="http://schemas.microsoft.com/office/drawing/2014/main" id="{F3781700-51B4-0BC0-C3F4-E02EE8ECB30D}"/>
+              </a:ext>
+            </a:extLst>
+          </p:cNvPr>
+          <p:cNvSpPr>
+            <a:spLocks noChangeArrowheads="1"/>
+          </p:cNvSpPr>
+          <p:nvPr/>
+        </p:nvSpPr>
+        <p:spPr bwMode="auto">
+          <a:xfrm>
+            <a:off x="2051843" y="142852"/>
+            <a:ext cx="5040313" cy="457200"/>
+          </a:xfrm>
+          <a:prstGeom prst="rect">
+            <a:avLst/>
+          </a:prstGeom>
+          <a:noFill/>
+          <a:ln w="9525">
+            <a:noFill/>
+            <a:miter lim="800000"/>
+            <a:headEnd/>
+            <a:tailEnd/>
+          </a:ln>
+        </p:spPr>
+        <p:txBody>
+          <a:bodyPr>
+            <a:spAutoFit/>
+          </a:bodyPr>
+          <a:lstStyle/>
+          <a:p>
+            <a:pPr algn="ctr"/>
+            <a:r>
+              <a:rPr lang="ko-KR" altLang="en-US" sz="2400" b="1" dirty="0">
+                <a:solidFill>
+                  <a:schemeClr val="bg1"/>
+                </a:solidFill>
+                <a:latin typeface="HY헤드라인M" pitchFamily="18" charset="-127"/>
+                <a:ea typeface="HY헤드라인M" pitchFamily="18" charset="-127"/>
+              </a:rPr>
+              <a:t>모델 세부 튜닝</a:t>
+            </a:r>
+          </a:p>
+        </p:txBody>
+      </p:sp>
+      <p:sp>
+        <p:nvSpPr>
+          <p:cNvPr id="10" name="직사각형 9">
+            <a:extLst>
+              <a:ext uri="{FF2B5EF4-FFF2-40B4-BE49-F238E27FC236}">
+                <a16:creationId xmlns:a16="http://schemas.microsoft.com/office/drawing/2014/main" id="{FD679E80-39EC-4665-4547-C9953FEBE157}"/>
+              </a:ext>
+            </a:extLst>
+          </p:cNvPr>
+          <p:cNvSpPr/>
+          <p:nvPr/>
+        </p:nvSpPr>
+        <p:spPr>
+          <a:xfrm>
+            <a:off x="2555776" y="4244790"/>
+            <a:ext cx="262134" cy="216024"/>
+          </a:xfrm>
+          <a:prstGeom prst="rect">
+            <a:avLst/>
+          </a:prstGeom>
+          <a:noFill/>
+          <a:ln>
+            <a:solidFill>
+              <a:srgbClr val="FF0000"/>
+            </a:solidFill>
+          </a:ln>
+        </p:spPr>
+        <p:style>
+          <a:lnRef idx="2">
+            <a:schemeClr val="accent1">
+              <a:shade val="50000"/>
+            </a:schemeClr>
+          </a:lnRef>
+          <a:fillRef idx="1">
+            <a:schemeClr val="accent1"/>
+          </a:fillRef>
+          <a:effectRef idx="0">
+            <a:schemeClr val="accent1"/>
+          </a:effectRef>
+          <a:fontRef idx="minor">
+            <a:schemeClr val="lt1"/>
+          </a:fontRef>
+        </p:style>
+        <p:txBody>
+          <a:bodyPr rtlCol="0" anchor="ctr"/>
+          <a:lstStyle/>
+          <a:p>
+            <a:pPr algn="ctr"/>
+            <a:endParaRPr lang="ko-KR" altLang="en-US"/>
+          </a:p>
+        </p:txBody>
+      </p:sp>
+      <p:sp>
+        <p:nvSpPr>
+          <p:cNvPr id="15" name="TextBox 14">
+            <a:extLst>
+              <a:ext uri="{FF2B5EF4-FFF2-40B4-BE49-F238E27FC236}">
+                <a16:creationId xmlns:a16="http://schemas.microsoft.com/office/drawing/2014/main" id="{02788257-A63D-AAC2-1FBD-410EC013FAA4}"/>
+              </a:ext>
+            </a:extLst>
+          </p:cNvPr>
+          <p:cNvSpPr txBox="1"/>
+          <p:nvPr/>
+        </p:nvSpPr>
+        <p:spPr>
+          <a:xfrm>
+            <a:off x="2817910" y="4453113"/>
+            <a:ext cx="2258146" cy="461665"/>
+          </a:xfrm>
+          <a:prstGeom prst="rect">
+            <a:avLst/>
+          </a:prstGeom>
+          <a:noFill/>
+        </p:spPr>
+        <p:txBody>
+          <a:bodyPr wrap="square" rtlCol="0">
+            <a:spAutoFit/>
+          </a:bodyPr>
+          <a:lstStyle/>
+          <a:p>
+            <a:r>
+              <a:rPr lang="en-US" altLang="ko-KR" sz="1200" b="1" dirty="0">
+                <a:solidFill>
+                  <a:srgbClr val="FF0000"/>
+                </a:solidFill>
+              </a:rPr>
+              <a:t>13 </a:t>
+            </a:r>
+            <a:r>
+              <a:rPr lang="ko-KR" altLang="en-US" sz="1200" b="1" dirty="0">
+                <a:solidFill>
+                  <a:srgbClr val="FF0000"/>
+                </a:solidFill>
+              </a:rPr>
+              <a:t>이상에서 정확도 최대 </a:t>
+            </a:r>
+            <a:r>
+              <a:rPr lang="en-US" altLang="ko-KR" sz="1200" b="1" dirty="0">
+                <a:solidFill>
+                  <a:srgbClr val="FF0000"/>
+                </a:solidFill>
+              </a:rPr>
+              <a:t>1.0 </a:t>
+            </a:r>
+            <a:r>
+              <a:rPr lang="ko-KR" altLang="en-US" sz="1200" b="1" dirty="0">
+                <a:solidFill>
+                  <a:srgbClr val="FF0000"/>
+                </a:solidFill>
+              </a:rPr>
+              <a:t>확인</a:t>
+            </a:r>
+            <a:r>
+              <a:rPr lang="en-US" altLang="ko-KR" sz="1200" b="1" dirty="0">
+                <a:solidFill>
+                  <a:srgbClr val="FF0000"/>
+                </a:solidFill>
+              </a:rPr>
+              <a:t> (</a:t>
+            </a:r>
+            <a:r>
+              <a:rPr lang="en-US" altLang="ko-KR" sz="1200" b="1" u="sng" dirty="0">
+                <a:solidFill>
+                  <a:srgbClr val="FF0000"/>
+                </a:solidFill>
+              </a:rPr>
+              <a:t>15</a:t>
+            </a:r>
+            <a:r>
+              <a:rPr lang="ko-KR" altLang="en-US" sz="1200" b="1" u="sng" dirty="0">
+                <a:solidFill>
+                  <a:srgbClr val="FF0000"/>
+                </a:solidFill>
+              </a:rPr>
+              <a:t>로 확정</a:t>
+            </a:r>
+            <a:r>
+              <a:rPr lang="en-US" altLang="ko-KR" sz="1200" b="1" dirty="0">
+                <a:solidFill>
+                  <a:srgbClr val="FF0000"/>
+                </a:solidFill>
+              </a:rPr>
+              <a:t>)</a:t>
+            </a:r>
+            <a:endParaRPr lang="ko-KR" altLang="en-US" sz="1200" b="1" dirty="0">
+              <a:solidFill>
+                <a:srgbClr val="FF0000"/>
+              </a:solidFill>
+            </a:endParaRPr>
+          </a:p>
+        </p:txBody>
+      </p:sp>
+    </p:spTree>
+    <p:extLst>
+      <p:ext uri="{BB962C8B-B14F-4D97-AF65-F5344CB8AC3E}">
+        <p14:creationId xmlns:p14="http://schemas.microsoft.com/office/powerpoint/2010/main" val="3850223419"/>
+      </p:ext>
+    </p:extLst>
+  </p:cSld>
+  <p:clrMapOvr>
+    <a:masterClrMapping/>
+  </p:clrMapOvr>
+  <p:transition>
+    <p:fade/>
+  </p:transition>
+</p:sld>
+</file>
+
+<file path=ppt/slides/slide36.xml><?xml version="1.0" encoding="utf-8"?>
+<p:sld xmlns:a="http://schemas.openxmlformats.org/drawingml/2006/main" xmlns:r="http://schemas.openxmlformats.org/officeDocument/2006/relationships" xmlns:p="http://schemas.openxmlformats.org/presentationml/2006/main">
+  <p:cSld>
+    <p:spTree>
+      <p:nvGrpSpPr>
+        <p:cNvPr id="1" name=""/>
+        <p:cNvGrpSpPr/>
+        <p:nvPr/>
+      </p:nvGrpSpPr>
+      <p:grpSpPr>
+        <a:xfrm>
+          <a:off x="0" y="0"/>
+          <a:ext cx="0" cy="0"/>
+          <a:chOff x="0" y="0"/>
+          <a:chExt cx="0" cy="0"/>
+        </a:xfrm>
+      </p:grpSpPr>
+      <p:pic>
+        <p:nvPicPr>
+          <p:cNvPr id="3" name="Picture 5" descr="Aqua"/>
+          <p:cNvPicPr>
+            <a:picLocks noChangeAspect="1" noChangeArrowheads="1"/>
+          </p:cNvPicPr>
+          <p:nvPr/>
+        </p:nvPicPr>
+        <p:blipFill>
+          <a:blip r:embed="rId2" cstate="print"/>
+          <a:srcRect/>
+          <a:stretch>
+            <a:fillRect/>
+          </a:stretch>
+        </p:blipFill>
+        <p:spPr bwMode="auto">
+          <a:xfrm>
+            <a:off x="2224586" y="3109938"/>
+            <a:ext cx="933450" cy="868243"/>
+          </a:xfrm>
+          <a:prstGeom prst="rect">
+            <a:avLst/>
+          </a:prstGeom>
+          <a:noFill/>
+          <a:ln w="9525">
+            <a:noFill/>
+            <a:miter lim="800000"/>
+            <a:headEnd/>
+            <a:tailEnd/>
+          </a:ln>
+        </p:spPr>
+      </p:pic>
+      <p:sp>
+        <p:nvSpPr>
+          <p:cNvPr id="4" name="직사각형 3"/>
+          <p:cNvSpPr/>
+          <p:nvPr/>
+        </p:nvSpPr>
+        <p:spPr>
+          <a:xfrm>
+            <a:off x="2440808" y="3127082"/>
+            <a:ext cx="474810" cy="707886"/>
+          </a:xfrm>
+          <a:prstGeom prst="rect">
+            <a:avLst/>
+          </a:prstGeom>
+          <a:noFill/>
+        </p:spPr>
+        <p:txBody>
+          <a:bodyPr wrap="none" lIns="91440" tIns="45720" rIns="91440" bIns="45720">
+            <a:spAutoFit/>
+          </a:bodyPr>
+          <a:lstStyle/>
+          <a:p>
+            <a:pPr algn="ctr"/>
+            <a:r>
+              <a:rPr lang="en-US" altLang="ko-KR" sz="4000" b="1" cap="none" spc="0" dirty="0">
+                <a:ln w="17780" cmpd="sng">
+                  <a:solidFill>
+                    <a:schemeClr val="accent1">
+                      <a:tint val="3000"/>
+                    </a:schemeClr>
+                  </a:solidFill>
+                  <a:prstDash val="solid"/>
+                  <a:miter lim="800000"/>
+                </a:ln>
+                <a:solidFill>
+                  <a:schemeClr val="tx2">
+                    <a:lumMod val="60000"/>
+                    <a:lumOff val="40000"/>
+                  </a:schemeClr>
+                </a:solidFill>
+                <a:effectLst>
+                  <a:outerShdw blurRad="55000" dist="50800" dir="5400000" algn="tl">
+                    <a:srgbClr val="000000">
+                      <a:alpha val="33000"/>
+                    </a:srgbClr>
+                  </a:outerShdw>
+                </a:effectLst>
+              </a:rPr>
+              <a:t>9</a:t>
+            </a:r>
+          </a:p>
+        </p:txBody>
+      </p:sp>
+      <p:sp>
+        <p:nvSpPr>
+          <p:cNvPr id="8" name="Rectangle 203"/>
+          <p:cNvSpPr>
+            <a:spLocks noChangeArrowheads="1"/>
+          </p:cNvSpPr>
+          <p:nvPr/>
+        </p:nvSpPr>
+        <p:spPr bwMode="auto">
+          <a:xfrm>
+            <a:off x="3131840" y="3109938"/>
+            <a:ext cx="4104456" cy="638123"/>
+          </a:xfrm>
+          <a:prstGeom prst="rect">
+            <a:avLst/>
+          </a:prstGeom>
+          <a:noFill/>
+          <a:ln w="9525">
+            <a:noFill/>
+            <a:miter lim="800000"/>
+            <a:headEnd/>
+            <a:tailEnd/>
+          </a:ln>
+        </p:spPr>
+        <p:txBody>
+          <a:bodyPr wrap="square">
+            <a:spAutoFit/>
+          </a:bodyPr>
+          <a:lstStyle/>
+          <a:p>
+            <a:pPr>
+              <a:lnSpc>
+                <a:spcPct val="150000"/>
+              </a:lnSpc>
+            </a:pPr>
+            <a:r>
+              <a:rPr lang="en-US" altLang="ko-KR" sz="2800" b="1" dirty="0">
+                <a:latin typeface="HY헤드라인M" pitchFamily="18" charset="-127"/>
+                <a:ea typeface="HY헤드라인M" pitchFamily="18" charset="-127"/>
+              </a:rPr>
+              <a:t>8</a:t>
+            </a:r>
+            <a:r>
+              <a:rPr lang="ko-KR" altLang="en-US" sz="2800" b="1" dirty="0">
+                <a:latin typeface="HY헤드라인M" pitchFamily="18" charset="-127"/>
+                <a:ea typeface="HY헤드라인M" pitchFamily="18" charset="-127"/>
+              </a:rPr>
+              <a:t>단계 </a:t>
+            </a:r>
+            <a:r>
+              <a:rPr lang="en-US" altLang="ko-KR" sz="2800" b="1" dirty="0">
+                <a:latin typeface="HY헤드라인M" pitchFamily="18" charset="-127"/>
+                <a:ea typeface="HY헤드라인M" pitchFamily="18" charset="-127"/>
+              </a:rPr>
+              <a:t>(</a:t>
+            </a:r>
+            <a:r>
+              <a:rPr lang="ko-KR" altLang="en-US" sz="2800" b="1" dirty="0">
+                <a:latin typeface="HY헤드라인M" pitchFamily="18" charset="-127"/>
+                <a:ea typeface="HY헤드라인M" pitchFamily="18" charset="-127"/>
+              </a:rPr>
+              <a:t>결과 및 결론</a:t>
+            </a:r>
+            <a:r>
+              <a:rPr lang="en-US" altLang="ko-KR" sz="2800" b="1" dirty="0">
+                <a:latin typeface="HY헤드라인M" pitchFamily="18" charset="-127"/>
+                <a:ea typeface="HY헤드라인M" pitchFamily="18" charset="-127"/>
+              </a:rPr>
+              <a:t>)</a:t>
+            </a:r>
+            <a:endParaRPr lang="ko-KR" altLang="en-US" sz="2800" b="1" dirty="0">
+              <a:latin typeface="HY헤드라인M" pitchFamily="18" charset="-127"/>
+              <a:ea typeface="HY헤드라인M" pitchFamily="18" charset="-127"/>
+            </a:endParaRPr>
+          </a:p>
+        </p:txBody>
+      </p:sp>
+    </p:spTree>
+    <p:extLst>
+      <p:ext uri="{BB962C8B-B14F-4D97-AF65-F5344CB8AC3E}">
         <p14:creationId xmlns:p14="http://schemas.microsoft.com/office/powerpoint/2010/main" val="3572525411"/>
+      </p:ext>
+    </p:extLst>
+  </p:cSld>
+  <p:clrMapOvr>
+    <a:masterClrMapping/>
+  </p:clrMapOvr>
+  <p:transition>
+    <p:fade/>
+  </p:transition>
+</p:sld>
+</file>
+
+<file path=ppt/slides/slide37.xml><?xml version="1.0" encoding="utf-8"?>
+<p:sld xmlns:a="http://schemas.openxmlformats.org/drawingml/2006/main" xmlns:r="http://schemas.openxmlformats.org/officeDocument/2006/relationships" xmlns:p="http://schemas.openxmlformats.org/presentationml/2006/main">
+  <p:cSld>
+    <p:spTree>
+      <p:nvGrpSpPr>
+        <p:cNvPr id="1" name=""/>
+        <p:cNvGrpSpPr/>
+        <p:nvPr/>
+      </p:nvGrpSpPr>
+      <p:grpSpPr>
+        <a:xfrm>
+          <a:off x="0" y="0"/>
+          <a:ext cx="0" cy="0"/>
+          <a:chOff x="0" y="0"/>
+          <a:chExt cx="0" cy="0"/>
+        </a:xfrm>
+      </p:grpSpPr>
+      <p:sp>
+        <p:nvSpPr>
+          <p:cNvPr id="14" name="내용 개체 틀 1"/>
+          <p:cNvSpPr>
+            <a:spLocks noGrp="1"/>
+          </p:cNvSpPr>
+          <p:nvPr>
+            <p:ph/>
+          </p:nvPr>
+        </p:nvSpPr>
+        <p:spPr bwMode="auto">
+          <a:xfrm>
+            <a:off x="179387" y="981075"/>
+            <a:ext cx="8785225" cy="431800"/>
+          </a:xfrm>
+          <a:noFill/>
+          <a:ln>
+            <a:miter lim="800000"/>
+            <a:headEnd/>
+            <a:tailEnd/>
+          </a:ln>
+        </p:spPr>
+        <p:txBody>
+          <a:bodyPr vert="horz" wrap="square" lIns="91440" tIns="45720" rIns="91440" bIns="45720" numCol="1" anchor="t" anchorCtr="0" compatLnSpc="1">
+            <a:prstTxWarp prst="textNoShape">
+              <a:avLst/>
+            </a:prstTxWarp>
+          </a:bodyPr>
+          <a:lstStyle/>
+          <a:p>
+            <a:r>
+              <a:rPr lang="ko-KR" altLang="en-US" dirty="0">
+                <a:latin typeface="HY헤드라인M" pitchFamily="18" charset="-127"/>
+                <a:ea typeface="HY헤드라인M" pitchFamily="18" charset="-127"/>
+              </a:rPr>
+              <a:t>평가 결과 </a:t>
+            </a:r>
+          </a:p>
+        </p:txBody>
+      </p:sp>
+      <p:sp>
+        <p:nvSpPr>
+          <p:cNvPr id="9" name="TextBox 8"/>
+          <p:cNvSpPr txBox="1"/>
+          <p:nvPr/>
+        </p:nvSpPr>
+        <p:spPr>
+          <a:xfrm>
+            <a:off x="514350" y="1422600"/>
+            <a:ext cx="8280724" cy="482120"/>
+          </a:xfrm>
+          <a:prstGeom prst="rect">
+            <a:avLst/>
+          </a:prstGeom>
+          <a:noFill/>
+        </p:spPr>
+        <p:txBody>
+          <a:bodyPr wrap="square" rtlCol="0">
+            <a:spAutoFit/>
+          </a:bodyPr>
+          <a:lstStyle/>
+          <a:p>
+            <a:pPr marL="285750" indent="-285750" algn="just">
+              <a:lnSpc>
+                <a:spcPct val="150000"/>
+              </a:lnSpc>
+              <a:buClr>
+                <a:srgbClr val="C00000"/>
+              </a:buClr>
+              <a:buFont typeface="Wingdings" panose="05000000000000000000" pitchFamily="2" charset="2"/>
+              <a:buChar char="l"/>
+            </a:pPr>
+            <a:r>
+              <a:rPr lang="en-US" altLang="ko-KR" sz="2000" dirty="0">
+                <a:latin typeface="HY헤드라인M" panose="02030600000101010101" pitchFamily="18" charset="-127"/>
+                <a:ea typeface="HY헤드라인M" panose="02030600000101010101" pitchFamily="18" charset="-127"/>
+              </a:rPr>
+              <a:t>Logistic Regression </a:t>
+            </a:r>
+            <a:r>
+              <a:rPr lang="en-US" altLang="ko-KR" sz="1600" dirty="0">
+                <a:latin typeface="HY헤드라인M" panose="02030600000101010101" pitchFamily="18" charset="-127"/>
+                <a:ea typeface="HY헤드라인M" panose="02030600000101010101" pitchFamily="18" charset="-127"/>
+              </a:rPr>
+              <a:t>– Confusion Matrix</a:t>
+            </a:r>
+            <a:r>
+              <a:rPr lang="ko-KR" altLang="en-US" sz="1600" dirty="0">
+                <a:latin typeface="HY헤드라인M" panose="02030600000101010101" pitchFamily="18" charset="-127"/>
+                <a:ea typeface="HY헤드라인M" panose="02030600000101010101" pitchFamily="18" charset="-127"/>
+              </a:rPr>
+              <a:t>를 활용한 모델 평가</a:t>
+            </a:r>
+            <a:endParaRPr lang="en-US" altLang="ko-KR" sz="1600" dirty="0">
+              <a:latin typeface="HY헤드라인M" panose="02030600000101010101" pitchFamily="18" charset="-127"/>
+              <a:ea typeface="HY헤드라인M" panose="02030600000101010101" pitchFamily="18" charset="-127"/>
+            </a:endParaRPr>
+          </a:p>
+        </p:txBody>
+      </p:sp>
+      <p:sp>
+        <p:nvSpPr>
+          <p:cNvPr id="2" name="Rectangle 203">
+            <a:extLst>
+              <a:ext uri="{FF2B5EF4-FFF2-40B4-BE49-F238E27FC236}">
+                <a16:creationId xmlns:a16="http://schemas.microsoft.com/office/drawing/2014/main" id="{F3781700-51B4-0BC0-C3F4-E02EE8ECB30D}"/>
+              </a:ext>
+            </a:extLst>
+          </p:cNvPr>
+          <p:cNvSpPr>
+            <a:spLocks noChangeArrowheads="1"/>
+          </p:cNvSpPr>
+          <p:nvPr/>
+        </p:nvSpPr>
+        <p:spPr bwMode="auto">
+          <a:xfrm>
+            <a:off x="2051843" y="142852"/>
+            <a:ext cx="5040313" cy="457200"/>
+          </a:xfrm>
+          <a:prstGeom prst="rect">
+            <a:avLst/>
+          </a:prstGeom>
+          <a:noFill/>
+          <a:ln w="9525">
+            <a:noFill/>
+            <a:miter lim="800000"/>
+            <a:headEnd/>
+            <a:tailEnd/>
+          </a:ln>
+        </p:spPr>
+        <p:txBody>
+          <a:bodyPr>
+            <a:spAutoFit/>
+          </a:bodyPr>
+          <a:lstStyle/>
+          <a:p>
+            <a:pPr algn="ctr"/>
+            <a:r>
+              <a:rPr lang="ko-KR" altLang="en-US" sz="2400" b="1" dirty="0">
+                <a:solidFill>
+                  <a:schemeClr val="bg1"/>
+                </a:solidFill>
+                <a:latin typeface="HY헤드라인M" pitchFamily="18" charset="-127"/>
+                <a:ea typeface="HY헤드라인M" pitchFamily="18" charset="-127"/>
+              </a:rPr>
+              <a:t>결과 및 결론</a:t>
+            </a:r>
+          </a:p>
+        </p:txBody>
+      </p:sp>
+      <p:pic>
+        <p:nvPicPr>
+          <p:cNvPr id="5" name="그림 4">
+            <a:extLst>
+              <a:ext uri="{FF2B5EF4-FFF2-40B4-BE49-F238E27FC236}">
+                <a16:creationId xmlns:a16="http://schemas.microsoft.com/office/drawing/2014/main" id="{2B08523B-60E8-72AB-D2D4-DDB8AA87D74A}"/>
+              </a:ext>
+            </a:extLst>
+          </p:cNvPr>
+          <p:cNvPicPr>
+            <a:picLocks noChangeAspect="1"/>
+          </p:cNvPicPr>
+          <p:nvPr/>
+        </p:nvPicPr>
+        <p:blipFill>
+          <a:blip r:embed="rId3"/>
+          <a:stretch>
+            <a:fillRect/>
+          </a:stretch>
+        </p:blipFill>
+        <p:spPr>
+          <a:xfrm>
+            <a:off x="826227" y="1988840"/>
+            <a:ext cx="4601960" cy="4516896"/>
+          </a:xfrm>
+          <a:prstGeom prst="rect">
+            <a:avLst/>
+          </a:prstGeom>
+        </p:spPr>
+      </p:pic>
+      <p:graphicFrame>
+        <p:nvGraphicFramePr>
+          <p:cNvPr id="6" name="표 5">
+            <a:extLst>
+              <a:ext uri="{FF2B5EF4-FFF2-40B4-BE49-F238E27FC236}">
+                <a16:creationId xmlns:a16="http://schemas.microsoft.com/office/drawing/2014/main" id="{B18796C6-D500-B389-E5EF-5E8930B0A5B0}"/>
+              </a:ext>
+            </a:extLst>
+          </p:cNvPr>
+          <p:cNvGraphicFramePr>
+            <a:graphicFrameLocks noGrp="1"/>
+          </p:cNvGraphicFramePr>
+          <p:nvPr>
+            <p:extLst>
+              <p:ext uri="{D42A27DB-BD31-4B8C-83A1-F6EECF244321}">
+                <p14:modId xmlns:p14="http://schemas.microsoft.com/office/powerpoint/2010/main" val="3807369121"/>
+              </p:ext>
+            </p:extLst>
+          </p:nvPr>
+        </p:nvGraphicFramePr>
+        <p:xfrm>
+          <a:off x="5576033" y="4221088"/>
+          <a:ext cx="3032245" cy="1854200"/>
+        </p:xfrm>
+        <a:graphic>
+          <a:graphicData uri="http://schemas.openxmlformats.org/drawingml/2006/table">
+            <a:tbl>
+              <a:tblPr firstRow="1" bandRow="1">
+                <a:tableStyleId>{5C22544A-7EE6-4342-B048-85BDC9FD1C3A}</a:tableStyleId>
+              </a:tblPr>
+              <a:tblGrid>
+                <a:gridCol w="1808109">
+                  <a:extLst>
+                    <a:ext uri="{9D8B030D-6E8A-4147-A177-3AD203B41FA5}">
+                      <a16:colId xmlns:a16="http://schemas.microsoft.com/office/drawing/2014/main" val="1835361487"/>
+                    </a:ext>
+                  </a:extLst>
+                </a:gridCol>
+                <a:gridCol w="1224136">
+                  <a:extLst>
+                    <a:ext uri="{9D8B030D-6E8A-4147-A177-3AD203B41FA5}">
+                      <a16:colId xmlns:a16="http://schemas.microsoft.com/office/drawing/2014/main" val="1148118091"/>
+                    </a:ext>
+                  </a:extLst>
+                </a:gridCol>
+              </a:tblGrid>
+              <a:tr h="370840">
+                <a:tc>
+                  <a:txBody>
+                    <a:bodyPr/>
+                    <a:lstStyle/>
+                    <a:p>
+                      <a:pPr algn="ctr" latinLnBrk="1"/>
+                      <a:r>
+                        <a:rPr lang="ko-KR" altLang="en-US" sz="1300" dirty="0">
+                          <a:solidFill>
+                            <a:schemeClr val="tx1"/>
+                          </a:solidFill>
+                        </a:rPr>
+                        <a:t>평가 지표</a:t>
+                      </a:r>
+                    </a:p>
+                  </a:txBody>
+                  <a:tcPr/>
+                </a:tc>
+                <a:tc>
+                  <a:txBody>
+                    <a:bodyPr/>
+                    <a:lstStyle/>
+                    <a:p>
+                      <a:pPr algn="ctr" latinLnBrk="1"/>
+                      <a:r>
+                        <a:rPr lang="ko-KR" altLang="en-US" sz="1300" dirty="0">
+                          <a:solidFill>
+                            <a:schemeClr val="tx1"/>
+                          </a:solidFill>
+                        </a:rPr>
+                        <a:t>결과</a:t>
+                      </a:r>
+                    </a:p>
+                  </a:txBody>
+                  <a:tcPr/>
+                </a:tc>
+                <a:extLst>
+                  <a:ext uri="{0D108BD9-81ED-4DB2-BD59-A6C34878D82A}">
+                    <a16:rowId xmlns:a16="http://schemas.microsoft.com/office/drawing/2014/main" val="1086663635"/>
+                  </a:ext>
+                </a:extLst>
+              </a:tr>
+              <a:tr h="370840">
+                <a:tc>
+                  <a:txBody>
+                    <a:bodyPr/>
+                    <a:lstStyle/>
+                    <a:p>
+                      <a:pPr algn="ctr" latinLnBrk="1"/>
+                      <a:r>
+                        <a:rPr lang="ko-KR" altLang="en-US" sz="1200" b="1" dirty="0"/>
+                        <a:t>예측도</a:t>
+                      </a:r>
+                      <a:r>
+                        <a:rPr lang="en-US" altLang="ko-KR" sz="1200" b="1" dirty="0"/>
+                        <a:t>(Precision)</a:t>
+                      </a:r>
+                      <a:endParaRPr lang="ko-KR" altLang="en-US" sz="1200" b="1" dirty="0"/>
+                    </a:p>
+                  </a:txBody>
+                  <a:tcPr/>
+                </a:tc>
+                <a:tc>
+                  <a:txBody>
+                    <a:bodyPr/>
+                    <a:lstStyle/>
+                    <a:p>
+                      <a:pPr algn="ctr" latinLnBrk="1"/>
+                      <a:r>
+                        <a:rPr lang="en-US" altLang="ko-KR" sz="1200" b="1" dirty="0"/>
+                        <a:t>1.0</a:t>
+                      </a:r>
+                      <a:endParaRPr lang="ko-KR" altLang="en-US" sz="1200" b="1" dirty="0"/>
+                    </a:p>
+                  </a:txBody>
+                  <a:tcPr/>
+                </a:tc>
+                <a:extLst>
+                  <a:ext uri="{0D108BD9-81ED-4DB2-BD59-A6C34878D82A}">
+                    <a16:rowId xmlns:a16="http://schemas.microsoft.com/office/drawing/2014/main" val="2851690872"/>
+                  </a:ext>
+                </a:extLst>
+              </a:tr>
+              <a:tr h="370840">
+                <a:tc>
+                  <a:txBody>
+                    <a:bodyPr/>
+                    <a:lstStyle/>
+                    <a:p>
+                      <a:pPr algn="ctr" latinLnBrk="1"/>
+                      <a:r>
+                        <a:rPr lang="ko-KR" altLang="en-US" sz="1200" b="1" dirty="0" err="1"/>
+                        <a:t>재현률</a:t>
+                      </a:r>
+                      <a:r>
+                        <a:rPr lang="en-US" altLang="ko-KR" sz="1200" b="1" dirty="0"/>
+                        <a:t>(Recall)</a:t>
+                      </a:r>
+                      <a:endParaRPr lang="ko-KR" altLang="en-US" sz="1200" b="1" dirty="0"/>
+                    </a:p>
+                  </a:txBody>
+                  <a:tcPr/>
+                </a:tc>
+                <a:tc>
+                  <a:txBody>
+                    <a:bodyPr/>
+                    <a:lstStyle/>
+                    <a:p>
+                      <a:pPr algn="ctr" latinLnBrk="1"/>
+                      <a:r>
+                        <a:rPr lang="en-US" altLang="ko-KR" sz="1200" b="1" dirty="0"/>
+                        <a:t>0.846</a:t>
+                      </a:r>
+                      <a:endParaRPr lang="ko-KR" altLang="en-US" sz="1200" b="1" dirty="0"/>
+                    </a:p>
+                  </a:txBody>
+                  <a:tcPr/>
+                </a:tc>
+                <a:extLst>
+                  <a:ext uri="{0D108BD9-81ED-4DB2-BD59-A6C34878D82A}">
+                    <a16:rowId xmlns:a16="http://schemas.microsoft.com/office/drawing/2014/main" val="1753411220"/>
+                  </a:ext>
+                </a:extLst>
+              </a:tr>
+              <a:tr h="370840">
+                <a:tc>
+                  <a:txBody>
+                    <a:bodyPr/>
+                    <a:lstStyle/>
+                    <a:p>
+                      <a:pPr algn="ctr" latinLnBrk="1"/>
+                      <a:r>
+                        <a:rPr lang="ko-KR" altLang="en-US" sz="1200" b="1" dirty="0"/>
+                        <a:t>조화평균</a:t>
+                      </a:r>
+                      <a:r>
+                        <a:rPr lang="en-US" altLang="ko-KR" sz="1200" b="1" dirty="0"/>
+                        <a:t>(F1-Score)</a:t>
+                      </a:r>
+                      <a:endParaRPr lang="ko-KR" altLang="en-US" sz="1200" b="1" dirty="0"/>
+                    </a:p>
+                  </a:txBody>
+                  <a:tcPr/>
+                </a:tc>
+                <a:tc>
+                  <a:txBody>
+                    <a:bodyPr/>
+                    <a:lstStyle/>
+                    <a:p>
+                      <a:pPr algn="ctr" latinLnBrk="1"/>
+                      <a:r>
+                        <a:rPr lang="en-US" altLang="ko-KR" sz="1200" b="1" dirty="0"/>
+                        <a:t>0.916</a:t>
+                      </a:r>
+                      <a:endParaRPr lang="ko-KR" altLang="en-US" sz="1200" b="1" dirty="0"/>
+                    </a:p>
+                  </a:txBody>
+                  <a:tcPr/>
+                </a:tc>
+                <a:extLst>
+                  <a:ext uri="{0D108BD9-81ED-4DB2-BD59-A6C34878D82A}">
+                    <a16:rowId xmlns:a16="http://schemas.microsoft.com/office/drawing/2014/main" val="872414250"/>
+                  </a:ext>
+                </a:extLst>
+              </a:tr>
+              <a:tr h="370840">
+                <a:tc>
+                  <a:txBody>
+                    <a:bodyPr/>
+                    <a:lstStyle/>
+                    <a:p>
+                      <a:pPr algn="ctr" latinLnBrk="1"/>
+                      <a:r>
+                        <a:rPr lang="ko-KR" altLang="en-US" sz="1200" b="1" dirty="0"/>
+                        <a:t>정확도</a:t>
+                      </a:r>
+                      <a:r>
+                        <a:rPr lang="en-US" altLang="ko-KR" sz="1200" b="1" dirty="0"/>
+                        <a:t>(Accuracy)</a:t>
+                      </a:r>
+                      <a:endParaRPr lang="ko-KR" altLang="en-US" sz="1200" b="1" dirty="0"/>
+                    </a:p>
+                  </a:txBody>
+                  <a:tcPr/>
+                </a:tc>
+                <a:tc>
+                  <a:txBody>
+                    <a:bodyPr/>
+                    <a:lstStyle/>
+                    <a:p>
+                      <a:pPr algn="ctr" latinLnBrk="1"/>
+                      <a:r>
+                        <a:rPr lang="en-US" altLang="ko-KR" sz="1200" b="1" dirty="0"/>
+                        <a:t>0.998</a:t>
+                      </a:r>
+                      <a:endParaRPr lang="ko-KR" altLang="en-US" sz="1200" b="1" dirty="0"/>
+                    </a:p>
+                  </a:txBody>
+                  <a:tcPr/>
+                </a:tc>
+                <a:extLst>
+                  <a:ext uri="{0D108BD9-81ED-4DB2-BD59-A6C34878D82A}">
+                    <a16:rowId xmlns:a16="http://schemas.microsoft.com/office/drawing/2014/main" val="3232975489"/>
+                  </a:ext>
+                </a:extLst>
+              </a:tr>
+            </a:tbl>
+          </a:graphicData>
+        </a:graphic>
+      </p:graphicFrame>
+    </p:spTree>
+    <p:extLst>
+      <p:ext uri="{BB962C8B-B14F-4D97-AF65-F5344CB8AC3E}">
+        <p14:creationId xmlns:p14="http://schemas.microsoft.com/office/powerpoint/2010/main" val="3504731002"/>
+      </p:ext>
+    </p:extLst>
+  </p:cSld>
+  <p:clrMapOvr>
+    <a:masterClrMapping/>
+  </p:clrMapOvr>
+  <p:transition>
+    <p:fade/>
+  </p:transition>
+</p:sld>
+</file>
+
+<file path=ppt/slides/slide38.xml><?xml version="1.0" encoding="utf-8"?>
+<p:sld xmlns:a="http://schemas.openxmlformats.org/drawingml/2006/main" xmlns:r="http://schemas.openxmlformats.org/officeDocument/2006/relationships" xmlns:p="http://schemas.openxmlformats.org/presentationml/2006/main">
+  <p:cSld>
+    <p:spTree>
+      <p:nvGrpSpPr>
+        <p:cNvPr id="1" name=""/>
+        <p:cNvGrpSpPr/>
+        <p:nvPr/>
+      </p:nvGrpSpPr>
+      <p:grpSpPr>
+        <a:xfrm>
+          <a:off x="0" y="0"/>
+          <a:ext cx="0" cy="0"/>
+          <a:chOff x="0" y="0"/>
+          <a:chExt cx="0" cy="0"/>
+        </a:xfrm>
+      </p:grpSpPr>
+      <p:sp>
+        <p:nvSpPr>
+          <p:cNvPr id="14" name="내용 개체 틀 1"/>
+          <p:cNvSpPr>
+            <a:spLocks noGrp="1"/>
+          </p:cNvSpPr>
+          <p:nvPr>
+            <p:ph/>
+          </p:nvPr>
+        </p:nvSpPr>
+        <p:spPr bwMode="auto">
+          <a:xfrm>
+            <a:off x="179387" y="981075"/>
+            <a:ext cx="8785225" cy="431800"/>
+          </a:xfrm>
+          <a:noFill/>
+          <a:ln>
+            <a:miter lim="800000"/>
+            <a:headEnd/>
+            <a:tailEnd/>
+          </a:ln>
+        </p:spPr>
+        <p:txBody>
+          <a:bodyPr vert="horz" wrap="square" lIns="91440" tIns="45720" rIns="91440" bIns="45720" numCol="1" anchor="t" anchorCtr="0" compatLnSpc="1">
+            <a:prstTxWarp prst="textNoShape">
+              <a:avLst/>
+            </a:prstTxWarp>
+          </a:bodyPr>
+          <a:lstStyle/>
+          <a:p>
+            <a:r>
+              <a:rPr lang="ko-KR" altLang="en-US" dirty="0">
+                <a:latin typeface="HY헤드라인M" pitchFamily="18" charset="-127"/>
+                <a:ea typeface="HY헤드라인M" pitchFamily="18" charset="-127"/>
+              </a:rPr>
+              <a:t>평가 결과 </a:t>
+            </a:r>
+          </a:p>
+        </p:txBody>
+      </p:sp>
+      <p:sp>
+        <p:nvSpPr>
+          <p:cNvPr id="9" name="TextBox 8"/>
+          <p:cNvSpPr txBox="1"/>
+          <p:nvPr/>
+        </p:nvSpPr>
+        <p:spPr>
+          <a:xfrm>
+            <a:off x="514350" y="1422600"/>
+            <a:ext cx="8280724" cy="482120"/>
+          </a:xfrm>
+          <a:prstGeom prst="rect">
+            <a:avLst/>
+          </a:prstGeom>
+          <a:noFill/>
+        </p:spPr>
+        <p:txBody>
+          <a:bodyPr wrap="square" rtlCol="0">
+            <a:spAutoFit/>
+          </a:bodyPr>
+          <a:lstStyle/>
+          <a:p>
+            <a:pPr marL="285750" indent="-285750" algn="just">
+              <a:lnSpc>
+                <a:spcPct val="150000"/>
+              </a:lnSpc>
+              <a:buClr>
+                <a:srgbClr val="C00000"/>
+              </a:buClr>
+              <a:buFont typeface="Wingdings" panose="05000000000000000000" pitchFamily="2" charset="2"/>
+              <a:buChar char="l"/>
+            </a:pPr>
+            <a:r>
+              <a:rPr lang="en-US" altLang="ko-KR" sz="2000" dirty="0">
+                <a:latin typeface="HY헤드라인M" panose="02030600000101010101" pitchFamily="18" charset="-127"/>
+                <a:ea typeface="HY헤드라인M" panose="02030600000101010101" pitchFamily="18" charset="-127"/>
+              </a:rPr>
+              <a:t>Decision Tree</a:t>
+            </a:r>
+            <a:r>
+              <a:rPr lang="en-US" altLang="ko-KR" sz="1600" dirty="0">
+                <a:latin typeface="HY헤드라인M" panose="02030600000101010101" pitchFamily="18" charset="-127"/>
+                <a:ea typeface="HY헤드라인M" panose="02030600000101010101" pitchFamily="18" charset="-127"/>
+              </a:rPr>
+              <a:t>– Confusion Matrix</a:t>
+            </a:r>
+            <a:r>
+              <a:rPr lang="ko-KR" altLang="en-US" sz="1600" dirty="0">
+                <a:latin typeface="HY헤드라인M" panose="02030600000101010101" pitchFamily="18" charset="-127"/>
+                <a:ea typeface="HY헤드라인M" panose="02030600000101010101" pitchFamily="18" charset="-127"/>
+              </a:rPr>
+              <a:t>를 활용한 모델 평가</a:t>
+            </a:r>
+            <a:endParaRPr lang="en-US" altLang="ko-KR" sz="1600" dirty="0">
+              <a:latin typeface="HY헤드라인M" panose="02030600000101010101" pitchFamily="18" charset="-127"/>
+              <a:ea typeface="HY헤드라인M" panose="02030600000101010101" pitchFamily="18" charset="-127"/>
+            </a:endParaRPr>
+          </a:p>
+        </p:txBody>
+      </p:sp>
+      <p:sp>
+        <p:nvSpPr>
+          <p:cNvPr id="2" name="Rectangle 203">
+            <a:extLst>
+              <a:ext uri="{FF2B5EF4-FFF2-40B4-BE49-F238E27FC236}">
+                <a16:creationId xmlns:a16="http://schemas.microsoft.com/office/drawing/2014/main" id="{F3781700-51B4-0BC0-C3F4-E02EE8ECB30D}"/>
+              </a:ext>
+            </a:extLst>
+          </p:cNvPr>
+          <p:cNvSpPr>
+            <a:spLocks noChangeArrowheads="1"/>
+          </p:cNvSpPr>
+          <p:nvPr/>
+        </p:nvSpPr>
+        <p:spPr bwMode="auto">
+          <a:xfrm>
+            <a:off x="2051843" y="142852"/>
+            <a:ext cx="5040313" cy="457200"/>
+          </a:xfrm>
+          <a:prstGeom prst="rect">
+            <a:avLst/>
+          </a:prstGeom>
+          <a:noFill/>
+          <a:ln w="9525">
+            <a:noFill/>
+            <a:miter lim="800000"/>
+            <a:headEnd/>
+            <a:tailEnd/>
+          </a:ln>
+        </p:spPr>
+        <p:txBody>
+          <a:bodyPr>
+            <a:spAutoFit/>
+          </a:bodyPr>
+          <a:lstStyle/>
+          <a:p>
+            <a:pPr algn="ctr"/>
+            <a:r>
+              <a:rPr lang="ko-KR" altLang="en-US" sz="2400" b="1" dirty="0">
+                <a:solidFill>
+                  <a:schemeClr val="bg1"/>
+                </a:solidFill>
+                <a:latin typeface="HY헤드라인M" pitchFamily="18" charset="-127"/>
+                <a:ea typeface="HY헤드라인M" pitchFamily="18" charset="-127"/>
+              </a:rPr>
+              <a:t>결과 및 결론</a:t>
+            </a:r>
+          </a:p>
+        </p:txBody>
+      </p:sp>
+      <p:graphicFrame>
+        <p:nvGraphicFramePr>
+          <p:cNvPr id="6" name="표 5">
+            <a:extLst>
+              <a:ext uri="{FF2B5EF4-FFF2-40B4-BE49-F238E27FC236}">
+                <a16:creationId xmlns:a16="http://schemas.microsoft.com/office/drawing/2014/main" id="{B18796C6-D500-B389-E5EF-5E8930B0A5B0}"/>
+              </a:ext>
+            </a:extLst>
+          </p:cNvPr>
+          <p:cNvGraphicFramePr>
+            <a:graphicFrameLocks noGrp="1"/>
+          </p:cNvGraphicFramePr>
+          <p:nvPr>
+            <p:extLst>
+              <p:ext uri="{D42A27DB-BD31-4B8C-83A1-F6EECF244321}">
+                <p14:modId xmlns:p14="http://schemas.microsoft.com/office/powerpoint/2010/main" val="1158393796"/>
+              </p:ext>
+            </p:extLst>
+          </p:nvPr>
+        </p:nvGraphicFramePr>
+        <p:xfrm>
+          <a:off x="5576033" y="4221088"/>
+          <a:ext cx="3032245" cy="1854200"/>
+        </p:xfrm>
+        <a:graphic>
+          <a:graphicData uri="http://schemas.openxmlformats.org/drawingml/2006/table">
+            <a:tbl>
+              <a:tblPr firstRow="1" bandRow="1">
+                <a:tableStyleId>{5C22544A-7EE6-4342-B048-85BDC9FD1C3A}</a:tableStyleId>
+              </a:tblPr>
+              <a:tblGrid>
+                <a:gridCol w="1808109">
+                  <a:extLst>
+                    <a:ext uri="{9D8B030D-6E8A-4147-A177-3AD203B41FA5}">
+                      <a16:colId xmlns:a16="http://schemas.microsoft.com/office/drawing/2014/main" val="1835361487"/>
+                    </a:ext>
+                  </a:extLst>
+                </a:gridCol>
+                <a:gridCol w="1224136">
+                  <a:extLst>
+                    <a:ext uri="{9D8B030D-6E8A-4147-A177-3AD203B41FA5}">
+                      <a16:colId xmlns:a16="http://schemas.microsoft.com/office/drawing/2014/main" val="1148118091"/>
+                    </a:ext>
+                  </a:extLst>
+                </a:gridCol>
+              </a:tblGrid>
+              <a:tr h="370840">
+                <a:tc>
+                  <a:txBody>
+                    <a:bodyPr/>
+                    <a:lstStyle/>
+                    <a:p>
+                      <a:pPr algn="ctr" latinLnBrk="1"/>
+                      <a:r>
+                        <a:rPr lang="ko-KR" altLang="en-US" sz="1300" dirty="0">
+                          <a:solidFill>
+                            <a:schemeClr val="tx1"/>
+                          </a:solidFill>
+                        </a:rPr>
+                        <a:t>평가 지표</a:t>
+                      </a:r>
+                    </a:p>
+                  </a:txBody>
+                  <a:tcPr/>
+                </a:tc>
+                <a:tc>
+                  <a:txBody>
+                    <a:bodyPr/>
+                    <a:lstStyle/>
+                    <a:p>
+                      <a:pPr algn="ctr" latinLnBrk="1"/>
+                      <a:r>
+                        <a:rPr lang="ko-KR" altLang="en-US" sz="1300" dirty="0">
+                          <a:solidFill>
+                            <a:schemeClr val="tx1"/>
+                          </a:solidFill>
+                        </a:rPr>
+                        <a:t>결과</a:t>
+                      </a:r>
+                    </a:p>
+                  </a:txBody>
+                  <a:tcPr/>
+                </a:tc>
+                <a:extLst>
+                  <a:ext uri="{0D108BD9-81ED-4DB2-BD59-A6C34878D82A}">
+                    <a16:rowId xmlns:a16="http://schemas.microsoft.com/office/drawing/2014/main" val="1086663635"/>
+                  </a:ext>
+                </a:extLst>
+              </a:tr>
+              <a:tr h="370840">
+                <a:tc>
+                  <a:txBody>
+                    <a:bodyPr/>
+                    <a:lstStyle/>
+                    <a:p>
+                      <a:pPr algn="ctr" latinLnBrk="1"/>
+                      <a:r>
+                        <a:rPr lang="ko-KR" altLang="en-US" sz="1200" b="1" dirty="0"/>
+                        <a:t>예측도</a:t>
+                      </a:r>
+                      <a:r>
+                        <a:rPr lang="en-US" altLang="ko-KR" sz="1200" b="1" dirty="0"/>
+                        <a:t>(Precision)</a:t>
+                      </a:r>
+                      <a:endParaRPr lang="ko-KR" altLang="en-US" sz="1200" b="1" dirty="0"/>
+                    </a:p>
+                  </a:txBody>
+                  <a:tcPr/>
+                </a:tc>
+                <a:tc>
+                  <a:txBody>
+                    <a:bodyPr/>
+                    <a:lstStyle/>
+                    <a:p>
+                      <a:pPr algn="ctr" latinLnBrk="1"/>
+                      <a:r>
+                        <a:rPr lang="en-US" altLang="ko-KR" sz="1200" b="1" dirty="0"/>
+                        <a:t>1.0</a:t>
+                      </a:r>
+                      <a:endParaRPr lang="ko-KR" altLang="en-US" sz="1200" b="1" dirty="0"/>
+                    </a:p>
+                  </a:txBody>
+                  <a:tcPr/>
+                </a:tc>
+                <a:extLst>
+                  <a:ext uri="{0D108BD9-81ED-4DB2-BD59-A6C34878D82A}">
+                    <a16:rowId xmlns:a16="http://schemas.microsoft.com/office/drawing/2014/main" val="2851690872"/>
+                  </a:ext>
+                </a:extLst>
+              </a:tr>
+              <a:tr h="370840">
+                <a:tc>
+                  <a:txBody>
+                    <a:bodyPr/>
+                    <a:lstStyle/>
+                    <a:p>
+                      <a:pPr algn="ctr" latinLnBrk="1"/>
+                      <a:r>
+                        <a:rPr lang="ko-KR" altLang="en-US" sz="1200" b="1" dirty="0" err="1"/>
+                        <a:t>재현률</a:t>
+                      </a:r>
+                      <a:r>
+                        <a:rPr lang="en-US" altLang="ko-KR" sz="1200" b="1" dirty="0"/>
+                        <a:t>(Recall)</a:t>
+                      </a:r>
+                      <a:endParaRPr lang="ko-KR" altLang="en-US" sz="1200" b="1" dirty="0"/>
+                    </a:p>
+                  </a:txBody>
+                  <a:tcPr/>
+                </a:tc>
+                <a:tc>
+                  <a:txBody>
+                    <a:bodyPr/>
+                    <a:lstStyle/>
+                    <a:p>
+                      <a:pPr algn="ctr" latinLnBrk="1"/>
+                      <a:r>
+                        <a:rPr lang="en-US" altLang="ko-KR" sz="1200" b="1" dirty="0"/>
+                        <a:t>0.884</a:t>
+                      </a:r>
+                      <a:endParaRPr lang="ko-KR" altLang="en-US" sz="1200" b="1" dirty="0"/>
+                    </a:p>
+                  </a:txBody>
+                  <a:tcPr/>
+                </a:tc>
+                <a:extLst>
+                  <a:ext uri="{0D108BD9-81ED-4DB2-BD59-A6C34878D82A}">
+                    <a16:rowId xmlns:a16="http://schemas.microsoft.com/office/drawing/2014/main" val="1753411220"/>
+                  </a:ext>
+                </a:extLst>
+              </a:tr>
+              <a:tr h="370840">
+                <a:tc>
+                  <a:txBody>
+                    <a:bodyPr/>
+                    <a:lstStyle/>
+                    <a:p>
+                      <a:pPr algn="ctr" latinLnBrk="1"/>
+                      <a:r>
+                        <a:rPr lang="ko-KR" altLang="en-US" sz="1200" b="1" dirty="0"/>
+                        <a:t>조화평균</a:t>
+                      </a:r>
+                      <a:r>
+                        <a:rPr lang="en-US" altLang="ko-KR" sz="1200" b="1" dirty="0"/>
+                        <a:t>(F1-Score)</a:t>
+                      </a:r>
+                      <a:endParaRPr lang="ko-KR" altLang="en-US" sz="1200" b="1" dirty="0"/>
+                    </a:p>
+                  </a:txBody>
+                  <a:tcPr/>
+                </a:tc>
+                <a:tc>
+                  <a:txBody>
+                    <a:bodyPr/>
+                    <a:lstStyle/>
+                    <a:p>
+                      <a:pPr algn="ctr" latinLnBrk="1"/>
+                      <a:r>
+                        <a:rPr lang="en-US" altLang="ko-KR" sz="1200" b="1" dirty="0"/>
+                        <a:t>0.938</a:t>
+                      </a:r>
+                      <a:endParaRPr lang="ko-KR" altLang="en-US" sz="1200" b="1" dirty="0"/>
+                    </a:p>
+                  </a:txBody>
+                  <a:tcPr/>
+                </a:tc>
+                <a:extLst>
+                  <a:ext uri="{0D108BD9-81ED-4DB2-BD59-A6C34878D82A}">
+                    <a16:rowId xmlns:a16="http://schemas.microsoft.com/office/drawing/2014/main" val="872414250"/>
+                  </a:ext>
+                </a:extLst>
+              </a:tr>
+              <a:tr h="370840">
+                <a:tc>
+                  <a:txBody>
+                    <a:bodyPr/>
+                    <a:lstStyle/>
+                    <a:p>
+                      <a:pPr algn="ctr" latinLnBrk="1"/>
+                      <a:r>
+                        <a:rPr lang="ko-KR" altLang="en-US" sz="1200" b="1" dirty="0"/>
+                        <a:t>정확도</a:t>
+                      </a:r>
+                      <a:r>
+                        <a:rPr lang="en-US" altLang="ko-KR" sz="1200" b="1" dirty="0"/>
+                        <a:t>(Accuracy)</a:t>
+                      </a:r>
+                      <a:endParaRPr lang="ko-KR" altLang="en-US" sz="1200" b="1" dirty="0"/>
+                    </a:p>
+                  </a:txBody>
+                  <a:tcPr/>
+                </a:tc>
+                <a:tc>
+                  <a:txBody>
+                    <a:bodyPr/>
+                    <a:lstStyle/>
+                    <a:p>
+                      <a:pPr algn="ctr" latinLnBrk="1"/>
+                      <a:r>
+                        <a:rPr lang="en-US" altLang="ko-KR" sz="1200" b="1" dirty="0"/>
+                        <a:t>0.9991</a:t>
+                      </a:r>
+                      <a:endParaRPr lang="ko-KR" altLang="en-US" sz="1200" b="1" dirty="0"/>
+                    </a:p>
+                  </a:txBody>
+                  <a:tcPr/>
+                </a:tc>
+                <a:extLst>
+                  <a:ext uri="{0D108BD9-81ED-4DB2-BD59-A6C34878D82A}">
+                    <a16:rowId xmlns:a16="http://schemas.microsoft.com/office/drawing/2014/main" val="3232975489"/>
+                  </a:ext>
+                </a:extLst>
+              </a:tr>
+            </a:tbl>
+          </a:graphicData>
+        </a:graphic>
+      </p:graphicFrame>
+      <p:pic>
+        <p:nvPicPr>
+          <p:cNvPr id="4" name="그림 3">
+            <a:extLst>
+              <a:ext uri="{FF2B5EF4-FFF2-40B4-BE49-F238E27FC236}">
+                <a16:creationId xmlns:a16="http://schemas.microsoft.com/office/drawing/2014/main" id="{7B58BAD7-BB92-727C-FDA2-1607C88F652A}"/>
+              </a:ext>
+            </a:extLst>
+          </p:cNvPr>
+          <p:cNvPicPr>
+            <a:picLocks noChangeAspect="1"/>
+          </p:cNvPicPr>
+          <p:nvPr/>
+        </p:nvPicPr>
+        <p:blipFill>
+          <a:blip r:embed="rId3"/>
+          <a:stretch>
+            <a:fillRect/>
+          </a:stretch>
+        </p:blipFill>
+        <p:spPr>
+          <a:xfrm>
+            <a:off x="827584" y="1988840"/>
+            <a:ext cx="4583243" cy="4626645"/>
+          </a:xfrm>
+          <a:prstGeom prst="rect">
+            <a:avLst/>
+          </a:prstGeom>
+        </p:spPr>
+      </p:pic>
+    </p:spTree>
+    <p:extLst>
+      <p:ext uri="{BB962C8B-B14F-4D97-AF65-F5344CB8AC3E}">
+        <p14:creationId xmlns:p14="http://schemas.microsoft.com/office/powerpoint/2010/main" val="911765029"/>
+      </p:ext>
+    </p:extLst>
+  </p:cSld>
+  <p:clrMapOvr>
+    <a:masterClrMapping/>
+  </p:clrMapOvr>
+  <p:transition>
+    <p:fade/>
+  </p:transition>
+</p:sld>
+</file>
+
+<file path=ppt/slides/slide39.xml><?xml version="1.0" encoding="utf-8"?>
+<p:sld xmlns:a="http://schemas.openxmlformats.org/drawingml/2006/main" xmlns:r="http://schemas.openxmlformats.org/officeDocument/2006/relationships" xmlns:p="http://schemas.openxmlformats.org/presentationml/2006/main">
+  <p:cSld>
+    <p:spTree>
+      <p:nvGrpSpPr>
+        <p:cNvPr id="1" name=""/>
+        <p:cNvGrpSpPr/>
+        <p:nvPr/>
+      </p:nvGrpSpPr>
+      <p:grpSpPr>
+        <a:xfrm>
+          <a:off x="0" y="0"/>
+          <a:ext cx="0" cy="0"/>
+          <a:chOff x="0" y="0"/>
+          <a:chExt cx="0" cy="0"/>
+        </a:xfrm>
+      </p:grpSpPr>
+      <p:sp>
+        <p:nvSpPr>
+          <p:cNvPr id="14" name="내용 개체 틀 1"/>
+          <p:cNvSpPr>
+            <a:spLocks noGrp="1"/>
+          </p:cNvSpPr>
+          <p:nvPr>
+            <p:ph/>
+          </p:nvPr>
+        </p:nvSpPr>
+        <p:spPr bwMode="auto">
+          <a:xfrm>
+            <a:off x="179387" y="981075"/>
+            <a:ext cx="8785225" cy="431800"/>
+          </a:xfrm>
+          <a:noFill/>
+          <a:ln>
+            <a:miter lim="800000"/>
+            <a:headEnd/>
+            <a:tailEnd/>
+          </a:ln>
+        </p:spPr>
+        <p:txBody>
+          <a:bodyPr vert="horz" wrap="square" lIns="91440" tIns="45720" rIns="91440" bIns="45720" numCol="1" anchor="t" anchorCtr="0" compatLnSpc="1">
+            <a:prstTxWarp prst="textNoShape">
+              <a:avLst/>
+            </a:prstTxWarp>
+          </a:bodyPr>
+          <a:lstStyle/>
+          <a:p>
+            <a:r>
+              <a:rPr lang="ko-KR" altLang="en-US" dirty="0">
+                <a:latin typeface="HY헤드라인M" pitchFamily="18" charset="-127"/>
+                <a:ea typeface="HY헤드라인M" pitchFamily="18" charset="-127"/>
+              </a:rPr>
+              <a:t>평가 결과 </a:t>
+            </a:r>
+          </a:p>
+        </p:txBody>
+      </p:sp>
+      <p:sp>
+        <p:nvSpPr>
+          <p:cNvPr id="9" name="TextBox 8"/>
+          <p:cNvSpPr txBox="1"/>
+          <p:nvPr/>
+        </p:nvSpPr>
+        <p:spPr>
+          <a:xfrm>
+            <a:off x="514350" y="1422600"/>
+            <a:ext cx="8280724" cy="482120"/>
+          </a:xfrm>
+          <a:prstGeom prst="rect">
+            <a:avLst/>
+          </a:prstGeom>
+          <a:noFill/>
+        </p:spPr>
+        <p:txBody>
+          <a:bodyPr wrap="square" rtlCol="0">
+            <a:spAutoFit/>
+          </a:bodyPr>
+          <a:lstStyle/>
+          <a:p>
+            <a:pPr marL="285750" indent="-285750" algn="just">
+              <a:lnSpc>
+                <a:spcPct val="150000"/>
+              </a:lnSpc>
+              <a:buClr>
+                <a:srgbClr val="C00000"/>
+              </a:buClr>
+              <a:buFont typeface="Wingdings" panose="05000000000000000000" pitchFamily="2" charset="2"/>
+              <a:buChar char="l"/>
+            </a:pPr>
+            <a:r>
+              <a:rPr lang="en-US" altLang="ko-KR" sz="2000" dirty="0">
+                <a:latin typeface="HY헤드라인M" panose="02030600000101010101" pitchFamily="18" charset="-127"/>
+                <a:ea typeface="HY헤드라인M" panose="02030600000101010101" pitchFamily="18" charset="-127"/>
+              </a:rPr>
+              <a:t>Random Forest</a:t>
+            </a:r>
+            <a:r>
+              <a:rPr lang="en-US" altLang="ko-KR" sz="1600" dirty="0">
+                <a:latin typeface="HY헤드라인M" panose="02030600000101010101" pitchFamily="18" charset="-127"/>
+                <a:ea typeface="HY헤드라인M" panose="02030600000101010101" pitchFamily="18" charset="-127"/>
+              </a:rPr>
+              <a:t>– Confusion Matrix</a:t>
+            </a:r>
+            <a:r>
+              <a:rPr lang="ko-KR" altLang="en-US" sz="1600" dirty="0">
+                <a:latin typeface="HY헤드라인M" panose="02030600000101010101" pitchFamily="18" charset="-127"/>
+                <a:ea typeface="HY헤드라인M" panose="02030600000101010101" pitchFamily="18" charset="-127"/>
+              </a:rPr>
+              <a:t>를 활용한 모델 평가</a:t>
+            </a:r>
+            <a:endParaRPr lang="en-US" altLang="ko-KR" sz="1600" dirty="0">
+              <a:latin typeface="HY헤드라인M" panose="02030600000101010101" pitchFamily="18" charset="-127"/>
+              <a:ea typeface="HY헤드라인M" panose="02030600000101010101" pitchFamily="18" charset="-127"/>
+            </a:endParaRPr>
+          </a:p>
+        </p:txBody>
+      </p:sp>
+      <p:sp>
+        <p:nvSpPr>
+          <p:cNvPr id="2" name="Rectangle 203">
+            <a:extLst>
+              <a:ext uri="{FF2B5EF4-FFF2-40B4-BE49-F238E27FC236}">
+                <a16:creationId xmlns:a16="http://schemas.microsoft.com/office/drawing/2014/main" id="{F3781700-51B4-0BC0-C3F4-E02EE8ECB30D}"/>
+              </a:ext>
+            </a:extLst>
+          </p:cNvPr>
+          <p:cNvSpPr>
+            <a:spLocks noChangeArrowheads="1"/>
+          </p:cNvSpPr>
+          <p:nvPr/>
+        </p:nvSpPr>
+        <p:spPr bwMode="auto">
+          <a:xfrm>
+            <a:off x="2051843" y="142852"/>
+            <a:ext cx="5040313" cy="457200"/>
+          </a:xfrm>
+          <a:prstGeom prst="rect">
+            <a:avLst/>
+          </a:prstGeom>
+          <a:noFill/>
+          <a:ln w="9525">
+            <a:noFill/>
+            <a:miter lim="800000"/>
+            <a:headEnd/>
+            <a:tailEnd/>
+          </a:ln>
+        </p:spPr>
+        <p:txBody>
+          <a:bodyPr>
+            <a:spAutoFit/>
+          </a:bodyPr>
+          <a:lstStyle/>
+          <a:p>
+            <a:pPr algn="ctr"/>
+            <a:r>
+              <a:rPr lang="ko-KR" altLang="en-US" sz="2400" b="1" dirty="0">
+                <a:solidFill>
+                  <a:schemeClr val="bg1"/>
+                </a:solidFill>
+                <a:latin typeface="HY헤드라인M" pitchFamily="18" charset="-127"/>
+                <a:ea typeface="HY헤드라인M" pitchFamily="18" charset="-127"/>
+              </a:rPr>
+              <a:t>결과 및 결론</a:t>
+            </a:r>
+          </a:p>
+        </p:txBody>
+      </p:sp>
+      <p:graphicFrame>
+        <p:nvGraphicFramePr>
+          <p:cNvPr id="6" name="표 5">
+            <a:extLst>
+              <a:ext uri="{FF2B5EF4-FFF2-40B4-BE49-F238E27FC236}">
+                <a16:creationId xmlns:a16="http://schemas.microsoft.com/office/drawing/2014/main" id="{B18796C6-D500-B389-E5EF-5E8930B0A5B0}"/>
+              </a:ext>
+            </a:extLst>
+          </p:cNvPr>
+          <p:cNvGraphicFramePr>
+            <a:graphicFrameLocks noGrp="1"/>
+          </p:cNvGraphicFramePr>
+          <p:nvPr>
+            <p:extLst>
+              <p:ext uri="{D42A27DB-BD31-4B8C-83A1-F6EECF244321}">
+                <p14:modId xmlns:p14="http://schemas.microsoft.com/office/powerpoint/2010/main" val="1696354633"/>
+              </p:ext>
+            </p:extLst>
+          </p:nvPr>
+        </p:nvGraphicFramePr>
+        <p:xfrm>
+          <a:off x="5576033" y="4221088"/>
+          <a:ext cx="3032245" cy="1854200"/>
+        </p:xfrm>
+        <a:graphic>
+          <a:graphicData uri="http://schemas.openxmlformats.org/drawingml/2006/table">
+            <a:tbl>
+              <a:tblPr firstRow="1" bandRow="1">
+                <a:tableStyleId>{5C22544A-7EE6-4342-B048-85BDC9FD1C3A}</a:tableStyleId>
+              </a:tblPr>
+              <a:tblGrid>
+                <a:gridCol w="1808109">
+                  <a:extLst>
+                    <a:ext uri="{9D8B030D-6E8A-4147-A177-3AD203B41FA5}">
+                      <a16:colId xmlns:a16="http://schemas.microsoft.com/office/drawing/2014/main" val="1835361487"/>
+                    </a:ext>
+                  </a:extLst>
+                </a:gridCol>
+                <a:gridCol w="1224136">
+                  <a:extLst>
+                    <a:ext uri="{9D8B030D-6E8A-4147-A177-3AD203B41FA5}">
+                      <a16:colId xmlns:a16="http://schemas.microsoft.com/office/drawing/2014/main" val="1148118091"/>
+                    </a:ext>
+                  </a:extLst>
+                </a:gridCol>
+              </a:tblGrid>
+              <a:tr h="370840">
+                <a:tc>
+                  <a:txBody>
+                    <a:bodyPr/>
+                    <a:lstStyle/>
+                    <a:p>
+                      <a:pPr algn="ctr" latinLnBrk="1"/>
+                      <a:r>
+                        <a:rPr lang="ko-KR" altLang="en-US" sz="1300" dirty="0">
+                          <a:solidFill>
+                            <a:schemeClr val="tx1"/>
+                          </a:solidFill>
+                        </a:rPr>
+                        <a:t>평가 지표</a:t>
+                      </a:r>
+                    </a:p>
+                  </a:txBody>
+                  <a:tcPr/>
+                </a:tc>
+                <a:tc>
+                  <a:txBody>
+                    <a:bodyPr/>
+                    <a:lstStyle/>
+                    <a:p>
+                      <a:pPr algn="ctr" latinLnBrk="1"/>
+                      <a:r>
+                        <a:rPr lang="ko-KR" altLang="en-US" sz="1300" dirty="0">
+                          <a:solidFill>
+                            <a:schemeClr val="tx1"/>
+                          </a:solidFill>
+                        </a:rPr>
+                        <a:t>결과</a:t>
+                      </a:r>
+                    </a:p>
+                  </a:txBody>
+                  <a:tcPr/>
+                </a:tc>
+                <a:extLst>
+                  <a:ext uri="{0D108BD9-81ED-4DB2-BD59-A6C34878D82A}">
+                    <a16:rowId xmlns:a16="http://schemas.microsoft.com/office/drawing/2014/main" val="1086663635"/>
+                  </a:ext>
+                </a:extLst>
+              </a:tr>
+              <a:tr h="370840">
+                <a:tc>
+                  <a:txBody>
+                    <a:bodyPr/>
+                    <a:lstStyle/>
+                    <a:p>
+                      <a:pPr algn="ctr" latinLnBrk="1"/>
+                      <a:r>
+                        <a:rPr lang="ko-KR" altLang="en-US" sz="1200" b="1" dirty="0"/>
+                        <a:t>예측도</a:t>
+                      </a:r>
+                      <a:r>
+                        <a:rPr lang="en-US" altLang="ko-KR" sz="1200" b="1" dirty="0"/>
+                        <a:t>(Precision)</a:t>
+                      </a:r>
+                      <a:endParaRPr lang="ko-KR" altLang="en-US" sz="1200" b="1" dirty="0"/>
+                    </a:p>
+                  </a:txBody>
+                  <a:tcPr/>
+                </a:tc>
+                <a:tc>
+                  <a:txBody>
+                    <a:bodyPr/>
+                    <a:lstStyle/>
+                    <a:p>
+                      <a:pPr algn="ctr" latinLnBrk="1"/>
+                      <a:r>
+                        <a:rPr lang="en-US" altLang="ko-KR" sz="1200" b="1" dirty="0"/>
+                        <a:t>1.0</a:t>
+                      </a:r>
+                      <a:endParaRPr lang="ko-KR" altLang="en-US" sz="1200" b="1" dirty="0"/>
+                    </a:p>
+                  </a:txBody>
+                  <a:tcPr/>
+                </a:tc>
+                <a:extLst>
+                  <a:ext uri="{0D108BD9-81ED-4DB2-BD59-A6C34878D82A}">
+                    <a16:rowId xmlns:a16="http://schemas.microsoft.com/office/drawing/2014/main" val="2851690872"/>
+                  </a:ext>
+                </a:extLst>
+              </a:tr>
+              <a:tr h="370840">
+                <a:tc>
+                  <a:txBody>
+                    <a:bodyPr/>
+                    <a:lstStyle/>
+                    <a:p>
+                      <a:pPr algn="ctr" latinLnBrk="1"/>
+                      <a:r>
+                        <a:rPr lang="ko-KR" altLang="en-US" sz="1200" b="1" dirty="0" err="1"/>
+                        <a:t>재현률</a:t>
+                      </a:r>
+                      <a:r>
+                        <a:rPr lang="en-US" altLang="ko-KR" sz="1200" b="1" dirty="0"/>
+                        <a:t>(Recall)</a:t>
+                      </a:r>
+                      <a:endParaRPr lang="ko-KR" altLang="en-US" sz="1200" b="1" dirty="0"/>
+                    </a:p>
+                  </a:txBody>
+                  <a:tcPr/>
+                </a:tc>
+                <a:tc>
+                  <a:txBody>
+                    <a:bodyPr/>
+                    <a:lstStyle/>
+                    <a:p>
+                      <a:pPr algn="ctr" latinLnBrk="1"/>
+                      <a:r>
+                        <a:rPr lang="en-US" altLang="ko-KR" sz="1200" b="1" dirty="0"/>
+                        <a:t>1.0</a:t>
+                      </a:r>
+                      <a:endParaRPr lang="ko-KR" altLang="en-US" sz="1200" b="1" dirty="0"/>
+                    </a:p>
+                  </a:txBody>
+                  <a:tcPr/>
+                </a:tc>
+                <a:extLst>
+                  <a:ext uri="{0D108BD9-81ED-4DB2-BD59-A6C34878D82A}">
+                    <a16:rowId xmlns:a16="http://schemas.microsoft.com/office/drawing/2014/main" val="1753411220"/>
+                  </a:ext>
+                </a:extLst>
+              </a:tr>
+              <a:tr h="370840">
+                <a:tc>
+                  <a:txBody>
+                    <a:bodyPr/>
+                    <a:lstStyle/>
+                    <a:p>
+                      <a:pPr algn="ctr" latinLnBrk="1"/>
+                      <a:r>
+                        <a:rPr lang="ko-KR" altLang="en-US" sz="1200" b="1" dirty="0"/>
+                        <a:t>조화평균</a:t>
+                      </a:r>
+                      <a:r>
+                        <a:rPr lang="en-US" altLang="ko-KR" sz="1200" b="1" dirty="0"/>
+                        <a:t>(F1-Score)</a:t>
+                      </a:r>
+                      <a:endParaRPr lang="ko-KR" altLang="en-US" sz="1200" b="1" dirty="0"/>
+                    </a:p>
+                  </a:txBody>
+                  <a:tcPr/>
+                </a:tc>
+                <a:tc>
+                  <a:txBody>
+                    <a:bodyPr/>
+                    <a:lstStyle/>
+                    <a:p>
+                      <a:pPr algn="ctr" latinLnBrk="1"/>
+                      <a:r>
+                        <a:rPr lang="en-US" altLang="ko-KR" sz="1200" b="1" dirty="0"/>
+                        <a:t>1.0</a:t>
+                      </a:r>
+                      <a:endParaRPr lang="ko-KR" altLang="en-US" sz="1200" b="1" dirty="0"/>
+                    </a:p>
+                  </a:txBody>
+                  <a:tcPr/>
+                </a:tc>
+                <a:extLst>
+                  <a:ext uri="{0D108BD9-81ED-4DB2-BD59-A6C34878D82A}">
+                    <a16:rowId xmlns:a16="http://schemas.microsoft.com/office/drawing/2014/main" val="872414250"/>
+                  </a:ext>
+                </a:extLst>
+              </a:tr>
+              <a:tr h="370840">
+                <a:tc>
+                  <a:txBody>
+                    <a:bodyPr/>
+                    <a:lstStyle/>
+                    <a:p>
+                      <a:pPr algn="ctr" latinLnBrk="1"/>
+                      <a:r>
+                        <a:rPr lang="ko-KR" altLang="en-US" sz="1200" b="1" dirty="0"/>
+                        <a:t>정확도</a:t>
+                      </a:r>
+                      <a:r>
+                        <a:rPr lang="en-US" altLang="ko-KR" sz="1200" b="1" dirty="0"/>
+                        <a:t>(Accuracy)</a:t>
+                      </a:r>
+                      <a:endParaRPr lang="ko-KR" altLang="en-US" sz="1200" b="1" dirty="0"/>
+                    </a:p>
+                  </a:txBody>
+                  <a:tcPr/>
+                </a:tc>
+                <a:tc>
+                  <a:txBody>
+                    <a:bodyPr/>
+                    <a:lstStyle/>
+                    <a:p>
+                      <a:pPr algn="ctr" latinLnBrk="1"/>
+                      <a:r>
+                        <a:rPr lang="en-US" altLang="ko-KR" sz="1200" b="1" dirty="0"/>
+                        <a:t>1.0</a:t>
+                      </a:r>
+                      <a:endParaRPr lang="ko-KR" altLang="en-US" sz="1200" b="1" dirty="0"/>
+                    </a:p>
+                  </a:txBody>
+                  <a:tcPr/>
+                </a:tc>
+                <a:extLst>
+                  <a:ext uri="{0D108BD9-81ED-4DB2-BD59-A6C34878D82A}">
+                    <a16:rowId xmlns:a16="http://schemas.microsoft.com/office/drawing/2014/main" val="3232975489"/>
+                  </a:ext>
+                </a:extLst>
+              </a:tr>
+            </a:tbl>
+          </a:graphicData>
+        </a:graphic>
+      </p:graphicFrame>
+      <p:pic>
+        <p:nvPicPr>
+          <p:cNvPr id="4" name="그림 3">
+            <a:extLst>
+              <a:ext uri="{FF2B5EF4-FFF2-40B4-BE49-F238E27FC236}">
+                <a16:creationId xmlns:a16="http://schemas.microsoft.com/office/drawing/2014/main" id="{D4D0AAF0-5580-2FC1-29E0-CA039239CEF5}"/>
+              </a:ext>
+            </a:extLst>
+          </p:cNvPr>
+          <p:cNvPicPr>
+            <a:picLocks noChangeAspect="1"/>
+          </p:cNvPicPr>
+          <p:nvPr/>
+        </p:nvPicPr>
+        <p:blipFill>
+          <a:blip r:embed="rId3"/>
+          <a:stretch>
+            <a:fillRect/>
+          </a:stretch>
+        </p:blipFill>
+        <p:spPr>
+          <a:xfrm>
+            <a:off x="810381" y="1988840"/>
+            <a:ext cx="4629560" cy="4629560"/>
+          </a:xfrm>
+          <a:prstGeom prst="rect">
+            <a:avLst/>
+          </a:prstGeom>
+        </p:spPr>
+      </p:pic>
+    </p:spTree>
+    <p:extLst>
+      <p:ext uri="{BB962C8B-B14F-4D97-AF65-F5344CB8AC3E}">
+        <p14:creationId xmlns:p14="http://schemas.microsoft.com/office/powerpoint/2010/main" val="285847210"/>
       </p:ext>
     </p:extLst>
   </p:cSld>
@@ -17118,6 +21006,1638 @@
 </p:sld>
 </file>
 
+<file path=ppt/slides/slide40.xml><?xml version="1.0" encoding="utf-8"?>
+<p:sld xmlns:a="http://schemas.openxmlformats.org/drawingml/2006/main" xmlns:r="http://schemas.openxmlformats.org/officeDocument/2006/relationships" xmlns:p="http://schemas.openxmlformats.org/presentationml/2006/main">
+  <p:cSld>
+    <p:spTree>
+      <p:nvGrpSpPr>
+        <p:cNvPr id="1" name=""/>
+        <p:cNvGrpSpPr/>
+        <p:nvPr/>
+      </p:nvGrpSpPr>
+      <p:grpSpPr>
+        <a:xfrm>
+          <a:off x="0" y="0"/>
+          <a:ext cx="0" cy="0"/>
+          <a:chOff x="0" y="0"/>
+          <a:chExt cx="0" cy="0"/>
+        </a:xfrm>
+      </p:grpSpPr>
+      <p:sp>
+        <p:nvSpPr>
+          <p:cNvPr id="14" name="내용 개체 틀 1"/>
+          <p:cNvSpPr>
+            <a:spLocks noGrp="1"/>
+          </p:cNvSpPr>
+          <p:nvPr>
+            <p:ph/>
+          </p:nvPr>
+        </p:nvSpPr>
+        <p:spPr bwMode="auto">
+          <a:xfrm>
+            <a:off x="179387" y="981075"/>
+            <a:ext cx="8785225" cy="431800"/>
+          </a:xfrm>
+          <a:noFill/>
+          <a:ln>
+            <a:miter lim="800000"/>
+            <a:headEnd/>
+            <a:tailEnd/>
+          </a:ln>
+        </p:spPr>
+        <p:txBody>
+          <a:bodyPr vert="horz" wrap="square" lIns="91440" tIns="45720" rIns="91440" bIns="45720" numCol="1" anchor="t" anchorCtr="0" compatLnSpc="1">
+            <a:prstTxWarp prst="textNoShape">
+              <a:avLst/>
+            </a:prstTxWarp>
+          </a:bodyPr>
+          <a:lstStyle/>
+          <a:p>
+            <a:r>
+              <a:rPr lang="ko-KR" altLang="en-US" dirty="0">
+                <a:latin typeface="HY헤드라인M" pitchFamily="18" charset="-127"/>
+                <a:ea typeface="HY헤드라인M" pitchFamily="18" charset="-127"/>
+              </a:rPr>
+              <a:t>평가 결과 </a:t>
+            </a:r>
+          </a:p>
+        </p:txBody>
+      </p:sp>
+      <p:sp>
+        <p:nvSpPr>
+          <p:cNvPr id="9" name="TextBox 8"/>
+          <p:cNvSpPr txBox="1"/>
+          <p:nvPr/>
+        </p:nvSpPr>
+        <p:spPr>
+          <a:xfrm>
+            <a:off x="514350" y="1422600"/>
+            <a:ext cx="8280724" cy="482120"/>
+          </a:xfrm>
+          <a:prstGeom prst="rect">
+            <a:avLst/>
+          </a:prstGeom>
+          <a:noFill/>
+        </p:spPr>
+        <p:txBody>
+          <a:bodyPr wrap="square" rtlCol="0">
+            <a:spAutoFit/>
+          </a:bodyPr>
+          <a:lstStyle/>
+          <a:p>
+            <a:pPr marL="285750" indent="-285750" algn="just">
+              <a:lnSpc>
+                <a:spcPct val="150000"/>
+              </a:lnSpc>
+              <a:buClr>
+                <a:srgbClr val="C00000"/>
+              </a:buClr>
+              <a:buFont typeface="Wingdings" panose="05000000000000000000" pitchFamily="2" charset="2"/>
+              <a:buChar char="l"/>
+            </a:pPr>
+            <a:r>
+              <a:rPr lang="en-US" altLang="ko-KR" sz="2000" dirty="0">
+                <a:latin typeface="HY헤드라인M" panose="02030600000101010101" pitchFamily="18" charset="-127"/>
+                <a:ea typeface="HY헤드라인M" panose="02030600000101010101" pitchFamily="18" charset="-127"/>
+              </a:rPr>
+              <a:t>AdaBoost </a:t>
+            </a:r>
+            <a:r>
+              <a:rPr lang="en-US" altLang="ko-KR" sz="1600" dirty="0">
+                <a:latin typeface="HY헤드라인M" panose="02030600000101010101" pitchFamily="18" charset="-127"/>
+                <a:ea typeface="HY헤드라인M" panose="02030600000101010101" pitchFamily="18" charset="-127"/>
+              </a:rPr>
+              <a:t>– Confusion Matrix</a:t>
+            </a:r>
+            <a:r>
+              <a:rPr lang="ko-KR" altLang="en-US" sz="1600" dirty="0">
+                <a:latin typeface="HY헤드라인M" panose="02030600000101010101" pitchFamily="18" charset="-127"/>
+                <a:ea typeface="HY헤드라인M" panose="02030600000101010101" pitchFamily="18" charset="-127"/>
+              </a:rPr>
+              <a:t>를 활용한 모델 평가</a:t>
+            </a:r>
+            <a:endParaRPr lang="en-US" altLang="ko-KR" sz="1600" dirty="0">
+              <a:latin typeface="HY헤드라인M" panose="02030600000101010101" pitchFamily="18" charset="-127"/>
+              <a:ea typeface="HY헤드라인M" panose="02030600000101010101" pitchFamily="18" charset="-127"/>
+            </a:endParaRPr>
+          </a:p>
+        </p:txBody>
+      </p:sp>
+      <p:sp>
+        <p:nvSpPr>
+          <p:cNvPr id="2" name="Rectangle 203">
+            <a:extLst>
+              <a:ext uri="{FF2B5EF4-FFF2-40B4-BE49-F238E27FC236}">
+                <a16:creationId xmlns:a16="http://schemas.microsoft.com/office/drawing/2014/main" id="{F3781700-51B4-0BC0-C3F4-E02EE8ECB30D}"/>
+              </a:ext>
+            </a:extLst>
+          </p:cNvPr>
+          <p:cNvSpPr>
+            <a:spLocks noChangeArrowheads="1"/>
+          </p:cNvSpPr>
+          <p:nvPr/>
+        </p:nvSpPr>
+        <p:spPr bwMode="auto">
+          <a:xfrm>
+            <a:off x="2051843" y="142852"/>
+            <a:ext cx="5040313" cy="457200"/>
+          </a:xfrm>
+          <a:prstGeom prst="rect">
+            <a:avLst/>
+          </a:prstGeom>
+          <a:noFill/>
+          <a:ln w="9525">
+            <a:noFill/>
+            <a:miter lim="800000"/>
+            <a:headEnd/>
+            <a:tailEnd/>
+          </a:ln>
+        </p:spPr>
+        <p:txBody>
+          <a:bodyPr>
+            <a:spAutoFit/>
+          </a:bodyPr>
+          <a:lstStyle/>
+          <a:p>
+            <a:pPr algn="ctr"/>
+            <a:r>
+              <a:rPr lang="ko-KR" altLang="en-US" sz="2400" b="1" dirty="0">
+                <a:solidFill>
+                  <a:schemeClr val="bg1"/>
+                </a:solidFill>
+                <a:latin typeface="HY헤드라인M" pitchFamily="18" charset="-127"/>
+                <a:ea typeface="HY헤드라인M" pitchFamily="18" charset="-127"/>
+              </a:rPr>
+              <a:t>결과 및 결론</a:t>
+            </a:r>
+          </a:p>
+        </p:txBody>
+      </p:sp>
+      <p:graphicFrame>
+        <p:nvGraphicFramePr>
+          <p:cNvPr id="6" name="표 5">
+            <a:extLst>
+              <a:ext uri="{FF2B5EF4-FFF2-40B4-BE49-F238E27FC236}">
+                <a16:creationId xmlns:a16="http://schemas.microsoft.com/office/drawing/2014/main" id="{B18796C6-D500-B389-E5EF-5E8930B0A5B0}"/>
+              </a:ext>
+            </a:extLst>
+          </p:cNvPr>
+          <p:cNvGraphicFramePr>
+            <a:graphicFrameLocks noGrp="1"/>
+          </p:cNvGraphicFramePr>
+          <p:nvPr>
+            <p:extLst>
+              <p:ext uri="{D42A27DB-BD31-4B8C-83A1-F6EECF244321}">
+                <p14:modId xmlns:p14="http://schemas.microsoft.com/office/powerpoint/2010/main" val="3446810480"/>
+              </p:ext>
+            </p:extLst>
+          </p:nvPr>
+        </p:nvGraphicFramePr>
+        <p:xfrm>
+          <a:off x="5576033" y="4221088"/>
+          <a:ext cx="3032245" cy="1854200"/>
+        </p:xfrm>
+        <a:graphic>
+          <a:graphicData uri="http://schemas.openxmlformats.org/drawingml/2006/table">
+            <a:tbl>
+              <a:tblPr firstRow="1" bandRow="1">
+                <a:tableStyleId>{5C22544A-7EE6-4342-B048-85BDC9FD1C3A}</a:tableStyleId>
+              </a:tblPr>
+              <a:tblGrid>
+                <a:gridCol w="1808109">
+                  <a:extLst>
+                    <a:ext uri="{9D8B030D-6E8A-4147-A177-3AD203B41FA5}">
+                      <a16:colId xmlns:a16="http://schemas.microsoft.com/office/drawing/2014/main" val="1835361487"/>
+                    </a:ext>
+                  </a:extLst>
+                </a:gridCol>
+                <a:gridCol w="1224136">
+                  <a:extLst>
+                    <a:ext uri="{9D8B030D-6E8A-4147-A177-3AD203B41FA5}">
+                      <a16:colId xmlns:a16="http://schemas.microsoft.com/office/drawing/2014/main" val="1148118091"/>
+                    </a:ext>
+                  </a:extLst>
+                </a:gridCol>
+              </a:tblGrid>
+              <a:tr h="370840">
+                <a:tc>
+                  <a:txBody>
+                    <a:bodyPr/>
+                    <a:lstStyle/>
+                    <a:p>
+                      <a:pPr algn="ctr" latinLnBrk="1"/>
+                      <a:r>
+                        <a:rPr lang="ko-KR" altLang="en-US" sz="1300" dirty="0">
+                          <a:solidFill>
+                            <a:schemeClr val="tx1"/>
+                          </a:solidFill>
+                        </a:rPr>
+                        <a:t>평가 지표</a:t>
+                      </a:r>
+                    </a:p>
+                  </a:txBody>
+                  <a:tcPr/>
+                </a:tc>
+                <a:tc>
+                  <a:txBody>
+                    <a:bodyPr/>
+                    <a:lstStyle/>
+                    <a:p>
+                      <a:pPr algn="ctr" latinLnBrk="1"/>
+                      <a:r>
+                        <a:rPr lang="ko-KR" altLang="en-US" sz="1300" dirty="0">
+                          <a:solidFill>
+                            <a:schemeClr val="tx1"/>
+                          </a:solidFill>
+                        </a:rPr>
+                        <a:t>결과</a:t>
+                      </a:r>
+                    </a:p>
+                  </a:txBody>
+                  <a:tcPr/>
+                </a:tc>
+                <a:extLst>
+                  <a:ext uri="{0D108BD9-81ED-4DB2-BD59-A6C34878D82A}">
+                    <a16:rowId xmlns:a16="http://schemas.microsoft.com/office/drawing/2014/main" val="1086663635"/>
+                  </a:ext>
+                </a:extLst>
+              </a:tr>
+              <a:tr h="370840">
+                <a:tc>
+                  <a:txBody>
+                    <a:bodyPr/>
+                    <a:lstStyle/>
+                    <a:p>
+                      <a:pPr algn="ctr" latinLnBrk="1"/>
+                      <a:r>
+                        <a:rPr lang="ko-KR" altLang="en-US" sz="1200" b="1" dirty="0"/>
+                        <a:t>예측도</a:t>
+                      </a:r>
+                      <a:r>
+                        <a:rPr lang="en-US" altLang="ko-KR" sz="1200" b="1" dirty="0"/>
+                        <a:t>(Precision)</a:t>
+                      </a:r>
+                      <a:endParaRPr lang="ko-KR" altLang="en-US" sz="1200" b="1" dirty="0"/>
+                    </a:p>
+                  </a:txBody>
+                  <a:tcPr/>
+                </a:tc>
+                <a:tc>
+                  <a:txBody>
+                    <a:bodyPr/>
+                    <a:lstStyle/>
+                    <a:p>
+                      <a:pPr algn="ctr" latinLnBrk="1"/>
+                      <a:r>
+                        <a:rPr lang="en-US" altLang="ko-KR" sz="1200" b="1" dirty="0"/>
+                        <a:t>1.0</a:t>
+                      </a:r>
+                      <a:endParaRPr lang="ko-KR" altLang="en-US" sz="1200" b="1" dirty="0"/>
+                    </a:p>
+                  </a:txBody>
+                  <a:tcPr/>
+                </a:tc>
+                <a:extLst>
+                  <a:ext uri="{0D108BD9-81ED-4DB2-BD59-A6C34878D82A}">
+                    <a16:rowId xmlns:a16="http://schemas.microsoft.com/office/drawing/2014/main" val="2851690872"/>
+                  </a:ext>
+                </a:extLst>
+              </a:tr>
+              <a:tr h="370840">
+                <a:tc>
+                  <a:txBody>
+                    <a:bodyPr/>
+                    <a:lstStyle/>
+                    <a:p>
+                      <a:pPr algn="ctr" latinLnBrk="1"/>
+                      <a:r>
+                        <a:rPr lang="ko-KR" altLang="en-US" sz="1200" b="1" dirty="0" err="1"/>
+                        <a:t>재현률</a:t>
+                      </a:r>
+                      <a:r>
+                        <a:rPr lang="en-US" altLang="ko-KR" sz="1200" b="1" dirty="0"/>
+                        <a:t>(Recall)</a:t>
+                      </a:r>
+                      <a:endParaRPr lang="ko-KR" altLang="en-US" sz="1200" b="1" dirty="0"/>
+                    </a:p>
+                  </a:txBody>
+                  <a:tcPr/>
+                </a:tc>
+                <a:tc>
+                  <a:txBody>
+                    <a:bodyPr/>
+                    <a:lstStyle/>
+                    <a:p>
+                      <a:pPr algn="ctr" latinLnBrk="1"/>
+                      <a:r>
+                        <a:rPr lang="en-US" altLang="ko-KR" sz="1200" b="1" dirty="0"/>
+                        <a:t>1.0</a:t>
+                      </a:r>
+                      <a:endParaRPr lang="ko-KR" altLang="en-US" sz="1200" b="1" dirty="0"/>
+                    </a:p>
+                  </a:txBody>
+                  <a:tcPr/>
+                </a:tc>
+                <a:extLst>
+                  <a:ext uri="{0D108BD9-81ED-4DB2-BD59-A6C34878D82A}">
+                    <a16:rowId xmlns:a16="http://schemas.microsoft.com/office/drawing/2014/main" val="1753411220"/>
+                  </a:ext>
+                </a:extLst>
+              </a:tr>
+              <a:tr h="370840">
+                <a:tc>
+                  <a:txBody>
+                    <a:bodyPr/>
+                    <a:lstStyle/>
+                    <a:p>
+                      <a:pPr algn="ctr" latinLnBrk="1"/>
+                      <a:r>
+                        <a:rPr lang="ko-KR" altLang="en-US" sz="1200" b="1" dirty="0"/>
+                        <a:t>조화평균</a:t>
+                      </a:r>
+                      <a:r>
+                        <a:rPr lang="en-US" altLang="ko-KR" sz="1200" b="1" dirty="0"/>
+                        <a:t>(F1-Score)</a:t>
+                      </a:r>
+                      <a:endParaRPr lang="ko-KR" altLang="en-US" sz="1200" b="1" dirty="0"/>
+                    </a:p>
+                  </a:txBody>
+                  <a:tcPr/>
+                </a:tc>
+                <a:tc>
+                  <a:txBody>
+                    <a:bodyPr/>
+                    <a:lstStyle/>
+                    <a:p>
+                      <a:pPr algn="ctr" latinLnBrk="1"/>
+                      <a:r>
+                        <a:rPr lang="en-US" altLang="ko-KR" sz="1200" b="1" dirty="0"/>
+                        <a:t>1.0</a:t>
+                      </a:r>
+                      <a:endParaRPr lang="ko-KR" altLang="en-US" sz="1200" b="1" dirty="0"/>
+                    </a:p>
+                  </a:txBody>
+                  <a:tcPr/>
+                </a:tc>
+                <a:extLst>
+                  <a:ext uri="{0D108BD9-81ED-4DB2-BD59-A6C34878D82A}">
+                    <a16:rowId xmlns:a16="http://schemas.microsoft.com/office/drawing/2014/main" val="872414250"/>
+                  </a:ext>
+                </a:extLst>
+              </a:tr>
+              <a:tr h="370840">
+                <a:tc>
+                  <a:txBody>
+                    <a:bodyPr/>
+                    <a:lstStyle/>
+                    <a:p>
+                      <a:pPr algn="ctr" latinLnBrk="1"/>
+                      <a:r>
+                        <a:rPr lang="ko-KR" altLang="en-US" sz="1200" b="1" dirty="0"/>
+                        <a:t>정확도</a:t>
+                      </a:r>
+                      <a:r>
+                        <a:rPr lang="en-US" altLang="ko-KR" sz="1200" b="1" dirty="0"/>
+                        <a:t>(Accuracy)</a:t>
+                      </a:r>
+                      <a:endParaRPr lang="ko-KR" altLang="en-US" sz="1200" b="1" dirty="0"/>
+                    </a:p>
+                  </a:txBody>
+                  <a:tcPr/>
+                </a:tc>
+                <a:tc>
+                  <a:txBody>
+                    <a:bodyPr/>
+                    <a:lstStyle/>
+                    <a:p>
+                      <a:pPr algn="ctr" latinLnBrk="1"/>
+                      <a:r>
+                        <a:rPr lang="en-US" altLang="ko-KR" sz="1200" b="1" dirty="0"/>
+                        <a:t>1.0</a:t>
+                      </a:r>
+                      <a:endParaRPr lang="ko-KR" altLang="en-US" sz="1200" b="1" dirty="0"/>
+                    </a:p>
+                  </a:txBody>
+                  <a:tcPr/>
+                </a:tc>
+                <a:extLst>
+                  <a:ext uri="{0D108BD9-81ED-4DB2-BD59-A6C34878D82A}">
+                    <a16:rowId xmlns:a16="http://schemas.microsoft.com/office/drawing/2014/main" val="3232975489"/>
+                  </a:ext>
+                </a:extLst>
+              </a:tr>
+            </a:tbl>
+          </a:graphicData>
+        </a:graphic>
+      </p:graphicFrame>
+      <p:pic>
+        <p:nvPicPr>
+          <p:cNvPr id="4" name="그림 3">
+            <a:extLst>
+              <a:ext uri="{FF2B5EF4-FFF2-40B4-BE49-F238E27FC236}">
+                <a16:creationId xmlns:a16="http://schemas.microsoft.com/office/drawing/2014/main" id="{85F652FC-CED2-7D16-FD30-D1712C8DF9DA}"/>
+              </a:ext>
+            </a:extLst>
+          </p:cNvPr>
+          <p:cNvPicPr>
+            <a:picLocks noChangeAspect="1"/>
+          </p:cNvPicPr>
+          <p:nvPr/>
+        </p:nvPicPr>
+        <p:blipFill>
+          <a:blip r:embed="rId3"/>
+          <a:stretch>
+            <a:fillRect/>
+          </a:stretch>
+        </p:blipFill>
+        <p:spPr>
+          <a:xfrm>
+            <a:off x="755576" y="1988840"/>
+            <a:ext cx="4680520" cy="4671738"/>
+          </a:xfrm>
+          <a:prstGeom prst="rect">
+            <a:avLst/>
+          </a:prstGeom>
+        </p:spPr>
+      </p:pic>
+    </p:spTree>
+    <p:extLst>
+      <p:ext uri="{BB962C8B-B14F-4D97-AF65-F5344CB8AC3E}">
+        <p14:creationId xmlns:p14="http://schemas.microsoft.com/office/powerpoint/2010/main" val="2628980684"/>
+      </p:ext>
+    </p:extLst>
+  </p:cSld>
+  <p:clrMapOvr>
+    <a:masterClrMapping/>
+  </p:clrMapOvr>
+  <p:transition>
+    <p:fade/>
+  </p:transition>
+</p:sld>
+</file>
+
+<file path=ppt/slides/slide41.xml><?xml version="1.0" encoding="utf-8"?>
+<p:sld xmlns:a="http://schemas.openxmlformats.org/drawingml/2006/main" xmlns:r="http://schemas.openxmlformats.org/officeDocument/2006/relationships" xmlns:p="http://schemas.openxmlformats.org/presentationml/2006/main">
+  <p:cSld>
+    <p:spTree>
+      <p:nvGrpSpPr>
+        <p:cNvPr id="1" name=""/>
+        <p:cNvGrpSpPr/>
+        <p:nvPr/>
+      </p:nvGrpSpPr>
+      <p:grpSpPr>
+        <a:xfrm>
+          <a:off x="0" y="0"/>
+          <a:ext cx="0" cy="0"/>
+          <a:chOff x="0" y="0"/>
+          <a:chExt cx="0" cy="0"/>
+        </a:xfrm>
+      </p:grpSpPr>
+      <p:sp>
+        <p:nvSpPr>
+          <p:cNvPr id="14" name="내용 개체 틀 1"/>
+          <p:cNvSpPr>
+            <a:spLocks noGrp="1"/>
+          </p:cNvSpPr>
+          <p:nvPr>
+            <p:ph/>
+          </p:nvPr>
+        </p:nvSpPr>
+        <p:spPr bwMode="auto">
+          <a:xfrm>
+            <a:off x="179387" y="981075"/>
+            <a:ext cx="8785225" cy="431800"/>
+          </a:xfrm>
+          <a:noFill/>
+          <a:ln>
+            <a:miter lim="800000"/>
+            <a:headEnd/>
+            <a:tailEnd/>
+          </a:ln>
+        </p:spPr>
+        <p:txBody>
+          <a:bodyPr vert="horz" wrap="square" lIns="91440" tIns="45720" rIns="91440" bIns="45720" numCol="1" anchor="t" anchorCtr="0" compatLnSpc="1">
+            <a:prstTxWarp prst="textNoShape">
+              <a:avLst/>
+            </a:prstTxWarp>
+          </a:bodyPr>
+          <a:lstStyle/>
+          <a:p>
+            <a:r>
+              <a:rPr lang="ko-KR" altLang="en-US" dirty="0">
+                <a:latin typeface="HY헤드라인M" pitchFamily="18" charset="-127"/>
+                <a:ea typeface="HY헤드라인M" pitchFamily="18" charset="-127"/>
+              </a:rPr>
+              <a:t>평가 결과 </a:t>
+            </a:r>
+          </a:p>
+        </p:txBody>
+      </p:sp>
+      <p:sp>
+        <p:nvSpPr>
+          <p:cNvPr id="9" name="TextBox 8"/>
+          <p:cNvSpPr txBox="1"/>
+          <p:nvPr/>
+        </p:nvSpPr>
+        <p:spPr>
+          <a:xfrm>
+            <a:off x="514350" y="1422600"/>
+            <a:ext cx="8280724" cy="482120"/>
+          </a:xfrm>
+          <a:prstGeom prst="rect">
+            <a:avLst/>
+          </a:prstGeom>
+          <a:noFill/>
+        </p:spPr>
+        <p:txBody>
+          <a:bodyPr wrap="square" rtlCol="0">
+            <a:spAutoFit/>
+          </a:bodyPr>
+          <a:lstStyle/>
+          <a:p>
+            <a:pPr marL="285750" indent="-285750" algn="just">
+              <a:lnSpc>
+                <a:spcPct val="150000"/>
+              </a:lnSpc>
+              <a:buClr>
+                <a:srgbClr val="C00000"/>
+              </a:buClr>
+              <a:buFont typeface="Wingdings" panose="05000000000000000000" pitchFamily="2" charset="2"/>
+              <a:buChar char="l"/>
+            </a:pPr>
+            <a:r>
+              <a:rPr lang="en-US" altLang="ko-KR" sz="2000" dirty="0">
+                <a:latin typeface="HY헤드라인M" panose="02030600000101010101" pitchFamily="18" charset="-127"/>
+                <a:ea typeface="HY헤드라인M" panose="02030600000101010101" pitchFamily="18" charset="-127"/>
+              </a:rPr>
+              <a:t>4</a:t>
+            </a:r>
+            <a:r>
+              <a:rPr lang="ko-KR" altLang="en-US" sz="2000" dirty="0">
+                <a:latin typeface="HY헤드라인M" panose="02030600000101010101" pitchFamily="18" charset="-127"/>
+                <a:ea typeface="HY헤드라인M" panose="02030600000101010101" pitchFamily="18" charset="-127"/>
+              </a:rPr>
+              <a:t>가지 모델 비교</a:t>
+            </a:r>
+            <a:endParaRPr lang="en-US" altLang="ko-KR" sz="1600" dirty="0">
+              <a:latin typeface="HY헤드라인M" panose="02030600000101010101" pitchFamily="18" charset="-127"/>
+              <a:ea typeface="HY헤드라인M" panose="02030600000101010101" pitchFamily="18" charset="-127"/>
+            </a:endParaRPr>
+          </a:p>
+        </p:txBody>
+      </p:sp>
+      <p:sp>
+        <p:nvSpPr>
+          <p:cNvPr id="2" name="Rectangle 203">
+            <a:extLst>
+              <a:ext uri="{FF2B5EF4-FFF2-40B4-BE49-F238E27FC236}">
+                <a16:creationId xmlns:a16="http://schemas.microsoft.com/office/drawing/2014/main" id="{F3781700-51B4-0BC0-C3F4-E02EE8ECB30D}"/>
+              </a:ext>
+            </a:extLst>
+          </p:cNvPr>
+          <p:cNvSpPr>
+            <a:spLocks noChangeArrowheads="1"/>
+          </p:cNvSpPr>
+          <p:nvPr/>
+        </p:nvSpPr>
+        <p:spPr bwMode="auto">
+          <a:xfrm>
+            <a:off x="2051843" y="142852"/>
+            <a:ext cx="5040313" cy="457200"/>
+          </a:xfrm>
+          <a:prstGeom prst="rect">
+            <a:avLst/>
+          </a:prstGeom>
+          <a:noFill/>
+          <a:ln w="9525">
+            <a:noFill/>
+            <a:miter lim="800000"/>
+            <a:headEnd/>
+            <a:tailEnd/>
+          </a:ln>
+        </p:spPr>
+        <p:txBody>
+          <a:bodyPr>
+            <a:spAutoFit/>
+          </a:bodyPr>
+          <a:lstStyle/>
+          <a:p>
+            <a:pPr algn="ctr"/>
+            <a:r>
+              <a:rPr lang="ko-KR" altLang="en-US" sz="2400" b="1" dirty="0">
+                <a:solidFill>
+                  <a:schemeClr val="bg1"/>
+                </a:solidFill>
+                <a:latin typeface="HY헤드라인M" pitchFamily="18" charset="-127"/>
+                <a:ea typeface="HY헤드라인M" pitchFamily="18" charset="-127"/>
+              </a:rPr>
+              <a:t>결과 및 결론</a:t>
+            </a:r>
+          </a:p>
+        </p:txBody>
+      </p:sp>
+      <p:pic>
+        <p:nvPicPr>
+          <p:cNvPr id="5" name="그림 4">
+            <a:extLst>
+              <a:ext uri="{FF2B5EF4-FFF2-40B4-BE49-F238E27FC236}">
+                <a16:creationId xmlns:a16="http://schemas.microsoft.com/office/drawing/2014/main" id="{30C3D564-EDB1-BB99-0598-C0720804476A}"/>
+              </a:ext>
+            </a:extLst>
+          </p:cNvPr>
+          <p:cNvPicPr>
+            <a:picLocks noChangeAspect="1"/>
+          </p:cNvPicPr>
+          <p:nvPr/>
+        </p:nvPicPr>
+        <p:blipFill>
+          <a:blip r:embed="rId3"/>
+          <a:stretch>
+            <a:fillRect/>
+          </a:stretch>
+        </p:blipFill>
+        <p:spPr>
+          <a:xfrm>
+            <a:off x="2028824" y="2257425"/>
+            <a:ext cx="5086350" cy="2343150"/>
+          </a:xfrm>
+          <a:prstGeom prst="rect">
+            <a:avLst/>
+          </a:prstGeom>
+        </p:spPr>
+      </p:pic>
+      <p:sp>
+        <p:nvSpPr>
+          <p:cNvPr id="7" name="직사각형 6">
+            <a:extLst>
+              <a:ext uri="{FF2B5EF4-FFF2-40B4-BE49-F238E27FC236}">
+                <a16:creationId xmlns:a16="http://schemas.microsoft.com/office/drawing/2014/main" id="{DCA36355-6F2E-762E-2660-7C803E4D3A49}"/>
+              </a:ext>
+            </a:extLst>
+          </p:cNvPr>
+          <p:cNvSpPr/>
+          <p:nvPr/>
+        </p:nvSpPr>
+        <p:spPr>
+          <a:xfrm>
+            <a:off x="2100013" y="3913609"/>
+            <a:ext cx="5015161" cy="686966"/>
+          </a:xfrm>
+          <a:prstGeom prst="rect">
+            <a:avLst/>
+          </a:prstGeom>
+          <a:noFill/>
+          <a:ln>
+            <a:solidFill>
+              <a:srgbClr val="FF0000"/>
+            </a:solidFill>
+          </a:ln>
+        </p:spPr>
+        <p:style>
+          <a:lnRef idx="2">
+            <a:schemeClr val="accent1">
+              <a:shade val="50000"/>
+            </a:schemeClr>
+          </a:lnRef>
+          <a:fillRef idx="1">
+            <a:schemeClr val="accent1"/>
+          </a:fillRef>
+          <a:effectRef idx="0">
+            <a:schemeClr val="accent1"/>
+          </a:effectRef>
+          <a:fontRef idx="minor">
+            <a:schemeClr val="lt1"/>
+          </a:fontRef>
+        </p:style>
+        <p:txBody>
+          <a:bodyPr rtlCol="0" anchor="ctr"/>
+          <a:lstStyle/>
+          <a:p>
+            <a:pPr algn="ctr"/>
+            <a:endParaRPr lang="ko-KR" altLang="en-US"/>
+          </a:p>
+        </p:txBody>
+      </p:sp>
+      <p:sp>
+        <p:nvSpPr>
+          <p:cNvPr id="8" name="TextBox 7">
+            <a:extLst>
+              <a:ext uri="{FF2B5EF4-FFF2-40B4-BE49-F238E27FC236}">
+                <a16:creationId xmlns:a16="http://schemas.microsoft.com/office/drawing/2014/main" id="{6571DD7A-45D0-C445-B04F-2E26033D9C44}"/>
+              </a:ext>
+            </a:extLst>
+          </p:cNvPr>
+          <p:cNvSpPr txBox="1"/>
+          <p:nvPr/>
+        </p:nvSpPr>
+        <p:spPr>
+          <a:xfrm>
+            <a:off x="817655" y="4584328"/>
+            <a:ext cx="8222511" cy="769441"/>
+          </a:xfrm>
+          <a:prstGeom prst="rect">
+            <a:avLst/>
+          </a:prstGeom>
+          <a:noFill/>
+        </p:spPr>
+        <p:txBody>
+          <a:bodyPr wrap="square" rtlCol="0">
+            <a:spAutoFit/>
+          </a:bodyPr>
+          <a:lstStyle/>
+          <a:p>
+            <a:r>
+              <a:rPr lang="en-US" altLang="ko-KR" sz="1400" b="1" dirty="0">
+                <a:solidFill>
+                  <a:srgbClr val="FF0000"/>
+                </a:solidFill>
+              </a:rPr>
+              <a:t>Random Forest </a:t>
+            </a:r>
+            <a:r>
+              <a:rPr lang="ko-KR" altLang="en-US" sz="1400" b="1" dirty="0">
+                <a:solidFill>
+                  <a:srgbClr val="FF0000"/>
+                </a:solidFill>
+              </a:rPr>
+              <a:t>모델과 </a:t>
+            </a:r>
+            <a:r>
+              <a:rPr lang="en-US" altLang="ko-KR" sz="1400" b="1" dirty="0">
+                <a:solidFill>
+                  <a:srgbClr val="FF0000"/>
+                </a:solidFill>
+              </a:rPr>
+              <a:t>AdaBoost </a:t>
+            </a:r>
+            <a:r>
+              <a:rPr lang="ko-KR" altLang="en-US" sz="1400" b="1" dirty="0">
+                <a:solidFill>
+                  <a:srgbClr val="FF0000"/>
+                </a:solidFill>
+              </a:rPr>
+              <a:t>모델에서 높은 정확도</a:t>
+            </a:r>
+            <a:r>
+              <a:rPr lang="en-US" altLang="ko-KR" sz="1400" b="1" dirty="0">
+                <a:solidFill>
+                  <a:srgbClr val="FF0000"/>
+                </a:solidFill>
+              </a:rPr>
+              <a:t>(Accuracy)</a:t>
+            </a:r>
+            <a:r>
+              <a:rPr lang="ko-KR" altLang="en-US" sz="1400" b="1" dirty="0">
+                <a:solidFill>
+                  <a:srgbClr val="FF0000"/>
+                </a:solidFill>
+              </a:rPr>
+              <a:t>와 조화평균</a:t>
+            </a:r>
+            <a:r>
+              <a:rPr lang="en-US" altLang="ko-KR" sz="1400" b="1" dirty="0">
+                <a:solidFill>
+                  <a:srgbClr val="FF0000"/>
+                </a:solidFill>
+              </a:rPr>
+              <a:t>(F1-score)</a:t>
+            </a:r>
+            <a:r>
+              <a:rPr lang="ko-KR" altLang="en-US" sz="1400" b="1" dirty="0">
+                <a:solidFill>
+                  <a:srgbClr val="FF0000"/>
+                </a:solidFill>
+              </a:rPr>
+              <a:t>를 보임</a:t>
+            </a:r>
+            <a:endParaRPr lang="en-US" altLang="ko-KR" sz="1400" b="1" dirty="0">
+              <a:solidFill>
+                <a:srgbClr val="FF0000"/>
+              </a:solidFill>
+            </a:endParaRPr>
+          </a:p>
+          <a:p>
+            <a:endParaRPr lang="en-US" altLang="ko-KR" sz="1400" b="1" dirty="0">
+              <a:solidFill>
+                <a:srgbClr val="FF0000"/>
+              </a:solidFill>
+            </a:endParaRPr>
+          </a:p>
+          <a:p>
+            <a:r>
+              <a:rPr lang="ko-KR" altLang="ko-KR" sz="1600" b="1" dirty="0">
+                <a:solidFill>
+                  <a:srgbClr val="FF0000"/>
+                </a:solidFill>
+              </a:rPr>
+              <a:t>→</a:t>
+            </a:r>
+            <a:r>
+              <a:rPr lang="en-US" altLang="ko-KR" sz="1600" b="1" dirty="0">
+                <a:solidFill>
+                  <a:srgbClr val="FF0000"/>
+                </a:solidFill>
+              </a:rPr>
+              <a:t> </a:t>
+            </a:r>
+            <a:r>
+              <a:rPr lang="ko-KR" altLang="en-US" sz="1600" b="1" dirty="0">
+                <a:solidFill>
+                  <a:srgbClr val="FF0000"/>
+                </a:solidFill>
+              </a:rPr>
+              <a:t>해당 분석 모델로 불량 발생 예측 시스템을 만들어 대응하도록 함</a:t>
+            </a:r>
+          </a:p>
+        </p:txBody>
+      </p:sp>
+    </p:spTree>
+    <p:extLst>
+      <p:ext uri="{BB962C8B-B14F-4D97-AF65-F5344CB8AC3E}">
+        <p14:creationId xmlns:p14="http://schemas.microsoft.com/office/powerpoint/2010/main" val="3276692116"/>
+      </p:ext>
+    </p:extLst>
+  </p:cSld>
+  <p:clrMapOvr>
+    <a:masterClrMapping/>
+  </p:clrMapOvr>
+  <p:transition>
+    <p:fade/>
+  </p:transition>
+</p:sld>
+</file>
+
+<file path=ppt/slides/slide42.xml><?xml version="1.0" encoding="utf-8"?>
+<p:sld xmlns:a="http://schemas.openxmlformats.org/drawingml/2006/main" xmlns:r="http://schemas.openxmlformats.org/officeDocument/2006/relationships" xmlns:p="http://schemas.openxmlformats.org/presentationml/2006/main">
+  <p:cSld>
+    <p:spTree>
+      <p:nvGrpSpPr>
+        <p:cNvPr id="1" name=""/>
+        <p:cNvGrpSpPr/>
+        <p:nvPr/>
+      </p:nvGrpSpPr>
+      <p:grpSpPr>
+        <a:xfrm>
+          <a:off x="0" y="0"/>
+          <a:ext cx="0" cy="0"/>
+          <a:chOff x="0" y="0"/>
+          <a:chExt cx="0" cy="0"/>
+        </a:xfrm>
+      </p:grpSpPr>
+      <p:sp>
+        <p:nvSpPr>
+          <p:cNvPr id="14" name="내용 개체 틀 1"/>
+          <p:cNvSpPr>
+            <a:spLocks noGrp="1"/>
+          </p:cNvSpPr>
+          <p:nvPr>
+            <p:ph/>
+          </p:nvPr>
+        </p:nvSpPr>
+        <p:spPr bwMode="auto">
+          <a:xfrm>
+            <a:off x="179387" y="981075"/>
+            <a:ext cx="8785225" cy="431800"/>
+          </a:xfrm>
+          <a:noFill/>
+          <a:ln>
+            <a:miter lim="800000"/>
+            <a:headEnd/>
+            <a:tailEnd/>
+          </a:ln>
+        </p:spPr>
+        <p:txBody>
+          <a:bodyPr vert="horz" wrap="square" lIns="91440" tIns="45720" rIns="91440" bIns="45720" numCol="1" anchor="t" anchorCtr="0" compatLnSpc="1">
+            <a:prstTxWarp prst="textNoShape">
+              <a:avLst/>
+            </a:prstTxWarp>
+          </a:bodyPr>
+          <a:lstStyle/>
+          <a:p>
+            <a:r>
+              <a:rPr lang="ko-KR" altLang="en-US" dirty="0">
+                <a:latin typeface="HY헤드라인M" pitchFamily="18" charset="-127"/>
+                <a:ea typeface="HY헤드라인M" pitchFamily="18" charset="-127"/>
+              </a:rPr>
+              <a:t>추가 평가</a:t>
+            </a:r>
+          </a:p>
+        </p:txBody>
+      </p:sp>
+      <p:sp>
+        <p:nvSpPr>
+          <p:cNvPr id="9" name="TextBox 8"/>
+          <p:cNvSpPr txBox="1"/>
+          <p:nvPr/>
+        </p:nvSpPr>
+        <p:spPr>
+          <a:xfrm>
+            <a:off x="514350" y="1422600"/>
+            <a:ext cx="8280724" cy="482120"/>
+          </a:xfrm>
+          <a:prstGeom prst="rect">
+            <a:avLst/>
+          </a:prstGeom>
+          <a:noFill/>
+        </p:spPr>
+        <p:txBody>
+          <a:bodyPr wrap="square" rtlCol="0">
+            <a:spAutoFit/>
+          </a:bodyPr>
+          <a:lstStyle/>
+          <a:p>
+            <a:pPr marL="285750" indent="-285750" algn="just">
+              <a:lnSpc>
+                <a:spcPct val="150000"/>
+              </a:lnSpc>
+              <a:buClr>
+                <a:srgbClr val="C00000"/>
+              </a:buClr>
+              <a:buFont typeface="Wingdings" panose="05000000000000000000" pitchFamily="2" charset="2"/>
+              <a:buChar char="l"/>
+            </a:pPr>
+            <a:r>
+              <a:rPr lang="en-US" altLang="ko-KR" sz="2000" dirty="0">
+                <a:latin typeface="HY헤드라인M" panose="02030600000101010101" pitchFamily="18" charset="-127"/>
+                <a:ea typeface="HY헤드라인M" panose="02030600000101010101" pitchFamily="18" charset="-127"/>
+              </a:rPr>
+              <a:t>No-Pipeline</a:t>
+            </a:r>
+            <a:r>
+              <a:rPr lang="ko-KR" altLang="en-US" sz="2000" dirty="0">
+                <a:latin typeface="HY헤드라인M" panose="02030600000101010101" pitchFamily="18" charset="-127"/>
+                <a:ea typeface="HY헤드라인M" panose="02030600000101010101" pitchFamily="18" charset="-127"/>
+              </a:rPr>
+              <a:t> 결과 평가 </a:t>
+            </a:r>
+            <a:endParaRPr lang="en-US" altLang="ko-KR" sz="1600" dirty="0">
+              <a:latin typeface="HY헤드라인M" panose="02030600000101010101" pitchFamily="18" charset="-127"/>
+              <a:ea typeface="HY헤드라인M" panose="02030600000101010101" pitchFamily="18" charset="-127"/>
+            </a:endParaRPr>
+          </a:p>
+        </p:txBody>
+      </p:sp>
+      <p:sp>
+        <p:nvSpPr>
+          <p:cNvPr id="2" name="Rectangle 203">
+            <a:extLst>
+              <a:ext uri="{FF2B5EF4-FFF2-40B4-BE49-F238E27FC236}">
+                <a16:creationId xmlns:a16="http://schemas.microsoft.com/office/drawing/2014/main" id="{F3781700-51B4-0BC0-C3F4-E02EE8ECB30D}"/>
+              </a:ext>
+            </a:extLst>
+          </p:cNvPr>
+          <p:cNvSpPr>
+            <a:spLocks noChangeArrowheads="1"/>
+          </p:cNvSpPr>
+          <p:nvPr/>
+        </p:nvSpPr>
+        <p:spPr bwMode="auto">
+          <a:xfrm>
+            <a:off x="2051843" y="142852"/>
+            <a:ext cx="5040313" cy="457200"/>
+          </a:xfrm>
+          <a:prstGeom prst="rect">
+            <a:avLst/>
+          </a:prstGeom>
+          <a:noFill/>
+          <a:ln w="9525">
+            <a:noFill/>
+            <a:miter lim="800000"/>
+            <a:headEnd/>
+            <a:tailEnd/>
+          </a:ln>
+        </p:spPr>
+        <p:txBody>
+          <a:bodyPr>
+            <a:spAutoFit/>
+          </a:bodyPr>
+          <a:lstStyle/>
+          <a:p>
+            <a:pPr algn="ctr"/>
+            <a:r>
+              <a:rPr lang="ko-KR" altLang="en-US" sz="2400" b="1" dirty="0">
+                <a:solidFill>
+                  <a:schemeClr val="bg1"/>
+                </a:solidFill>
+                <a:latin typeface="HY헤드라인M" pitchFamily="18" charset="-127"/>
+                <a:ea typeface="HY헤드라인M" pitchFamily="18" charset="-127"/>
+              </a:rPr>
+              <a:t>결과 및 결론</a:t>
+            </a:r>
+          </a:p>
+        </p:txBody>
+      </p:sp>
+      <p:pic>
+        <p:nvPicPr>
+          <p:cNvPr id="4" name="그림 3">
+            <a:extLst>
+              <a:ext uri="{FF2B5EF4-FFF2-40B4-BE49-F238E27FC236}">
+                <a16:creationId xmlns:a16="http://schemas.microsoft.com/office/drawing/2014/main" id="{62040D5C-8900-9ADC-FAAF-2365E360E108}"/>
+              </a:ext>
+            </a:extLst>
+          </p:cNvPr>
+          <p:cNvPicPr>
+            <a:picLocks noChangeAspect="1"/>
+          </p:cNvPicPr>
+          <p:nvPr/>
+        </p:nvPicPr>
+        <p:blipFill>
+          <a:blip r:embed="rId3"/>
+          <a:stretch>
+            <a:fillRect/>
+          </a:stretch>
+        </p:blipFill>
+        <p:spPr>
+          <a:xfrm>
+            <a:off x="933934" y="4399437"/>
+            <a:ext cx="5029113" cy="2040208"/>
+          </a:xfrm>
+          <a:prstGeom prst="rect">
+            <a:avLst/>
+          </a:prstGeom>
+        </p:spPr>
+      </p:pic>
+      <p:pic>
+        <p:nvPicPr>
+          <p:cNvPr id="6" name="그림 5">
+            <a:extLst>
+              <a:ext uri="{FF2B5EF4-FFF2-40B4-BE49-F238E27FC236}">
+                <a16:creationId xmlns:a16="http://schemas.microsoft.com/office/drawing/2014/main" id="{824F889B-A005-897D-7A5B-52D56A1C168E}"/>
+              </a:ext>
+            </a:extLst>
+          </p:cNvPr>
+          <p:cNvPicPr>
+            <a:picLocks noChangeAspect="1"/>
+          </p:cNvPicPr>
+          <p:nvPr/>
+        </p:nvPicPr>
+        <p:blipFill>
+          <a:blip r:embed="rId4"/>
+          <a:stretch>
+            <a:fillRect/>
+          </a:stretch>
+        </p:blipFill>
+        <p:spPr>
+          <a:xfrm>
+            <a:off x="1331640" y="2060848"/>
+            <a:ext cx="4631407" cy="2133570"/>
+          </a:xfrm>
+          <a:prstGeom prst="rect">
+            <a:avLst/>
+          </a:prstGeom>
+        </p:spPr>
+      </p:pic>
+      <p:sp>
+        <p:nvSpPr>
+          <p:cNvPr id="10" name="직사각형 9">
+            <a:extLst>
+              <a:ext uri="{FF2B5EF4-FFF2-40B4-BE49-F238E27FC236}">
+                <a16:creationId xmlns:a16="http://schemas.microsoft.com/office/drawing/2014/main" id="{29BADF8C-706E-958A-D048-890FA72C308D}"/>
+              </a:ext>
+            </a:extLst>
+          </p:cNvPr>
+          <p:cNvSpPr/>
+          <p:nvPr/>
+        </p:nvSpPr>
+        <p:spPr>
+          <a:xfrm>
+            <a:off x="4427984" y="2590014"/>
+            <a:ext cx="1535063" cy="3888431"/>
+          </a:xfrm>
+          <a:prstGeom prst="rect">
+            <a:avLst/>
+          </a:prstGeom>
+          <a:noFill/>
+          <a:ln>
+            <a:solidFill>
+              <a:srgbClr val="FF0000"/>
+            </a:solidFill>
+          </a:ln>
+        </p:spPr>
+        <p:style>
+          <a:lnRef idx="2">
+            <a:schemeClr val="accent1">
+              <a:shade val="50000"/>
+            </a:schemeClr>
+          </a:lnRef>
+          <a:fillRef idx="1">
+            <a:schemeClr val="accent1"/>
+          </a:fillRef>
+          <a:effectRef idx="0">
+            <a:schemeClr val="accent1"/>
+          </a:effectRef>
+          <a:fontRef idx="minor">
+            <a:schemeClr val="lt1"/>
+          </a:fontRef>
+        </p:style>
+        <p:txBody>
+          <a:bodyPr rtlCol="0" anchor="ctr"/>
+          <a:lstStyle/>
+          <a:p>
+            <a:pPr algn="ctr"/>
+            <a:endParaRPr lang="ko-KR" altLang="en-US"/>
+          </a:p>
+        </p:txBody>
+      </p:sp>
+      <p:sp>
+        <p:nvSpPr>
+          <p:cNvPr id="11" name="TextBox 10">
+            <a:extLst>
+              <a:ext uri="{FF2B5EF4-FFF2-40B4-BE49-F238E27FC236}">
+                <a16:creationId xmlns:a16="http://schemas.microsoft.com/office/drawing/2014/main" id="{B123BE90-486F-07DA-0848-4CA0067CAC06}"/>
+              </a:ext>
+            </a:extLst>
+          </p:cNvPr>
+          <p:cNvSpPr txBox="1"/>
+          <p:nvPr/>
+        </p:nvSpPr>
+        <p:spPr>
+          <a:xfrm>
+            <a:off x="1259755" y="2590014"/>
+            <a:ext cx="2258146" cy="323165"/>
+          </a:xfrm>
+          <a:prstGeom prst="rect">
+            <a:avLst/>
+          </a:prstGeom>
+          <a:noFill/>
+        </p:spPr>
+        <p:txBody>
+          <a:bodyPr wrap="square" rtlCol="0">
+            <a:spAutoFit/>
+          </a:bodyPr>
+          <a:lstStyle/>
+          <a:p>
+            <a:r>
+              <a:rPr lang="en-US" altLang="ko-KR" sz="1500" b="1" dirty="0">
+                <a:solidFill>
+                  <a:srgbClr val="FF0000"/>
+                </a:solidFill>
+              </a:rPr>
+              <a:t>Pipeline </a:t>
+            </a:r>
+            <a:r>
+              <a:rPr lang="ko-KR" altLang="en-US" sz="1500" b="1" dirty="0">
+                <a:solidFill>
+                  <a:srgbClr val="FF0000"/>
+                </a:solidFill>
+              </a:rPr>
+              <a:t>적용 모델</a:t>
+            </a:r>
+          </a:p>
+        </p:txBody>
+      </p:sp>
+      <p:sp>
+        <p:nvSpPr>
+          <p:cNvPr id="12" name="TextBox 11">
+            <a:extLst>
+              <a:ext uri="{FF2B5EF4-FFF2-40B4-BE49-F238E27FC236}">
+                <a16:creationId xmlns:a16="http://schemas.microsoft.com/office/drawing/2014/main" id="{BDB0AFC1-0A3D-DD84-ADB6-B3A097A2C97A}"/>
+              </a:ext>
+            </a:extLst>
+          </p:cNvPr>
+          <p:cNvSpPr txBox="1"/>
+          <p:nvPr/>
+        </p:nvSpPr>
+        <p:spPr>
+          <a:xfrm>
+            <a:off x="1115616" y="4908224"/>
+            <a:ext cx="2258146" cy="323165"/>
+          </a:xfrm>
+          <a:prstGeom prst="rect">
+            <a:avLst/>
+          </a:prstGeom>
+          <a:noFill/>
+        </p:spPr>
+        <p:txBody>
+          <a:bodyPr wrap="square" rtlCol="0">
+            <a:spAutoFit/>
+          </a:bodyPr>
+          <a:lstStyle/>
+          <a:p>
+            <a:r>
+              <a:rPr lang="en-US" altLang="ko-KR" sz="1500" b="1" dirty="0">
+                <a:solidFill>
+                  <a:srgbClr val="FF0000"/>
+                </a:solidFill>
+              </a:rPr>
+              <a:t>Pipeline </a:t>
+            </a:r>
+            <a:r>
+              <a:rPr lang="ko-KR" altLang="en-US" sz="1500" b="1" dirty="0">
+                <a:solidFill>
+                  <a:srgbClr val="FF0000"/>
+                </a:solidFill>
+              </a:rPr>
+              <a:t>비적용 모델</a:t>
+            </a:r>
+          </a:p>
+        </p:txBody>
+      </p:sp>
+      <p:sp>
+        <p:nvSpPr>
+          <p:cNvPr id="13" name="TextBox 12">
+            <a:extLst>
+              <a:ext uri="{FF2B5EF4-FFF2-40B4-BE49-F238E27FC236}">
+                <a16:creationId xmlns:a16="http://schemas.microsoft.com/office/drawing/2014/main" id="{899A31E4-451F-8C5B-E552-9A36F950F520}"/>
+              </a:ext>
+            </a:extLst>
+          </p:cNvPr>
+          <p:cNvSpPr txBox="1"/>
+          <p:nvPr/>
+        </p:nvSpPr>
+        <p:spPr>
+          <a:xfrm>
+            <a:off x="5995548" y="3771728"/>
+            <a:ext cx="2969063" cy="1169551"/>
+          </a:xfrm>
+          <a:prstGeom prst="rect">
+            <a:avLst/>
+          </a:prstGeom>
+          <a:noFill/>
+        </p:spPr>
+        <p:txBody>
+          <a:bodyPr wrap="square" rtlCol="0">
+            <a:spAutoFit/>
+          </a:bodyPr>
+          <a:lstStyle/>
+          <a:p>
+            <a:r>
+              <a:rPr lang="ko-KR" altLang="en-US" sz="1400" b="1" dirty="0"/>
+              <a:t>랜덤 포레스트</a:t>
+            </a:r>
+            <a:r>
+              <a:rPr lang="en-US" altLang="ko-KR" sz="1400" b="1" dirty="0"/>
+              <a:t>/AdaBoost </a:t>
+            </a:r>
+            <a:r>
+              <a:rPr lang="ko-KR" altLang="en-US" sz="1400" b="1" dirty="0"/>
+              <a:t>모델에서</a:t>
+            </a:r>
+            <a:r>
+              <a:rPr lang="en-US" altLang="ko-KR" sz="1400" b="1" dirty="0"/>
+              <a:t>, </a:t>
+            </a:r>
+            <a:r>
+              <a:rPr lang="ko-KR" altLang="en-US" sz="1400" b="1" dirty="0"/>
+              <a:t>파이프라인 적용 시 정확도와 조화평균이 좋아짐을 확인</a:t>
+            </a:r>
+            <a:endParaRPr lang="en-US" altLang="ko-KR" sz="1400" b="1" dirty="0"/>
+          </a:p>
+          <a:p>
+            <a:r>
+              <a:rPr lang="en-US" altLang="ko-KR" sz="1400" b="1" dirty="0"/>
+              <a:t>(But, </a:t>
+            </a:r>
+            <a:r>
+              <a:rPr lang="ko-KR" altLang="en-US" sz="1400" b="1" dirty="0"/>
+              <a:t>로지스틱 회귀와 </a:t>
+            </a:r>
+            <a:r>
+              <a:rPr lang="ko-KR" altLang="en-US" sz="1400" b="1" dirty="0" err="1"/>
+              <a:t>결정트리에서는</a:t>
+            </a:r>
+            <a:r>
+              <a:rPr lang="ko-KR" altLang="en-US" sz="1400" b="1" dirty="0"/>
+              <a:t> 반대의 결과가 보임</a:t>
+            </a:r>
+            <a:r>
+              <a:rPr lang="en-US" altLang="ko-KR" sz="1400" b="1" dirty="0"/>
+              <a:t>)</a:t>
+            </a:r>
+            <a:endParaRPr lang="ko-KR" altLang="en-US" sz="1400" b="1" dirty="0"/>
+          </a:p>
+        </p:txBody>
+      </p:sp>
+    </p:spTree>
+    <p:extLst>
+      <p:ext uri="{BB962C8B-B14F-4D97-AF65-F5344CB8AC3E}">
+        <p14:creationId xmlns:p14="http://schemas.microsoft.com/office/powerpoint/2010/main" val="3706602164"/>
+      </p:ext>
+    </p:extLst>
+  </p:cSld>
+  <p:clrMapOvr>
+    <a:masterClrMapping/>
+  </p:clrMapOvr>
+  <p:transition>
+    <p:fade/>
+  </p:transition>
+</p:sld>
+</file>
+
+<file path=ppt/slides/slide43.xml><?xml version="1.0" encoding="utf-8"?>
+<p:sld xmlns:a="http://schemas.openxmlformats.org/drawingml/2006/main" xmlns:r="http://schemas.openxmlformats.org/officeDocument/2006/relationships" xmlns:p="http://schemas.openxmlformats.org/presentationml/2006/main">
+  <p:cSld>
+    <p:spTree>
+      <p:nvGrpSpPr>
+        <p:cNvPr id="1" name=""/>
+        <p:cNvGrpSpPr/>
+        <p:nvPr/>
+      </p:nvGrpSpPr>
+      <p:grpSpPr>
+        <a:xfrm>
+          <a:off x="0" y="0"/>
+          <a:ext cx="0" cy="0"/>
+          <a:chOff x="0" y="0"/>
+          <a:chExt cx="0" cy="0"/>
+        </a:xfrm>
+      </p:grpSpPr>
+      <p:sp>
+        <p:nvSpPr>
+          <p:cNvPr id="14" name="내용 개체 틀 1"/>
+          <p:cNvSpPr>
+            <a:spLocks noGrp="1"/>
+          </p:cNvSpPr>
+          <p:nvPr>
+            <p:ph/>
+          </p:nvPr>
+        </p:nvSpPr>
+        <p:spPr bwMode="auto">
+          <a:xfrm>
+            <a:off x="179387" y="981075"/>
+            <a:ext cx="8785225" cy="431800"/>
+          </a:xfrm>
+          <a:noFill/>
+          <a:ln>
+            <a:miter lim="800000"/>
+            <a:headEnd/>
+            <a:tailEnd/>
+          </a:ln>
+        </p:spPr>
+        <p:txBody>
+          <a:bodyPr vert="horz" wrap="square" lIns="91440" tIns="45720" rIns="91440" bIns="45720" numCol="1" anchor="t" anchorCtr="0" compatLnSpc="1">
+            <a:prstTxWarp prst="textNoShape">
+              <a:avLst/>
+            </a:prstTxWarp>
+          </a:bodyPr>
+          <a:lstStyle/>
+          <a:p>
+            <a:r>
+              <a:rPr lang="ko-KR" altLang="en-US" dirty="0">
+                <a:latin typeface="HY헤드라인M" pitchFamily="18" charset="-127"/>
+                <a:ea typeface="HY헤드라인M" pitchFamily="18" charset="-127"/>
+              </a:rPr>
+              <a:t>추가 평가</a:t>
+            </a:r>
+          </a:p>
+        </p:txBody>
+      </p:sp>
+      <p:sp>
+        <p:nvSpPr>
+          <p:cNvPr id="9" name="TextBox 8"/>
+          <p:cNvSpPr txBox="1"/>
+          <p:nvPr/>
+        </p:nvSpPr>
+        <p:spPr>
+          <a:xfrm>
+            <a:off x="514350" y="1422600"/>
+            <a:ext cx="8280724" cy="482120"/>
+          </a:xfrm>
+          <a:prstGeom prst="rect">
+            <a:avLst/>
+          </a:prstGeom>
+          <a:noFill/>
+        </p:spPr>
+        <p:txBody>
+          <a:bodyPr wrap="square" rtlCol="0">
+            <a:spAutoFit/>
+          </a:bodyPr>
+          <a:lstStyle/>
+          <a:p>
+            <a:pPr marL="285750" indent="-285750" algn="just">
+              <a:lnSpc>
+                <a:spcPct val="150000"/>
+              </a:lnSpc>
+              <a:buClr>
+                <a:srgbClr val="C00000"/>
+              </a:buClr>
+              <a:buFont typeface="Wingdings" panose="05000000000000000000" pitchFamily="2" charset="2"/>
+              <a:buChar char="l"/>
+            </a:pPr>
+            <a:r>
+              <a:rPr lang="ko-KR" altLang="en-US" sz="2000" dirty="0">
+                <a:latin typeface="HY헤드라인M" panose="02030600000101010101" pitchFamily="18" charset="-127"/>
+                <a:ea typeface="HY헤드라인M" panose="02030600000101010101" pitchFamily="18" charset="-127"/>
+              </a:rPr>
+              <a:t>특성 중요도</a:t>
+            </a:r>
+            <a:endParaRPr lang="en-US" altLang="ko-KR" sz="1600" dirty="0">
+              <a:latin typeface="HY헤드라인M" panose="02030600000101010101" pitchFamily="18" charset="-127"/>
+              <a:ea typeface="HY헤드라인M" panose="02030600000101010101" pitchFamily="18" charset="-127"/>
+            </a:endParaRPr>
+          </a:p>
+        </p:txBody>
+      </p:sp>
+      <p:sp>
+        <p:nvSpPr>
+          <p:cNvPr id="2" name="Rectangle 203">
+            <a:extLst>
+              <a:ext uri="{FF2B5EF4-FFF2-40B4-BE49-F238E27FC236}">
+                <a16:creationId xmlns:a16="http://schemas.microsoft.com/office/drawing/2014/main" id="{F3781700-51B4-0BC0-C3F4-E02EE8ECB30D}"/>
+              </a:ext>
+            </a:extLst>
+          </p:cNvPr>
+          <p:cNvSpPr>
+            <a:spLocks noChangeArrowheads="1"/>
+          </p:cNvSpPr>
+          <p:nvPr/>
+        </p:nvSpPr>
+        <p:spPr bwMode="auto">
+          <a:xfrm>
+            <a:off x="2051843" y="142852"/>
+            <a:ext cx="5040313" cy="457200"/>
+          </a:xfrm>
+          <a:prstGeom prst="rect">
+            <a:avLst/>
+          </a:prstGeom>
+          <a:noFill/>
+          <a:ln w="9525">
+            <a:noFill/>
+            <a:miter lim="800000"/>
+            <a:headEnd/>
+            <a:tailEnd/>
+          </a:ln>
+        </p:spPr>
+        <p:txBody>
+          <a:bodyPr>
+            <a:spAutoFit/>
+          </a:bodyPr>
+          <a:lstStyle/>
+          <a:p>
+            <a:pPr algn="ctr"/>
+            <a:r>
+              <a:rPr lang="ko-KR" altLang="en-US" sz="2400" b="1" dirty="0">
+                <a:solidFill>
+                  <a:schemeClr val="bg1"/>
+                </a:solidFill>
+                <a:latin typeface="HY헤드라인M" pitchFamily="18" charset="-127"/>
+                <a:ea typeface="HY헤드라인M" pitchFamily="18" charset="-127"/>
+              </a:rPr>
+              <a:t>결과 및 결론</a:t>
+            </a:r>
+          </a:p>
+        </p:txBody>
+      </p:sp>
+      <p:pic>
+        <p:nvPicPr>
+          <p:cNvPr id="5" name="그림 4">
+            <a:extLst>
+              <a:ext uri="{FF2B5EF4-FFF2-40B4-BE49-F238E27FC236}">
+                <a16:creationId xmlns:a16="http://schemas.microsoft.com/office/drawing/2014/main" id="{28C673C4-57A0-B6D1-9002-37BF8D938A5D}"/>
+              </a:ext>
+            </a:extLst>
+          </p:cNvPr>
+          <p:cNvPicPr>
+            <a:picLocks noChangeAspect="1"/>
+          </p:cNvPicPr>
+          <p:nvPr/>
+        </p:nvPicPr>
+        <p:blipFill>
+          <a:blip r:embed="rId3"/>
+          <a:stretch>
+            <a:fillRect/>
+          </a:stretch>
+        </p:blipFill>
+        <p:spPr>
+          <a:xfrm>
+            <a:off x="611560" y="1988840"/>
+            <a:ext cx="7704856" cy="4519997"/>
+          </a:xfrm>
+          <a:prstGeom prst="rect">
+            <a:avLst/>
+          </a:prstGeom>
+        </p:spPr>
+      </p:pic>
+      <p:sp>
+        <p:nvSpPr>
+          <p:cNvPr id="7" name="직사각형 6">
+            <a:extLst>
+              <a:ext uri="{FF2B5EF4-FFF2-40B4-BE49-F238E27FC236}">
+                <a16:creationId xmlns:a16="http://schemas.microsoft.com/office/drawing/2014/main" id="{38EA1F97-0D5A-59E3-C98E-42D5BE3398EF}"/>
+              </a:ext>
+            </a:extLst>
+          </p:cNvPr>
+          <p:cNvSpPr/>
+          <p:nvPr/>
+        </p:nvSpPr>
+        <p:spPr>
+          <a:xfrm>
+            <a:off x="1547664" y="2958058"/>
+            <a:ext cx="6480720" cy="254918"/>
+          </a:xfrm>
+          <a:prstGeom prst="rect">
+            <a:avLst/>
+          </a:prstGeom>
+          <a:noFill/>
+          <a:ln>
+            <a:solidFill>
+              <a:srgbClr val="FF0000"/>
+            </a:solidFill>
+          </a:ln>
+        </p:spPr>
+        <p:style>
+          <a:lnRef idx="2">
+            <a:schemeClr val="accent1">
+              <a:shade val="50000"/>
+            </a:schemeClr>
+          </a:lnRef>
+          <a:fillRef idx="1">
+            <a:schemeClr val="accent1"/>
+          </a:fillRef>
+          <a:effectRef idx="0">
+            <a:schemeClr val="accent1"/>
+          </a:effectRef>
+          <a:fontRef idx="minor">
+            <a:schemeClr val="lt1"/>
+          </a:fontRef>
+        </p:style>
+        <p:txBody>
+          <a:bodyPr rtlCol="0" anchor="ctr"/>
+          <a:lstStyle/>
+          <a:p>
+            <a:pPr algn="ctr"/>
+            <a:endParaRPr lang="ko-KR" altLang="en-US"/>
+          </a:p>
+        </p:txBody>
+      </p:sp>
+      <p:sp>
+        <p:nvSpPr>
+          <p:cNvPr id="8" name="TextBox 7">
+            <a:extLst>
+              <a:ext uri="{FF2B5EF4-FFF2-40B4-BE49-F238E27FC236}">
+                <a16:creationId xmlns:a16="http://schemas.microsoft.com/office/drawing/2014/main" id="{96B2DC67-9BA2-3E5E-0344-B7880AF91B84}"/>
+              </a:ext>
+            </a:extLst>
+          </p:cNvPr>
+          <p:cNvSpPr txBox="1"/>
+          <p:nvPr/>
+        </p:nvSpPr>
+        <p:spPr>
+          <a:xfrm>
+            <a:off x="5132376" y="3212976"/>
+            <a:ext cx="3168352" cy="323165"/>
+          </a:xfrm>
+          <a:prstGeom prst="rect">
+            <a:avLst/>
+          </a:prstGeom>
+          <a:noFill/>
+        </p:spPr>
+        <p:txBody>
+          <a:bodyPr wrap="square" rtlCol="0">
+            <a:spAutoFit/>
+          </a:bodyPr>
+          <a:lstStyle/>
+          <a:p>
+            <a:r>
+              <a:rPr lang="ko-KR" altLang="en-US" sz="1500" b="1" dirty="0">
+                <a:solidFill>
+                  <a:srgbClr val="FF0000"/>
+                </a:solidFill>
+              </a:rPr>
+              <a:t>가장 큰 영향을 </a:t>
+            </a:r>
+            <a:r>
+              <a:rPr lang="ko-KR" altLang="en-US" sz="1500" b="1">
+                <a:solidFill>
+                  <a:srgbClr val="FF0000"/>
+                </a:solidFill>
+              </a:rPr>
+              <a:t>주는 </a:t>
+            </a:r>
+            <a:r>
+              <a:rPr lang="en-US" altLang="ko-KR" sz="1500" b="1" dirty="0">
+                <a:solidFill>
+                  <a:srgbClr val="FF0000"/>
+                </a:solidFill>
+              </a:rPr>
+              <a:t>Feature </a:t>
+            </a:r>
+            <a:r>
+              <a:rPr lang="ko-KR" altLang="en-US" sz="1500" b="1" dirty="0">
+                <a:solidFill>
+                  <a:srgbClr val="FF0000"/>
+                </a:solidFill>
+              </a:rPr>
+              <a:t>확인</a:t>
+            </a:r>
+          </a:p>
+        </p:txBody>
+      </p:sp>
+    </p:spTree>
+    <p:extLst>
+      <p:ext uri="{BB962C8B-B14F-4D97-AF65-F5344CB8AC3E}">
+        <p14:creationId xmlns:p14="http://schemas.microsoft.com/office/powerpoint/2010/main" val="398210732"/>
+      </p:ext>
+    </p:extLst>
+  </p:cSld>
+  <p:clrMapOvr>
+    <a:masterClrMapping/>
+  </p:clrMapOvr>
+  <p:transition>
+    <p:fade/>
+  </p:transition>
+</p:sld>
+</file>
+
 <file path=ppt/slides/slide5.xml><?xml version="1.0" encoding="utf-8"?>
 <p:sld xmlns:a="http://schemas.openxmlformats.org/drawingml/2006/main" xmlns:r="http://schemas.openxmlformats.org/officeDocument/2006/relationships" xmlns:p="http://schemas.openxmlformats.org/presentationml/2006/main">
   <p:cSld>

--- a/2. 1학년2학기/1. 어프렌티스 프로젝트/11주차_기말프로젝트/11주차_과제_발표자료.pptx
+++ b/2. 1학년2학기/1. 어프렌티스 프로젝트/11주차_기말프로젝트/11주차_과제_발표자료.pptx
@@ -5,10 +5,10 @@
     <p:sldMasterId id="2147483648" r:id="rId1"/>
   </p:sldMasterIdLst>
   <p:notesMasterIdLst>
-    <p:notesMasterId r:id="rId45"/>
+    <p:notesMasterId r:id="rId48"/>
   </p:notesMasterIdLst>
   <p:handoutMasterIdLst>
-    <p:handoutMasterId r:id="rId46"/>
+    <p:handoutMasterId r:id="rId49"/>
   </p:handoutMasterIdLst>
   <p:sldIdLst>
     <p:sldId id="256" r:id="rId2"/>
@@ -28,32 +28,35 @@
     <p:sldId id="617" r:id="rId16"/>
     <p:sldId id="618" r:id="rId17"/>
     <p:sldId id="619" r:id="rId18"/>
-    <p:sldId id="620" r:id="rId19"/>
-    <p:sldId id="608" r:id="rId20"/>
-    <p:sldId id="621" r:id="rId21"/>
-    <p:sldId id="623" r:id="rId22"/>
-    <p:sldId id="609" r:id="rId23"/>
-    <p:sldId id="626" r:id="rId24"/>
-    <p:sldId id="624" r:id="rId25"/>
-    <p:sldId id="627" r:id="rId26"/>
-    <p:sldId id="628" r:id="rId27"/>
-    <p:sldId id="629" r:id="rId28"/>
-    <p:sldId id="633" r:id="rId29"/>
-    <p:sldId id="634" r:id="rId30"/>
-    <p:sldId id="630" r:id="rId31"/>
-    <p:sldId id="636" r:id="rId32"/>
-    <p:sldId id="637" r:id="rId33"/>
-    <p:sldId id="631" r:id="rId34"/>
-    <p:sldId id="639" r:id="rId35"/>
-    <p:sldId id="640" r:id="rId36"/>
-    <p:sldId id="632" r:id="rId37"/>
-    <p:sldId id="641" r:id="rId38"/>
-    <p:sldId id="643" r:id="rId39"/>
-    <p:sldId id="642" r:id="rId40"/>
-    <p:sldId id="644" r:id="rId41"/>
-    <p:sldId id="645" r:id="rId42"/>
-    <p:sldId id="646" r:id="rId43"/>
-    <p:sldId id="647" r:id="rId44"/>
+    <p:sldId id="648" r:id="rId19"/>
+    <p:sldId id="620" r:id="rId20"/>
+    <p:sldId id="608" r:id="rId21"/>
+    <p:sldId id="621" r:id="rId22"/>
+    <p:sldId id="623" r:id="rId23"/>
+    <p:sldId id="609" r:id="rId24"/>
+    <p:sldId id="626" r:id="rId25"/>
+    <p:sldId id="624" r:id="rId26"/>
+    <p:sldId id="627" r:id="rId27"/>
+    <p:sldId id="628" r:id="rId28"/>
+    <p:sldId id="629" r:id="rId29"/>
+    <p:sldId id="633" r:id="rId30"/>
+    <p:sldId id="634" r:id="rId31"/>
+    <p:sldId id="630" r:id="rId32"/>
+    <p:sldId id="636" r:id="rId33"/>
+    <p:sldId id="637" r:id="rId34"/>
+    <p:sldId id="631" r:id="rId35"/>
+    <p:sldId id="639" r:id="rId36"/>
+    <p:sldId id="640" r:id="rId37"/>
+    <p:sldId id="632" r:id="rId38"/>
+    <p:sldId id="641" r:id="rId39"/>
+    <p:sldId id="643" r:id="rId40"/>
+    <p:sldId id="642" r:id="rId41"/>
+    <p:sldId id="644" r:id="rId42"/>
+    <p:sldId id="645" r:id="rId43"/>
+    <p:sldId id="646" r:id="rId44"/>
+    <p:sldId id="647" r:id="rId45"/>
+    <p:sldId id="649" r:id="rId46"/>
+    <p:sldId id="650" r:id="rId47"/>
   </p:sldIdLst>
   <p:sldSz cx="9144000" cy="6858000" type="screen4x3"/>
   <p:notesSz cx="6889750" cy="10021888"/>
@@ -1522,7 +1525,7 @@
     </p:spTree>
     <p:extLst>
       <p:ext uri="{BB962C8B-B14F-4D97-AF65-F5344CB8AC3E}">
-        <p14:creationId xmlns:p14="http://schemas.microsoft.com/office/powerpoint/2010/main" val="117865764"/>
+        <p14:creationId xmlns:p14="http://schemas.microsoft.com/office/powerpoint/2010/main" val="1658046892"/>
       </p:ext>
     </p:extLst>
   </p:cSld>
@@ -1603,7 +1606,7 @@
               <a:pPr>
                 <a:defRPr/>
               </a:pPr>
-              <a:t>20</a:t>
+              <a:t>19</a:t>
             </a:fld>
             <a:endParaRPr lang="en-US" altLang="ko-KR"/>
           </a:p>
@@ -1612,7 +1615,7 @@
     </p:spTree>
     <p:extLst>
       <p:ext uri="{BB962C8B-B14F-4D97-AF65-F5344CB8AC3E}">
-        <p14:creationId xmlns:p14="http://schemas.microsoft.com/office/powerpoint/2010/main" val="849096646"/>
+        <p14:creationId xmlns:p14="http://schemas.microsoft.com/office/powerpoint/2010/main" val="117865764"/>
       </p:ext>
     </p:extLst>
   </p:cSld>
@@ -1702,7 +1705,7 @@
     </p:spTree>
     <p:extLst>
       <p:ext uri="{BB962C8B-B14F-4D97-AF65-F5344CB8AC3E}">
-        <p14:creationId xmlns:p14="http://schemas.microsoft.com/office/powerpoint/2010/main" val="3046608464"/>
+        <p14:creationId xmlns:p14="http://schemas.microsoft.com/office/powerpoint/2010/main" val="849096646"/>
       </p:ext>
     </p:extLst>
   </p:cSld>
@@ -1783,7 +1786,7 @@
               <a:pPr>
                 <a:defRPr/>
               </a:pPr>
-              <a:t>23</a:t>
+              <a:t>22</a:t>
             </a:fld>
             <a:endParaRPr lang="en-US" altLang="ko-KR"/>
           </a:p>
@@ -1792,7 +1795,7 @@
     </p:spTree>
     <p:extLst>
       <p:ext uri="{BB962C8B-B14F-4D97-AF65-F5344CB8AC3E}">
-        <p14:creationId xmlns:p14="http://schemas.microsoft.com/office/powerpoint/2010/main" val="1734607335"/>
+        <p14:creationId xmlns:p14="http://schemas.microsoft.com/office/powerpoint/2010/main" val="3046608464"/>
       </p:ext>
     </p:extLst>
   </p:cSld>
@@ -1882,7 +1885,7 @@
     </p:spTree>
     <p:extLst>
       <p:ext uri="{BB962C8B-B14F-4D97-AF65-F5344CB8AC3E}">
-        <p14:creationId xmlns:p14="http://schemas.microsoft.com/office/powerpoint/2010/main" val="2713767115"/>
+        <p14:creationId xmlns:p14="http://schemas.microsoft.com/office/powerpoint/2010/main" val="1734607335"/>
       </p:ext>
     </p:extLst>
   </p:cSld>
@@ -1972,7 +1975,7 @@
     </p:spTree>
     <p:extLst>
       <p:ext uri="{BB962C8B-B14F-4D97-AF65-F5344CB8AC3E}">
-        <p14:creationId xmlns:p14="http://schemas.microsoft.com/office/powerpoint/2010/main" val="818758591"/>
+        <p14:creationId xmlns:p14="http://schemas.microsoft.com/office/powerpoint/2010/main" val="2713767115"/>
       </p:ext>
     </p:extLst>
   </p:cSld>
@@ -2323,7 +2326,7 @@
               <a:pPr>
                 <a:defRPr/>
               </a:pPr>
-              <a:t>27</a:t>
+              <a:t>26</a:t>
             </a:fld>
             <a:endParaRPr lang="en-US" altLang="ko-KR"/>
           </a:p>
@@ -2332,7 +2335,7 @@
     </p:spTree>
     <p:extLst>
       <p:ext uri="{BB962C8B-B14F-4D97-AF65-F5344CB8AC3E}">
-        <p14:creationId xmlns:p14="http://schemas.microsoft.com/office/powerpoint/2010/main" val="3747650955"/>
+        <p14:creationId xmlns:p14="http://schemas.microsoft.com/office/powerpoint/2010/main" val="818758591"/>
       </p:ext>
     </p:extLst>
   </p:cSld>
@@ -2422,7 +2425,7 @@
     </p:spTree>
     <p:extLst>
       <p:ext uri="{BB962C8B-B14F-4D97-AF65-F5344CB8AC3E}">
-        <p14:creationId xmlns:p14="http://schemas.microsoft.com/office/powerpoint/2010/main" val="740068246"/>
+        <p14:creationId xmlns:p14="http://schemas.microsoft.com/office/powerpoint/2010/main" val="3747650955"/>
       </p:ext>
     </p:extLst>
   </p:cSld>
@@ -2512,7 +2515,7 @@
     </p:spTree>
     <p:extLst>
       <p:ext uri="{BB962C8B-B14F-4D97-AF65-F5344CB8AC3E}">
-        <p14:creationId xmlns:p14="http://schemas.microsoft.com/office/powerpoint/2010/main" val="75004988"/>
+        <p14:creationId xmlns:p14="http://schemas.microsoft.com/office/powerpoint/2010/main" val="740068246"/>
       </p:ext>
     </p:extLst>
   </p:cSld>
@@ -2593,7 +2596,7 @@
               <a:pPr>
                 <a:defRPr/>
               </a:pPr>
-              <a:t>31</a:t>
+              <a:t>30</a:t>
             </a:fld>
             <a:endParaRPr lang="en-US" altLang="ko-KR"/>
           </a:p>
@@ -2602,7 +2605,7 @@
     </p:spTree>
     <p:extLst>
       <p:ext uri="{BB962C8B-B14F-4D97-AF65-F5344CB8AC3E}">
-        <p14:creationId xmlns:p14="http://schemas.microsoft.com/office/powerpoint/2010/main" val="158283610"/>
+        <p14:creationId xmlns:p14="http://schemas.microsoft.com/office/powerpoint/2010/main" val="75004988"/>
       </p:ext>
     </p:extLst>
   </p:cSld>
@@ -2692,7 +2695,7 @@
     </p:spTree>
     <p:extLst>
       <p:ext uri="{BB962C8B-B14F-4D97-AF65-F5344CB8AC3E}">
-        <p14:creationId xmlns:p14="http://schemas.microsoft.com/office/powerpoint/2010/main" val="433053188"/>
+        <p14:creationId xmlns:p14="http://schemas.microsoft.com/office/powerpoint/2010/main" val="158283610"/>
       </p:ext>
     </p:extLst>
   </p:cSld>
@@ -2773,7 +2776,7 @@
               <a:pPr>
                 <a:defRPr/>
               </a:pPr>
-              <a:t>34</a:t>
+              <a:t>33</a:t>
             </a:fld>
             <a:endParaRPr lang="en-US" altLang="ko-KR"/>
           </a:p>
@@ -2782,7 +2785,7 @@
     </p:spTree>
     <p:extLst>
       <p:ext uri="{BB962C8B-B14F-4D97-AF65-F5344CB8AC3E}">
-        <p14:creationId xmlns:p14="http://schemas.microsoft.com/office/powerpoint/2010/main" val="2120217767"/>
+        <p14:creationId xmlns:p14="http://schemas.microsoft.com/office/powerpoint/2010/main" val="433053188"/>
       </p:ext>
     </p:extLst>
   </p:cSld>
@@ -2872,7 +2875,7 @@
     </p:spTree>
     <p:extLst>
       <p:ext uri="{BB962C8B-B14F-4D97-AF65-F5344CB8AC3E}">
-        <p14:creationId xmlns:p14="http://schemas.microsoft.com/office/powerpoint/2010/main" val="1510567606"/>
+        <p14:creationId xmlns:p14="http://schemas.microsoft.com/office/powerpoint/2010/main" val="2120217767"/>
       </p:ext>
     </p:extLst>
   </p:cSld>
@@ -2953,7 +2956,7 @@
               <a:pPr>
                 <a:defRPr/>
               </a:pPr>
-              <a:t>37</a:t>
+              <a:t>36</a:t>
             </a:fld>
             <a:endParaRPr lang="en-US" altLang="ko-KR"/>
           </a:p>
@@ -2962,7 +2965,7 @@
     </p:spTree>
     <p:extLst>
       <p:ext uri="{BB962C8B-B14F-4D97-AF65-F5344CB8AC3E}">
-        <p14:creationId xmlns:p14="http://schemas.microsoft.com/office/powerpoint/2010/main" val="291996920"/>
+        <p14:creationId xmlns:p14="http://schemas.microsoft.com/office/powerpoint/2010/main" val="1510567606"/>
       </p:ext>
     </p:extLst>
   </p:cSld>
@@ -3052,7 +3055,7 @@
     </p:spTree>
     <p:extLst>
       <p:ext uri="{BB962C8B-B14F-4D97-AF65-F5344CB8AC3E}">
-        <p14:creationId xmlns:p14="http://schemas.microsoft.com/office/powerpoint/2010/main" val="2885646054"/>
+        <p14:creationId xmlns:p14="http://schemas.microsoft.com/office/powerpoint/2010/main" val="291996920"/>
       </p:ext>
     </p:extLst>
   </p:cSld>
@@ -3142,7 +3145,7 @@
     </p:spTree>
     <p:extLst>
       <p:ext uri="{BB962C8B-B14F-4D97-AF65-F5344CB8AC3E}">
-        <p14:creationId xmlns:p14="http://schemas.microsoft.com/office/powerpoint/2010/main" val="664273741"/>
+        <p14:creationId xmlns:p14="http://schemas.microsoft.com/office/powerpoint/2010/main" val="2885646054"/>
       </p:ext>
     </p:extLst>
   </p:cSld>
@@ -3322,7 +3325,7 @@
     </p:spTree>
     <p:extLst>
       <p:ext uri="{BB962C8B-B14F-4D97-AF65-F5344CB8AC3E}">
-        <p14:creationId xmlns:p14="http://schemas.microsoft.com/office/powerpoint/2010/main" val="3274374427"/>
+        <p14:creationId xmlns:p14="http://schemas.microsoft.com/office/powerpoint/2010/main" val="664273741"/>
       </p:ext>
     </p:extLst>
   </p:cSld>
@@ -3412,7 +3415,7 @@
     </p:spTree>
     <p:extLst>
       <p:ext uri="{BB962C8B-B14F-4D97-AF65-F5344CB8AC3E}">
-        <p14:creationId xmlns:p14="http://schemas.microsoft.com/office/powerpoint/2010/main" val="1033122903"/>
+        <p14:creationId xmlns:p14="http://schemas.microsoft.com/office/powerpoint/2010/main" val="3274374427"/>
       </p:ext>
     </p:extLst>
   </p:cSld>
@@ -3502,7 +3505,7 @@
     </p:spTree>
     <p:extLst>
       <p:ext uri="{BB962C8B-B14F-4D97-AF65-F5344CB8AC3E}">
-        <p14:creationId xmlns:p14="http://schemas.microsoft.com/office/powerpoint/2010/main" val="3949540091"/>
+        <p14:creationId xmlns:p14="http://schemas.microsoft.com/office/powerpoint/2010/main" val="1033122903"/>
       </p:ext>
     </p:extLst>
   </p:cSld>
@@ -3592,7 +3595,277 @@
     </p:spTree>
     <p:extLst>
       <p:ext uri="{BB962C8B-B14F-4D97-AF65-F5344CB8AC3E}">
+        <p14:creationId xmlns:p14="http://schemas.microsoft.com/office/powerpoint/2010/main" val="3949540091"/>
+      </p:ext>
+    </p:extLst>
+  </p:cSld>
+  <p:clrMapOvr>
+    <a:masterClrMapping/>
+  </p:clrMapOvr>
+</p:notes>
+</file>
+
+<file path=ppt/notesSlides/notesSlide34.xml><?xml version="1.0" encoding="utf-8"?>
+<p:notes xmlns:a="http://schemas.openxmlformats.org/drawingml/2006/main" xmlns:r="http://schemas.openxmlformats.org/officeDocument/2006/relationships" xmlns:p="http://schemas.openxmlformats.org/presentationml/2006/main">
+  <p:cSld>
+    <p:spTree>
+      <p:nvGrpSpPr>
+        <p:cNvPr id="1" name=""/>
+        <p:cNvGrpSpPr/>
+        <p:nvPr/>
+      </p:nvGrpSpPr>
+      <p:grpSpPr>
+        <a:xfrm>
+          <a:off x="0" y="0"/>
+          <a:ext cx="0" cy="0"/>
+          <a:chOff x="0" y="0"/>
+          <a:chExt cx="0" cy="0"/>
+        </a:xfrm>
+      </p:grpSpPr>
+      <p:sp>
+        <p:nvSpPr>
+          <p:cNvPr id="2" name="슬라이드 이미지 개체 틀 1"/>
+          <p:cNvSpPr>
+            <a:spLocks noGrp="1" noRot="1" noChangeAspect="1"/>
+          </p:cNvSpPr>
+          <p:nvPr>
+            <p:ph type="sldImg"/>
+          </p:nvPr>
+        </p:nvSpPr>
+        <p:spPr/>
+      </p:sp>
+      <p:sp>
+        <p:nvSpPr>
+          <p:cNvPr id="3" name="슬라이드 노트 개체 틀 2"/>
+          <p:cNvSpPr>
+            <a:spLocks noGrp="1"/>
+          </p:cNvSpPr>
+          <p:nvPr>
+            <p:ph type="body" idx="1"/>
+          </p:nvPr>
+        </p:nvSpPr>
+        <p:spPr/>
+        <p:txBody>
+          <a:bodyPr/>
+          <a:lstStyle/>
+          <a:p>
+            <a:endParaRPr lang="en-US" altLang="ko-KR" dirty="0"/>
+          </a:p>
+        </p:txBody>
+      </p:sp>
+      <p:sp>
+        <p:nvSpPr>
+          <p:cNvPr id="4" name="슬라이드 번호 개체 틀 3"/>
+          <p:cNvSpPr>
+            <a:spLocks noGrp="1"/>
+          </p:cNvSpPr>
+          <p:nvPr>
+            <p:ph type="sldNum" sz="quarter" idx="5"/>
+          </p:nvPr>
+        </p:nvSpPr>
+        <p:spPr/>
+        <p:txBody>
+          <a:bodyPr/>
+          <a:lstStyle/>
+          <a:p>
+            <a:pPr>
+              <a:defRPr/>
+            </a:pPr>
+            <a:fld id="{A10404A0-7E6D-450D-97DD-AFCF6972070C}" type="slidenum">
+              <a:rPr lang="en-US" altLang="ko-KR" smtClean="0"/>
+              <a:pPr>
+                <a:defRPr/>
+              </a:pPr>
+              <a:t>44</a:t>
+            </a:fld>
+            <a:endParaRPr lang="en-US" altLang="ko-KR"/>
+          </a:p>
+        </p:txBody>
+      </p:sp>
+    </p:spTree>
+    <p:extLst>
+      <p:ext uri="{BB962C8B-B14F-4D97-AF65-F5344CB8AC3E}">
         <p14:creationId xmlns:p14="http://schemas.microsoft.com/office/powerpoint/2010/main" val="2494829876"/>
+      </p:ext>
+    </p:extLst>
+  </p:cSld>
+  <p:clrMapOvr>
+    <a:masterClrMapping/>
+  </p:clrMapOvr>
+</p:notes>
+</file>
+
+<file path=ppt/notesSlides/notesSlide35.xml><?xml version="1.0" encoding="utf-8"?>
+<p:notes xmlns:a="http://schemas.openxmlformats.org/drawingml/2006/main" xmlns:r="http://schemas.openxmlformats.org/officeDocument/2006/relationships" xmlns:p="http://schemas.openxmlformats.org/presentationml/2006/main">
+  <p:cSld>
+    <p:spTree>
+      <p:nvGrpSpPr>
+        <p:cNvPr id="1" name=""/>
+        <p:cNvGrpSpPr/>
+        <p:nvPr/>
+      </p:nvGrpSpPr>
+      <p:grpSpPr>
+        <a:xfrm>
+          <a:off x="0" y="0"/>
+          <a:ext cx="0" cy="0"/>
+          <a:chOff x="0" y="0"/>
+          <a:chExt cx="0" cy="0"/>
+        </a:xfrm>
+      </p:grpSpPr>
+      <p:sp>
+        <p:nvSpPr>
+          <p:cNvPr id="2" name="슬라이드 이미지 개체 틀 1"/>
+          <p:cNvSpPr>
+            <a:spLocks noGrp="1" noRot="1" noChangeAspect="1"/>
+          </p:cNvSpPr>
+          <p:nvPr>
+            <p:ph type="sldImg"/>
+          </p:nvPr>
+        </p:nvSpPr>
+        <p:spPr/>
+      </p:sp>
+      <p:sp>
+        <p:nvSpPr>
+          <p:cNvPr id="3" name="슬라이드 노트 개체 틀 2"/>
+          <p:cNvSpPr>
+            <a:spLocks noGrp="1"/>
+          </p:cNvSpPr>
+          <p:nvPr>
+            <p:ph type="body" idx="1"/>
+          </p:nvPr>
+        </p:nvSpPr>
+        <p:spPr/>
+        <p:txBody>
+          <a:bodyPr/>
+          <a:lstStyle/>
+          <a:p>
+            <a:endParaRPr lang="en-US" altLang="ko-KR" dirty="0"/>
+          </a:p>
+        </p:txBody>
+      </p:sp>
+      <p:sp>
+        <p:nvSpPr>
+          <p:cNvPr id="4" name="슬라이드 번호 개체 틀 3"/>
+          <p:cNvSpPr>
+            <a:spLocks noGrp="1"/>
+          </p:cNvSpPr>
+          <p:nvPr>
+            <p:ph type="sldNum" sz="quarter" idx="5"/>
+          </p:nvPr>
+        </p:nvSpPr>
+        <p:spPr/>
+        <p:txBody>
+          <a:bodyPr/>
+          <a:lstStyle/>
+          <a:p>
+            <a:pPr>
+              <a:defRPr/>
+            </a:pPr>
+            <a:fld id="{A10404A0-7E6D-450D-97DD-AFCF6972070C}" type="slidenum">
+              <a:rPr lang="en-US" altLang="ko-KR" smtClean="0"/>
+              <a:pPr>
+                <a:defRPr/>
+              </a:pPr>
+              <a:t>45</a:t>
+            </a:fld>
+            <a:endParaRPr lang="en-US" altLang="ko-KR"/>
+          </a:p>
+        </p:txBody>
+      </p:sp>
+    </p:spTree>
+    <p:extLst>
+      <p:ext uri="{BB962C8B-B14F-4D97-AF65-F5344CB8AC3E}">
+        <p14:creationId xmlns:p14="http://schemas.microsoft.com/office/powerpoint/2010/main" val="3080379513"/>
+      </p:ext>
+    </p:extLst>
+  </p:cSld>
+  <p:clrMapOvr>
+    <a:masterClrMapping/>
+  </p:clrMapOvr>
+</p:notes>
+</file>
+
+<file path=ppt/notesSlides/notesSlide36.xml><?xml version="1.0" encoding="utf-8"?>
+<p:notes xmlns:a="http://schemas.openxmlformats.org/drawingml/2006/main" xmlns:r="http://schemas.openxmlformats.org/officeDocument/2006/relationships" xmlns:p="http://schemas.openxmlformats.org/presentationml/2006/main">
+  <p:cSld>
+    <p:spTree>
+      <p:nvGrpSpPr>
+        <p:cNvPr id="1" name=""/>
+        <p:cNvGrpSpPr/>
+        <p:nvPr/>
+      </p:nvGrpSpPr>
+      <p:grpSpPr>
+        <a:xfrm>
+          <a:off x="0" y="0"/>
+          <a:ext cx="0" cy="0"/>
+          <a:chOff x="0" y="0"/>
+          <a:chExt cx="0" cy="0"/>
+        </a:xfrm>
+      </p:grpSpPr>
+      <p:sp>
+        <p:nvSpPr>
+          <p:cNvPr id="2" name="슬라이드 이미지 개체 틀 1"/>
+          <p:cNvSpPr>
+            <a:spLocks noGrp="1" noRot="1" noChangeAspect="1"/>
+          </p:cNvSpPr>
+          <p:nvPr>
+            <p:ph type="sldImg"/>
+          </p:nvPr>
+        </p:nvSpPr>
+        <p:spPr/>
+      </p:sp>
+      <p:sp>
+        <p:nvSpPr>
+          <p:cNvPr id="3" name="슬라이드 노트 개체 틀 2"/>
+          <p:cNvSpPr>
+            <a:spLocks noGrp="1"/>
+          </p:cNvSpPr>
+          <p:nvPr>
+            <p:ph type="body" idx="1"/>
+          </p:nvPr>
+        </p:nvSpPr>
+        <p:spPr/>
+        <p:txBody>
+          <a:bodyPr/>
+          <a:lstStyle/>
+          <a:p>
+            <a:endParaRPr lang="en-US" altLang="ko-KR" dirty="0"/>
+          </a:p>
+        </p:txBody>
+      </p:sp>
+      <p:sp>
+        <p:nvSpPr>
+          <p:cNvPr id="4" name="슬라이드 번호 개체 틀 3"/>
+          <p:cNvSpPr>
+            <a:spLocks noGrp="1"/>
+          </p:cNvSpPr>
+          <p:nvPr>
+            <p:ph type="sldNum" sz="quarter" idx="5"/>
+          </p:nvPr>
+        </p:nvSpPr>
+        <p:spPr/>
+        <p:txBody>
+          <a:bodyPr/>
+          <a:lstStyle/>
+          <a:p>
+            <a:pPr>
+              <a:defRPr/>
+            </a:pPr>
+            <a:fld id="{A10404A0-7E6D-450D-97DD-AFCF6972070C}" type="slidenum">
+              <a:rPr lang="en-US" altLang="ko-KR" smtClean="0"/>
+              <a:pPr>
+                <a:defRPr/>
+              </a:pPr>
+              <a:t>46</a:t>
+            </a:fld>
+            <a:endParaRPr lang="en-US" altLang="ko-KR"/>
+          </a:p>
+        </p:txBody>
+      </p:sp>
+    </p:spTree>
+    <p:extLst>
+      <p:ext uri="{BB962C8B-B14F-4D97-AF65-F5344CB8AC3E}">
+        <p14:creationId xmlns:p14="http://schemas.microsoft.com/office/powerpoint/2010/main" val="3226365667"/>
       </p:ext>
     </p:extLst>
   </p:cSld>
@@ -9741,6 +10014,527 @@
           <a:lstStyle/>
           <a:p>
             <a:r>
+              <a:rPr lang="ko-KR" altLang="en-US" dirty="0" err="1">
+                <a:latin typeface="HY헤드라인M" pitchFamily="18" charset="-127"/>
+                <a:ea typeface="HY헤드라인M" pitchFamily="18" charset="-127"/>
+              </a:rPr>
+              <a:t>피쳐</a:t>
+            </a:r>
+            <a:r>
+              <a:rPr lang="ko-KR" altLang="en-US" dirty="0">
+                <a:latin typeface="HY헤드라인M" pitchFamily="18" charset="-127"/>
+                <a:ea typeface="HY헤드라인M" pitchFamily="18" charset="-127"/>
+              </a:rPr>
+              <a:t> 간 상관 관계 시각화</a:t>
+            </a:r>
+          </a:p>
+        </p:txBody>
+      </p:sp>
+      <p:sp>
+        <p:nvSpPr>
+          <p:cNvPr id="9" name="TextBox 8"/>
+          <p:cNvSpPr txBox="1"/>
+          <p:nvPr/>
+        </p:nvSpPr>
+        <p:spPr>
+          <a:xfrm>
+            <a:off x="514350" y="1422600"/>
+            <a:ext cx="8280724" cy="482120"/>
+          </a:xfrm>
+          <a:prstGeom prst="rect">
+            <a:avLst/>
+          </a:prstGeom>
+          <a:noFill/>
+        </p:spPr>
+        <p:txBody>
+          <a:bodyPr wrap="square" rtlCol="0">
+            <a:spAutoFit/>
+          </a:bodyPr>
+          <a:lstStyle/>
+          <a:p>
+            <a:pPr marL="285750" indent="-285750" algn="just">
+              <a:lnSpc>
+                <a:spcPct val="150000"/>
+              </a:lnSpc>
+              <a:buClr>
+                <a:srgbClr val="C00000"/>
+              </a:buClr>
+              <a:buFont typeface="Wingdings" panose="05000000000000000000" pitchFamily="2" charset="2"/>
+              <a:buChar char="l"/>
+            </a:pPr>
+            <a:r>
+              <a:rPr lang="en-US" altLang="ko-KR" sz="2000" dirty="0">
+                <a:latin typeface="HY헤드라인M" panose="02030600000101010101" pitchFamily="18" charset="-127"/>
+                <a:ea typeface="HY헤드라인M" panose="02030600000101010101" pitchFamily="18" charset="-127"/>
+              </a:rPr>
+              <a:t>MD_PV</a:t>
+            </a:r>
+            <a:r>
+              <a:rPr lang="ko-KR" altLang="en-US" sz="2000" dirty="0">
+                <a:latin typeface="HY헤드라인M" panose="02030600000101010101" pitchFamily="18" charset="-127"/>
+                <a:ea typeface="HY헤드라인M" panose="02030600000101010101" pitchFamily="18" charset="-127"/>
+              </a:rPr>
+              <a:t>와 불량 발생 간의 관계 시각화</a:t>
+            </a:r>
+            <a:endParaRPr lang="en-US" altLang="ko-KR" sz="2000" dirty="0">
+              <a:latin typeface="HY헤드라인M" panose="02030600000101010101" pitchFamily="18" charset="-127"/>
+              <a:ea typeface="HY헤드라인M" panose="02030600000101010101" pitchFamily="18" charset="-127"/>
+            </a:endParaRPr>
+          </a:p>
+        </p:txBody>
+      </p:sp>
+      <p:sp>
+        <p:nvSpPr>
+          <p:cNvPr id="2" name="Rectangle 203">
+            <a:extLst>
+              <a:ext uri="{FF2B5EF4-FFF2-40B4-BE49-F238E27FC236}">
+                <a16:creationId xmlns:a16="http://schemas.microsoft.com/office/drawing/2014/main" id="{F3781700-51B4-0BC0-C3F4-E02EE8ECB30D}"/>
+              </a:ext>
+            </a:extLst>
+          </p:cNvPr>
+          <p:cNvSpPr>
+            <a:spLocks noChangeArrowheads="1"/>
+          </p:cNvSpPr>
+          <p:nvPr/>
+        </p:nvSpPr>
+        <p:spPr bwMode="auto">
+          <a:xfrm>
+            <a:off x="2051843" y="142852"/>
+            <a:ext cx="5040313" cy="457200"/>
+          </a:xfrm>
+          <a:prstGeom prst="rect">
+            <a:avLst/>
+          </a:prstGeom>
+          <a:noFill/>
+          <a:ln w="9525">
+            <a:noFill/>
+            <a:miter lim="800000"/>
+            <a:headEnd/>
+            <a:tailEnd/>
+          </a:ln>
+        </p:spPr>
+        <p:txBody>
+          <a:bodyPr>
+            <a:spAutoFit/>
+          </a:bodyPr>
+          <a:lstStyle/>
+          <a:p>
+            <a:pPr algn="ctr"/>
+            <a:r>
+              <a:rPr lang="ko-KR" altLang="en-US" sz="2400" b="1" dirty="0">
+                <a:solidFill>
+                  <a:schemeClr val="bg1"/>
+                </a:solidFill>
+                <a:latin typeface="HY헤드라인M" pitchFamily="18" charset="-127"/>
+                <a:ea typeface="HY헤드라인M" pitchFamily="18" charset="-127"/>
+              </a:rPr>
+              <a:t>데이터 상관관계 분석</a:t>
+            </a:r>
+          </a:p>
+        </p:txBody>
+      </p:sp>
+      <p:pic>
+        <p:nvPicPr>
+          <p:cNvPr id="1026" name="Picture 2">
+            <a:extLst>
+              <a:ext uri="{FF2B5EF4-FFF2-40B4-BE49-F238E27FC236}">
+                <a16:creationId xmlns:a16="http://schemas.microsoft.com/office/drawing/2014/main" id="{20FEDB04-E7FF-1C2C-FEFA-B70ED218D0A1}"/>
+              </a:ext>
+            </a:extLst>
+          </p:cNvPr>
+          <p:cNvPicPr>
+            <a:picLocks noChangeAspect="1" noChangeArrowheads="1"/>
+          </p:cNvPicPr>
+          <p:nvPr/>
+        </p:nvPicPr>
+        <p:blipFill>
+          <a:blip r:embed="rId3">
+            <a:extLst>
+              <a:ext uri="{28A0092B-C50C-407E-A947-70E740481C1C}">
+                <a14:useLocalDpi xmlns:a14="http://schemas.microsoft.com/office/drawing/2010/main" val="0"/>
+              </a:ext>
+            </a:extLst>
+          </a:blip>
+          <a:srcRect/>
+          <a:stretch>
+            <a:fillRect/>
+          </a:stretch>
+        </p:blipFill>
+        <p:spPr bwMode="auto">
+          <a:xfrm>
+            <a:off x="611560" y="2060848"/>
+            <a:ext cx="3190676" cy="2400272"/>
+          </a:xfrm>
+          <a:prstGeom prst="rect">
+            <a:avLst/>
+          </a:prstGeom>
+          <a:noFill/>
+          <a:extLst>
+            <a:ext uri="{909E8E84-426E-40DD-AFC4-6F175D3DCCD1}">
+              <a14:hiddenFill xmlns:a14="http://schemas.microsoft.com/office/drawing/2010/main">
+                <a:solidFill>
+                  <a:srgbClr val="FFFFFF"/>
+                </a:solidFill>
+              </a14:hiddenFill>
+            </a:ext>
+          </a:extLst>
+        </p:spPr>
+      </p:pic>
+      <p:sp>
+        <p:nvSpPr>
+          <p:cNvPr id="5" name="직사각형 4">
+            <a:extLst>
+              <a:ext uri="{FF2B5EF4-FFF2-40B4-BE49-F238E27FC236}">
+                <a16:creationId xmlns:a16="http://schemas.microsoft.com/office/drawing/2014/main" id="{D623085B-122D-4ADE-1C79-DB27F5CB7589}"/>
+              </a:ext>
+            </a:extLst>
+          </p:cNvPr>
+          <p:cNvSpPr/>
+          <p:nvPr/>
+        </p:nvSpPr>
+        <p:spPr>
+          <a:xfrm>
+            <a:off x="2267744" y="2132856"/>
+            <a:ext cx="288032" cy="2400272"/>
+          </a:xfrm>
+          <a:prstGeom prst="rect">
+            <a:avLst/>
+          </a:prstGeom>
+          <a:noFill/>
+          <a:ln>
+            <a:solidFill>
+              <a:srgbClr val="FF0000"/>
+            </a:solidFill>
+          </a:ln>
+        </p:spPr>
+        <p:style>
+          <a:lnRef idx="2">
+            <a:schemeClr val="accent1">
+              <a:shade val="50000"/>
+            </a:schemeClr>
+          </a:lnRef>
+          <a:fillRef idx="1">
+            <a:schemeClr val="accent1"/>
+          </a:fillRef>
+          <a:effectRef idx="0">
+            <a:schemeClr val="accent1"/>
+          </a:effectRef>
+          <a:fontRef idx="minor">
+            <a:schemeClr val="lt1"/>
+          </a:fontRef>
+        </p:style>
+        <p:txBody>
+          <a:bodyPr rtlCol="0" anchor="ctr"/>
+          <a:lstStyle/>
+          <a:p>
+            <a:pPr algn="ctr"/>
+            <a:endParaRPr lang="ko-KR" altLang="en-US"/>
+          </a:p>
+        </p:txBody>
+      </p:sp>
+      <p:pic>
+        <p:nvPicPr>
+          <p:cNvPr id="1028" name="Picture 4">
+            <a:extLst>
+              <a:ext uri="{FF2B5EF4-FFF2-40B4-BE49-F238E27FC236}">
+                <a16:creationId xmlns:a16="http://schemas.microsoft.com/office/drawing/2014/main" id="{7BF12918-1E2B-62B0-A1AB-3FA718EFB337}"/>
+              </a:ext>
+            </a:extLst>
+          </p:cNvPr>
+          <p:cNvPicPr>
+            <a:picLocks noChangeAspect="1" noChangeArrowheads="1"/>
+          </p:cNvPicPr>
+          <p:nvPr/>
+        </p:nvPicPr>
+        <p:blipFill>
+          <a:blip r:embed="rId4">
+            <a:extLst>
+              <a:ext uri="{28A0092B-C50C-407E-A947-70E740481C1C}">
+                <a14:useLocalDpi xmlns:a14="http://schemas.microsoft.com/office/drawing/2010/main" val="0"/>
+              </a:ext>
+            </a:extLst>
+          </a:blip>
+          <a:srcRect/>
+          <a:stretch>
+            <a:fillRect/>
+          </a:stretch>
+        </p:blipFill>
+        <p:spPr bwMode="auto">
+          <a:xfrm>
+            <a:off x="3802236" y="2543606"/>
+            <a:ext cx="4507093" cy="3402979"/>
+          </a:xfrm>
+          <a:prstGeom prst="rect">
+            <a:avLst/>
+          </a:prstGeom>
+          <a:noFill/>
+          <a:extLst>
+            <a:ext uri="{909E8E84-426E-40DD-AFC4-6F175D3DCCD1}">
+              <a14:hiddenFill xmlns:a14="http://schemas.microsoft.com/office/drawing/2010/main">
+                <a:solidFill>
+                  <a:srgbClr val="FFFFFF"/>
+                </a:solidFill>
+              </a14:hiddenFill>
+            </a:ext>
+          </a:extLst>
+        </p:spPr>
+      </p:pic>
+      <p:sp>
+        <p:nvSpPr>
+          <p:cNvPr id="7" name="화살표: 굽음 6">
+            <a:extLst>
+              <a:ext uri="{FF2B5EF4-FFF2-40B4-BE49-F238E27FC236}">
+                <a16:creationId xmlns:a16="http://schemas.microsoft.com/office/drawing/2014/main" id="{E8F7F136-3315-CA24-B3AE-57D2E00365F2}"/>
+              </a:ext>
+            </a:extLst>
+          </p:cNvPr>
+          <p:cNvSpPr/>
+          <p:nvPr/>
+        </p:nvSpPr>
+        <p:spPr>
+          <a:xfrm rot="10800000" flipH="1">
+            <a:off x="2339752" y="4533128"/>
+            <a:ext cx="1368152" cy="902272"/>
+          </a:xfrm>
+          <a:prstGeom prst="bentArrow">
+            <a:avLst>
+              <a:gd name="adj1" fmla="val 15380"/>
+              <a:gd name="adj2" fmla="val 25000"/>
+              <a:gd name="adj3" fmla="val 25000"/>
+              <a:gd name="adj4" fmla="val 43750"/>
+            </a:avLst>
+          </a:prstGeom>
+          <a:solidFill>
+            <a:srgbClr val="FF0000"/>
+          </a:solidFill>
+          <a:ln>
+            <a:noFill/>
+          </a:ln>
+        </p:spPr>
+        <p:style>
+          <a:lnRef idx="2">
+            <a:schemeClr val="accent1">
+              <a:shade val="50000"/>
+            </a:schemeClr>
+          </a:lnRef>
+          <a:fillRef idx="1">
+            <a:schemeClr val="accent1"/>
+          </a:fillRef>
+          <a:effectRef idx="0">
+            <a:schemeClr val="accent1"/>
+          </a:effectRef>
+          <a:fontRef idx="minor">
+            <a:schemeClr val="lt1"/>
+          </a:fontRef>
+        </p:style>
+        <p:txBody>
+          <a:bodyPr rtlCol="0" anchor="ctr"/>
+          <a:lstStyle/>
+          <a:p>
+            <a:pPr algn="ctr"/>
+            <a:endParaRPr lang="ko-KR" altLang="en-US">
+              <a:solidFill>
+                <a:schemeClr val="tx1"/>
+              </a:solidFill>
+            </a:endParaRPr>
+          </a:p>
+        </p:txBody>
+      </p:sp>
+      <p:sp>
+        <p:nvSpPr>
+          <p:cNvPr id="8" name="TextBox 7">
+            <a:extLst>
+              <a:ext uri="{FF2B5EF4-FFF2-40B4-BE49-F238E27FC236}">
+                <a16:creationId xmlns:a16="http://schemas.microsoft.com/office/drawing/2014/main" id="{EF74E03C-3768-4427-3F07-DD21AF12A9ED}"/>
+              </a:ext>
+            </a:extLst>
+          </p:cNvPr>
+          <p:cNvSpPr txBox="1"/>
+          <p:nvPr/>
+        </p:nvSpPr>
+        <p:spPr>
+          <a:xfrm>
+            <a:off x="2843808" y="4725144"/>
+            <a:ext cx="792089" cy="369332"/>
+          </a:xfrm>
+          <a:prstGeom prst="rect">
+            <a:avLst/>
+          </a:prstGeom>
+          <a:noFill/>
+        </p:spPr>
+        <p:txBody>
+          <a:bodyPr wrap="square" rtlCol="0">
+            <a:spAutoFit/>
+          </a:bodyPr>
+          <a:lstStyle/>
+          <a:p>
+            <a:r>
+              <a:rPr lang="ko-KR" altLang="en-US" b="1" dirty="0"/>
+              <a:t>확대</a:t>
+            </a:r>
+          </a:p>
+        </p:txBody>
+      </p:sp>
+      <p:sp>
+        <p:nvSpPr>
+          <p:cNvPr id="10" name="직사각형 9">
+            <a:extLst>
+              <a:ext uri="{FF2B5EF4-FFF2-40B4-BE49-F238E27FC236}">
+                <a16:creationId xmlns:a16="http://schemas.microsoft.com/office/drawing/2014/main" id="{64149A3D-0BF6-27DC-2747-1F521B0C14A5}"/>
+              </a:ext>
+            </a:extLst>
+          </p:cNvPr>
+          <p:cNvSpPr/>
+          <p:nvPr/>
+        </p:nvSpPr>
+        <p:spPr>
+          <a:xfrm>
+            <a:off x="6055782" y="2420888"/>
+            <a:ext cx="1828586" cy="3672408"/>
+          </a:xfrm>
+          <a:prstGeom prst="rect">
+            <a:avLst/>
+          </a:prstGeom>
+          <a:noFill/>
+          <a:ln w="57150">
+            <a:solidFill>
+              <a:srgbClr val="FF0000"/>
+            </a:solidFill>
+            <a:prstDash val="dash"/>
+          </a:ln>
+        </p:spPr>
+        <p:style>
+          <a:lnRef idx="2">
+            <a:schemeClr val="accent1">
+              <a:shade val="50000"/>
+            </a:schemeClr>
+          </a:lnRef>
+          <a:fillRef idx="1">
+            <a:schemeClr val="accent1"/>
+          </a:fillRef>
+          <a:effectRef idx="0">
+            <a:schemeClr val="accent1"/>
+          </a:effectRef>
+          <a:fontRef idx="minor">
+            <a:schemeClr val="lt1"/>
+          </a:fontRef>
+        </p:style>
+        <p:txBody>
+          <a:bodyPr rtlCol="0" anchor="ctr"/>
+          <a:lstStyle/>
+          <a:p>
+            <a:pPr algn="ctr"/>
+            <a:endParaRPr lang="ko-KR" altLang="en-US"/>
+          </a:p>
+        </p:txBody>
+      </p:sp>
+      <p:sp>
+        <p:nvSpPr>
+          <p:cNvPr id="11" name="TextBox 10">
+            <a:extLst>
+              <a:ext uri="{FF2B5EF4-FFF2-40B4-BE49-F238E27FC236}">
+                <a16:creationId xmlns:a16="http://schemas.microsoft.com/office/drawing/2014/main" id="{CE2D5935-EF2D-FC42-0AF8-92260F2F61AE}"/>
+              </a:ext>
+            </a:extLst>
+          </p:cNvPr>
+          <p:cNvSpPr txBox="1"/>
+          <p:nvPr/>
+        </p:nvSpPr>
+        <p:spPr>
+          <a:xfrm>
+            <a:off x="3383744" y="6285312"/>
+            <a:ext cx="5076688" cy="372152"/>
+          </a:xfrm>
+          <a:prstGeom prst="rect">
+            <a:avLst/>
+          </a:prstGeom>
+          <a:noFill/>
+        </p:spPr>
+        <p:txBody>
+          <a:bodyPr wrap="square" rtlCol="0">
+            <a:spAutoFit/>
+          </a:bodyPr>
+          <a:lstStyle/>
+          <a:p>
+            <a:r>
+              <a:rPr lang="ko-KR" altLang="en-US" b="1" dirty="0"/>
+              <a:t>→ </a:t>
+            </a:r>
+            <a:r>
+              <a:rPr lang="en-US" altLang="ko-KR" b="1" dirty="0"/>
+              <a:t>MD_PV</a:t>
+            </a:r>
+            <a:r>
+              <a:rPr lang="ko-KR" altLang="en-US" b="1" dirty="0"/>
+              <a:t>의 변화에 따라 불량이 발생 됨을 확인 </a:t>
+            </a:r>
+          </a:p>
+        </p:txBody>
+      </p:sp>
+    </p:spTree>
+    <p:extLst>
+      <p:ext uri="{BB962C8B-B14F-4D97-AF65-F5344CB8AC3E}">
+        <p14:creationId xmlns:p14="http://schemas.microsoft.com/office/powerpoint/2010/main" val="87340212"/>
+      </p:ext>
+    </p:extLst>
+  </p:cSld>
+  <p:clrMapOvr>
+    <a:masterClrMapping/>
+  </p:clrMapOvr>
+  <p:transition>
+    <p:fade/>
+  </p:transition>
+</p:sld>
+</file>
+
+<file path=ppt/slides/slide19.xml><?xml version="1.0" encoding="utf-8"?>
+<p:sld xmlns:a="http://schemas.openxmlformats.org/drawingml/2006/main" xmlns:r="http://schemas.openxmlformats.org/officeDocument/2006/relationships" xmlns:p="http://schemas.openxmlformats.org/presentationml/2006/main">
+  <p:cSld>
+    <p:spTree>
+      <p:nvGrpSpPr>
+        <p:cNvPr id="1" name=""/>
+        <p:cNvGrpSpPr/>
+        <p:nvPr/>
+      </p:nvGrpSpPr>
+      <p:grpSpPr>
+        <a:xfrm>
+          <a:off x="0" y="0"/>
+          <a:ext cx="0" cy="0"/>
+          <a:chOff x="0" y="0"/>
+          <a:chExt cx="0" cy="0"/>
+        </a:xfrm>
+      </p:grpSpPr>
+      <p:sp>
+        <p:nvSpPr>
+          <p:cNvPr id="14" name="내용 개체 틀 1"/>
+          <p:cNvSpPr>
+            <a:spLocks noGrp="1"/>
+          </p:cNvSpPr>
+          <p:nvPr>
+            <p:ph/>
+          </p:nvPr>
+        </p:nvSpPr>
+        <p:spPr bwMode="auto">
+          <a:xfrm>
+            <a:off x="179387" y="981075"/>
+            <a:ext cx="8785225" cy="431800"/>
+          </a:xfrm>
+          <a:noFill/>
+          <a:ln>
+            <a:miter lim="800000"/>
+            <a:headEnd/>
+            <a:tailEnd/>
+          </a:ln>
+        </p:spPr>
+        <p:txBody>
+          <a:bodyPr vert="horz" wrap="square" lIns="91440" tIns="45720" rIns="91440" bIns="45720" numCol="1" anchor="t" anchorCtr="0" compatLnSpc="1">
+            <a:prstTxWarp prst="textNoShape">
+              <a:avLst/>
+            </a:prstTxWarp>
+          </a:bodyPr>
+          <a:lstStyle/>
+          <a:p>
+            <a:r>
               <a:rPr lang="ko-KR" altLang="en-US" dirty="0">
                 <a:latin typeface="HY헤드라인M" pitchFamily="18" charset="-127"/>
                 <a:ea typeface="HY헤드라인M" pitchFamily="18" charset="-127"/>
@@ -10010,7 +10804,490 @@
 </p:sld>
 </file>
 
-<file path=ppt/slides/slide19.xml><?xml version="1.0" encoding="utf-8"?>
+<file path=ppt/slides/slide2.xml><?xml version="1.0" encoding="utf-8"?>
+<p:sld xmlns:a="http://schemas.openxmlformats.org/drawingml/2006/main" xmlns:r="http://schemas.openxmlformats.org/officeDocument/2006/relationships" xmlns:p="http://schemas.openxmlformats.org/presentationml/2006/main">
+  <p:cSld>
+    <p:spTree>
+      <p:nvGrpSpPr>
+        <p:cNvPr id="1" name=""/>
+        <p:cNvGrpSpPr/>
+        <p:nvPr/>
+      </p:nvGrpSpPr>
+      <p:grpSpPr>
+        <a:xfrm>
+          <a:off x="0" y="0"/>
+          <a:ext cx="0" cy="0"/>
+          <a:chOff x="0" y="0"/>
+          <a:chExt cx="0" cy="0"/>
+        </a:xfrm>
+      </p:grpSpPr>
+      <p:sp>
+        <p:nvSpPr>
+          <p:cNvPr id="3107" name="Rectangle 203"/>
+          <p:cNvSpPr>
+            <a:spLocks noChangeArrowheads="1"/>
+          </p:cNvSpPr>
+          <p:nvPr/>
+        </p:nvSpPr>
+        <p:spPr bwMode="auto">
+          <a:xfrm>
+            <a:off x="2124075" y="111125"/>
+            <a:ext cx="5040313" cy="457200"/>
+          </a:xfrm>
+          <a:prstGeom prst="rect">
+            <a:avLst/>
+          </a:prstGeom>
+          <a:noFill/>
+          <a:ln w="9525">
+            <a:noFill/>
+            <a:miter lim="800000"/>
+            <a:headEnd/>
+            <a:tailEnd/>
+          </a:ln>
+        </p:spPr>
+        <p:txBody>
+          <a:bodyPr>
+            <a:spAutoFit/>
+          </a:bodyPr>
+          <a:lstStyle/>
+          <a:p>
+            <a:pPr algn="ctr"/>
+            <a:r>
+              <a:rPr lang="ko-KR" altLang="en-US" sz="2400" b="1" dirty="0">
+                <a:solidFill>
+                  <a:schemeClr val="bg1"/>
+                </a:solidFill>
+                <a:latin typeface="HY헤드라인M" pitchFamily="18" charset="-127"/>
+                <a:ea typeface="HY헤드라인M" pitchFamily="18" charset="-127"/>
+              </a:rPr>
+              <a:t>목  차 </a:t>
+            </a:r>
+          </a:p>
+        </p:txBody>
+      </p:sp>
+      <p:sp>
+        <p:nvSpPr>
+          <p:cNvPr id="4" name="Rectangle 203"/>
+          <p:cNvSpPr>
+            <a:spLocks noChangeArrowheads="1"/>
+          </p:cNvSpPr>
+          <p:nvPr/>
+        </p:nvSpPr>
+        <p:spPr bwMode="auto">
+          <a:xfrm>
+            <a:off x="1907704" y="847780"/>
+            <a:ext cx="6934733" cy="5808770"/>
+          </a:xfrm>
+          <a:prstGeom prst="rect">
+            <a:avLst/>
+          </a:prstGeom>
+          <a:noFill/>
+          <a:ln w="9525">
+            <a:noFill/>
+            <a:miter lim="800000"/>
+            <a:headEnd/>
+            <a:tailEnd/>
+          </a:ln>
+        </p:spPr>
+        <p:txBody>
+          <a:bodyPr wrap="square">
+            <a:spAutoFit/>
+          </a:bodyPr>
+          <a:lstStyle/>
+          <a:p>
+            <a:pPr>
+              <a:lnSpc>
+                <a:spcPct val="150000"/>
+              </a:lnSpc>
+            </a:pPr>
+            <a:r>
+              <a:rPr lang="en-US" altLang="ko-KR" sz="2800" b="1" dirty="0">
+                <a:latin typeface="HY헤드라인M" pitchFamily="18" charset="-127"/>
+                <a:ea typeface="HY헤드라인M" pitchFamily="18" charset="-127"/>
+              </a:rPr>
+              <a:t>1. </a:t>
+            </a:r>
+            <a:r>
+              <a:rPr lang="ko-KR" altLang="en-US" sz="2800" b="1" dirty="0">
+                <a:latin typeface="HY헤드라인M" pitchFamily="18" charset="-127"/>
+                <a:ea typeface="HY헤드라인M" pitchFamily="18" charset="-127"/>
+              </a:rPr>
+              <a:t>프로젝트 개요 및 데이터 소개</a:t>
+            </a:r>
+          </a:p>
+          <a:p>
+            <a:pPr>
+              <a:lnSpc>
+                <a:spcPct val="150000"/>
+              </a:lnSpc>
+            </a:pPr>
+            <a:r>
+              <a:rPr lang="en-US" altLang="ko-KR" sz="2800" b="1" dirty="0">
+                <a:latin typeface="HY헤드라인M" pitchFamily="18" charset="-127"/>
+                <a:ea typeface="HY헤드라인M" pitchFamily="18" charset="-127"/>
+              </a:rPr>
+              <a:t>2. 1</a:t>
+            </a:r>
+            <a:r>
+              <a:rPr lang="ko-KR" altLang="en-US" sz="2800" b="1" dirty="0">
+                <a:latin typeface="HY헤드라인M" pitchFamily="18" charset="-127"/>
+                <a:ea typeface="HY헤드라인M" pitchFamily="18" charset="-127"/>
+              </a:rPr>
+              <a:t>단계 </a:t>
+            </a:r>
+            <a:r>
+              <a:rPr lang="en-US" altLang="ko-KR" sz="2800" b="1" dirty="0">
+                <a:latin typeface="HY헤드라인M" pitchFamily="18" charset="-127"/>
+                <a:ea typeface="HY헤드라인M" pitchFamily="18" charset="-127"/>
+              </a:rPr>
+              <a:t>(</a:t>
+            </a:r>
+            <a:r>
+              <a:rPr lang="ko-KR" altLang="en-US" sz="2800" b="1" dirty="0">
+                <a:latin typeface="HY헤드라인M" pitchFamily="18" charset="-127"/>
+                <a:ea typeface="HY헤드라인M" pitchFamily="18" charset="-127"/>
+              </a:rPr>
+              <a:t>데이터 탐색 및 시각화</a:t>
+            </a:r>
+            <a:r>
+              <a:rPr lang="en-US" altLang="ko-KR" sz="2800" b="1" dirty="0">
+                <a:latin typeface="HY헤드라인M" pitchFamily="18" charset="-127"/>
+                <a:ea typeface="HY헤드라인M" pitchFamily="18" charset="-127"/>
+              </a:rPr>
+              <a:t>)</a:t>
+            </a:r>
+            <a:endParaRPr lang="ko-KR" altLang="en-US" sz="2800" b="1" dirty="0">
+              <a:latin typeface="HY헤드라인M" pitchFamily="18" charset="-127"/>
+              <a:ea typeface="HY헤드라인M" pitchFamily="18" charset="-127"/>
+            </a:endParaRPr>
+          </a:p>
+          <a:p>
+            <a:pPr>
+              <a:lnSpc>
+                <a:spcPct val="150000"/>
+              </a:lnSpc>
+            </a:pPr>
+            <a:r>
+              <a:rPr lang="en-US" altLang="ko-KR" sz="2800" b="1" dirty="0">
+                <a:latin typeface="HY헤드라인M" pitchFamily="18" charset="-127"/>
+                <a:ea typeface="HY헤드라인M" pitchFamily="18" charset="-127"/>
+              </a:rPr>
+              <a:t>3. 2</a:t>
+            </a:r>
+            <a:r>
+              <a:rPr lang="ko-KR" altLang="en-US" sz="2800" b="1" dirty="0">
+                <a:latin typeface="HY헤드라인M" pitchFamily="18" charset="-127"/>
+                <a:ea typeface="HY헤드라인M" pitchFamily="18" charset="-127"/>
+              </a:rPr>
+              <a:t>단계 </a:t>
+            </a:r>
+            <a:r>
+              <a:rPr lang="en-US" altLang="ko-KR" sz="2800" b="1" dirty="0">
+                <a:latin typeface="HY헤드라인M" pitchFamily="18" charset="-127"/>
+                <a:ea typeface="HY헤드라인M" pitchFamily="18" charset="-127"/>
+              </a:rPr>
+              <a:t>(</a:t>
+            </a:r>
+            <a:r>
+              <a:rPr lang="ko-KR" altLang="en-US" sz="2800" b="1" dirty="0">
+                <a:latin typeface="HY헤드라인M" pitchFamily="18" charset="-127"/>
+                <a:ea typeface="HY헤드라인M" pitchFamily="18" charset="-127"/>
+              </a:rPr>
+              <a:t>데이터 </a:t>
+            </a:r>
+            <a:r>
+              <a:rPr lang="ko-KR" altLang="en-US" sz="2800" b="1" dirty="0" err="1">
+                <a:latin typeface="HY헤드라인M" pitchFamily="18" charset="-127"/>
+                <a:ea typeface="HY헤드라인M" pitchFamily="18" charset="-127"/>
+              </a:rPr>
+              <a:t>전처리</a:t>
+            </a:r>
+            <a:r>
+              <a:rPr lang="en-US" altLang="ko-KR" sz="2800" b="1" dirty="0">
+                <a:latin typeface="HY헤드라인M" pitchFamily="18" charset="-127"/>
+                <a:ea typeface="HY헤드라인M" pitchFamily="18" charset="-127"/>
+              </a:rPr>
+              <a:t>)</a:t>
+            </a:r>
+            <a:endParaRPr lang="ko-KR" altLang="en-US" sz="2800" b="1" dirty="0">
+              <a:latin typeface="HY헤드라인M" pitchFamily="18" charset="-127"/>
+              <a:ea typeface="HY헤드라인M" pitchFamily="18" charset="-127"/>
+            </a:endParaRPr>
+          </a:p>
+          <a:p>
+            <a:pPr>
+              <a:lnSpc>
+                <a:spcPct val="150000"/>
+              </a:lnSpc>
+            </a:pPr>
+            <a:r>
+              <a:rPr lang="en-US" altLang="ko-KR" sz="2800" b="1" dirty="0">
+                <a:latin typeface="HY헤드라인M" pitchFamily="18" charset="-127"/>
+                <a:ea typeface="HY헤드라인M" pitchFamily="18" charset="-127"/>
+              </a:rPr>
+              <a:t>4. 3</a:t>
+            </a:r>
+            <a:r>
+              <a:rPr lang="ko-KR" altLang="en-US" sz="2800" b="1" dirty="0">
+                <a:latin typeface="HY헤드라인M" pitchFamily="18" charset="-127"/>
+                <a:ea typeface="HY헤드라인M" pitchFamily="18" charset="-127"/>
+              </a:rPr>
+              <a:t>단계 </a:t>
+            </a:r>
+            <a:r>
+              <a:rPr lang="en-US" altLang="ko-KR" sz="2800" b="1" dirty="0">
+                <a:latin typeface="HY헤드라인M" pitchFamily="18" charset="-127"/>
+                <a:ea typeface="HY헤드라인M" pitchFamily="18" charset="-127"/>
+              </a:rPr>
+              <a:t>(</a:t>
+            </a:r>
+            <a:r>
+              <a:rPr lang="ko-KR" altLang="en-US" sz="2800" b="1" dirty="0">
+                <a:latin typeface="HY헤드라인M" pitchFamily="18" charset="-127"/>
+                <a:ea typeface="HY헤드라인M" pitchFamily="18" charset="-127"/>
+              </a:rPr>
+              <a:t>데이터 셋 만들기</a:t>
+            </a:r>
+            <a:r>
+              <a:rPr lang="en-US" altLang="ko-KR" sz="2800" b="1" dirty="0">
+                <a:latin typeface="HY헤드라인M" pitchFamily="18" charset="-127"/>
+                <a:ea typeface="HY헤드라인M" pitchFamily="18" charset="-127"/>
+              </a:rPr>
+              <a:t>)</a:t>
+            </a:r>
+            <a:endParaRPr lang="ko-KR" altLang="en-US" sz="2800" b="1" dirty="0">
+              <a:latin typeface="HY헤드라인M" pitchFamily="18" charset="-127"/>
+              <a:ea typeface="HY헤드라인M" pitchFamily="18" charset="-127"/>
+            </a:endParaRPr>
+          </a:p>
+          <a:p>
+            <a:pPr>
+              <a:lnSpc>
+                <a:spcPct val="150000"/>
+              </a:lnSpc>
+            </a:pPr>
+            <a:r>
+              <a:rPr lang="en-US" altLang="ko-KR" sz="2800" b="1" dirty="0">
+                <a:latin typeface="HY헤드라인M" pitchFamily="18" charset="-127"/>
+                <a:ea typeface="HY헤드라인M" pitchFamily="18" charset="-127"/>
+              </a:rPr>
+              <a:t>5. 4</a:t>
+            </a:r>
+            <a:r>
+              <a:rPr lang="ko-KR" altLang="en-US" sz="2800" b="1" dirty="0">
+                <a:latin typeface="HY헤드라인M" pitchFamily="18" charset="-127"/>
+                <a:ea typeface="HY헤드라인M" pitchFamily="18" charset="-127"/>
+              </a:rPr>
+              <a:t>단계 </a:t>
+            </a:r>
+            <a:r>
+              <a:rPr lang="en-US" altLang="ko-KR" sz="2800" b="1" dirty="0">
+                <a:latin typeface="HY헤드라인M" pitchFamily="18" charset="-127"/>
+                <a:ea typeface="HY헤드라인M" pitchFamily="18" charset="-127"/>
+              </a:rPr>
+              <a:t>(</a:t>
+            </a:r>
+            <a:r>
+              <a:rPr lang="ko-KR" altLang="en-US" sz="2800" b="1" dirty="0">
+                <a:latin typeface="HY헤드라인M" pitchFamily="18" charset="-127"/>
+                <a:ea typeface="HY헤드라인M" pitchFamily="18" charset="-127"/>
+              </a:rPr>
+              <a:t>데이터 스케일링</a:t>
+            </a:r>
+            <a:r>
+              <a:rPr lang="en-US" altLang="ko-KR" sz="2800" b="1" dirty="0">
+                <a:latin typeface="HY헤드라인M" pitchFamily="18" charset="-127"/>
+                <a:ea typeface="HY헤드라인M" pitchFamily="18" charset="-127"/>
+              </a:rPr>
+              <a:t>)</a:t>
+            </a:r>
+          </a:p>
+          <a:p>
+            <a:pPr>
+              <a:lnSpc>
+                <a:spcPct val="150000"/>
+              </a:lnSpc>
+            </a:pPr>
+            <a:r>
+              <a:rPr lang="en-US" altLang="ko-KR" sz="2800" b="1" dirty="0">
+                <a:latin typeface="HY헤드라인M" pitchFamily="18" charset="-127"/>
+                <a:ea typeface="HY헤드라인M" pitchFamily="18" charset="-127"/>
+              </a:rPr>
+              <a:t>6. 5</a:t>
+            </a:r>
+            <a:r>
+              <a:rPr lang="ko-KR" altLang="en-US" sz="2800" b="1" dirty="0">
+                <a:latin typeface="HY헤드라인M" pitchFamily="18" charset="-127"/>
+                <a:ea typeface="HY헤드라인M" pitchFamily="18" charset="-127"/>
+              </a:rPr>
+              <a:t>단계 </a:t>
+            </a:r>
+            <a:r>
+              <a:rPr lang="en-US" altLang="ko-KR" sz="2800" b="1" dirty="0">
+                <a:latin typeface="HY헤드라인M" pitchFamily="18" charset="-127"/>
+                <a:ea typeface="HY헤드라인M" pitchFamily="18" charset="-127"/>
+              </a:rPr>
+              <a:t>(</a:t>
+            </a:r>
+            <a:r>
+              <a:rPr lang="ko-KR" altLang="en-US" sz="2800" b="1" dirty="0">
+                <a:latin typeface="HY헤드라인M" pitchFamily="18" charset="-127"/>
+                <a:ea typeface="HY헤드라인M" pitchFamily="18" charset="-127"/>
+              </a:rPr>
+              <a:t>파이프라인 구성</a:t>
+            </a:r>
+            <a:r>
+              <a:rPr lang="en-US" altLang="ko-KR" sz="2800" b="1" dirty="0">
+                <a:latin typeface="HY헤드라인M" pitchFamily="18" charset="-127"/>
+                <a:ea typeface="HY헤드라인M" pitchFamily="18" charset="-127"/>
+              </a:rPr>
+              <a:t>)</a:t>
+            </a:r>
+          </a:p>
+          <a:p>
+            <a:pPr>
+              <a:lnSpc>
+                <a:spcPct val="150000"/>
+              </a:lnSpc>
+            </a:pPr>
+            <a:r>
+              <a:rPr lang="en-US" altLang="ko-KR" sz="2800" b="1" dirty="0">
+                <a:latin typeface="HY헤드라인M" pitchFamily="18" charset="-127"/>
+                <a:ea typeface="HY헤드라인M" pitchFamily="18" charset="-127"/>
+              </a:rPr>
+              <a:t>7. 6</a:t>
+            </a:r>
+            <a:r>
+              <a:rPr lang="ko-KR" altLang="en-US" sz="2800" b="1" dirty="0">
+                <a:latin typeface="HY헤드라인M" pitchFamily="18" charset="-127"/>
+                <a:ea typeface="HY헤드라인M" pitchFamily="18" charset="-127"/>
+              </a:rPr>
+              <a:t>단계 </a:t>
+            </a:r>
+            <a:r>
+              <a:rPr lang="en-US" altLang="ko-KR" sz="2800" b="1" dirty="0">
+                <a:latin typeface="HY헤드라인M" pitchFamily="18" charset="-127"/>
+                <a:ea typeface="HY헤드라인M" pitchFamily="18" charset="-127"/>
+              </a:rPr>
+              <a:t>(</a:t>
+            </a:r>
+            <a:r>
+              <a:rPr lang="ko-KR" altLang="en-US" sz="2800" b="1" dirty="0">
+                <a:latin typeface="HY헤드라인M" pitchFamily="18" charset="-127"/>
+                <a:ea typeface="HY헤드라인M" pitchFamily="18" charset="-127"/>
+              </a:rPr>
+              <a:t>모델 선택 및 훈련</a:t>
+            </a:r>
+            <a:r>
+              <a:rPr lang="en-US" altLang="ko-KR" sz="2800" b="1" dirty="0">
+                <a:latin typeface="HY헤드라인M" pitchFamily="18" charset="-127"/>
+                <a:ea typeface="HY헤드라인M" pitchFamily="18" charset="-127"/>
+              </a:rPr>
+              <a:t>)</a:t>
+            </a:r>
+          </a:p>
+          <a:p>
+            <a:pPr>
+              <a:lnSpc>
+                <a:spcPct val="150000"/>
+              </a:lnSpc>
+            </a:pPr>
+            <a:r>
+              <a:rPr lang="en-US" altLang="ko-KR" sz="2800" b="1" dirty="0">
+                <a:latin typeface="HY헤드라인M" pitchFamily="18" charset="-127"/>
+                <a:ea typeface="HY헤드라인M" pitchFamily="18" charset="-127"/>
+              </a:rPr>
+              <a:t>8. 7</a:t>
+            </a:r>
+            <a:r>
+              <a:rPr lang="ko-KR" altLang="en-US" sz="2800" b="1" dirty="0">
+                <a:latin typeface="HY헤드라인M" pitchFamily="18" charset="-127"/>
+                <a:ea typeface="HY헤드라인M" pitchFamily="18" charset="-127"/>
+              </a:rPr>
+              <a:t>단계 </a:t>
+            </a:r>
+            <a:r>
+              <a:rPr lang="en-US" altLang="ko-KR" sz="2800" b="1" dirty="0">
+                <a:latin typeface="HY헤드라인M" pitchFamily="18" charset="-127"/>
+                <a:ea typeface="HY헤드라인M" pitchFamily="18" charset="-127"/>
+              </a:rPr>
+              <a:t>(</a:t>
+            </a:r>
+            <a:r>
+              <a:rPr lang="ko-KR" altLang="en-US" sz="2800" b="1" dirty="0">
+                <a:latin typeface="HY헤드라인M" pitchFamily="18" charset="-127"/>
+                <a:ea typeface="HY헤드라인M" pitchFamily="18" charset="-127"/>
+              </a:rPr>
+              <a:t>모델 세부 튜닝</a:t>
+            </a:r>
+            <a:r>
+              <a:rPr lang="en-US" altLang="ko-KR" sz="2800" b="1" dirty="0">
+                <a:latin typeface="HY헤드라인M" pitchFamily="18" charset="-127"/>
+                <a:ea typeface="HY헤드라인M" pitchFamily="18" charset="-127"/>
+              </a:rPr>
+              <a:t>)</a:t>
+            </a:r>
+          </a:p>
+          <a:p>
+            <a:pPr>
+              <a:lnSpc>
+                <a:spcPct val="150000"/>
+              </a:lnSpc>
+            </a:pPr>
+            <a:r>
+              <a:rPr lang="en-US" altLang="ko-KR" sz="2800" b="1" dirty="0">
+                <a:latin typeface="HY헤드라인M" pitchFamily="18" charset="-127"/>
+                <a:ea typeface="HY헤드라인M" pitchFamily="18" charset="-127"/>
+              </a:rPr>
+              <a:t>9. 8</a:t>
+            </a:r>
+            <a:r>
+              <a:rPr lang="ko-KR" altLang="en-US" sz="2800" b="1" dirty="0">
+                <a:latin typeface="HY헤드라인M" pitchFamily="18" charset="-127"/>
+                <a:ea typeface="HY헤드라인M" pitchFamily="18" charset="-127"/>
+              </a:rPr>
+              <a:t>단계 </a:t>
+            </a:r>
+            <a:r>
+              <a:rPr lang="en-US" altLang="ko-KR" sz="2800" b="1" dirty="0">
+                <a:latin typeface="HY헤드라인M" pitchFamily="18" charset="-127"/>
+                <a:ea typeface="HY헤드라인M" pitchFamily="18" charset="-127"/>
+              </a:rPr>
+              <a:t>(</a:t>
+            </a:r>
+            <a:r>
+              <a:rPr lang="ko-KR" altLang="en-US" sz="2800" b="1" dirty="0">
+                <a:latin typeface="HY헤드라인M" pitchFamily="18" charset="-127"/>
+                <a:ea typeface="HY헤드라인M" pitchFamily="18" charset="-127"/>
+              </a:rPr>
+              <a:t>결과 및 결론</a:t>
+            </a:r>
+            <a:r>
+              <a:rPr lang="en-US" altLang="ko-KR" sz="2800" b="1" dirty="0">
+                <a:latin typeface="HY헤드라인M" pitchFamily="18" charset="-127"/>
+                <a:ea typeface="HY헤드라인M" pitchFamily="18" charset="-127"/>
+              </a:rPr>
+              <a:t>)</a:t>
+            </a:r>
+            <a:endParaRPr lang="ko-KR" altLang="en-US" sz="2800" b="1" dirty="0">
+              <a:latin typeface="HY헤드라인M" pitchFamily="18" charset="-127"/>
+              <a:ea typeface="HY헤드라인M" pitchFamily="18" charset="-127"/>
+            </a:endParaRPr>
+          </a:p>
+        </p:txBody>
+      </p:sp>
+    </p:spTree>
+  </p:cSld>
+  <p:clrMapOvr>
+    <a:masterClrMapping/>
+  </p:clrMapOvr>
+  <p:transition>
+    <p:fade/>
+  </p:transition>
+</p:sld>
+</file>
+
+<file path=ppt/slides/slide20.xml><?xml version="1.0" encoding="utf-8"?>
 <p:sld xmlns:a="http://schemas.openxmlformats.org/drawingml/2006/main" xmlns:r="http://schemas.openxmlformats.org/officeDocument/2006/relationships" xmlns:p="http://schemas.openxmlformats.org/presentationml/2006/main">
   <p:cSld>
     <p:spTree>
@@ -10205,490 +11482,7 @@
 </p:sld>
 </file>
 
-<file path=ppt/slides/slide2.xml><?xml version="1.0" encoding="utf-8"?>
-<p:sld xmlns:a="http://schemas.openxmlformats.org/drawingml/2006/main" xmlns:r="http://schemas.openxmlformats.org/officeDocument/2006/relationships" xmlns:p="http://schemas.openxmlformats.org/presentationml/2006/main">
-  <p:cSld>
-    <p:spTree>
-      <p:nvGrpSpPr>
-        <p:cNvPr id="1" name=""/>
-        <p:cNvGrpSpPr/>
-        <p:nvPr/>
-      </p:nvGrpSpPr>
-      <p:grpSpPr>
-        <a:xfrm>
-          <a:off x="0" y="0"/>
-          <a:ext cx="0" cy="0"/>
-          <a:chOff x="0" y="0"/>
-          <a:chExt cx="0" cy="0"/>
-        </a:xfrm>
-      </p:grpSpPr>
-      <p:sp>
-        <p:nvSpPr>
-          <p:cNvPr id="3107" name="Rectangle 203"/>
-          <p:cNvSpPr>
-            <a:spLocks noChangeArrowheads="1"/>
-          </p:cNvSpPr>
-          <p:nvPr/>
-        </p:nvSpPr>
-        <p:spPr bwMode="auto">
-          <a:xfrm>
-            <a:off x="2124075" y="111125"/>
-            <a:ext cx="5040313" cy="457200"/>
-          </a:xfrm>
-          <a:prstGeom prst="rect">
-            <a:avLst/>
-          </a:prstGeom>
-          <a:noFill/>
-          <a:ln w="9525">
-            <a:noFill/>
-            <a:miter lim="800000"/>
-            <a:headEnd/>
-            <a:tailEnd/>
-          </a:ln>
-        </p:spPr>
-        <p:txBody>
-          <a:bodyPr>
-            <a:spAutoFit/>
-          </a:bodyPr>
-          <a:lstStyle/>
-          <a:p>
-            <a:pPr algn="ctr"/>
-            <a:r>
-              <a:rPr lang="ko-KR" altLang="en-US" sz="2400" b="1" dirty="0">
-                <a:solidFill>
-                  <a:schemeClr val="bg1"/>
-                </a:solidFill>
-                <a:latin typeface="HY헤드라인M" pitchFamily="18" charset="-127"/>
-                <a:ea typeface="HY헤드라인M" pitchFamily="18" charset="-127"/>
-              </a:rPr>
-              <a:t>목  차 </a:t>
-            </a:r>
-          </a:p>
-        </p:txBody>
-      </p:sp>
-      <p:sp>
-        <p:nvSpPr>
-          <p:cNvPr id="4" name="Rectangle 203"/>
-          <p:cNvSpPr>
-            <a:spLocks noChangeArrowheads="1"/>
-          </p:cNvSpPr>
-          <p:nvPr/>
-        </p:nvSpPr>
-        <p:spPr bwMode="auto">
-          <a:xfrm>
-            <a:off x="1907704" y="847780"/>
-            <a:ext cx="6934733" cy="5808770"/>
-          </a:xfrm>
-          <a:prstGeom prst="rect">
-            <a:avLst/>
-          </a:prstGeom>
-          <a:noFill/>
-          <a:ln w="9525">
-            <a:noFill/>
-            <a:miter lim="800000"/>
-            <a:headEnd/>
-            <a:tailEnd/>
-          </a:ln>
-        </p:spPr>
-        <p:txBody>
-          <a:bodyPr wrap="square">
-            <a:spAutoFit/>
-          </a:bodyPr>
-          <a:lstStyle/>
-          <a:p>
-            <a:pPr>
-              <a:lnSpc>
-                <a:spcPct val="150000"/>
-              </a:lnSpc>
-            </a:pPr>
-            <a:r>
-              <a:rPr lang="en-US" altLang="ko-KR" sz="2800" b="1" dirty="0">
-                <a:latin typeface="HY헤드라인M" pitchFamily="18" charset="-127"/>
-                <a:ea typeface="HY헤드라인M" pitchFamily="18" charset="-127"/>
-              </a:rPr>
-              <a:t>1. </a:t>
-            </a:r>
-            <a:r>
-              <a:rPr lang="ko-KR" altLang="en-US" sz="2800" b="1" dirty="0">
-                <a:latin typeface="HY헤드라인M" pitchFamily="18" charset="-127"/>
-                <a:ea typeface="HY헤드라인M" pitchFamily="18" charset="-127"/>
-              </a:rPr>
-              <a:t>프로젝트 개요 및 데이터 소개</a:t>
-            </a:r>
-          </a:p>
-          <a:p>
-            <a:pPr>
-              <a:lnSpc>
-                <a:spcPct val="150000"/>
-              </a:lnSpc>
-            </a:pPr>
-            <a:r>
-              <a:rPr lang="en-US" altLang="ko-KR" sz="2800" b="1" dirty="0">
-                <a:latin typeface="HY헤드라인M" pitchFamily="18" charset="-127"/>
-                <a:ea typeface="HY헤드라인M" pitchFamily="18" charset="-127"/>
-              </a:rPr>
-              <a:t>2. 1</a:t>
-            </a:r>
-            <a:r>
-              <a:rPr lang="ko-KR" altLang="en-US" sz="2800" b="1" dirty="0">
-                <a:latin typeface="HY헤드라인M" pitchFamily="18" charset="-127"/>
-                <a:ea typeface="HY헤드라인M" pitchFamily="18" charset="-127"/>
-              </a:rPr>
-              <a:t>단계 </a:t>
-            </a:r>
-            <a:r>
-              <a:rPr lang="en-US" altLang="ko-KR" sz="2800" b="1" dirty="0">
-                <a:latin typeface="HY헤드라인M" pitchFamily="18" charset="-127"/>
-                <a:ea typeface="HY헤드라인M" pitchFamily="18" charset="-127"/>
-              </a:rPr>
-              <a:t>(</a:t>
-            </a:r>
-            <a:r>
-              <a:rPr lang="ko-KR" altLang="en-US" sz="2800" b="1" dirty="0">
-                <a:latin typeface="HY헤드라인M" pitchFamily="18" charset="-127"/>
-                <a:ea typeface="HY헤드라인M" pitchFamily="18" charset="-127"/>
-              </a:rPr>
-              <a:t>데이터 탐색 및 시각화</a:t>
-            </a:r>
-            <a:r>
-              <a:rPr lang="en-US" altLang="ko-KR" sz="2800" b="1" dirty="0">
-                <a:latin typeface="HY헤드라인M" pitchFamily="18" charset="-127"/>
-                <a:ea typeface="HY헤드라인M" pitchFamily="18" charset="-127"/>
-              </a:rPr>
-              <a:t>)</a:t>
-            </a:r>
-            <a:endParaRPr lang="ko-KR" altLang="en-US" sz="2800" b="1" dirty="0">
-              <a:latin typeface="HY헤드라인M" pitchFamily="18" charset="-127"/>
-              <a:ea typeface="HY헤드라인M" pitchFamily="18" charset="-127"/>
-            </a:endParaRPr>
-          </a:p>
-          <a:p>
-            <a:pPr>
-              <a:lnSpc>
-                <a:spcPct val="150000"/>
-              </a:lnSpc>
-            </a:pPr>
-            <a:r>
-              <a:rPr lang="en-US" altLang="ko-KR" sz="2800" b="1" dirty="0">
-                <a:latin typeface="HY헤드라인M" pitchFamily="18" charset="-127"/>
-                <a:ea typeface="HY헤드라인M" pitchFamily="18" charset="-127"/>
-              </a:rPr>
-              <a:t>3. 2</a:t>
-            </a:r>
-            <a:r>
-              <a:rPr lang="ko-KR" altLang="en-US" sz="2800" b="1" dirty="0">
-                <a:latin typeface="HY헤드라인M" pitchFamily="18" charset="-127"/>
-                <a:ea typeface="HY헤드라인M" pitchFamily="18" charset="-127"/>
-              </a:rPr>
-              <a:t>단계 </a:t>
-            </a:r>
-            <a:r>
-              <a:rPr lang="en-US" altLang="ko-KR" sz="2800" b="1" dirty="0">
-                <a:latin typeface="HY헤드라인M" pitchFamily="18" charset="-127"/>
-                <a:ea typeface="HY헤드라인M" pitchFamily="18" charset="-127"/>
-              </a:rPr>
-              <a:t>(</a:t>
-            </a:r>
-            <a:r>
-              <a:rPr lang="ko-KR" altLang="en-US" sz="2800" b="1" dirty="0">
-                <a:latin typeface="HY헤드라인M" pitchFamily="18" charset="-127"/>
-                <a:ea typeface="HY헤드라인M" pitchFamily="18" charset="-127"/>
-              </a:rPr>
-              <a:t>데이터 </a:t>
-            </a:r>
-            <a:r>
-              <a:rPr lang="ko-KR" altLang="en-US" sz="2800" b="1" dirty="0" err="1">
-                <a:latin typeface="HY헤드라인M" pitchFamily="18" charset="-127"/>
-                <a:ea typeface="HY헤드라인M" pitchFamily="18" charset="-127"/>
-              </a:rPr>
-              <a:t>전처리</a:t>
-            </a:r>
-            <a:r>
-              <a:rPr lang="en-US" altLang="ko-KR" sz="2800" b="1" dirty="0">
-                <a:latin typeface="HY헤드라인M" pitchFamily="18" charset="-127"/>
-                <a:ea typeface="HY헤드라인M" pitchFamily="18" charset="-127"/>
-              </a:rPr>
-              <a:t>)</a:t>
-            </a:r>
-            <a:endParaRPr lang="ko-KR" altLang="en-US" sz="2800" b="1" dirty="0">
-              <a:latin typeface="HY헤드라인M" pitchFamily="18" charset="-127"/>
-              <a:ea typeface="HY헤드라인M" pitchFamily="18" charset="-127"/>
-            </a:endParaRPr>
-          </a:p>
-          <a:p>
-            <a:pPr>
-              <a:lnSpc>
-                <a:spcPct val="150000"/>
-              </a:lnSpc>
-            </a:pPr>
-            <a:r>
-              <a:rPr lang="en-US" altLang="ko-KR" sz="2800" b="1" dirty="0">
-                <a:latin typeface="HY헤드라인M" pitchFamily="18" charset="-127"/>
-                <a:ea typeface="HY헤드라인M" pitchFamily="18" charset="-127"/>
-              </a:rPr>
-              <a:t>4. 3</a:t>
-            </a:r>
-            <a:r>
-              <a:rPr lang="ko-KR" altLang="en-US" sz="2800" b="1" dirty="0">
-                <a:latin typeface="HY헤드라인M" pitchFamily="18" charset="-127"/>
-                <a:ea typeface="HY헤드라인M" pitchFamily="18" charset="-127"/>
-              </a:rPr>
-              <a:t>단계 </a:t>
-            </a:r>
-            <a:r>
-              <a:rPr lang="en-US" altLang="ko-KR" sz="2800" b="1" dirty="0">
-                <a:latin typeface="HY헤드라인M" pitchFamily="18" charset="-127"/>
-                <a:ea typeface="HY헤드라인M" pitchFamily="18" charset="-127"/>
-              </a:rPr>
-              <a:t>(</a:t>
-            </a:r>
-            <a:r>
-              <a:rPr lang="ko-KR" altLang="en-US" sz="2800" b="1" dirty="0">
-                <a:latin typeface="HY헤드라인M" pitchFamily="18" charset="-127"/>
-                <a:ea typeface="HY헤드라인M" pitchFamily="18" charset="-127"/>
-              </a:rPr>
-              <a:t>데이터 셋 만들기</a:t>
-            </a:r>
-            <a:r>
-              <a:rPr lang="en-US" altLang="ko-KR" sz="2800" b="1" dirty="0">
-                <a:latin typeface="HY헤드라인M" pitchFamily="18" charset="-127"/>
-                <a:ea typeface="HY헤드라인M" pitchFamily="18" charset="-127"/>
-              </a:rPr>
-              <a:t>)</a:t>
-            </a:r>
-            <a:endParaRPr lang="ko-KR" altLang="en-US" sz="2800" b="1" dirty="0">
-              <a:latin typeface="HY헤드라인M" pitchFamily="18" charset="-127"/>
-              <a:ea typeface="HY헤드라인M" pitchFamily="18" charset="-127"/>
-            </a:endParaRPr>
-          </a:p>
-          <a:p>
-            <a:pPr>
-              <a:lnSpc>
-                <a:spcPct val="150000"/>
-              </a:lnSpc>
-            </a:pPr>
-            <a:r>
-              <a:rPr lang="en-US" altLang="ko-KR" sz="2800" b="1" dirty="0">
-                <a:latin typeface="HY헤드라인M" pitchFamily="18" charset="-127"/>
-                <a:ea typeface="HY헤드라인M" pitchFamily="18" charset="-127"/>
-              </a:rPr>
-              <a:t>5. 4</a:t>
-            </a:r>
-            <a:r>
-              <a:rPr lang="ko-KR" altLang="en-US" sz="2800" b="1" dirty="0">
-                <a:latin typeface="HY헤드라인M" pitchFamily="18" charset="-127"/>
-                <a:ea typeface="HY헤드라인M" pitchFamily="18" charset="-127"/>
-              </a:rPr>
-              <a:t>단계 </a:t>
-            </a:r>
-            <a:r>
-              <a:rPr lang="en-US" altLang="ko-KR" sz="2800" b="1" dirty="0">
-                <a:latin typeface="HY헤드라인M" pitchFamily="18" charset="-127"/>
-                <a:ea typeface="HY헤드라인M" pitchFamily="18" charset="-127"/>
-              </a:rPr>
-              <a:t>(</a:t>
-            </a:r>
-            <a:r>
-              <a:rPr lang="ko-KR" altLang="en-US" sz="2800" b="1" dirty="0">
-                <a:latin typeface="HY헤드라인M" pitchFamily="18" charset="-127"/>
-                <a:ea typeface="HY헤드라인M" pitchFamily="18" charset="-127"/>
-              </a:rPr>
-              <a:t>데이터 스케일링</a:t>
-            </a:r>
-            <a:r>
-              <a:rPr lang="en-US" altLang="ko-KR" sz="2800" b="1" dirty="0">
-                <a:latin typeface="HY헤드라인M" pitchFamily="18" charset="-127"/>
-                <a:ea typeface="HY헤드라인M" pitchFamily="18" charset="-127"/>
-              </a:rPr>
-              <a:t>)</a:t>
-            </a:r>
-          </a:p>
-          <a:p>
-            <a:pPr>
-              <a:lnSpc>
-                <a:spcPct val="150000"/>
-              </a:lnSpc>
-            </a:pPr>
-            <a:r>
-              <a:rPr lang="en-US" altLang="ko-KR" sz="2800" b="1" dirty="0">
-                <a:latin typeface="HY헤드라인M" pitchFamily="18" charset="-127"/>
-                <a:ea typeface="HY헤드라인M" pitchFamily="18" charset="-127"/>
-              </a:rPr>
-              <a:t>6. 5</a:t>
-            </a:r>
-            <a:r>
-              <a:rPr lang="ko-KR" altLang="en-US" sz="2800" b="1" dirty="0">
-                <a:latin typeface="HY헤드라인M" pitchFamily="18" charset="-127"/>
-                <a:ea typeface="HY헤드라인M" pitchFamily="18" charset="-127"/>
-              </a:rPr>
-              <a:t>단계 </a:t>
-            </a:r>
-            <a:r>
-              <a:rPr lang="en-US" altLang="ko-KR" sz="2800" b="1" dirty="0">
-                <a:latin typeface="HY헤드라인M" pitchFamily="18" charset="-127"/>
-                <a:ea typeface="HY헤드라인M" pitchFamily="18" charset="-127"/>
-              </a:rPr>
-              <a:t>(</a:t>
-            </a:r>
-            <a:r>
-              <a:rPr lang="ko-KR" altLang="en-US" sz="2800" b="1" dirty="0">
-                <a:latin typeface="HY헤드라인M" pitchFamily="18" charset="-127"/>
-                <a:ea typeface="HY헤드라인M" pitchFamily="18" charset="-127"/>
-              </a:rPr>
-              <a:t>파이프라인 구성</a:t>
-            </a:r>
-            <a:r>
-              <a:rPr lang="en-US" altLang="ko-KR" sz="2800" b="1" dirty="0">
-                <a:latin typeface="HY헤드라인M" pitchFamily="18" charset="-127"/>
-                <a:ea typeface="HY헤드라인M" pitchFamily="18" charset="-127"/>
-              </a:rPr>
-              <a:t>)</a:t>
-            </a:r>
-          </a:p>
-          <a:p>
-            <a:pPr>
-              <a:lnSpc>
-                <a:spcPct val="150000"/>
-              </a:lnSpc>
-            </a:pPr>
-            <a:r>
-              <a:rPr lang="en-US" altLang="ko-KR" sz="2800" b="1" dirty="0">
-                <a:latin typeface="HY헤드라인M" pitchFamily="18" charset="-127"/>
-                <a:ea typeface="HY헤드라인M" pitchFamily="18" charset="-127"/>
-              </a:rPr>
-              <a:t>7. 6</a:t>
-            </a:r>
-            <a:r>
-              <a:rPr lang="ko-KR" altLang="en-US" sz="2800" b="1" dirty="0">
-                <a:latin typeface="HY헤드라인M" pitchFamily="18" charset="-127"/>
-                <a:ea typeface="HY헤드라인M" pitchFamily="18" charset="-127"/>
-              </a:rPr>
-              <a:t>단계 </a:t>
-            </a:r>
-            <a:r>
-              <a:rPr lang="en-US" altLang="ko-KR" sz="2800" b="1" dirty="0">
-                <a:latin typeface="HY헤드라인M" pitchFamily="18" charset="-127"/>
-                <a:ea typeface="HY헤드라인M" pitchFamily="18" charset="-127"/>
-              </a:rPr>
-              <a:t>(</a:t>
-            </a:r>
-            <a:r>
-              <a:rPr lang="ko-KR" altLang="en-US" sz="2800" b="1" dirty="0">
-                <a:latin typeface="HY헤드라인M" pitchFamily="18" charset="-127"/>
-                <a:ea typeface="HY헤드라인M" pitchFamily="18" charset="-127"/>
-              </a:rPr>
-              <a:t>모델 선택 및 훈련</a:t>
-            </a:r>
-            <a:r>
-              <a:rPr lang="en-US" altLang="ko-KR" sz="2800" b="1" dirty="0">
-                <a:latin typeface="HY헤드라인M" pitchFamily="18" charset="-127"/>
-                <a:ea typeface="HY헤드라인M" pitchFamily="18" charset="-127"/>
-              </a:rPr>
-              <a:t>)</a:t>
-            </a:r>
-          </a:p>
-          <a:p>
-            <a:pPr>
-              <a:lnSpc>
-                <a:spcPct val="150000"/>
-              </a:lnSpc>
-            </a:pPr>
-            <a:r>
-              <a:rPr lang="en-US" altLang="ko-KR" sz="2800" b="1" dirty="0">
-                <a:latin typeface="HY헤드라인M" pitchFamily="18" charset="-127"/>
-                <a:ea typeface="HY헤드라인M" pitchFamily="18" charset="-127"/>
-              </a:rPr>
-              <a:t>8. 7</a:t>
-            </a:r>
-            <a:r>
-              <a:rPr lang="ko-KR" altLang="en-US" sz="2800" b="1" dirty="0">
-                <a:latin typeface="HY헤드라인M" pitchFamily="18" charset="-127"/>
-                <a:ea typeface="HY헤드라인M" pitchFamily="18" charset="-127"/>
-              </a:rPr>
-              <a:t>단계 </a:t>
-            </a:r>
-            <a:r>
-              <a:rPr lang="en-US" altLang="ko-KR" sz="2800" b="1" dirty="0">
-                <a:latin typeface="HY헤드라인M" pitchFamily="18" charset="-127"/>
-                <a:ea typeface="HY헤드라인M" pitchFamily="18" charset="-127"/>
-              </a:rPr>
-              <a:t>(</a:t>
-            </a:r>
-            <a:r>
-              <a:rPr lang="ko-KR" altLang="en-US" sz="2800" b="1" dirty="0">
-                <a:latin typeface="HY헤드라인M" pitchFamily="18" charset="-127"/>
-                <a:ea typeface="HY헤드라인M" pitchFamily="18" charset="-127"/>
-              </a:rPr>
-              <a:t>모델 세부 튜닝</a:t>
-            </a:r>
-            <a:r>
-              <a:rPr lang="en-US" altLang="ko-KR" sz="2800" b="1" dirty="0">
-                <a:latin typeface="HY헤드라인M" pitchFamily="18" charset="-127"/>
-                <a:ea typeface="HY헤드라인M" pitchFamily="18" charset="-127"/>
-              </a:rPr>
-              <a:t>)</a:t>
-            </a:r>
-          </a:p>
-          <a:p>
-            <a:pPr>
-              <a:lnSpc>
-                <a:spcPct val="150000"/>
-              </a:lnSpc>
-            </a:pPr>
-            <a:r>
-              <a:rPr lang="en-US" altLang="ko-KR" sz="2800" b="1" dirty="0">
-                <a:latin typeface="HY헤드라인M" pitchFamily="18" charset="-127"/>
-                <a:ea typeface="HY헤드라인M" pitchFamily="18" charset="-127"/>
-              </a:rPr>
-              <a:t>9. 8</a:t>
-            </a:r>
-            <a:r>
-              <a:rPr lang="ko-KR" altLang="en-US" sz="2800" b="1" dirty="0">
-                <a:latin typeface="HY헤드라인M" pitchFamily="18" charset="-127"/>
-                <a:ea typeface="HY헤드라인M" pitchFamily="18" charset="-127"/>
-              </a:rPr>
-              <a:t>단계 </a:t>
-            </a:r>
-            <a:r>
-              <a:rPr lang="en-US" altLang="ko-KR" sz="2800" b="1" dirty="0">
-                <a:latin typeface="HY헤드라인M" pitchFamily="18" charset="-127"/>
-                <a:ea typeface="HY헤드라인M" pitchFamily="18" charset="-127"/>
-              </a:rPr>
-              <a:t>(</a:t>
-            </a:r>
-            <a:r>
-              <a:rPr lang="ko-KR" altLang="en-US" sz="2800" b="1" dirty="0">
-                <a:latin typeface="HY헤드라인M" pitchFamily="18" charset="-127"/>
-                <a:ea typeface="HY헤드라인M" pitchFamily="18" charset="-127"/>
-              </a:rPr>
-              <a:t>결과 및 결론</a:t>
-            </a:r>
-            <a:r>
-              <a:rPr lang="en-US" altLang="ko-KR" sz="2800" b="1" dirty="0">
-                <a:latin typeface="HY헤드라인M" pitchFamily="18" charset="-127"/>
-                <a:ea typeface="HY헤드라인M" pitchFamily="18" charset="-127"/>
-              </a:rPr>
-              <a:t>)</a:t>
-            </a:r>
-            <a:endParaRPr lang="ko-KR" altLang="en-US" sz="2800" b="1" dirty="0">
-              <a:latin typeface="HY헤드라인M" pitchFamily="18" charset="-127"/>
-              <a:ea typeface="HY헤드라인M" pitchFamily="18" charset="-127"/>
-            </a:endParaRPr>
-          </a:p>
-        </p:txBody>
-      </p:sp>
-    </p:spTree>
-  </p:cSld>
-  <p:clrMapOvr>
-    <a:masterClrMapping/>
-  </p:clrMapOvr>
-  <p:transition>
-    <p:fade/>
-  </p:transition>
-</p:sld>
-</file>
-
-<file path=ppt/slides/slide20.xml><?xml version="1.0" encoding="utf-8"?>
+<file path=ppt/slides/slide21.xml><?xml version="1.0" encoding="utf-8"?>
 <p:sld xmlns:a="http://schemas.openxmlformats.org/drawingml/2006/main" xmlns:r="http://schemas.openxmlformats.org/officeDocument/2006/relationships" xmlns:p="http://schemas.openxmlformats.org/presentationml/2006/main">
   <p:cSld>
     <p:spTree>
@@ -10947,8 +11741,8 @@
         </p:blipFill>
         <p:spPr>
           <a:xfrm>
-            <a:off x="827584" y="2060848"/>
-            <a:ext cx="6581775" cy="771525"/>
+            <a:off x="899468" y="2001680"/>
+            <a:ext cx="6192688" cy="725916"/>
           </a:xfrm>
           <a:prstGeom prst="rect">
             <a:avLst/>
@@ -10969,7 +11763,7 @@
         </p:nvSpPr>
         <p:spPr>
           <a:xfrm>
-            <a:off x="514350" y="3068960"/>
+            <a:off x="514350" y="2708920"/>
             <a:ext cx="8280724" cy="482120"/>
           </a:xfrm>
           <a:prstGeom prst="rect">
@@ -11060,7 +11854,7 @@
         </p:blipFill>
         <p:spPr>
           <a:xfrm>
-            <a:off x="5004048" y="3996613"/>
+            <a:off x="5004048" y="3453786"/>
             <a:ext cx="3312368" cy="2417754"/>
           </a:xfrm>
           <a:prstGeom prst="rect">
@@ -11090,7 +11884,7 @@
         </p:blipFill>
         <p:spPr>
           <a:xfrm>
-            <a:off x="323528" y="3783187"/>
+            <a:off x="323528" y="3240360"/>
             <a:ext cx="3600400" cy="2708920"/>
           </a:xfrm>
           <a:prstGeom prst="rect">
@@ -11112,7 +11906,7 @@
         </p:nvSpPr>
         <p:spPr>
           <a:xfrm>
-            <a:off x="4031940" y="4756370"/>
+            <a:off x="4031940" y="4213543"/>
             <a:ext cx="864096" cy="482120"/>
           </a:xfrm>
           <a:prstGeom prst="rightArrow">
@@ -11150,6 +11944,153 @@
           </a:p>
         </p:txBody>
       </p:sp>
+      <p:sp>
+        <p:nvSpPr>
+          <p:cNvPr id="3" name="TextBox 2">
+            <a:extLst>
+              <a:ext uri="{FF2B5EF4-FFF2-40B4-BE49-F238E27FC236}">
+                <a16:creationId xmlns:a16="http://schemas.microsoft.com/office/drawing/2014/main" id="{CED1015D-61A7-D926-66FB-7FF15E7AF6FB}"/>
+              </a:ext>
+            </a:extLst>
+          </p:cNvPr>
+          <p:cNvSpPr txBox="1"/>
+          <p:nvPr/>
+        </p:nvSpPr>
+        <p:spPr>
+          <a:xfrm>
+            <a:off x="539552" y="6145559"/>
+            <a:ext cx="8280724" cy="523220"/>
+          </a:xfrm>
+          <a:prstGeom prst="rect">
+            <a:avLst/>
+          </a:prstGeom>
+          <a:noFill/>
+        </p:spPr>
+        <p:txBody>
+          <a:bodyPr wrap="square" rtlCol="0">
+            <a:spAutoFit/>
+          </a:bodyPr>
+          <a:lstStyle/>
+          <a:p>
+            <a:r>
+              <a:rPr lang="en-US" altLang="ko-KR" sz="1400" b="1" dirty="0">
+                <a:solidFill>
+                  <a:srgbClr val="FF0000"/>
+                </a:solidFill>
+              </a:rPr>
+              <a:t>※ </a:t>
+            </a:r>
+            <a:r>
+              <a:rPr lang="ko-KR" altLang="en-US" sz="1400" b="1" dirty="0">
+                <a:solidFill>
+                  <a:srgbClr val="FF0000"/>
+                </a:solidFill>
+              </a:rPr>
+              <a:t>최종 성능 평가 시</a:t>
+            </a:r>
+            <a:r>
+              <a:rPr lang="en-US" altLang="ko-KR" sz="1400" b="1" dirty="0">
+                <a:solidFill>
+                  <a:srgbClr val="FF0000"/>
+                </a:solidFill>
+              </a:rPr>
+              <a:t>, </a:t>
+            </a:r>
+            <a:r>
+              <a:rPr lang="ko-KR" altLang="en-US" sz="1400" b="1" dirty="0">
+                <a:solidFill>
+                  <a:srgbClr val="FF0000"/>
+                </a:solidFill>
+              </a:rPr>
+              <a:t>해당 </a:t>
+            </a:r>
+            <a:r>
+              <a:rPr lang="en-US" altLang="ko-KR" sz="1400" b="1" dirty="0">
+                <a:solidFill>
+                  <a:srgbClr val="FF0000"/>
+                </a:solidFill>
+              </a:rPr>
+              <a:t>Feature</a:t>
+            </a:r>
+            <a:r>
+              <a:rPr lang="ko-KR" altLang="en-US" sz="1400" b="1" dirty="0">
+                <a:solidFill>
+                  <a:srgbClr val="FF0000"/>
+                </a:solidFill>
+              </a:rPr>
+              <a:t>로 계층적 샘플링을 하였을 때 더 좋은 결과를 보임을 확인하였음</a:t>
+            </a:r>
+            <a:endParaRPr lang="en-US" altLang="ko-KR" sz="1400" b="1" dirty="0">
+              <a:solidFill>
+                <a:srgbClr val="FF0000"/>
+              </a:solidFill>
+            </a:endParaRPr>
+          </a:p>
+          <a:p>
+            <a:r>
+              <a:rPr lang="en-US" altLang="ko-KR" sz="1400" b="1" dirty="0">
+                <a:solidFill>
+                  <a:srgbClr val="FF0000"/>
+                </a:solidFill>
+              </a:rPr>
+              <a:t>    (</a:t>
+            </a:r>
+            <a:r>
+              <a:rPr lang="ko-KR" altLang="en-US" sz="1400" b="1" dirty="0">
+                <a:solidFill>
+                  <a:srgbClr val="FF0000"/>
+                </a:solidFill>
+              </a:rPr>
+              <a:t>가장 큰 영향을 주는 </a:t>
+            </a:r>
+            <a:r>
+              <a:rPr lang="en-US" altLang="ko-KR" sz="1400" b="1" dirty="0">
+                <a:solidFill>
+                  <a:srgbClr val="FF0000"/>
+                </a:solidFill>
+              </a:rPr>
+              <a:t>Feature</a:t>
+            </a:r>
+            <a:r>
+              <a:rPr lang="ko-KR" altLang="en-US" sz="1400" b="1" dirty="0">
+                <a:solidFill>
+                  <a:srgbClr val="FF0000"/>
+                </a:solidFill>
+              </a:rPr>
+              <a:t>인 </a:t>
+            </a:r>
+            <a:r>
+              <a:rPr lang="en-US" altLang="ko-KR" sz="1400" b="1" dirty="0">
+                <a:solidFill>
+                  <a:srgbClr val="FF0000"/>
+                </a:solidFill>
+              </a:rPr>
+              <a:t>MD_PV </a:t>
+            </a:r>
+            <a:r>
+              <a:rPr lang="ko-KR" altLang="en-US" sz="1400" b="1" dirty="0">
+                <a:solidFill>
+                  <a:srgbClr val="FF0000"/>
+                </a:solidFill>
+              </a:rPr>
+              <a:t>및 라벨로 계층적 샘플링을 하였을 때와 비교</a:t>
+            </a:r>
+            <a:r>
+              <a:rPr lang="en-US" altLang="ko-KR" sz="1400" b="1" dirty="0">
+                <a:solidFill>
+                  <a:srgbClr val="FF0000"/>
+                </a:solidFill>
+              </a:rPr>
+              <a:t>)</a:t>
+            </a:r>
+            <a:endParaRPr lang="ko-KR" altLang="en-US" sz="1400" b="1" dirty="0">
+              <a:solidFill>
+                <a:srgbClr val="FF0000"/>
+              </a:solidFill>
+            </a:endParaRPr>
+          </a:p>
+        </p:txBody>
+      </p:sp>
     </p:spTree>
     <p:extLst>
       <p:ext uri="{BB962C8B-B14F-4D97-AF65-F5344CB8AC3E}">
@@ -11166,7 +12107,7 @@
 </p:sld>
 </file>
 
-<file path=ppt/slides/slide21.xml><?xml version="1.0" encoding="utf-8"?>
+<file path=ppt/slides/slide22.xml><?xml version="1.0" encoding="utf-8"?>
 <p:sld xmlns:a="http://schemas.openxmlformats.org/drawingml/2006/main" xmlns:r="http://schemas.openxmlformats.org/officeDocument/2006/relationships" xmlns:p="http://schemas.openxmlformats.org/presentationml/2006/main">
   <p:cSld>
     <p:spTree>
@@ -11712,7 +12653,7 @@
 </p:sld>
 </file>
 
-<file path=ppt/slides/slide22.xml><?xml version="1.0" encoding="utf-8"?>
+<file path=ppt/slides/slide23.xml><?xml version="1.0" encoding="utf-8"?>
 <p:sld xmlns:a="http://schemas.openxmlformats.org/drawingml/2006/main" xmlns:r="http://schemas.openxmlformats.org/officeDocument/2006/relationships" xmlns:p="http://schemas.openxmlformats.org/presentationml/2006/main">
   <p:cSld>
     <p:spTree>
@@ -11907,7 +12848,7 @@
 </p:sld>
 </file>
 
-<file path=ppt/slides/slide23.xml><?xml version="1.0" encoding="utf-8"?>
+<file path=ppt/slides/slide24.xml><?xml version="1.0" encoding="utf-8"?>
 <p:sld xmlns:a="http://schemas.openxmlformats.org/drawingml/2006/main" xmlns:r="http://schemas.openxmlformats.org/officeDocument/2006/relationships" xmlns:p="http://schemas.openxmlformats.org/presentationml/2006/main">
   <p:cSld>
     <p:spTree>
@@ -12234,317 +13175,6 @@
     <p:extLst>
       <p:ext uri="{BB962C8B-B14F-4D97-AF65-F5344CB8AC3E}">
         <p14:creationId xmlns:p14="http://schemas.microsoft.com/office/powerpoint/2010/main" val="1300052509"/>
-      </p:ext>
-    </p:extLst>
-  </p:cSld>
-  <p:clrMapOvr>
-    <a:masterClrMapping/>
-  </p:clrMapOvr>
-  <p:transition>
-    <p:fade/>
-  </p:transition>
-</p:sld>
-</file>
-
-<file path=ppt/slides/slide24.xml><?xml version="1.0" encoding="utf-8"?>
-<p:sld xmlns:a="http://schemas.openxmlformats.org/drawingml/2006/main" xmlns:r="http://schemas.openxmlformats.org/officeDocument/2006/relationships" xmlns:p="http://schemas.openxmlformats.org/presentationml/2006/main">
-  <p:cSld>
-    <p:spTree>
-      <p:nvGrpSpPr>
-        <p:cNvPr id="1" name=""/>
-        <p:cNvGrpSpPr/>
-        <p:nvPr/>
-      </p:nvGrpSpPr>
-      <p:grpSpPr>
-        <a:xfrm>
-          <a:off x="0" y="0"/>
-          <a:ext cx="0" cy="0"/>
-          <a:chOff x="0" y="0"/>
-          <a:chExt cx="0" cy="0"/>
-        </a:xfrm>
-      </p:grpSpPr>
-      <p:sp>
-        <p:nvSpPr>
-          <p:cNvPr id="14" name="내용 개체 틀 1"/>
-          <p:cNvSpPr>
-            <a:spLocks noGrp="1"/>
-          </p:cNvSpPr>
-          <p:nvPr>
-            <p:ph/>
-          </p:nvPr>
-        </p:nvSpPr>
-        <p:spPr bwMode="auto">
-          <a:xfrm>
-            <a:off x="179387" y="981075"/>
-            <a:ext cx="8785225" cy="431800"/>
-          </a:xfrm>
-          <a:noFill/>
-          <a:ln>
-            <a:miter lim="800000"/>
-            <a:headEnd/>
-            <a:tailEnd/>
-          </a:ln>
-        </p:spPr>
-        <p:txBody>
-          <a:bodyPr vert="horz" wrap="square" lIns="91440" tIns="45720" rIns="91440" bIns="45720" numCol="1" anchor="t" anchorCtr="0" compatLnSpc="1">
-            <a:prstTxWarp prst="textNoShape">
-              <a:avLst/>
-            </a:prstTxWarp>
-          </a:bodyPr>
-          <a:lstStyle/>
-          <a:p>
-            <a:r>
-              <a:rPr lang="ko-KR" altLang="en-US" dirty="0">
-                <a:latin typeface="HY헤드라인M" pitchFamily="18" charset="-127"/>
-                <a:ea typeface="HY헤드라인M" pitchFamily="18" charset="-127"/>
-              </a:rPr>
-              <a:t>특성 스케일링</a:t>
-            </a:r>
-          </a:p>
-        </p:txBody>
-      </p:sp>
-      <p:sp>
-        <p:nvSpPr>
-          <p:cNvPr id="9" name="TextBox 8"/>
-          <p:cNvSpPr txBox="1"/>
-          <p:nvPr/>
-        </p:nvSpPr>
-        <p:spPr>
-          <a:xfrm>
-            <a:off x="607545" y="1422600"/>
-            <a:ext cx="8280724" cy="482120"/>
-          </a:xfrm>
-          <a:prstGeom prst="rect">
-            <a:avLst/>
-          </a:prstGeom>
-          <a:noFill/>
-        </p:spPr>
-        <p:txBody>
-          <a:bodyPr wrap="square" rtlCol="0">
-            <a:spAutoFit/>
-          </a:bodyPr>
-          <a:lstStyle/>
-          <a:p>
-            <a:pPr marL="285750" indent="-285750" algn="just">
-              <a:lnSpc>
-                <a:spcPct val="150000"/>
-              </a:lnSpc>
-              <a:buClr>
-                <a:srgbClr val="C00000"/>
-              </a:buClr>
-              <a:buFont typeface="Wingdings" panose="05000000000000000000" pitchFamily="2" charset="2"/>
-              <a:buChar char="l"/>
-            </a:pPr>
-            <a:r>
-              <a:rPr lang="en-US" altLang="ko-KR" sz="2000" dirty="0">
-                <a:latin typeface="HY헤드라인M" panose="02030600000101010101" pitchFamily="18" charset="-127"/>
-                <a:ea typeface="HY헤드라인M" panose="02030600000101010101" pitchFamily="18" charset="-127"/>
-              </a:rPr>
-              <a:t>Min-Max Scaler (</a:t>
-            </a:r>
-            <a:r>
-              <a:rPr lang="ko-KR" altLang="en-US" sz="2000" dirty="0">
-                <a:latin typeface="HY헤드라인M" panose="02030600000101010101" pitchFamily="18" charset="-127"/>
-                <a:ea typeface="HY헤드라인M" panose="02030600000101010101" pitchFamily="18" charset="-127"/>
-              </a:rPr>
-              <a:t>데이터 표준화</a:t>
-            </a:r>
-            <a:r>
-              <a:rPr lang="en-US" altLang="ko-KR" sz="2000" dirty="0">
-                <a:latin typeface="HY헤드라인M" panose="02030600000101010101" pitchFamily="18" charset="-127"/>
-                <a:ea typeface="HY헤드라인M" panose="02030600000101010101" pitchFamily="18" charset="-127"/>
-              </a:rPr>
-              <a:t>)</a:t>
-            </a:r>
-          </a:p>
-        </p:txBody>
-      </p:sp>
-      <p:sp>
-        <p:nvSpPr>
-          <p:cNvPr id="2" name="Rectangle 203">
-            <a:extLst>
-              <a:ext uri="{FF2B5EF4-FFF2-40B4-BE49-F238E27FC236}">
-                <a16:creationId xmlns:a16="http://schemas.microsoft.com/office/drawing/2014/main" id="{F3781700-51B4-0BC0-C3F4-E02EE8ECB30D}"/>
-              </a:ext>
-            </a:extLst>
-          </p:cNvPr>
-          <p:cNvSpPr>
-            <a:spLocks noChangeArrowheads="1"/>
-          </p:cNvSpPr>
-          <p:nvPr/>
-        </p:nvSpPr>
-        <p:spPr bwMode="auto">
-          <a:xfrm>
-            <a:off x="2051843" y="142852"/>
-            <a:ext cx="5040313" cy="457200"/>
-          </a:xfrm>
-          <a:prstGeom prst="rect">
-            <a:avLst/>
-          </a:prstGeom>
-          <a:noFill/>
-          <a:ln w="9525">
-            <a:noFill/>
-            <a:miter lim="800000"/>
-            <a:headEnd/>
-            <a:tailEnd/>
-          </a:ln>
-        </p:spPr>
-        <p:txBody>
-          <a:bodyPr>
-            <a:spAutoFit/>
-          </a:bodyPr>
-          <a:lstStyle/>
-          <a:p>
-            <a:pPr algn="ctr"/>
-            <a:r>
-              <a:rPr lang="ko-KR" altLang="en-US" sz="2400" b="1" dirty="0">
-                <a:solidFill>
-                  <a:schemeClr val="bg1"/>
-                </a:solidFill>
-                <a:latin typeface="HY헤드라인M" pitchFamily="18" charset="-127"/>
-                <a:ea typeface="HY헤드라인M" pitchFamily="18" charset="-127"/>
-              </a:rPr>
-              <a:t>데이터</a:t>
-            </a:r>
-            <a:r>
-              <a:rPr lang="en-US" altLang="ko-KR" sz="2400" b="1" dirty="0">
-                <a:solidFill>
-                  <a:schemeClr val="bg1"/>
-                </a:solidFill>
-                <a:latin typeface="HY헤드라인M" pitchFamily="18" charset="-127"/>
-                <a:ea typeface="HY헤드라인M" pitchFamily="18" charset="-127"/>
-              </a:rPr>
-              <a:t> </a:t>
-            </a:r>
-            <a:r>
-              <a:rPr lang="ko-KR" altLang="en-US" sz="2400" b="1" dirty="0">
-                <a:solidFill>
-                  <a:schemeClr val="bg1"/>
-                </a:solidFill>
-                <a:latin typeface="HY헤드라인M" pitchFamily="18" charset="-127"/>
-                <a:ea typeface="HY헤드라인M" pitchFamily="18" charset="-127"/>
-              </a:rPr>
-              <a:t>스케일링</a:t>
-            </a:r>
-          </a:p>
-        </p:txBody>
-      </p:sp>
-      <p:pic>
-        <p:nvPicPr>
-          <p:cNvPr id="6" name="그림 5">
-            <a:extLst>
-              <a:ext uri="{FF2B5EF4-FFF2-40B4-BE49-F238E27FC236}">
-                <a16:creationId xmlns:a16="http://schemas.microsoft.com/office/drawing/2014/main" id="{3A3B81D1-CE0C-256B-3FE1-D60D23B8941D}"/>
-              </a:ext>
-            </a:extLst>
-          </p:cNvPr>
-          <p:cNvPicPr>
-            <a:picLocks noChangeAspect="1"/>
-          </p:cNvPicPr>
-          <p:nvPr/>
-        </p:nvPicPr>
-        <p:blipFill>
-          <a:blip r:embed="rId3"/>
-          <a:stretch>
-            <a:fillRect/>
-          </a:stretch>
-        </p:blipFill>
-        <p:spPr>
-          <a:xfrm>
-            <a:off x="208483" y="2540961"/>
-            <a:ext cx="3960440" cy="2894439"/>
-          </a:xfrm>
-          <a:prstGeom prst="rect">
-            <a:avLst/>
-          </a:prstGeom>
-        </p:spPr>
-      </p:pic>
-      <p:pic>
-        <p:nvPicPr>
-          <p:cNvPr id="12" name="그림 11">
-            <a:extLst>
-              <a:ext uri="{FF2B5EF4-FFF2-40B4-BE49-F238E27FC236}">
-                <a16:creationId xmlns:a16="http://schemas.microsoft.com/office/drawing/2014/main" id="{A40F7241-94DD-5256-AC2F-04E22C3F91A6}"/>
-              </a:ext>
-            </a:extLst>
-          </p:cNvPr>
-          <p:cNvPicPr>
-            <a:picLocks noChangeAspect="1"/>
-          </p:cNvPicPr>
-          <p:nvPr/>
-        </p:nvPicPr>
-        <p:blipFill>
-          <a:blip r:embed="rId4"/>
-          <a:stretch>
-            <a:fillRect/>
-          </a:stretch>
-        </p:blipFill>
-        <p:spPr>
-          <a:xfrm>
-            <a:off x="4820218" y="2540961"/>
-            <a:ext cx="4083435" cy="3042270"/>
-          </a:xfrm>
-          <a:prstGeom prst="rect">
-            <a:avLst/>
-          </a:prstGeom>
-        </p:spPr>
-      </p:pic>
-      <p:sp>
-        <p:nvSpPr>
-          <p:cNvPr id="13" name="화살표: 오른쪽 12">
-            <a:extLst>
-              <a:ext uri="{FF2B5EF4-FFF2-40B4-BE49-F238E27FC236}">
-                <a16:creationId xmlns:a16="http://schemas.microsoft.com/office/drawing/2014/main" id="{EC0DD5DC-F7F7-9C7D-6D99-F6DD2F806806}"/>
-              </a:ext>
-            </a:extLst>
-          </p:cNvPr>
-          <p:cNvSpPr/>
-          <p:nvPr/>
-        </p:nvSpPr>
-        <p:spPr>
-          <a:xfrm>
-            <a:off x="4247963" y="3573016"/>
-            <a:ext cx="648072" cy="576064"/>
-          </a:xfrm>
-          <a:prstGeom prst="rightArrow">
-            <a:avLst/>
-          </a:prstGeom>
-          <a:noFill/>
-          <a:ln>
-            <a:solidFill>
-              <a:schemeClr val="tx1"/>
-            </a:solidFill>
-          </a:ln>
-        </p:spPr>
-        <p:style>
-          <a:lnRef idx="2">
-            <a:schemeClr val="accent1">
-              <a:shade val="50000"/>
-            </a:schemeClr>
-          </a:lnRef>
-          <a:fillRef idx="1">
-            <a:schemeClr val="accent1"/>
-          </a:fillRef>
-          <a:effectRef idx="0">
-            <a:schemeClr val="accent1"/>
-          </a:effectRef>
-          <a:fontRef idx="minor">
-            <a:schemeClr val="lt1"/>
-          </a:fontRef>
-        </p:style>
-        <p:txBody>
-          <a:bodyPr rtlCol="0" anchor="ctr"/>
-          <a:lstStyle/>
-          <a:p>
-            <a:pPr algn="ctr"/>
-            <a:endParaRPr lang="ko-KR" altLang="en-US"/>
-          </a:p>
-        </p:txBody>
-      </p:sp>
-    </p:spTree>
-    <p:extLst>
-      <p:ext uri="{BB962C8B-B14F-4D97-AF65-F5344CB8AC3E}">
-        <p14:creationId xmlns:p14="http://schemas.microsoft.com/office/powerpoint/2010/main" val="974793967"/>
       </p:ext>
     </p:extLst>
   </p:cSld>
@@ -12651,6 +13281,317 @@
                 <a:latin typeface="HY헤드라인M" panose="02030600000101010101" pitchFamily="18" charset="-127"/>
                 <a:ea typeface="HY헤드라인M" panose="02030600000101010101" pitchFamily="18" charset="-127"/>
               </a:rPr>
+              <a:t>Min-Max Scaler (</a:t>
+            </a:r>
+            <a:r>
+              <a:rPr lang="ko-KR" altLang="en-US" sz="2000" dirty="0">
+                <a:latin typeface="HY헤드라인M" panose="02030600000101010101" pitchFamily="18" charset="-127"/>
+                <a:ea typeface="HY헤드라인M" panose="02030600000101010101" pitchFamily="18" charset="-127"/>
+              </a:rPr>
+              <a:t>데이터 표준화</a:t>
+            </a:r>
+            <a:r>
+              <a:rPr lang="en-US" altLang="ko-KR" sz="2000" dirty="0">
+                <a:latin typeface="HY헤드라인M" panose="02030600000101010101" pitchFamily="18" charset="-127"/>
+                <a:ea typeface="HY헤드라인M" panose="02030600000101010101" pitchFamily="18" charset="-127"/>
+              </a:rPr>
+              <a:t>)</a:t>
+            </a:r>
+          </a:p>
+        </p:txBody>
+      </p:sp>
+      <p:sp>
+        <p:nvSpPr>
+          <p:cNvPr id="2" name="Rectangle 203">
+            <a:extLst>
+              <a:ext uri="{FF2B5EF4-FFF2-40B4-BE49-F238E27FC236}">
+                <a16:creationId xmlns:a16="http://schemas.microsoft.com/office/drawing/2014/main" id="{F3781700-51B4-0BC0-C3F4-E02EE8ECB30D}"/>
+              </a:ext>
+            </a:extLst>
+          </p:cNvPr>
+          <p:cNvSpPr>
+            <a:spLocks noChangeArrowheads="1"/>
+          </p:cNvSpPr>
+          <p:nvPr/>
+        </p:nvSpPr>
+        <p:spPr bwMode="auto">
+          <a:xfrm>
+            <a:off x="2051843" y="142852"/>
+            <a:ext cx="5040313" cy="457200"/>
+          </a:xfrm>
+          <a:prstGeom prst="rect">
+            <a:avLst/>
+          </a:prstGeom>
+          <a:noFill/>
+          <a:ln w="9525">
+            <a:noFill/>
+            <a:miter lim="800000"/>
+            <a:headEnd/>
+            <a:tailEnd/>
+          </a:ln>
+        </p:spPr>
+        <p:txBody>
+          <a:bodyPr>
+            <a:spAutoFit/>
+          </a:bodyPr>
+          <a:lstStyle/>
+          <a:p>
+            <a:pPr algn="ctr"/>
+            <a:r>
+              <a:rPr lang="ko-KR" altLang="en-US" sz="2400" b="1" dirty="0">
+                <a:solidFill>
+                  <a:schemeClr val="bg1"/>
+                </a:solidFill>
+                <a:latin typeface="HY헤드라인M" pitchFamily="18" charset="-127"/>
+                <a:ea typeface="HY헤드라인M" pitchFamily="18" charset="-127"/>
+              </a:rPr>
+              <a:t>데이터</a:t>
+            </a:r>
+            <a:r>
+              <a:rPr lang="en-US" altLang="ko-KR" sz="2400" b="1" dirty="0">
+                <a:solidFill>
+                  <a:schemeClr val="bg1"/>
+                </a:solidFill>
+                <a:latin typeface="HY헤드라인M" pitchFamily="18" charset="-127"/>
+                <a:ea typeface="HY헤드라인M" pitchFamily="18" charset="-127"/>
+              </a:rPr>
+              <a:t> </a:t>
+            </a:r>
+            <a:r>
+              <a:rPr lang="ko-KR" altLang="en-US" sz="2400" b="1" dirty="0">
+                <a:solidFill>
+                  <a:schemeClr val="bg1"/>
+                </a:solidFill>
+                <a:latin typeface="HY헤드라인M" pitchFamily="18" charset="-127"/>
+                <a:ea typeface="HY헤드라인M" pitchFamily="18" charset="-127"/>
+              </a:rPr>
+              <a:t>스케일링</a:t>
+            </a:r>
+          </a:p>
+        </p:txBody>
+      </p:sp>
+      <p:pic>
+        <p:nvPicPr>
+          <p:cNvPr id="6" name="그림 5">
+            <a:extLst>
+              <a:ext uri="{FF2B5EF4-FFF2-40B4-BE49-F238E27FC236}">
+                <a16:creationId xmlns:a16="http://schemas.microsoft.com/office/drawing/2014/main" id="{3A3B81D1-CE0C-256B-3FE1-D60D23B8941D}"/>
+              </a:ext>
+            </a:extLst>
+          </p:cNvPr>
+          <p:cNvPicPr>
+            <a:picLocks noChangeAspect="1"/>
+          </p:cNvPicPr>
+          <p:nvPr/>
+        </p:nvPicPr>
+        <p:blipFill>
+          <a:blip r:embed="rId3"/>
+          <a:stretch>
+            <a:fillRect/>
+          </a:stretch>
+        </p:blipFill>
+        <p:spPr>
+          <a:xfrm>
+            <a:off x="208483" y="2540961"/>
+            <a:ext cx="3960440" cy="2894439"/>
+          </a:xfrm>
+          <a:prstGeom prst="rect">
+            <a:avLst/>
+          </a:prstGeom>
+        </p:spPr>
+      </p:pic>
+      <p:pic>
+        <p:nvPicPr>
+          <p:cNvPr id="12" name="그림 11">
+            <a:extLst>
+              <a:ext uri="{FF2B5EF4-FFF2-40B4-BE49-F238E27FC236}">
+                <a16:creationId xmlns:a16="http://schemas.microsoft.com/office/drawing/2014/main" id="{A40F7241-94DD-5256-AC2F-04E22C3F91A6}"/>
+              </a:ext>
+            </a:extLst>
+          </p:cNvPr>
+          <p:cNvPicPr>
+            <a:picLocks noChangeAspect="1"/>
+          </p:cNvPicPr>
+          <p:nvPr/>
+        </p:nvPicPr>
+        <p:blipFill>
+          <a:blip r:embed="rId4"/>
+          <a:stretch>
+            <a:fillRect/>
+          </a:stretch>
+        </p:blipFill>
+        <p:spPr>
+          <a:xfrm>
+            <a:off x="4820218" y="2540961"/>
+            <a:ext cx="4083435" cy="3042270"/>
+          </a:xfrm>
+          <a:prstGeom prst="rect">
+            <a:avLst/>
+          </a:prstGeom>
+        </p:spPr>
+      </p:pic>
+      <p:sp>
+        <p:nvSpPr>
+          <p:cNvPr id="13" name="화살표: 오른쪽 12">
+            <a:extLst>
+              <a:ext uri="{FF2B5EF4-FFF2-40B4-BE49-F238E27FC236}">
+                <a16:creationId xmlns:a16="http://schemas.microsoft.com/office/drawing/2014/main" id="{EC0DD5DC-F7F7-9C7D-6D99-F6DD2F806806}"/>
+              </a:ext>
+            </a:extLst>
+          </p:cNvPr>
+          <p:cNvSpPr/>
+          <p:nvPr/>
+        </p:nvSpPr>
+        <p:spPr>
+          <a:xfrm>
+            <a:off x="4247963" y="3573016"/>
+            <a:ext cx="648072" cy="576064"/>
+          </a:xfrm>
+          <a:prstGeom prst="rightArrow">
+            <a:avLst/>
+          </a:prstGeom>
+          <a:noFill/>
+          <a:ln>
+            <a:solidFill>
+              <a:schemeClr val="tx1"/>
+            </a:solidFill>
+          </a:ln>
+        </p:spPr>
+        <p:style>
+          <a:lnRef idx="2">
+            <a:schemeClr val="accent1">
+              <a:shade val="50000"/>
+            </a:schemeClr>
+          </a:lnRef>
+          <a:fillRef idx="1">
+            <a:schemeClr val="accent1"/>
+          </a:fillRef>
+          <a:effectRef idx="0">
+            <a:schemeClr val="accent1"/>
+          </a:effectRef>
+          <a:fontRef idx="minor">
+            <a:schemeClr val="lt1"/>
+          </a:fontRef>
+        </p:style>
+        <p:txBody>
+          <a:bodyPr rtlCol="0" anchor="ctr"/>
+          <a:lstStyle/>
+          <a:p>
+            <a:pPr algn="ctr"/>
+            <a:endParaRPr lang="ko-KR" altLang="en-US"/>
+          </a:p>
+        </p:txBody>
+      </p:sp>
+    </p:spTree>
+    <p:extLst>
+      <p:ext uri="{BB962C8B-B14F-4D97-AF65-F5344CB8AC3E}">
+        <p14:creationId xmlns:p14="http://schemas.microsoft.com/office/powerpoint/2010/main" val="974793967"/>
+      </p:ext>
+    </p:extLst>
+  </p:cSld>
+  <p:clrMapOvr>
+    <a:masterClrMapping/>
+  </p:clrMapOvr>
+  <p:transition>
+    <p:fade/>
+  </p:transition>
+</p:sld>
+</file>
+
+<file path=ppt/slides/slide26.xml><?xml version="1.0" encoding="utf-8"?>
+<p:sld xmlns:a="http://schemas.openxmlformats.org/drawingml/2006/main" xmlns:r="http://schemas.openxmlformats.org/officeDocument/2006/relationships" xmlns:p="http://schemas.openxmlformats.org/presentationml/2006/main">
+  <p:cSld>
+    <p:spTree>
+      <p:nvGrpSpPr>
+        <p:cNvPr id="1" name=""/>
+        <p:cNvGrpSpPr/>
+        <p:nvPr/>
+      </p:nvGrpSpPr>
+      <p:grpSpPr>
+        <a:xfrm>
+          <a:off x="0" y="0"/>
+          <a:ext cx="0" cy="0"/>
+          <a:chOff x="0" y="0"/>
+          <a:chExt cx="0" cy="0"/>
+        </a:xfrm>
+      </p:grpSpPr>
+      <p:sp>
+        <p:nvSpPr>
+          <p:cNvPr id="14" name="내용 개체 틀 1"/>
+          <p:cNvSpPr>
+            <a:spLocks noGrp="1"/>
+          </p:cNvSpPr>
+          <p:nvPr>
+            <p:ph/>
+          </p:nvPr>
+        </p:nvSpPr>
+        <p:spPr bwMode="auto">
+          <a:xfrm>
+            <a:off x="179387" y="981075"/>
+            <a:ext cx="8785225" cy="431800"/>
+          </a:xfrm>
+          <a:noFill/>
+          <a:ln>
+            <a:miter lim="800000"/>
+            <a:headEnd/>
+            <a:tailEnd/>
+          </a:ln>
+        </p:spPr>
+        <p:txBody>
+          <a:bodyPr vert="horz" wrap="square" lIns="91440" tIns="45720" rIns="91440" bIns="45720" numCol="1" anchor="t" anchorCtr="0" compatLnSpc="1">
+            <a:prstTxWarp prst="textNoShape">
+              <a:avLst/>
+            </a:prstTxWarp>
+          </a:bodyPr>
+          <a:lstStyle/>
+          <a:p>
+            <a:r>
+              <a:rPr lang="ko-KR" altLang="en-US" dirty="0">
+                <a:latin typeface="HY헤드라인M" pitchFamily="18" charset="-127"/>
+                <a:ea typeface="HY헤드라인M" pitchFamily="18" charset="-127"/>
+              </a:rPr>
+              <a:t>특성 스케일링</a:t>
+            </a:r>
+          </a:p>
+        </p:txBody>
+      </p:sp>
+      <p:sp>
+        <p:nvSpPr>
+          <p:cNvPr id="9" name="TextBox 8"/>
+          <p:cNvSpPr txBox="1"/>
+          <p:nvPr/>
+        </p:nvSpPr>
+        <p:spPr>
+          <a:xfrm>
+            <a:off x="607545" y="1422600"/>
+            <a:ext cx="8280724" cy="482120"/>
+          </a:xfrm>
+          <a:prstGeom prst="rect">
+            <a:avLst/>
+          </a:prstGeom>
+          <a:noFill/>
+        </p:spPr>
+        <p:txBody>
+          <a:bodyPr wrap="square" rtlCol="0">
+            <a:spAutoFit/>
+          </a:bodyPr>
+          <a:lstStyle/>
+          <a:p>
+            <a:pPr marL="285750" indent="-285750" algn="just">
+              <a:lnSpc>
+                <a:spcPct val="150000"/>
+              </a:lnSpc>
+              <a:buClr>
+                <a:srgbClr val="C00000"/>
+              </a:buClr>
+              <a:buFont typeface="Wingdings" panose="05000000000000000000" pitchFamily="2" charset="2"/>
+              <a:buChar char="l"/>
+            </a:pPr>
+            <a:r>
+              <a:rPr lang="en-US" altLang="ko-KR" sz="2000" dirty="0">
+                <a:latin typeface="HY헤드라인M" panose="02030600000101010101" pitchFamily="18" charset="-127"/>
+                <a:ea typeface="HY헤드라인M" panose="02030600000101010101" pitchFamily="18" charset="-127"/>
+              </a:rPr>
               <a:t>Simple</a:t>
             </a:r>
             <a:r>
@@ -12877,7 +13818,7 @@
 </p:sld>
 </file>
 
-<file path=ppt/slides/slide26.xml><?xml version="1.0" encoding="utf-8"?>
+<file path=ppt/slides/slide27.xml><?xml version="1.0" encoding="utf-8"?>
 <p:sld xmlns:a="http://schemas.openxmlformats.org/drawingml/2006/main" xmlns:r="http://schemas.openxmlformats.org/officeDocument/2006/relationships" xmlns:p="http://schemas.openxmlformats.org/presentationml/2006/main">
   <p:cSld>
     <p:spTree>
@@ -13096,7 +14037,7 @@
 </p:sld>
 </file>
 
-<file path=ppt/slides/slide27.xml><?xml version="1.0" encoding="utf-8"?>
+<file path=ppt/slides/slide28.xml><?xml version="1.0" encoding="utf-8"?>
 <p:sld xmlns:a="http://schemas.openxmlformats.org/drawingml/2006/main" xmlns:r="http://schemas.openxmlformats.org/officeDocument/2006/relationships" xmlns:p="http://schemas.openxmlformats.org/presentationml/2006/main">
   <p:cSld>
     <p:spTree>
@@ -13385,214 +14326,6 @@
     <p:extLst>
       <p:ext uri="{BB962C8B-B14F-4D97-AF65-F5344CB8AC3E}">
         <p14:creationId xmlns:p14="http://schemas.microsoft.com/office/powerpoint/2010/main" val="4241000825"/>
-      </p:ext>
-    </p:extLst>
-  </p:cSld>
-  <p:clrMapOvr>
-    <a:masterClrMapping/>
-  </p:clrMapOvr>
-  <p:transition>
-    <p:fade/>
-  </p:transition>
-</p:sld>
-</file>
-
-<file path=ppt/slides/slide28.xml><?xml version="1.0" encoding="utf-8"?>
-<p:sld xmlns:a="http://schemas.openxmlformats.org/drawingml/2006/main" xmlns:r="http://schemas.openxmlformats.org/officeDocument/2006/relationships" xmlns:p="http://schemas.openxmlformats.org/presentationml/2006/main">
-  <p:cSld>
-    <p:spTree>
-      <p:nvGrpSpPr>
-        <p:cNvPr id="1" name=""/>
-        <p:cNvGrpSpPr/>
-        <p:nvPr/>
-      </p:nvGrpSpPr>
-      <p:grpSpPr>
-        <a:xfrm>
-          <a:off x="0" y="0"/>
-          <a:ext cx="0" cy="0"/>
-          <a:chOff x="0" y="0"/>
-          <a:chExt cx="0" cy="0"/>
-        </a:xfrm>
-      </p:grpSpPr>
-      <p:sp>
-        <p:nvSpPr>
-          <p:cNvPr id="14" name="내용 개체 틀 1"/>
-          <p:cNvSpPr>
-            <a:spLocks noGrp="1"/>
-          </p:cNvSpPr>
-          <p:nvPr>
-            <p:ph/>
-          </p:nvPr>
-        </p:nvSpPr>
-        <p:spPr bwMode="auto">
-          <a:xfrm>
-            <a:off x="179387" y="981075"/>
-            <a:ext cx="8785225" cy="431800"/>
-          </a:xfrm>
-          <a:noFill/>
-          <a:ln>
-            <a:miter lim="800000"/>
-            <a:headEnd/>
-            <a:tailEnd/>
-          </a:ln>
-        </p:spPr>
-        <p:txBody>
-          <a:bodyPr vert="horz" wrap="square" lIns="91440" tIns="45720" rIns="91440" bIns="45720" numCol="1" anchor="t" anchorCtr="0" compatLnSpc="1">
-            <a:prstTxWarp prst="textNoShape">
-              <a:avLst/>
-            </a:prstTxWarp>
-          </a:bodyPr>
-          <a:lstStyle/>
-          <a:p>
-            <a:r>
-              <a:rPr lang="ko-KR" altLang="en-US" dirty="0">
-                <a:latin typeface="HY헤드라인M" pitchFamily="18" charset="-127"/>
-                <a:ea typeface="HY헤드라인M" pitchFamily="18" charset="-127"/>
-              </a:rPr>
-              <a:t>파이프라인 구성</a:t>
-            </a:r>
-          </a:p>
-        </p:txBody>
-      </p:sp>
-      <p:sp>
-        <p:nvSpPr>
-          <p:cNvPr id="2" name="Rectangle 203">
-            <a:extLst>
-              <a:ext uri="{FF2B5EF4-FFF2-40B4-BE49-F238E27FC236}">
-                <a16:creationId xmlns:a16="http://schemas.microsoft.com/office/drawing/2014/main" id="{F3781700-51B4-0BC0-C3F4-E02EE8ECB30D}"/>
-              </a:ext>
-            </a:extLst>
-          </p:cNvPr>
-          <p:cNvSpPr>
-            <a:spLocks noChangeArrowheads="1"/>
-          </p:cNvSpPr>
-          <p:nvPr/>
-        </p:nvSpPr>
-        <p:spPr bwMode="auto">
-          <a:xfrm>
-            <a:off x="2051843" y="142852"/>
-            <a:ext cx="5040313" cy="457200"/>
-          </a:xfrm>
-          <a:prstGeom prst="rect">
-            <a:avLst/>
-          </a:prstGeom>
-          <a:noFill/>
-          <a:ln w="9525">
-            <a:noFill/>
-            <a:miter lim="800000"/>
-            <a:headEnd/>
-            <a:tailEnd/>
-          </a:ln>
-        </p:spPr>
-        <p:txBody>
-          <a:bodyPr>
-            <a:spAutoFit/>
-          </a:bodyPr>
-          <a:lstStyle/>
-          <a:p>
-            <a:pPr algn="ctr"/>
-            <a:r>
-              <a:rPr lang="ko-KR" altLang="en-US" sz="2400" b="1" dirty="0">
-                <a:solidFill>
-                  <a:schemeClr val="bg1"/>
-                </a:solidFill>
-                <a:latin typeface="HY헤드라인M" pitchFamily="18" charset="-127"/>
-                <a:ea typeface="HY헤드라인M" pitchFamily="18" charset="-127"/>
-              </a:rPr>
-              <a:t>파이프라인 구성</a:t>
-            </a:r>
-          </a:p>
-        </p:txBody>
-      </p:sp>
-      <p:sp>
-        <p:nvSpPr>
-          <p:cNvPr id="3" name="TextBox 2">
-            <a:extLst>
-              <a:ext uri="{FF2B5EF4-FFF2-40B4-BE49-F238E27FC236}">
-                <a16:creationId xmlns:a16="http://schemas.microsoft.com/office/drawing/2014/main" id="{669C6553-957D-AFF8-6A34-2F349878E9EF}"/>
-              </a:ext>
-            </a:extLst>
-          </p:cNvPr>
-          <p:cNvSpPr txBox="1"/>
-          <p:nvPr/>
-        </p:nvSpPr>
-        <p:spPr>
-          <a:xfrm>
-            <a:off x="514350" y="1422600"/>
-            <a:ext cx="8280724" cy="482120"/>
-          </a:xfrm>
-          <a:prstGeom prst="rect">
-            <a:avLst/>
-          </a:prstGeom>
-          <a:noFill/>
-        </p:spPr>
-        <p:txBody>
-          <a:bodyPr wrap="square" rtlCol="0">
-            <a:spAutoFit/>
-          </a:bodyPr>
-          <a:lstStyle/>
-          <a:p>
-            <a:pPr marL="285750" indent="-285750" algn="just">
-              <a:lnSpc>
-                <a:spcPct val="150000"/>
-              </a:lnSpc>
-              <a:buClr>
-                <a:srgbClr val="C00000"/>
-              </a:buClr>
-              <a:buFont typeface="Wingdings" panose="05000000000000000000" pitchFamily="2" charset="2"/>
-              <a:buChar char="l"/>
-            </a:pPr>
-            <a:r>
-              <a:rPr lang="en-US" altLang="ko-KR" sz="2000" dirty="0">
-                <a:latin typeface="HY헤드라인M" panose="02030600000101010101" pitchFamily="18" charset="-127"/>
-                <a:ea typeface="HY헤드라인M" panose="02030600000101010101" pitchFamily="18" charset="-127"/>
-              </a:rPr>
-              <a:t>Log Pipeline </a:t>
-            </a:r>
-            <a:r>
-              <a:rPr lang="en-US" altLang="ko-KR" sz="1600" dirty="0">
-                <a:latin typeface="HY헤드라인M" panose="02030600000101010101" pitchFamily="18" charset="-127"/>
-                <a:ea typeface="HY헤드라인M" panose="02030600000101010101" pitchFamily="18" charset="-127"/>
-              </a:rPr>
-              <a:t>– Logarithm + Default Pipeline</a:t>
-            </a:r>
-          </a:p>
-        </p:txBody>
-      </p:sp>
-      <p:pic>
-        <p:nvPicPr>
-          <p:cNvPr id="5" name="그림 4">
-            <a:extLst>
-              <a:ext uri="{FF2B5EF4-FFF2-40B4-BE49-F238E27FC236}">
-                <a16:creationId xmlns:a16="http://schemas.microsoft.com/office/drawing/2014/main" id="{A19E18BD-0A31-08DD-69CC-E45BCC07637A}"/>
-              </a:ext>
-            </a:extLst>
-          </p:cNvPr>
-          <p:cNvPicPr>
-            <a:picLocks noChangeAspect="1"/>
-          </p:cNvPicPr>
-          <p:nvPr/>
-        </p:nvPicPr>
-        <p:blipFill>
-          <a:blip r:embed="rId3"/>
-          <a:stretch>
-            <a:fillRect/>
-          </a:stretch>
-        </p:blipFill>
-        <p:spPr>
-          <a:xfrm>
-            <a:off x="1619672" y="1988840"/>
-            <a:ext cx="5335021" cy="3240360"/>
-          </a:xfrm>
-          <a:prstGeom prst="rect">
-            <a:avLst/>
-          </a:prstGeom>
-        </p:spPr>
-      </p:pic>
-    </p:spTree>
-    <p:extLst>
-      <p:ext uri="{BB962C8B-B14F-4D97-AF65-F5344CB8AC3E}">
-        <p14:creationId xmlns:p14="http://schemas.microsoft.com/office/powerpoint/2010/main" val="3727444881"/>
       </p:ext>
     </p:extLst>
   </p:cSld>
@@ -13664,62 +14397,6 @@
       </p:sp>
       <p:sp>
         <p:nvSpPr>
-          <p:cNvPr id="9" name="TextBox 8"/>
-          <p:cNvSpPr txBox="1"/>
-          <p:nvPr/>
-        </p:nvSpPr>
-        <p:spPr>
-          <a:xfrm>
-            <a:off x="514350" y="1422600"/>
-            <a:ext cx="8629650" cy="482120"/>
-          </a:xfrm>
-          <a:prstGeom prst="rect">
-            <a:avLst/>
-          </a:prstGeom>
-          <a:noFill/>
-        </p:spPr>
-        <p:txBody>
-          <a:bodyPr wrap="square" rtlCol="0">
-            <a:spAutoFit/>
-          </a:bodyPr>
-          <a:lstStyle/>
-          <a:p>
-            <a:pPr marL="285750" indent="-285750" algn="just">
-              <a:lnSpc>
-                <a:spcPct val="150000"/>
-              </a:lnSpc>
-              <a:buClr>
-                <a:srgbClr val="C00000"/>
-              </a:buClr>
-              <a:buFont typeface="Wingdings" panose="05000000000000000000" pitchFamily="2" charset="2"/>
-              <a:buChar char="l"/>
-            </a:pPr>
-            <a:r>
-              <a:rPr lang="ko-KR" altLang="en-US" sz="2000" dirty="0">
-                <a:latin typeface="HY헤드라인M" panose="02030600000101010101" pitchFamily="18" charset="-127"/>
-                <a:ea typeface="HY헤드라인M" panose="02030600000101010101" pitchFamily="18" charset="-127"/>
-              </a:rPr>
-              <a:t>전체 파이프라인 </a:t>
-            </a:r>
-            <a:r>
-              <a:rPr lang="en-US" altLang="ko-KR" sz="2000" dirty="0">
-                <a:latin typeface="HY헤드라인M" panose="02030600000101010101" pitchFamily="18" charset="-127"/>
-                <a:ea typeface="HY헤드라인M" panose="02030600000101010101" pitchFamily="18" charset="-127"/>
-              </a:rPr>
-              <a:t>: </a:t>
-            </a:r>
-            <a:r>
-              <a:rPr lang="en-US" altLang="ko-KR" sz="1600" dirty="0">
-                <a:latin typeface="HY헤드라인M" panose="02030600000101010101" pitchFamily="18" charset="-127"/>
-                <a:ea typeface="HY헤드라인M" panose="02030600000101010101" pitchFamily="18" charset="-127"/>
-              </a:rPr>
-              <a:t>Ratio pipeline → Log pipeline → Default pipeline(Remainder)  </a:t>
-            </a:r>
-          </a:p>
-        </p:txBody>
-      </p:sp>
-      <p:sp>
-        <p:nvSpPr>
           <p:cNvPr id="2" name="Rectangle 203">
             <a:extLst>
               <a:ext uri="{FF2B5EF4-FFF2-40B4-BE49-F238E27FC236}">
@@ -13768,12 +14445,67 @@
           </a:p>
         </p:txBody>
       </p:sp>
+      <p:sp>
+        <p:nvSpPr>
+          <p:cNvPr id="3" name="TextBox 2">
+            <a:extLst>
+              <a:ext uri="{FF2B5EF4-FFF2-40B4-BE49-F238E27FC236}">
+                <a16:creationId xmlns:a16="http://schemas.microsoft.com/office/drawing/2014/main" id="{669C6553-957D-AFF8-6A34-2F349878E9EF}"/>
+              </a:ext>
+            </a:extLst>
+          </p:cNvPr>
+          <p:cNvSpPr txBox="1"/>
+          <p:nvPr/>
+        </p:nvSpPr>
+        <p:spPr>
+          <a:xfrm>
+            <a:off x="514350" y="1422600"/>
+            <a:ext cx="8280724" cy="482120"/>
+          </a:xfrm>
+          <a:prstGeom prst="rect">
+            <a:avLst/>
+          </a:prstGeom>
+          <a:noFill/>
+        </p:spPr>
+        <p:txBody>
+          <a:bodyPr wrap="square" rtlCol="0">
+            <a:spAutoFit/>
+          </a:bodyPr>
+          <a:lstStyle/>
+          <a:p>
+            <a:pPr marL="285750" indent="-285750" algn="just">
+              <a:lnSpc>
+                <a:spcPct val="150000"/>
+              </a:lnSpc>
+              <a:buClr>
+                <a:srgbClr val="C00000"/>
+              </a:buClr>
+              <a:buFont typeface="Wingdings" panose="05000000000000000000" pitchFamily="2" charset="2"/>
+              <a:buChar char="l"/>
+            </a:pPr>
+            <a:r>
+              <a:rPr lang="en-US" altLang="ko-KR" sz="2000" dirty="0">
+                <a:latin typeface="HY헤드라인M" panose="02030600000101010101" pitchFamily="18" charset="-127"/>
+                <a:ea typeface="HY헤드라인M" panose="02030600000101010101" pitchFamily="18" charset="-127"/>
+              </a:rPr>
+              <a:t>Log Pipeline </a:t>
+            </a:r>
+            <a:r>
+              <a:rPr lang="en-US" altLang="ko-KR" sz="1600" dirty="0">
+                <a:latin typeface="HY헤드라인M" panose="02030600000101010101" pitchFamily="18" charset="-127"/>
+                <a:ea typeface="HY헤드라인M" panose="02030600000101010101" pitchFamily="18" charset="-127"/>
+              </a:rPr>
+              <a:t>– Logarithm + Default Pipeline</a:t>
+            </a:r>
+          </a:p>
+        </p:txBody>
+      </p:sp>
       <p:pic>
         <p:nvPicPr>
-          <p:cNvPr id="4" name="그림 3">
+          <p:cNvPr id="5" name="그림 4">
             <a:extLst>
               <a:ext uri="{FF2B5EF4-FFF2-40B4-BE49-F238E27FC236}">
-                <a16:creationId xmlns:a16="http://schemas.microsoft.com/office/drawing/2014/main" id="{A8869395-AAF9-E4EC-8B17-2FB4436A2FB7}"/>
+                <a16:creationId xmlns:a16="http://schemas.microsoft.com/office/drawing/2014/main" id="{A19E18BD-0A31-08DD-69CC-E45BCC07637A}"/>
               </a:ext>
             </a:extLst>
           </p:cNvPr>
@@ -13790,8 +14522,8 @@
         </p:blipFill>
         <p:spPr>
           <a:xfrm>
-            <a:off x="1259632" y="2204864"/>
-            <a:ext cx="5973588" cy="3933528"/>
+            <a:off x="1619672" y="1988840"/>
+            <a:ext cx="5335021" cy="3240360"/>
           </a:xfrm>
           <a:prstGeom prst="rect">
             <a:avLst/>
@@ -13801,7 +14533,7 @@
     </p:spTree>
     <p:extLst>
       <p:ext uri="{BB962C8B-B14F-4D97-AF65-F5344CB8AC3E}">
-        <p14:creationId xmlns:p14="http://schemas.microsoft.com/office/powerpoint/2010/main" val="1290180636"/>
+        <p14:creationId xmlns:p14="http://schemas.microsoft.com/office/powerpoint/2010/main" val="3727444881"/>
       </p:ext>
     </p:extLst>
   </p:cSld>
@@ -13989,201 +14721,6 @@
           <a:chExt cx="0" cy="0"/>
         </a:xfrm>
       </p:grpSpPr>
-      <p:pic>
-        <p:nvPicPr>
-          <p:cNvPr id="3" name="Picture 5" descr="Aqua"/>
-          <p:cNvPicPr>
-            <a:picLocks noChangeAspect="1" noChangeArrowheads="1"/>
-          </p:cNvPicPr>
-          <p:nvPr/>
-        </p:nvPicPr>
-        <p:blipFill>
-          <a:blip r:embed="rId2" cstate="print"/>
-          <a:srcRect/>
-          <a:stretch>
-            <a:fillRect/>
-          </a:stretch>
-        </p:blipFill>
-        <p:spPr bwMode="auto">
-          <a:xfrm>
-            <a:off x="2008562" y="3109938"/>
-            <a:ext cx="933450" cy="868243"/>
-          </a:xfrm>
-          <a:prstGeom prst="rect">
-            <a:avLst/>
-          </a:prstGeom>
-          <a:noFill/>
-          <a:ln w="9525">
-            <a:noFill/>
-            <a:miter lim="800000"/>
-            <a:headEnd/>
-            <a:tailEnd/>
-          </a:ln>
-        </p:spPr>
-      </p:pic>
-      <p:sp>
-        <p:nvSpPr>
-          <p:cNvPr id="4" name="직사각형 3"/>
-          <p:cNvSpPr/>
-          <p:nvPr/>
-        </p:nvSpPr>
-        <p:spPr>
-          <a:xfrm>
-            <a:off x="2224784" y="3127082"/>
-            <a:ext cx="474810" cy="707886"/>
-          </a:xfrm>
-          <a:prstGeom prst="rect">
-            <a:avLst/>
-          </a:prstGeom>
-          <a:noFill/>
-        </p:spPr>
-        <p:txBody>
-          <a:bodyPr wrap="none" lIns="91440" tIns="45720" rIns="91440" bIns="45720">
-            <a:spAutoFit/>
-          </a:bodyPr>
-          <a:lstStyle/>
-          <a:p>
-            <a:pPr algn="ctr"/>
-            <a:r>
-              <a:rPr lang="en-US" altLang="ko-KR" sz="4000" b="1" cap="none" spc="0" dirty="0">
-                <a:ln w="17780" cmpd="sng">
-                  <a:solidFill>
-                    <a:schemeClr val="accent1">
-                      <a:tint val="3000"/>
-                    </a:schemeClr>
-                  </a:solidFill>
-                  <a:prstDash val="solid"/>
-                  <a:miter lim="800000"/>
-                </a:ln>
-                <a:solidFill>
-                  <a:schemeClr val="tx2">
-                    <a:lumMod val="60000"/>
-                    <a:lumOff val="40000"/>
-                  </a:schemeClr>
-                </a:solidFill>
-                <a:effectLst>
-                  <a:outerShdw blurRad="55000" dist="50800" dir="5400000" algn="tl">
-                    <a:srgbClr val="000000">
-                      <a:alpha val="33000"/>
-                    </a:srgbClr>
-                  </a:outerShdw>
-                </a:effectLst>
-              </a:rPr>
-              <a:t>7</a:t>
-            </a:r>
-          </a:p>
-        </p:txBody>
-      </p:sp>
-      <p:sp>
-        <p:nvSpPr>
-          <p:cNvPr id="8" name="Rectangle 203"/>
-          <p:cNvSpPr>
-            <a:spLocks noChangeArrowheads="1"/>
-          </p:cNvSpPr>
-          <p:nvPr/>
-        </p:nvSpPr>
-        <p:spPr bwMode="auto">
-          <a:xfrm>
-            <a:off x="2915816" y="3109938"/>
-            <a:ext cx="4104456" cy="638123"/>
-          </a:xfrm>
-          <a:prstGeom prst="rect">
-            <a:avLst/>
-          </a:prstGeom>
-          <a:noFill/>
-          <a:ln w="9525">
-            <a:noFill/>
-            <a:miter lim="800000"/>
-            <a:headEnd/>
-            <a:tailEnd/>
-          </a:ln>
-        </p:spPr>
-        <p:txBody>
-          <a:bodyPr wrap="square">
-            <a:spAutoFit/>
-          </a:bodyPr>
-          <a:lstStyle/>
-          <a:p>
-            <a:pPr>
-              <a:lnSpc>
-                <a:spcPct val="150000"/>
-              </a:lnSpc>
-            </a:pPr>
-            <a:r>
-              <a:rPr lang="en-US" altLang="ko-KR" sz="2800" b="1" dirty="0">
-                <a:latin typeface="HY헤드라인M" pitchFamily="18" charset="-127"/>
-                <a:ea typeface="HY헤드라인M" pitchFamily="18" charset="-127"/>
-              </a:rPr>
-              <a:t>6</a:t>
-            </a:r>
-            <a:r>
-              <a:rPr lang="ko-KR" altLang="en-US" sz="2800" b="1" dirty="0">
-                <a:latin typeface="HY헤드라인M" pitchFamily="18" charset="-127"/>
-                <a:ea typeface="HY헤드라인M" pitchFamily="18" charset="-127"/>
-              </a:rPr>
-              <a:t>단계 </a:t>
-            </a:r>
-            <a:r>
-              <a:rPr lang="en-US" altLang="ko-KR" sz="2800" b="1" dirty="0">
-                <a:latin typeface="HY헤드라인M" pitchFamily="18" charset="-127"/>
-                <a:ea typeface="HY헤드라인M" pitchFamily="18" charset="-127"/>
-              </a:rPr>
-              <a:t>(</a:t>
-            </a:r>
-            <a:r>
-              <a:rPr lang="ko-KR" altLang="en-US" sz="2800" b="1" dirty="0">
-                <a:latin typeface="HY헤드라인M" pitchFamily="18" charset="-127"/>
-                <a:ea typeface="HY헤드라인M" pitchFamily="18" charset="-127"/>
-              </a:rPr>
-              <a:t>모델 선택 및 훈련</a:t>
-            </a:r>
-            <a:r>
-              <a:rPr lang="en-US" altLang="ko-KR" sz="2800" b="1" dirty="0">
-                <a:latin typeface="HY헤드라인M" pitchFamily="18" charset="-127"/>
-                <a:ea typeface="HY헤드라인M" pitchFamily="18" charset="-127"/>
-              </a:rPr>
-              <a:t>)</a:t>
-            </a:r>
-            <a:endParaRPr lang="ko-KR" altLang="en-US" sz="2800" b="1" dirty="0">
-              <a:latin typeface="HY헤드라인M" pitchFamily="18" charset="-127"/>
-              <a:ea typeface="HY헤드라인M" pitchFamily="18" charset="-127"/>
-            </a:endParaRPr>
-          </a:p>
-        </p:txBody>
-      </p:sp>
-    </p:spTree>
-    <p:extLst>
-      <p:ext uri="{BB962C8B-B14F-4D97-AF65-F5344CB8AC3E}">
-        <p14:creationId xmlns:p14="http://schemas.microsoft.com/office/powerpoint/2010/main" val="783436203"/>
-      </p:ext>
-    </p:extLst>
-  </p:cSld>
-  <p:clrMapOvr>
-    <a:masterClrMapping/>
-  </p:clrMapOvr>
-  <p:transition>
-    <p:fade/>
-  </p:transition>
-</p:sld>
-</file>
-
-<file path=ppt/slides/slide31.xml><?xml version="1.0" encoding="utf-8"?>
-<p:sld xmlns:a="http://schemas.openxmlformats.org/drawingml/2006/main" xmlns:r="http://schemas.openxmlformats.org/officeDocument/2006/relationships" xmlns:p="http://schemas.openxmlformats.org/presentationml/2006/main">
-  <p:cSld>
-    <p:spTree>
-      <p:nvGrpSpPr>
-        <p:cNvPr id="1" name=""/>
-        <p:cNvGrpSpPr/>
-        <p:nvPr/>
-      </p:nvGrpSpPr>
-      <p:grpSpPr>
-        <a:xfrm>
-          <a:off x="0" y="0"/>
-          <a:ext cx="0" cy="0"/>
-          <a:chOff x="0" y="0"/>
-          <a:chExt cx="0" cy="0"/>
-        </a:xfrm>
-      </p:grpSpPr>
       <p:sp>
         <p:nvSpPr>
           <p:cNvPr id="14" name="내용 개체 틀 1"/>
@@ -14219,7 +14756,7 @@
                 <a:latin typeface="HY헤드라인M" pitchFamily="18" charset="-127"/>
                 <a:ea typeface="HY헤드라인M" pitchFamily="18" charset="-127"/>
               </a:rPr>
-              <a:t>모델 훈련</a:t>
+              <a:t>파이프라인 구성</a:t>
             </a:r>
           </a:p>
         </p:txBody>
@@ -14233,7 +14770,7 @@
         <p:spPr>
           <a:xfrm>
             <a:off x="514350" y="1422600"/>
-            <a:ext cx="8280724" cy="482120"/>
+            <a:ext cx="8629650" cy="482120"/>
           </a:xfrm>
           <a:prstGeom prst="rect">
             <a:avLst/>
@@ -14257,16 +14794,26 @@
               <a:buChar char="l"/>
             </a:pPr>
             <a:r>
+              <a:rPr lang="ko-KR" altLang="en-US" sz="2000" dirty="0">
+                <a:latin typeface="HY헤드라인M" panose="02030600000101010101" pitchFamily="18" charset="-127"/>
+                <a:ea typeface="HY헤드라인M" panose="02030600000101010101" pitchFamily="18" charset="-127"/>
+              </a:rPr>
+              <a:t>전체 파이프라인 </a:t>
+            </a:r>
+            <a:r>
               <a:rPr lang="en-US" altLang="ko-KR" sz="2000" dirty="0">
                 <a:latin typeface="HY헤드라인M" panose="02030600000101010101" pitchFamily="18" charset="-127"/>
                 <a:ea typeface="HY헤드라인M" panose="02030600000101010101" pitchFamily="18" charset="-127"/>
               </a:rPr>
-              <a:t>Logistic Regression</a:t>
-            </a:r>
-            <a:endParaRPr lang="en-US" altLang="ko-KR" sz="1600" dirty="0">
-              <a:latin typeface="HY헤드라인M" panose="02030600000101010101" pitchFamily="18" charset="-127"/>
-              <a:ea typeface="HY헤드라인M" panose="02030600000101010101" pitchFamily="18" charset="-127"/>
-            </a:endParaRPr>
+              <a:t>: </a:t>
+            </a:r>
+            <a:r>
+              <a:rPr lang="en-US" altLang="ko-KR" sz="1600" dirty="0">
+                <a:latin typeface="HY헤드라인M" panose="02030600000101010101" pitchFamily="18" charset="-127"/>
+                <a:ea typeface="HY헤드라인M" panose="02030600000101010101" pitchFamily="18" charset="-127"/>
+              </a:rPr>
+              <a:t>Ratio pipeline → Log pipeline → Default pipeline(Remainder)  </a:t>
+            </a:r>
           </a:p>
         </p:txBody>
       </p:sp>
@@ -14315,69 +14862,17 @@
                 <a:latin typeface="HY헤드라인M" pitchFamily="18" charset="-127"/>
                 <a:ea typeface="HY헤드라인M" pitchFamily="18" charset="-127"/>
               </a:rPr>
-              <a:t>모델 선택 및 훈련</a:t>
-            </a:r>
-          </a:p>
-        </p:txBody>
-      </p:sp>
-      <p:sp>
-        <p:nvSpPr>
-          <p:cNvPr id="8" name="TextBox 7">
+              <a:t>파이프라인 구성</a:t>
+            </a:r>
+          </a:p>
+        </p:txBody>
+      </p:sp>
+      <p:pic>
+        <p:nvPicPr>
+          <p:cNvPr id="4" name="그림 3">
             <a:extLst>
               <a:ext uri="{FF2B5EF4-FFF2-40B4-BE49-F238E27FC236}">
-                <a16:creationId xmlns:a16="http://schemas.microsoft.com/office/drawing/2014/main" id="{CB8D9248-17A0-C072-D467-7458DC2F433B}"/>
-              </a:ext>
-            </a:extLst>
-          </p:cNvPr>
-          <p:cNvSpPr txBox="1"/>
-          <p:nvPr/>
-        </p:nvSpPr>
-        <p:spPr>
-          <a:xfrm>
-            <a:off x="611560" y="4068444"/>
-            <a:ext cx="7369730" cy="482120"/>
-          </a:xfrm>
-          <a:prstGeom prst="rect">
-            <a:avLst/>
-          </a:prstGeom>
-          <a:noFill/>
-        </p:spPr>
-        <p:txBody>
-          <a:bodyPr wrap="square" rtlCol="0">
-            <a:spAutoFit/>
-          </a:bodyPr>
-          <a:lstStyle/>
-          <a:p>
-            <a:pPr marL="285750" indent="-285750" algn="just">
-              <a:lnSpc>
-                <a:spcPct val="150000"/>
-              </a:lnSpc>
-              <a:buClr>
-                <a:srgbClr val="C00000"/>
-              </a:buClr>
-              <a:buFont typeface="Wingdings" panose="05000000000000000000" pitchFamily="2" charset="2"/>
-              <a:buChar char="l"/>
-            </a:pPr>
-            <a:r>
-              <a:rPr lang="en-US" altLang="ko-KR" sz="2000" dirty="0">
-                <a:latin typeface="HY헤드라인M" panose="02030600000101010101" pitchFamily="18" charset="-127"/>
-                <a:ea typeface="HY헤드라인M" panose="02030600000101010101" pitchFamily="18" charset="-127"/>
-              </a:rPr>
-              <a:t>Decision Tree</a:t>
-            </a:r>
-            <a:endParaRPr lang="en-US" altLang="ko-KR" sz="1600" dirty="0">
-              <a:latin typeface="HY헤드라인M" panose="02030600000101010101" pitchFamily="18" charset="-127"/>
-              <a:ea typeface="HY헤드라인M" panose="02030600000101010101" pitchFamily="18" charset="-127"/>
-            </a:endParaRPr>
-          </a:p>
-        </p:txBody>
-      </p:sp>
-      <p:pic>
-        <p:nvPicPr>
-          <p:cNvPr id="5" name="그림 4">
-            <a:extLst>
-              <a:ext uri="{FF2B5EF4-FFF2-40B4-BE49-F238E27FC236}">
-                <a16:creationId xmlns:a16="http://schemas.microsoft.com/office/drawing/2014/main" id="{0AC360CF-0250-0468-5F8D-4E0F26928E2E}"/>
+                <a16:creationId xmlns:a16="http://schemas.microsoft.com/office/drawing/2014/main" id="{A8869395-AAF9-E4EC-8B17-2FB4436A2FB7}"/>
               </a:ext>
             </a:extLst>
           </p:cNvPr>
@@ -14394,98 +14889,8 @@
         </p:blipFill>
         <p:spPr>
           <a:xfrm>
-            <a:off x="431540" y="2493244"/>
-            <a:ext cx="3384376" cy="592623"/>
-          </a:xfrm>
-          <a:prstGeom prst="rect">
-            <a:avLst/>
-          </a:prstGeom>
-        </p:spPr>
-      </p:pic>
-      <p:pic>
-        <p:nvPicPr>
-          <p:cNvPr id="10" name="그림 9">
-            <a:extLst>
-              <a:ext uri="{FF2B5EF4-FFF2-40B4-BE49-F238E27FC236}">
-                <a16:creationId xmlns:a16="http://schemas.microsoft.com/office/drawing/2014/main" id="{97692EB2-B7F2-81D6-CFE4-64BDA5F6B47B}"/>
-              </a:ext>
-            </a:extLst>
-          </p:cNvPr>
-          <p:cNvPicPr>
-            <a:picLocks noChangeAspect="1"/>
-          </p:cNvPicPr>
-          <p:nvPr/>
-        </p:nvPicPr>
-        <p:blipFill>
-          <a:blip r:embed="rId4"/>
-          <a:stretch>
-            <a:fillRect/>
-          </a:stretch>
-        </p:blipFill>
-        <p:spPr>
-          <a:xfrm>
-            <a:off x="3896868" y="1939400"/>
-            <a:ext cx="3496740" cy="1995994"/>
-          </a:xfrm>
-          <a:prstGeom prst="rect">
-            <a:avLst/>
-          </a:prstGeom>
-        </p:spPr>
-      </p:pic>
-      <p:pic>
-        <p:nvPicPr>
-          <p:cNvPr id="12" name="그림 11">
-            <a:extLst>
-              <a:ext uri="{FF2B5EF4-FFF2-40B4-BE49-F238E27FC236}">
-                <a16:creationId xmlns:a16="http://schemas.microsoft.com/office/drawing/2014/main" id="{04AF8B9E-94B9-D959-1990-BFE42F65E755}"/>
-              </a:ext>
-            </a:extLst>
-          </p:cNvPr>
-          <p:cNvPicPr>
-            <a:picLocks noChangeAspect="1"/>
-          </p:cNvPicPr>
-          <p:nvPr/>
-        </p:nvPicPr>
-        <p:blipFill>
-          <a:blip r:embed="rId5"/>
-          <a:stretch>
-            <a:fillRect/>
-          </a:stretch>
-        </p:blipFill>
-        <p:spPr>
-          <a:xfrm>
-            <a:off x="467544" y="5013176"/>
-            <a:ext cx="3456384" cy="592727"/>
-          </a:xfrm>
-          <a:prstGeom prst="rect">
-            <a:avLst/>
-          </a:prstGeom>
-        </p:spPr>
-      </p:pic>
-      <p:pic>
-        <p:nvPicPr>
-          <p:cNvPr id="15" name="그림 14">
-            <a:extLst>
-              <a:ext uri="{FF2B5EF4-FFF2-40B4-BE49-F238E27FC236}">
-                <a16:creationId xmlns:a16="http://schemas.microsoft.com/office/drawing/2014/main" id="{CC8175E8-80C2-33D7-CE50-42CFA9203CE0}"/>
-              </a:ext>
-            </a:extLst>
-          </p:cNvPr>
-          <p:cNvPicPr>
-            <a:picLocks noChangeAspect="1"/>
-          </p:cNvPicPr>
-          <p:nvPr/>
-        </p:nvPicPr>
-        <p:blipFill>
-          <a:blip r:embed="rId6"/>
-          <a:stretch>
-            <a:fillRect/>
-          </a:stretch>
-        </p:blipFill>
-        <p:spPr>
-          <a:xfrm>
-            <a:off x="4033505" y="4581128"/>
-            <a:ext cx="3384376" cy="1959376"/>
+            <a:off x="1259632" y="2204864"/>
+            <a:ext cx="5973588" cy="3933528"/>
           </a:xfrm>
           <a:prstGeom prst="rect">
             <a:avLst/>
@@ -14495,7 +14900,7 @@
     </p:spTree>
     <p:extLst>
       <p:ext uri="{BB962C8B-B14F-4D97-AF65-F5344CB8AC3E}">
-        <p14:creationId xmlns:p14="http://schemas.microsoft.com/office/powerpoint/2010/main" val="2449908888"/>
+        <p14:creationId xmlns:p14="http://schemas.microsoft.com/office/powerpoint/2010/main" val="1290180636"/>
       </p:ext>
     </p:extLst>
   </p:cSld>
@@ -14508,362 +14913,7 @@
 </p:sld>
 </file>
 
-<file path=ppt/slides/slide32.xml><?xml version="1.0" encoding="utf-8"?>
-<p:sld xmlns:a="http://schemas.openxmlformats.org/drawingml/2006/main" xmlns:r="http://schemas.openxmlformats.org/officeDocument/2006/relationships" xmlns:p="http://schemas.openxmlformats.org/presentationml/2006/main">
-  <p:cSld>
-    <p:spTree>
-      <p:nvGrpSpPr>
-        <p:cNvPr id="1" name=""/>
-        <p:cNvGrpSpPr/>
-        <p:nvPr/>
-      </p:nvGrpSpPr>
-      <p:grpSpPr>
-        <a:xfrm>
-          <a:off x="0" y="0"/>
-          <a:ext cx="0" cy="0"/>
-          <a:chOff x="0" y="0"/>
-          <a:chExt cx="0" cy="0"/>
-        </a:xfrm>
-      </p:grpSpPr>
-      <p:sp>
-        <p:nvSpPr>
-          <p:cNvPr id="14" name="내용 개체 틀 1"/>
-          <p:cNvSpPr>
-            <a:spLocks noGrp="1"/>
-          </p:cNvSpPr>
-          <p:nvPr>
-            <p:ph/>
-          </p:nvPr>
-        </p:nvSpPr>
-        <p:spPr bwMode="auto">
-          <a:xfrm>
-            <a:off x="179387" y="981075"/>
-            <a:ext cx="8785225" cy="431800"/>
-          </a:xfrm>
-          <a:noFill/>
-          <a:ln>
-            <a:miter lim="800000"/>
-            <a:headEnd/>
-            <a:tailEnd/>
-          </a:ln>
-        </p:spPr>
-        <p:txBody>
-          <a:bodyPr vert="horz" wrap="square" lIns="91440" tIns="45720" rIns="91440" bIns="45720" numCol="1" anchor="t" anchorCtr="0" compatLnSpc="1">
-            <a:prstTxWarp prst="textNoShape">
-              <a:avLst/>
-            </a:prstTxWarp>
-          </a:bodyPr>
-          <a:lstStyle/>
-          <a:p>
-            <a:r>
-              <a:rPr lang="ko-KR" altLang="en-US" dirty="0">
-                <a:latin typeface="HY헤드라인M" pitchFamily="18" charset="-127"/>
-                <a:ea typeface="HY헤드라인M" pitchFamily="18" charset="-127"/>
-              </a:rPr>
-              <a:t>모델 훈련</a:t>
-            </a:r>
-          </a:p>
-        </p:txBody>
-      </p:sp>
-      <p:sp>
-        <p:nvSpPr>
-          <p:cNvPr id="9" name="TextBox 8"/>
-          <p:cNvSpPr txBox="1"/>
-          <p:nvPr/>
-        </p:nvSpPr>
-        <p:spPr>
-          <a:xfrm>
-            <a:off x="514350" y="1422600"/>
-            <a:ext cx="8280724" cy="482120"/>
-          </a:xfrm>
-          <a:prstGeom prst="rect">
-            <a:avLst/>
-          </a:prstGeom>
-          <a:noFill/>
-        </p:spPr>
-        <p:txBody>
-          <a:bodyPr wrap="square" rtlCol="0">
-            <a:spAutoFit/>
-          </a:bodyPr>
-          <a:lstStyle/>
-          <a:p>
-            <a:pPr marL="285750" indent="-285750" algn="just">
-              <a:lnSpc>
-                <a:spcPct val="150000"/>
-              </a:lnSpc>
-              <a:buClr>
-                <a:srgbClr val="C00000"/>
-              </a:buClr>
-              <a:buFont typeface="Wingdings" panose="05000000000000000000" pitchFamily="2" charset="2"/>
-              <a:buChar char="l"/>
-            </a:pPr>
-            <a:r>
-              <a:rPr lang="en-US" altLang="ko-KR" sz="2000" dirty="0">
-                <a:latin typeface="HY헤드라인M" panose="02030600000101010101" pitchFamily="18" charset="-127"/>
-                <a:ea typeface="HY헤드라인M" panose="02030600000101010101" pitchFamily="18" charset="-127"/>
-              </a:rPr>
-              <a:t>Random</a:t>
-            </a:r>
-            <a:r>
-              <a:rPr lang="ko-KR" altLang="en-US" sz="2000" dirty="0">
-                <a:latin typeface="HY헤드라인M" panose="02030600000101010101" pitchFamily="18" charset="-127"/>
-                <a:ea typeface="HY헤드라인M" panose="02030600000101010101" pitchFamily="18" charset="-127"/>
-              </a:rPr>
-              <a:t> </a:t>
-            </a:r>
-            <a:r>
-              <a:rPr lang="en-US" altLang="ko-KR" sz="2000" dirty="0">
-                <a:latin typeface="HY헤드라인M" panose="02030600000101010101" pitchFamily="18" charset="-127"/>
-                <a:ea typeface="HY헤드라인M" panose="02030600000101010101" pitchFamily="18" charset="-127"/>
-              </a:rPr>
-              <a:t>Forest</a:t>
-            </a:r>
-            <a:endParaRPr lang="en-US" altLang="ko-KR" sz="1600" dirty="0">
-              <a:latin typeface="HY헤드라인M" panose="02030600000101010101" pitchFamily="18" charset="-127"/>
-              <a:ea typeface="HY헤드라인M" panose="02030600000101010101" pitchFamily="18" charset="-127"/>
-            </a:endParaRPr>
-          </a:p>
-        </p:txBody>
-      </p:sp>
-      <p:sp>
-        <p:nvSpPr>
-          <p:cNvPr id="2" name="Rectangle 203">
-            <a:extLst>
-              <a:ext uri="{FF2B5EF4-FFF2-40B4-BE49-F238E27FC236}">
-                <a16:creationId xmlns:a16="http://schemas.microsoft.com/office/drawing/2014/main" id="{F3781700-51B4-0BC0-C3F4-E02EE8ECB30D}"/>
-              </a:ext>
-            </a:extLst>
-          </p:cNvPr>
-          <p:cNvSpPr>
-            <a:spLocks noChangeArrowheads="1"/>
-          </p:cNvSpPr>
-          <p:nvPr/>
-        </p:nvSpPr>
-        <p:spPr bwMode="auto">
-          <a:xfrm>
-            <a:off x="2051843" y="142852"/>
-            <a:ext cx="5040313" cy="457200"/>
-          </a:xfrm>
-          <a:prstGeom prst="rect">
-            <a:avLst/>
-          </a:prstGeom>
-          <a:noFill/>
-          <a:ln w="9525">
-            <a:noFill/>
-            <a:miter lim="800000"/>
-            <a:headEnd/>
-            <a:tailEnd/>
-          </a:ln>
-        </p:spPr>
-        <p:txBody>
-          <a:bodyPr>
-            <a:spAutoFit/>
-          </a:bodyPr>
-          <a:lstStyle/>
-          <a:p>
-            <a:pPr algn="ctr"/>
-            <a:r>
-              <a:rPr lang="ko-KR" altLang="en-US" sz="2400" b="1" dirty="0">
-                <a:solidFill>
-                  <a:schemeClr val="bg1"/>
-                </a:solidFill>
-                <a:latin typeface="HY헤드라인M" pitchFamily="18" charset="-127"/>
-                <a:ea typeface="HY헤드라인M" pitchFamily="18" charset="-127"/>
-              </a:rPr>
-              <a:t>모델 선택 및 훈련</a:t>
-            </a:r>
-          </a:p>
-        </p:txBody>
-      </p:sp>
-      <p:sp>
-        <p:nvSpPr>
-          <p:cNvPr id="8" name="TextBox 7">
-            <a:extLst>
-              <a:ext uri="{FF2B5EF4-FFF2-40B4-BE49-F238E27FC236}">
-                <a16:creationId xmlns:a16="http://schemas.microsoft.com/office/drawing/2014/main" id="{CB8D9248-17A0-C072-D467-7458DC2F433B}"/>
-              </a:ext>
-            </a:extLst>
-          </p:cNvPr>
-          <p:cNvSpPr txBox="1"/>
-          <p:nvPr/>
-        </p:nvSpPr>
-        <p:spPr>
-          <a:xfrm>
-            <a:off x="611560" y="4068444"/>
-            <a:ext cx="7369730" cy="482120"/>
-          </a:xfrm>
-          <a:prstGeom prst="rect">
-            <a:avLst/>
-          </a:prstGeom>
-          <a:noFill/>
-        </p:spPr>
-        <p:txBody>
-          <a:bodyPr wrap="square" rtlCol="0">
-            <a:spAutoFit/>
-          </a:bodyPr>
-          <a:lstStyle/>
-          <a:p>
-            <a:pPr marL="285750" indent="-285750" algn="just">
-              <a:lnSpc>
-                <a:spcPct val="150000"/>
-              </a:lnSpc>
-              <a:buClr>
-                <a:srgbClr val="C00000"/>
-              </a:buClr>
-              <a:buFont typeface="Wingdings" panose="05000000000000000000" pitchFamily="2" charset="2"/>
-              <a:buChar char="l"/>
-            </a:pPr>
-            <a:r>
-              <a:rPr lang="en-US" altLang="ko-KR" sz="2000" dirty="0" err="1">
-                <a:latin typeface="HY헤드라인M" panose="02030600000101010101" pitchFamily="18" charset="-127"/>
-                <a:ea typeface="HY헤드라인M" panose="02030600000101010101" pitchFamily="18" charset="-127"/>
-              </a:rPr>
-              <a:t>Adaboost</a:t>
-            </a:r>
-            <a:endParaRPr lang="en-US" altLang="ko-KR" sz="1600" dirty="0">
-              <a:latin typeface="HY헤드라인M" panose="02030600000101010101" pitchFamily="18" charset="-127"/>
-              <a:ea typeface="HY헤드라인M" panose="02030600000101010101" pitchFamily="18" charset="-127"/>
-            </a:endParaRPr>
-          </a:p>
-        </p:txBody>
-      </p:sp>
-      <p:pic>
-        <p:nvPicPr>
-          <p:cNvPr id="4" name="그림 3">
-            <a:extLst>
-              <a:ext uri="{FF2B5EF4-FFF2-40B4-BE49-F238E27FC236}">
-                <a16:creationId xmlns:a16="http://schemas.microsoft.com/office/drawing/2014/main" id="{FAEFDB3B-D1B2-DC6E-2A5F-070B30D54FF0}"/>
-              </a:ext>
-            </a:extLst>
-          </p:cNvPr>
-          <p:cNvPicPr>
-            <a:picLocks noChangeAspect="1"/>
-          </p:cNvPicPr>
-          <p:nvPr/>
-        </p:nvPicPr>
-        <p:blipFill>
-          <a:blip r:embed="rId3"/>
-          <a:stretch>
-            <a:fillRect/>
-          </a:stretch>
-        </p:blipFill>
-        <p:spPr>
-          <a:xfrm>
-            <a:off x="683569" y="2963317"/>
-            <a:ext cx="4032448" cy="524598"/>
-          </a:xfrm>
-          <a:prstGeom prst="rect">
-            <a:avLst/>
-          </a:prstGeom>
-        </p:spPr>
-      </p:pic>
-      <p:pic>
-        <p:nvPicPr>
-          <p:cNvPr id="7" name="그림 6">
-            <a:extLst>
-              <a:ext uri="{FF2B5EF4-FFF2-40B4-BE49-F238E27FC236}">
-                <a16:creationId xmlns:a16="http://schemas.microsoft.com/office/drawing/2014/main" id="{E07FC7ED-E073-1BB6-9BE9-7A1A0487A074}"/>
-              </a:ext>
-            </a:extLst>
-          </p:cNvPr>
-          <p:cNvPicPr>
-            <a:picLocks noChangeAspect="1"/>
-          </p:cNvPicPr>
-          <p:nvPr/>
-        </p:nvPicPr>
-        <p:blipFill>
-          <a:blip r:embed="rId4"/>
-          <a:stretch>
-            <a:fillRect/>
-          </a:stretch>
-        </p:blipFill>
-        <p:spPr>
-          <a:xfrm>
-            <a:off x="4759989" y="1882475"/>
-            <a:ext cx="3706709" cy="2088059"/>
-          </a:xfrm>
-          <a:prstGeom prst="rect">
-            <a:avLst/>
-          </a:prstGeom>
-        </p:spPr>
-      </p:pic>
-      <p:pic>
-        <p:nvPicPr>
-          <p:cNvPr id="13" name="그림 12">
-            <a:extLst>
-              <a:ext uri="{FF2B5EF4-FFF2-40B4-BE49-F238E27FC236}">
-                <a16:creationId xmlns:a16="http://schemas.microsoft.com/office/drawing/2014/main" id="{763C218B-C4F4-ECD4-03F0-4DFEED31F3D7}"/>
-              </a:ext>
-            </a:extLst>
-          </p:cNvPr>
-          <p:cNvPicPr>
-            <a:picLocks noChangeAspect="1"/>
-          </p:cNvPicPr>
-          <p:nvPr/>
-        </p:nvPicPr>
-        <p:blipFill>
-          <a:blip r:embed="rId5"/>
-          <a:stretch>
-            <a:fillRect/>
-          </a:stretch>
-        </p:blipFill>
-        <p:spPr>
-          <a:xfrm>
-            <a:off x="683569" y="5014257"/>
-            <a:ext cx="3528391" cy="589278"/>
-          </a:xfrm>
-          <a:prstGeom prst="rect">
-            <a:avLst/>
-          </a:prstGeom>
-        </p:spPr>
-      </p:pic>
-      <p:pic>
-        <p:nvPicPr>
-          <p:cNvPr id="17" name="그림 16">
-            <a:extLst>
-              <a:ext uri="{FF2B5EF4-FFF2-40B4-BE49-F238E27FC236}">
-                <a16:creationId xmlns:a16="http://schemas.microsoft.com/office/drawing/2014/main" id="{5DFACD68-97EF-013A-91F9-4D31C5FBBFB7}"/>
-              </a:ext>
-            </a:extLst>
-          </p:cNvPr>
-          <p:cNvPicPr>
-            <a:picLocks noChangeAspect="1"/>
-          </p:cNvPicPr>
-          <p:nvPr/>
-        </p:nvPicPr>
-        <p:blipFill>
-          <a:blip r:embed="rId6"/>
-          <a:stretch>
-            <a:fillRect/>
-          </a:stretch>
-        </p:blipFill>
-        <p:spPr>
-          <a:xfrm>
-            <a:off x="4355976" y="4391370"/>
-            <a:ext cx="3696758" cy="2088059"/>
-          </a:xfrm>
-          <a:prstGeom prst="rect">
-            <a:avLst/>
-          </a:prstGeom>
-        </p:spPr>
-      </p:pic>
-    </p:spTree>
-    <p:extLst>
-      <p:ext uri="{BB962C8B-B14F-4D97-AF65-F5344CB8AC3E}">
-        <p14:creationId xmlns:p14="http://schemas.microsoft.com/office/powerpoint/2010/main" val="4290482080"/>
-      </p:ext>
-    </p:extLst>
-  </p:cSld>
-  <p:clrMapOvr>
-    <a:masterClrMapping/>
-  </p:clrMapOvr>
-  <p:transition>
-    <p:fade/>
-  </p:transition>
-</p:sld>
-</file>
-
-<file path=ppt/slides/slide33.xml><?xml version="1.0" encoding="utf-8"?>
+<file path=ppt/slides/slide31.xml><?xml version="1.0" encoding="utf-8"?>
 <p:sld xmlns:a="http://schemas.openxmlformats.org/drawingml/2006/main" xmlns:r="http://schemas.openxmlformats.org/officeDocument/2006/relationships" xmlns:p="http://schemas.openxmlformats.org/presentationml/2006/main">
   <p:cSld>
     <p:spTree>
@@ -14897,7 +14947,7 @@
         </p:blipFill>
         <p:spPr bwMode="auto">
           <a:xfrm>
-            <a:off x="2224586" y="3109938"/>
+            <a:off x="2008562" y="3109938"/>
             <a:ext cx="933450" cy="868243"/>
           </a:xfrm>
           <a:prstGeom prst="rect">
@@ -14920,7 +14970,7 @@
         </p:nvSpPr>
         <p:spPr>
           <a:xfrm>
-            <a:off x="2440808" y="3127082"/>
+            <a:off x="2224784" y="3127082"/>
             <a:ext cx="474810" cy="707886"/>
           </a:xfrm>
           <a:prstGeom prst="rect">
@@ -14960,7 +15010,7 @@
                   </a:outerShdw>
                 </a:effectLst>
               </a:rPr>
-              <a:t>8</a:t>
+              <a:t>7</a:t>
             </a:r>
           </a:p>
         </p:txBody>
@@ -14975,7 +15025,7 @@
         </p:nvSpPr>
         <p:spPr bwMode="auto">
           <a:xfrm>
-            <a:off x="3131840" y="3109938"/>
+            <a:off x="2915816" y="3109938"/>
             <a:ext cx="4104456" cy="638123"/>
           </a:xfrm>
           <a:prstGeom prst="rect">
@@ -15005,7 +15055,7 @@
                 <a:latin typeface="HY헤드라인M" pitchFamily="18" charset="-127"/>
                 <a:ea typeface="HY헤드라인M" pitchFamily="18" charset="-127"/>
               </a:rPr>
-              <a:t>7</a:t>
+              <a:t>6</a:t>
             </a:r>
             <a:r>
               <a:rPr lang="ko-KR" altLang="en-US" sz="2800" b="1" dirty="0">
@@ -15026,7 +15076,7 @@
                 <a:latin typeface="HY헤드라인M" pitchFamily="18" charset="-127"/>
                 <a:ea typeface="HY헤드라인M" pitchFamily="18" charset="-127"/>
               </a:rPr>
-              <a:t>모델 세부 튜닝</a:t>
+              <a:t>모델 선택 및 훈련</a:t>
             </a:r>
             <a:r>
               <a:rPr lang="en-US" altLang="ko-KR" sz="2800" b="1" dirty="0">
@@ -15045,7 +15095,703 @@
     </p:spTree>
     <p:extLst>
       <p:ext uri="{BB962C8B-B14F-4D97-AF65-F5344CB8AC3E}">
-        <p14:creationId xmlns:p14="http://schemas.microsoft.com/office/powerpoint/2010/main" val="1189484830"/>
+        <p14:creationId xmlns:p14="http://schemas.microsoft.com/office/powerpoint/2010/main" val="783436203"/>
+      </p:ext>
+    </p:extLst>
+  </p:cSld>
+  <p:clrMapOvr>
+    <a:masterClrMapping/>
+  </p:clrMapOvr>
+  <p:transition>
+    <p:fade/>
+  </p:transition>
+</p:sld>
+</file>
+
+<file path=ppt/slides/slide32.xml><?xml version="1.0" encoding="utf-8"?>
+<p:sld xmlns:a="http://schemas.openxmlformats.org/drawingml/2006/main" xmlns:r="http://schemas.openxmlformats.org/officeDocument/2006/relationships" xmlns:p="http://schemas.openxmlformats.org/presentationml/2006/main">
+  <p:cSld>
+    <p:spTree>
+      <p:nvGrpSpPr>
+        <p:cNvPr id="1" name=""/>
+        <p:cNvGrpSpPr/>
+        <p:nvPr/>
+      </p:nvGrpSpPr>
+      <p:grpSpPr>
+        <a:xfrm>
+          <a:off x="0" y="0"/>
+          <a:ext cx="0" cy="0"/>
+          <a:chOff x="0" y="0"/>
+          <a:chExt cx="0" cy="0"/>
+        </a:xfrm>
+      </p:grpSpPr>
+      <p:sp>
+        <p:nvSpPr>
+          <p:cNvPr id="14" name="내용 개체 틀 1"/>
+          <p:cNvSpPr>
+            <a:spLocks noGrp="1"/>
+          </p:cNvSpPr>
+          <p:nvPr>
+            <p:ph/>
+          </p:nvPr>
+        </p:nvSpPr>
+        <p:spPr bwMode="auto">
+          <a:xfrm>
+            <a:off x="179387" y="981075"/>
+            <a:ext cx="8785225" cy="431800"/>
+          </a:xfrm>
+          <a:noFill/>
+          <a:ln>
+            <a:miter lim="800000"/>
+            <a:headEnd/>
+            <a:tailEnd/>
+          </a:ln>
+        </p:spPr>
+        <p:txBody>
+          <a:bodyPr vert="horz" wrap="square" lIns="91440" tIns="45720" rIns="91440" bIns="45720" numCol="1" anchor="t" anchorCtr="0" compatLnSpc="1">
+            <a:prstTxWarp prst="textNoShape">
+              <a:avLst/>
+            </a:prstTxWarp>
+          </a:bodyPr>
+          <a:lstStyle/>
+          <a:p>
+            <a:r>
+              <a:rPr lang="ko-KR" altLang="en-US" dirty="0">
+                <a:latin typeface="HY헤드라인M" pitchFamily="18" charset="-127"/>
+                <a:ea typeface="HY헤드라인M" pitchFamily="18" charset="-127"/>
+              </a:rPr>
+              <a:t>모델 훈련</a:t>
+            </a:r>
+          </a:p>
+        </p:txBody>
+      </p:sp>
+      <p:sp>
+        <p:nvSpPr>
+          <p:cNvPr id="9" name="TextBox 8"/>
+          <p:cNvSpPr txBox="1"/>
+          <p:nvPr/>
+        </p:nvSpPr>
+        <p:spPr>
+          <a:xfrm>
+            <a:off x="514350" y="1422600"/>
+            <a:ext cx="8280724" cy="482120"/>
+          </a:xfrm>
+          <a:prstGeom prst="rect">
+            <a:avLst/>
+          </a:prstGeom>
+          <a:noFill/>
+        </p:spPr>
+        <p:txBody>
+          <a:bodyPr wrap="square" rtlCol="0">
+            <a:spAutoFit/>
+          </a:bodyPr>
+          <a:lstStyle/>
+          <a:p>
+            <a:pPr marL="285750" indent="-285750" algn="just">
+              <a:lnSpc>
+                <a:spcPct val="150000"/>
+              </a:lnSpc>
+              <a:buClr>
+                <a:srgbClr val="C00000"/>
+              </a:buClr>
+              <a:buFont typeface="Wingdings" panose="05000000000000000000" pitchFamily="2" charset="2"/>
+              <a:buChar char="l"/>
+            </a:pPr>
+            <a:r>
+              <a:rPr lang="en-US" altLang="ko-KR" sz="2000" dirty="0">
+                <a:latin typeface="HY헤드라인M" panose="02030600000101010101" pitchFamily="18" charset="-127"/>
+                <a:ea typeface="HY헤드라인M" panose="02030600000101010101" pitchFamily="18" charset="-127"/>
+              </a:rPr>
+              <a:t>Logistic Regression</a:t>
+            </a:r>
+            <a:endParaRPr lang="en-US" altLang="ko-KR" sz="1600" dirty="0">
+              <a:latin typeface="HY헤드라인M" panose="02030600000101010101" pitchFamily="18" charset="-127"/>
+              <a:ea typeface="HY헤드라인M" panose="02030600000101010101" pitchFamily="18" charset="-127"/>
+            </a:endParaRPr>
+          </a:p>
+        </p:txBody>
+      </p:sp>
+      <p:sp>
+        <p:nvSpPr>
+          <p:cNvPr id="2" name="Rectangle 203">
+            <a:extLst>
+              <a:ext uri="{FF2B5EF4-FFF2-40B4-BE49-F238E27FC236}">
+                <a16:creationId xmlns:a16="http://schemas.microsoft.com/office/drawing/2014/main" id="{F3781700-51B4-0BC0-C3F4-E02EE8ECB30D}"/>
+              </a:ext>
+            </a:extLst>
+          </p:cNvPr>
+          <p:cNvSpPr>
+            <a:spLocks noChangeArrowheads="1"/>
+          </p:cNvSpPr>
+          <p:nvPr/>
+        </p:nvSpPr>
+        <p:spPr bwMode="auto">
+          <a:xfrm>
+            <a:off x="2051843" y="142852"/>
+            <a:ext cx="5040313" cy="457200"/>
+          </a:xfrm>
+          <a:prstGeom prst="rect">
+            <a:avLst/>
+          </a:prstGeom>
+          <a:noFill/>
+          <a:ln w="9525">
+            <a:noFill/>
+            <a:miter lim="800000"/>
+            <a:headEnd/>
+            <a:tailEnd/>
+          </a:ln>
+        </p:spPr>
+        <p:txBody>
+          <a:bodyPr>
+            <a:spAutoFit/>
+          </a:bodyPr>
+          <a:lstStyle/>
+          <a:p>
+            <a:pPr algn="ctr"/>
+            <a:r>
+              <a:rPr lang="ko-KR" altLang="en-US" sz="2400" b="1" dirty="0">
+                <a:solidFill>
+                  <a:schemeClr val="bg1"/>
+                </a:solidFill>
+                <a:latin typeface="HY헤드라인M" pitchFamily="18" charset="-127"/>
+                <a:ea typeface="HY헤드라인M" pitchFamily="18" charset="-127"/>
+              </a:rPr>
+              <a:t>모델 선택 및 훈련</a:t>
+            </a:r>
+          </a:p>
+        </p:txBody>
+      </p:sp>
+      <p:sp>
+        <p:nvSpPr>
+          <p:cNvPr id="8" name="TextBox 7">
+            <a:extLst>
+              <a:ext uri="{FF2B5EF4-FFF2-40B4-BE49-F238E27FC236}">
+                <a16:creationId xmlns:a16="http://schemas.microsoft.com/office/drawing/2014/main" id="{CB8D9248-17A0-C072-D467-7458DC2F433B}"/>
+              </a:ext>
+            </a:extLst>
+          </p:cNvPr>
+          <p:cNvSpPr txBox="1"/>
+          <p:nvPr/>
+        </p:nvSpPr>
+        <p:spPr>
+          <a:xfrm>
+            <a:off x="611560" y="4068444"/>
+            <a:ext cx="7369730" cy="482120"/>
+          </a:xfrm>
+          <a:prstGeom prst="rect">
+            <a:avLst/>
+          </a:prstGeom>
+          <a:noFill/>
+        </p:spPr>
+        <p:txBody>
+          <a:bodyPr wrap="square" rtlCol="0">
+            <a:spAutoFit/>
+          </a:bodyPr>
+          <a:lstStyle/>
+          <a:p>
+            <a:pPr marL="285750" indent="-285750" algn="just">
+              <a:lnSpc>
+                <a:spcPct val="150000"/>
+              </a:lnSpc>
+              <a:buClr>
+                <a:srgbClr val="C00000"/>
+              </a:buClr>
+              <a:buFont typeface="Wingdings" panose="05000000000000000000" pitchFamily="2" charset="2"/>
+              <a:buChar char="l"/>
+            </a:pPr>
+            <a:r>
+              <a:rPr lang="en-US" altLang="ko-KR" sz="2000" dirty="0">
+                <a:latin typeface="HY헤드라인M" panose="02030600000101010101" pitchFamily="18" charset="-127"/>
+                <a:ea typeface="HY헤드라인M" panose="02030600000101010101" pitchFamily="18" charset="-127"/>
+              </a:rPr>
+              <a:t>Decision Tree</a:t>
+            </a:r>
+            <a:endParaRPr lang="en-US" altLang="ko-KR" sz="1600" dirty="0">
+              <a:latin typeface="HY헤드라인M" panose="02030600000101010101" pitchFamily="18" charset="-127"/>
+              <a:ea typeface="HY헤드라인M" panose="02030600000101010101" pitchFamily="18" charset="-127"/>
+            </a:endParaRPr>
+          </a:p>
+        </p:txBody>
+      </p:sp>
+      <p:pic>
+        <p:nvPicPr>
+          <p:cNvPr id="5" name="그림 4">
+            <a:extLst>
+              <a:ext uri="{FF2B5EF4-FFF2-40B4-BE49-F238E27FC236}">
+                <a16:creationId xmlns:a16="http://schemas.microsoft.com/office/drawing/2014/main" id="{0AC360CF-0250-0468-5F8D-4E0F26928E2E}"/>
+              </a:ext>
+            </a:extLst>
+          </p:cNvPr>
+          <p:cNvPicPr>
+            <a:picLocks noChangeAspect="1"/>
+          </p:cNvPicPr>
+          <p:nvPr/>
+        </p:nvPicPr>
+        <p:blipFill>
+          <a:blip r:embed="rId3"/>
+          <a:stretch>
+            <a:fillRect/>
+          </a:stretch>
+        </p:blipFill>
+        <p:spPr>
+          <a:xfrm>
+            <a:off x="431540" y="2493244"/>
+            <a:ext cx="3384376" cy="592623"/>
+          </a:xfrm>
+          <a:prstGeom prst="rect">
+            <a:avLst/>
+          </a:prstGeom>
+        </p:spPr>
+      </p:pic>
+      <p:pic>
+        <p:nvPicPr>
+          <p:cNvPr id="10" name="그림 9">
+            <a:extLst>
+              <a:ext uri="{FF2B5EF4-FFF2-40B4-BE49-F238E27FC236}">
+                <a16:creationId xmlns:a16="http://schemas.microsoft.com/office/drawing/2014/main" id="{97692EB2-B7F2-81D6-CFE4-64BDA5F6B47B}"/>
+              </a:ext>
+            </a:extLst>
+          </p:cNvPr>
+          <p:cNvPicPr>
+            <a:picLocks noChangeAspect="1"/>
+          </p:cNvPicPr>
+          <p:nvPr/>
+        </p:nvPicPr>
+        <p:blipFill>
+          <a:blip r:embed="rId4"/>
+          <a:stretch>
+            <a:fillRect/>
+          </a:stretch>
+        </p:blipFill>
+        <p:spPr>
+          <a:xfrm>
+            <a:off x="3896868" y="1939400"/>
+            <a:ext cx="3496740" cy="1995994"/>
+          </a:xfrm>
+          <a:prstGeom prst="rect">
+            <a:avLst/>
+          </a:prstGeom>
+        </p:spPr>
+      </p:pic>
+      <p:pic>
+        <p:nvPicPr>
+          <p:cNvPr id="12" name="그림 11">
+            <a:extLst>
+              <a:ext uri="{FF2B5EF4-FFF2-40B4-BE49-F238E27FC236}">
+                <a16:creationId xmlns:a16="http://schemas.microsoft.com/office/drawing/2014/main" id="{04AF8B9E-94B9-D959-1990-BFE42F65E755}"/>
+              </a:ext>
+            </a:extLst>
+          </p:cNvPr>
+          <p:cNvPicPr>
+            <a:picLocks noChangeAspect="1"/>
+          </p:cNvPicPr>
+          <p:nvPr/>
+        </p:nvPicPr>
+        <p:blipFill>
+          <a:blip r:embed="rId5"/>
+          <a:stretch>
+            <a:fillRect/>
+          </a:stretch>
+        </p:blipFill>
+        <p:spPr>
+          <a:xfrm>
+            <a:off x="467544" y="5013176"/>
+            <a:ext cx="3456384" cy="592727"/>
+          </a:xfrm>
+          <a:prstGeom prst="rect">
+            <a:avLst/>
+          </a:prstGeom>
+        </p:spPr>
+      </p:pic>
+      <p:pic>
+        <p:nvPicPr>
+          <p:cNvPr id="15" name="그림 14">
+            <a:extLst>
+              <a:ext uri="{FF2B5EF4-FFF2-40B4-BE49-F238E27FC236}">
+                <a16:creationId xmlns:a16="http://schemas.microsoft.com/office/drawing/2014/main" id="{CC8175E8-80C2-33D7-CE50-42CFA9203CE0}"/>
+              </a:ext>
+            </a:extLst>
+          </p:cNvPr>
+          <p:cNvPicPr>
+            <a:picLocks noChangeAspect="1"/>
+          </p:cNvPicPr>
+          <p:nvPr/>
+        </p:nvPicPr>
+        <p:blipFill>
+          <a:blip r:embed="rId6"/>
+          <a:stretch>
+            <a:fillRect/>
+          </a:stretch>
+        </p:blipFill>
+        <p:spPr>
+          <a:xfrm>
+            <a:off x="4033505" y="4581128"/>
+            <a:ext cx="3384376" cy="1959376"/>
+          </a:xfrm>
+          <a:prstGeom prst="rect">
+            <a:avLst/>
+          </a:prstGeom>
+        </p:spPr>
+      </p:pic>
+    </p:spTree>
+    <p:extLst>
+      <p:ext uri="{BB962C8B-B14F-4D97-AF65-F5344CB8AC3E}">
+        <p14:creationId xmlns:p14="http://schemas.microsoft.com/office/powerpoint/2010/main" val="2449908888"/>
+      </p:ext>
+    </p:extLst>
+  </p:cSld>
+  <p:clrMapOvr>
+    <a:masterClrMapping/>
+  </p:clrMapOvr>
+  <p:transition>
+    <p:fade/>
+  </p:transition>
+</p:sld>
+</file>
+
+<file path=ppt/slides/slide33.xml><?xml version="1.0" encoding="utf-8"?>
+<p:sld xmlns:a="http://schemas.openxmlformats.org/drawingml/2006/main" xmlns:r="http://schemas.openxmlformats.org/officeDocument/2006/relationships" xmlns:p="http://schemas.openxmlformats.org/presentationml/2006/main">
+  <p:cSld>
+    <p:spTree>
+      <p:nvGrpSpPr>
+        <p:cNvPr id="1" name=""/>
+        <p:cNvGrpSpPr/>
+        <p:nvPr/>
+      </p:nvGrpSpPr>
+      <p:grpSpPr>
+        <a:xfrm>
+          <a:off x="0" y="0"/>
+          <a:ext cx="0" cy="0"/>
+          <a:chOff x="0" y="0"/>
+          <a:chExt cx="0" cy="0"/>
+        </a:xfrm>
+      </p:grpSpPr>
+      <p:sp>
+        <p:nvSpPr>
+          <p:cNvPr id="14" name="내용 개체 틀 1"/>
+          <p:cNvSpPr>
+            <a:spLocks noGrp="1"/>
+          </p:cNvSpPr>
+          <p:nvPr>
+            <p:ph/>
+          </p:nvPr>
+        </p:nvSpPr>
+        <p:spPr bwMode="auto">
+          <a:xfrm>
+            <a:off x="179387" y="981075"/>
+            <a:ext cx="8785225" cy="431800"/>
+          </a:xfrm>
+          <a:noFill/>
+          <a:ln>
+            <a:miter lim="800000"/>
+            <a:headEnd/>
+            <a:tailEnd/>
+          </a:ln>
+        </p:spPr>
+        <p:txBody>
+          <a:bodyPr vert="horz" wrap="square" lIns="91440" tIns="45720" rIns="91440" bIns="45720" numCol="1" anchor="t" anchorCtr="0" compatLnSpc="1">
+            <a:prstTxWarp prst="textNoShape">
+              <a:avLst/>
+            </a:prstTxWarp>
+          </a:bodyPr>
+          <a:lstStyle/>
+          <a:p>
+            <a:r>
+              <a:rPr lang="ko-KR" altLang="en-US" dirty="0">
+                <a:latin typeface="HY헤드라인M" pitchFamily="18" charset="-127"/>
+                <a:ea typeface="HY헤드라인M" pitchFamily="18" charset="-127"/>
+              </a:rPr>
+              <a:t>모델 훈련</a:t>
+            </a:r>
+          </a:p>
+        </p:txBody>
+      </p:sp>
+      <p:sp>
+        <p:nvSpPr>
+          <p:cNvPr id="9" name="TextBox 8"/>
+          <p:cNvSpPr txBox="1"/>
+          <p:nvPr/>
+        </p:nvSpPr>
+        <p:spPr>
+          <a:xfrm>
+            <a:off x="514350" y="1422600"/>
+            <a:ext cx="8280724" cy="482120"/>
+          </a:xfrm>
+          <a:prstGeom prst="rect">
+            <a:avLst/>
+          </a:prstGeom>
+          <a:noFill/>
+        </p:spPr>
+        <p:txBody>
+          <a:bodyPr wrap="square" rtlCol="0">
+            <a:spAutoFit/>
+          </a:bodyPr>
+          <a:lstStyle/>
+          <a:p>
+            <a:pPr marL="285750" indent="-285750" algn="just">
+              <a:lnSpc>
+                <a:spcPct val="150000"/>
+              </a:lnSpc>
+              <a:buClr>
+                <a:srgbClr val="C00000"/>
+              </a:buClr>
+              <a:buFont typeface="Wingdings" panose="05000000000000000000" pitchFamily="2" charset="2"/>
+              <a:buChar char="l"/>
+            </a:pPr>
+            <a:r>
+              <a:rPr lang="en-US" altLang="ko-KR" sz="2000" dirty="0">
+                <a:latin typeface="HY헤드라인M" panose="02030600000101010101" pitchFamily="18" charset="-127"/>
+                <a:ea typeface="HY헤드라인M" panose="02030600000101010101" pitchFamily="18" charset="-127"/>
+              </a:rPr>
+              <a:t>Random</a:t>
+            </a:r>
+            <a:r>
+              <a:rPr lang="ko-KR" altLang="en-US" sz="2000" dirty="0">
+                <a:latin typeface="HY헤드라인M" panose="02030600000101010101" pitchFamily="18" charset="-127"/>
+                <a:ea typeface="HY헤드라인M" panose="02030600000101010101" pitchFamily="18" charset="-127"/>
+              </a:rPr>
+              <a:t> </a:t>
+            </a:r>
+            <a:r>
+              <a:rPr lang="en-US" altLang="ko-KR" sz="2000" dirty="0">
+                <a:latin typeface="HY헤드라인M" panose="02030600000101010101" pitchFamily="18" charset="-127"/>
+                <a:ea typeface="HY헤드라인M" panose="02030600000101010101" pitchFamily="18" charset="-127"/>
+              </a:rPr>
+              <a:t>Forest</a:t>
+            </a:r>
+            <a:endParaRPr lang="en-US" altLang="ko-KR" sz="1600" dirty="0">
+              <a:latin typeface="HY헤드라인M" panose="02030600000101010101" pitchFamily="18" charset="-127"/>
+              <a:ea typeface="HY헤드라인M" panose="02030600000101010101" pitchFamily="18" charset="-127"/>
+            </a:endParaRPr>
+          </a:p>
+        </p:txBody>
+      </p:sp>
+      <p:sp>
+        <p:nvSpPr>
+          <p:cNvPr id="2" name="Rectangle 203">
+            <a:extLst>
+              <a:ext uri="{FF2B5EF4-FFF2-40B4-BE49-F238E27FC236}">
+                <a16:creationId xmlns:a16="http://schemas.microsoft.com/office/drawing/2014/main" id="{F3781700-51B4-0BC0-C3F4-E02EE8ECB30D}"/>
+              </a:ext>
+            </a:extLst>
+          </p:cNvPr>
+          <p:cNvSpPr>
+            <a:spLocks noChangeArrowheads="1"/>
+          </p:cNvSpPr>
+          <p:nvPr/>
+        </p:nvSpPr>
+        <p:spPr bwMode="auto">
+          <a:xfrm>
+            <a:off x="2051843" y="142852"/>
+            <a:ext cx="5040313" cy="457200"/>
+          </a:xfrm>
+          <a:prstGeom prst="rect">
+            <a:avLst/>
+          </a:prstGeom>
+          <a:noFill/>
+          <a:ln w="9525">
+            <a:noFill/>
+            <a:miter lim="800000"/>
+            <a:headEnd/>
+            <a:tailEnd/>
+          </a:ln>
+        </p:spPr>
+        <p:txBody>
+          <a:bodyPr>
+            <a:spAutoFit/>
+          </a:bodyPr>
+          <a:lstStyle/>
+          <a:p>
+            <a:pPr algn="ctr"/>
+            <a:r>
+              <a:rPr lang="ko-KR" altLang="en-US" sz="2400" b="1" dirty="0">
+                <a:solidFill>
+                  <a:schemeClr val="bg1"/>
+                </a:solidFill>
+                <a:latin typeface="HY헤드라인M" pitchFamily="18" charset="-127"/>
+                <a:ea typeface="HY헤드라인M" pitchFamily="18" charset="-127"/>
+              </a:rPr>
+              <a:t>모델 선택 및 훈련</a:t>
+            </a:r>
+          </a:p>
+        </p:txBody>
+      </p:sp>
+      <p:sp>
+        <p:nvSpPr>
+          <p:cNvPr id="8" name="TextBox 7">
+            <a:extLst>
+              <a:ext uri="{FF2B5EF4-FFF2-40B4-BE49-F238E27FC236}">
+                <a16:creationId xmlns:a16="http://schemas.microsoft.com/office/drawing/2014/main" id="{CB8D9248-17A0-C072-D467-7458DC2F433B}"/>
+              </a:ext>
+            </a:extLst>
+          </p:cNvPr>
+          <p:cNvSpPr txBox="1"/>
+          <p:nvPr/>
+        </p:nvSpPr>
+        <p:spPr>
+          <a:xfrm>
+            <a:off x="611560" y="4068444"/>
+            <a:ext cx="7369730" cy="482120"/>
+          </a:xfrm>
+          <a:prstGeom prst="rect">
+            <a:avLst/>
+          </a:prstGeom>
+          <a:noFill/>
+        </p:spPr>
+        <p:txBody>
+          <a:bodyPr wrap="square" rtlCol="0">
+            <a:spAutoFit/>
+          </a:bodyPr>
+          <a:lstStyle/>
+          <a:p>
+            <a:pPr marL="285750" indent="-285750" algn="just">
+              <a:lnSpc>
+                <a:spcPct val="150000"/>
+              </a:lnSpc>
+              <a:buClr>
+                <a:srgbClr val="C00000"/>
+              </a:buClr>
+              <a:buFont typeface="Wingdings" panose="05000000000000000000" pitchFamily="2" charset="2"/>
+              <a:buChar char="l"/>
+            </a:pPr>
+            <a:r>
+              <a:rPr lang="en-US" altLang="ko-KR" sz="2000" dirty="0" err="1">
+                <a:latin typeface="HY헤드라인M" panose="02030600000101010101" pitchFamily="18" charset="-127"/>
+                <a:ea typeface="HY헤드라인M" panose="02030600000101010101" pitchFamily="18" charset="-127"/>
+              </a:rPr>
+              <a:t>Adaboost</a:t>
+            </a:r>
+            <a:endParaRPr lang="en-US" altLang="ko-KR" sz="1600" dirty="0">
+              <a:latin typeface="HY헤드라인M" panose="02030600000101010101" pitchFamily="18" charset="-127"/>
+              <a:ea typeface="HY헤드라인M" panose="02030600000101010101" pitchFamily="18" charset="-127"/>
+            </a:endParaRPr>
+          </a:p>
+        </p:txBody>
+      </p:sp>
+      <p:pic>
+        <p:nvPicPr>
+          <p:cNvPr id="4" name="그림 3">
+            <a:extLst>
+              <a:ext uri="{FF2B5EF4-FFF2-40B4-BE49-F238E27FC236}">
+                <a16:creationId xmlns:a16="http://schemas.microsoft.com/office/drawing/2014/main" id="{FAEFDB3B-D1B2-DC6E-2A5F-070B30D54FF0}"/>
+              </a:ext>
+            </a:extLst>
+          </p:cNvPr>
+          <p:cNvPicPr>
+            <a:picLocks noChangeAspect="1"/>
+          </p:cNvPicPr>
+          <p:nvPr/>
+        </p:nvPicPr>
+        <p:blipFill>
+          <a:blip r:embed="rId3"/>
+          <a:stretch>
+            <a:fillRect/>
+          </a:stretch>
+        </p:blipFill>
+        <p:spPr>
+          <a:xfrm>
+            <a:off x="683569" y="2963317"/>
+            <a:ext cx="4032448" cy="524598"/>
+          </a:xfrm>
+          <a:prstGeom prst="rect">
+            <a:avLst/>
+          </a:prstGeom>
+        </p:spPr>
+      </p:pic>
+      <p:pic>
+        <p:nvPicPr>
+          <p:cNvPr id="7" name="그림 6">
+            <a:extLst>
+              <a:ext uri="{FF2B5EF4-FFF2-40B4-BE49-F238E27FC236}">
+                <a16:creationId xmlns:a16="http://schemas.microsoft.com/office/drawing/2014/main" id="{E07FC7ED-E073-1BB6-9BE9-7A1A0487A074}"/>
+              </a:ext>
+            </a:extLst>
+          </p:cNvPr>
+          <p:cNvPicPr>
+            <a:picLocks noChangeAspect="1"/>
+          </p:cNvPicPr>
+          <p:nvPr/>
+        </p:nvPicPr>
+        <p:blipFill>
+          <a:blip r:embed="rId4"/>
+          <a:stretch>
+            <a:fillRect/>
+          </a:stretch>
+        </p:blipFill>
+        <p:spPr>
+          <a:xfrm>
+            <a:off x="4759989" y="1882475"/>
+            <a:ext cx="3706709" cy="2088059"/>
+          </a:xfrm>
+          <a:prstGeom prst="rect">
+            <a:avLst/>
+          </a:prstGeom>
+        </p:spPr>
+      </p:pic>
+      <p:pic>
+        <p:nvPicPr>
+          <p:cNvPr id="13" name="그림 12">
+            <a:extLst>
+              <a:ext uri="{FF2B5EF4-FFF2-40B4-BE49-F238E27FC236}">
+                <a16:creationId xmlns:a16="http://schemas.microsoft.com/office/drawing/2014/main" id="{763C218B-C4F4-ECD4-03F0-4DFEED31F3D7}"/>
+              </a:ext>
+            </a:extLst>
+          </p:cNvPr>
+          <p:cNvPicPr>
+            <a:picLocks noChangeAspect="1"/>
+          </p:cNvPicPr>
+          <p:nvPr/>
+        </p:nvPicPr>
+        <p:blipFill>
+          <a:blip r:embed="rId5"/>
+          <a:stretch>
+            <a:fillRect/>
+          </a:stretch>
+        </p:blipFill>
+        <p:spPr>
+          <a:xfrm>
+            <a:off x="683569" y="5014257"/>
+            <a:ext cx="3528391" cy="589278"/>
+          </a:xfrm>
+          <a:prstGeom prst="rect">
+            <a:avLst/>
+          </a:prstGeom>
+        </p:spPr>
+      </p:pic>
+      <p:pic>
+        <p:nvPicPr>
+          <p:cNvPr id="17" name="그림 16">
+            <a:extLst>
+              <a:ext uri="{FF2B5EF4-FFF2-40B4-BE49-F238E27FC236}">
+                <a16:creationId xmlns:a16="http://schemas.microsoft.com/office/drawing/2014/main" id="{5DFACD68-97EF-013A-91F9-4D31C5FBBFB7}"/>
+              </a:ext>
+            </a:extLst>
+          </p:cNvPr>
+          <p:cNvPicPr>
+            <a:picLocks noChangeAspect="1"/>
+          </p:cNvPicPr>
+          <p:nvPr/>
+        </p:nvPicPr>
+        <p:blipFill>
+          <a:blip r:embed="rId6"/>
+          <a:stretch>
+            <a:fillRect/>
+          </a:stretch>
+        </p:blipFill>
+        <p:spPr>
+          <a:xfrm>
+            <a:off x="4355976" y="4391370"/>
+            <a:ext cx="3696758" cy="2088059"/>
+          </a:xfrm>
+          <a:prstGeom prst="rect">
+            <a:avLst/>
+          </a:prstGeom>
+        </p:spPr>
+      </p:pic>
+    </p:spTree>
+    <p:extLst>
+      <p:ext uri="{BB962C8B-B14F-4D97-AF65-F5344CB8AC3E}">
+        <p14:creationId xmlns:p14="http://schemas.microsoft.com/office/powerpoint/2010/main" val="4290482080"/>
       </p:ext>
     </p:extLst>
   </p:cSld>
@@ -15075,6 +15821,201 @@
           <a:chExt cx="0" cy="0"/>
         </a:xfrm>
       </p:grpSpPr>
+      <p:pic>
+        <p:nvPicPr>
+          <p:cNvPr id="3" name="Picture 5" descr="Aqua"/>
+          <p:cNvPicPr>
+            <a:picLocks noChangeAspect="1" noChangeArrowheads="1"/>
+          </p:cNvPicPr>
+          <p:nvPr/>
+        </p:nvPicPr>
+        <p:blipFill>
+          <a:blip r:embed="rId2" cstate="print"/>
+          <a:srcRect/>
+          <a:stretch>
+            <a:fillRect/>
+          </a:stretch>
+        </p:blipFill>
+        <p:spPr bwMode="auto">
+          <a:xfrm>
+            <a:off x="2224586" y="3109938"/>
+            <a:ext cx="933450" cy="868243"/>
+          </a:xfrm>
+          <a:prstGeom prst="rect">
+            <a:avLst/>
+          </a:prstGeom>
+          <a:noFill/>
+          <a:ln w="9525">
+            <a:noFill/>
+            <a:miter lim="800000"/>
+            <a:headEnd/>
+            <a:tailEnd/>
+          </a:ln>
+        </p:spPr>
+      </p:pic>
+      <p:sp>
+        <p:nvSpPr>
+          <p:cNvPr id="4" name="직사각형 3"/>
+          <p:cNvSpPr/>
+          <p:nvPr/>
+        </p:nvSpPr>
+        <p:spPr>
+          <a:xfrm>
+            <a:off x="2440808" y="3127082"/>
+            <a:ext cx="474810" cy="707886"/>
+          </a:xfrm>
+          <a:prstGeom prst="rect">
+            <a:avLst/>
+          </a:prstGeom>
+          <a:noFill/>
+        </p:spPr>
+        <p:txBody>
+          <a:bodyPr wrap="none" lIns="91440" tIns="45720" rIns="91440" bIns="45720">
+            <a:spAutoFit/>
+          </a:bodyPr>
+          <a:lstStyle/>
+          <a:p>
+            <a:pPr algn="ctr"/>
+            <a:r>
+              <a:rPr lang="en-US" altLang="ko-KR" sz="4000" b="1" cap="none" spc="0" dirty="0">
+                <a:ln w="17780" cmpd="sng">
+                  <a:solidFill>
+                    <a:schemeClr val="accent1">
+                      <a:tint val="3000"/>
+                    </a:schemeClr>
+                  </a:solidFill>
+                  <a:prstDash val="solid"/>
+                  <a:miter lim="800000"/>
+                </a:ln>
+                <a:solidFill>
+                  <a:schemeClr val="tx2">
+                    <a:lumMod val="60000"/>
+                    <a:lumOff val="40000"/>
+                  </a:schemeClr>
+                </a:solidFill>
+                <a:effectLst>
+                  <a:outerShdw blurRad="55000" dist="50800" dir="5400000" algn="tl">
+                    <a:srgbClr val="000000">
+                      <a:alpha val="33000"/>
+                    </a:srgbClr>
+                  </a:outerShdw>
+                </a:effectLst>
+              </a:rPr>
+              <a:t>8</a:t>
+            </a:r>
+          </a:p>
+        </p:txBody>
+      </p:sp>
+      <p:sp>
+        <p:nvSpPr>
+          <p:cNvPr id="8" name="Rectangle 203"/>
+          <p:cNvSpPr>
+            <a:spLocks noChangeArrowheads="1"/>
+          </p:cNvSpPr>
+          <p:nvPr/>
+        </p:nvSpPr>
+        <p:spPr bwMode="auto">
+          <a:xfrm>
+            <a:off x="3131840" y="3109938"/>
+            <a:ext cx="4104456" cy="638123"/>
+          </a:xfrm>
+          <a:prstGeom prst="rect">
+            <a:avLst/>
+          </a:prstGeom>
+          <a:noFill/>
+          <a:ln w="9525">
+            <a:noFill/>
+            <a:miter lim="800000"/>
+            <a:headEnd/>
+            <a:tailEnd/>
+          </a:ln>
+        </p:spPr>
+        <p:txBody>
+          <a:bodyPr wrap="square">
+            <a:spAutoFit/>
+          </a:bodyPr>
+          <a:lstStyle/>
+          <a:p>
+            <a:pPr>
+              <a:lnSpc>
+                <a:spcPct val="150000"/>
+              </a:lnSpc>
+            </a:pPr>
+            <a:r>
+              <a:rPr lang="en-US" altLang="ko-KR" sz="2800" b="1" dirty="0">
+                <a:latin typeface="HY헤드라인M" pitchFamily="18" charset="-127"/>
+                <a:ea typeface="HY헤드라인M" pitchFamily="18" charset="-127"/>
+              </a:rPr>
+              <a:t>7</a:t>
+            </a:r>
+            <a:r>
+              <a:rPr lang="ko-KR" altLang="en-US" sz="2800" b="1" dirty="0">
+                <a:latin typeface="HY헤드라인M" pitchFamily="18" charset="-127"/>
+                <a:ea typeface="HY헤드라인M" pitchFamily="18" charset="-127"/>
+              </a:rPr>
+              <a:t>단계 </a:t>
+            </a:r>
+            <a:r>
+              <a:rPr lang="en-US" altLang="ko-KR" sz="2800" b="1" dirty="0">
+                <a:latin typeface="HY헤드라인M" pitchFamily="18" charset="-127"/>
+                <a:ea typeface="HY헤드라인M" pitchFamily="18" charset="-127"/>
+              </a:rPr>
+              <a:t>(</a:t>
+            </a:r>
+            <a:r>
+              <a:rPr lang="ko-KR" altLang="en-US" sz="2800" b="1" dirty="0">
+                <a:latin typeface="HY헤드라인M" pitchFamily="18" charset="-127"/>
+                <a:ea typeface="HY헤드라인M" pitchFamily="18" charset="-127"/>
+              </a:rPr>
+              <a:t>모델 세부 튜닝</a:t>
+            </a:r>
+            <a:r>
+              <a:rPr lang="en-US" altLang="ko-KR" sz="2800" b="1" dirty="0">
+                <a:latin typeface="HY헤드라인M" pitchFamily="18" charset="-127"/>
+                <a:ea typeface="HY헤드라인M" pitchFamily="18" charset="-127"/>
+              </a:rPr>
+              <a:t>)</a:t>
+            </a:r>
+            <a:endParaRPr lang="ko-KR" altLang="en-US" sz="2800" b="1" dirty="0">
+              <a:latin typeface="HY헤드라인M" pitchFamily="18" charset="-127"/>
+              <a:ea typeface="HY헤드라인M" pitchFamily="18" charset="-127"/>
+            </a:endParaRPr>
+          </a:p>
+        </p:txBody>
+      </p:sp>
+    </p:spTree>
+    <p:extLst>
+      <p:ext uri="{BB962C8B-B14F-4D97-AF65-F5344CB8AC3E}">
+        <p14:creationId xmlns:p14="http://schemas.microsoft.com/office/powerpoint/2010/main" val="1189484830"/>
+      </p:ext>
+    </p:extLst>
+  </p:cSld>
+  <p:clrMapOvr>
+    <a:masterClrMapping/>
+  </p:clrMapOvr>
+  <p:transition>
+    <p:fade/>
+  </p:transition>
+</p:sld>
+</file>
+
+<file path=ppt/slides/slide35.xml><?xml version="1.0" encoding="utf-8"?>
+<p:sld xmlns:a="http://schemas.openxmlformats.org/drawingml/2006/main" xmlns:r="http://schemas.openxmlformats.org/officeDocument/2006/relationships" xmlns:p="http://schemas.openxmlformats.org/presentationml/2006/main">
+  <p:cSld>
+    <p:spTree>
+      <p:nvGrpSpPr>
+        <p:cNvPr id="1" name=""/>
+        <p:cNvGrpSpPr/>
+        <p:nvPr/>
+      </p:nvGrpSpPr>
+      <p:grpSpPr>
+        <a:xfrm>
+          <a:off x="0" y="0"/>
+          <a:ext cx="0" cy="0"/>
+          <a:chOff x="0" y="0"/>
+          <a:chExt cx="0" cy="0"/>
+        </a:xfrm>
+      </p:grpSpPr>
       <p:sp>
         <p:nvSpPr>
           <p:cNvPr id="14" name="내용 개체 틀 1"/>
@@ -15467,7 +16408,7 @@
 </p:sld>
 </file>
 
-<file path=ppt/slides/slide35.xml><?xml version="1.0" encoding="utf-8"?>
+<file path=ppt/slides/slide36.xml><?xml version="1.0" encoding="utf-8"?>
 <p:sld xmlns:a="http://schemas.openxmlformats.org/drawingml/2006/main" xmlns:r="http://schemas.openxmlformats.org/officeDocument/2006/relationships" xmlns:p="http://schemas.openxmlformats.org/presentationml/2006/main">
   <p:cSld>
     <p:spTree>
@@ -15839,7 +16780,7 @@
 </p:sld>
 </file>
 
-<file path=ppt/slides/slide36.xml><?xml version="1.0" encoding="utf-8"?>
+<file path=ppt/slides/slide37.xml><?xml version="1.0" encoding="utf-8"?>
 <p:sld xmlns:a="http://schemas.openxmlformats.org/drawingml/2006/main" xmlns:r="http://schemas.openxmlformats.org/officeDocument/2006/relationships" xmlns:p="http://schemas.openxmlformats.org/presentationml/2006/main">
   <p:cSld>
     <p:spTree>
@@ -16034,7 +16975,7 @@
 </p:sld>
 </file>
 
-<file path=ppt/slides/slide37.xml><?xml version="1.0" encoding="utf-8"?>
+<file path=ppt/slides/slide38.xml><?xml version="1.0" encoding="utf-8"?>
 <p:sld xmlns:a="http://schemas.openxmlformats.org/drawingml/2006/main" xmlns:r="http://schemas.openxmlformats.org/officeDocument/2006/relationships" xmlns:p="http://schemas.openxmlformats.org/presentationml/2006/main">
   <p:cSld>
     <p:spTree>
@@ -16504,7 +17445,7 @@
 </p:sld>
 </file>
 
-<file path=ppt/slides/slide38.xml><?xml version="1.0" encoding="utf-8"?>
+<file path=ppt/slides/slide39.xml><?xml version="1.0" encoding="utf-8"?>
 <p:sld xmlns:a="http://schemas.openxmlformats.org/drawingml/2006/main" xmlns:r="http://schemas.openxmlformats.org/officeDocument/2006/relationships" xmlns:p="http://schemas.openxmlformats.org/presentationml/2006/main">
   <p:cSld>
     <p:spTree>
@@ -16962,476 +17903,6 @@
     <p:extLst>
       <p:ext uri="{BB962C8B-B14F-4D97-AF65-F5344CB8AC3E}">
         <p14:creationId xmlns:p14="http://schemas.microsoft.com/office/powerpoint/2010/main" val="911765029"/>
-      </p:ext>
-    </p:extLst>
-  </p:cSld>
-  <p:clrMapOvr>
-    <a:masterClrMapping/>
-  </p:clrMapOvr>
-  <p:transition>
-    <p:fade/>
-  </p:transition>
-</p:sld>
-</file>
-
-<file path=ppt/slides/slide39.xml><?xml version="1.0" encoding="utf-8"?>
-<p:sld xmlns:a="http://schemas.openxmlformats.org/drawingml/2006/main" xmlns:r="http://schemas.openxmlformats.org/officeDocument/2006/relationships" xmlns:p="http://schemas.openxmlformats.org/presentationml/2006/main">
-  <p:cSld>
-    <p:spTree>
-      <p:nvGrpSpPr>
-        <p:cNvPr id="1" name=""/>
-        <p:cNvGrpSpPr/>
-        <p:nvPr/>
-      </p:nvGrpSpPr>
-      <p:grpSpPr>
-        <a:xfrm>
-          <a:off x="0" y="0"/>
-          <a:ext cx="0" cy="0"/>
-          <a:chOff x="0" y="0"/>
-          <a:chExt cx="0" cy="0"/>
-        </a:xfrm>
-      </p:grpSpPr>
-      <p:sp>
-        <p:nvSpPr>
-          <p:cNvPr id="14" name="내용 개체 틀 1"/>
-          <p:cNvSpPr>
-            <a:spLocks noGrp="1"/>
-          </p:cNvSpPr>
-          <p:nvPr>
-            <p:ph/>
-          </p:nvPr>
-        </p:nvSpPr>
-        <p:spPr bwMode="auto">
-          <a:xfrm>
-            <a:off x="179387" y="981075"/>
-            <a:ext cx="8785225" cy="431800"/>
-          </a:xfrm>
-          <a:noFill/>
-          <a:ln>
-            <a:miter lim="800000"/>
-            <a:headEnd/>
-            <a:tailEnd/>
-          </a:ln>
-        </p:spPr>
-        <p:txBody>
-          <a:bodyPr vert="horz" wrap="square" lIns="91440" tIns="45720" rIns="91440" bIns="45720" numCol="1" anchor="t" anchorCtr="0" compatLnSpc="1">
-            <a:prstTxWarp prst="textNoShape">
-              <a:avLst/>
-            </a:prstTxWarp>
-          </a:bodyPr>
-          <a:lstStyle/>
-          <a:p>
-            <a:r>
-              <a:rPr lang="ko-KR" altLang="en-US" dirty="0">
-                <a:latin typeface="HY헤드라인M" pitchFamily="18" charset="-127"/>
-                <a:ea typeface="HY헤드라인M" pitchFamily="18" charset="-127"/>
-              </a:rPr>
-              <a:t>평가 결과 </a:t>
-            </a:r>
-          </a:p>
-        </p:txBody>
-      </p:sp>
-      <p:sp>
-        <p:nvSpPr>
-          <p:cNvPr id="9" name="TextBox 8"/>
-          <p:cNvSpPr txBox="1"/>
-          <p:nvPr/>
-        </p:nvSpPr>
-        <p:spPr>
-          <a:xfrm>
-            <a:off x="514350" y="1422600"/>
-            <a:ext cx="8280724" cy="482120"/>
-          </a:xfrm>
-          <a:prstGeom prst="rect">
-            <a:avLst/>
-          </a:prstGeom>
-          <a:noFill/>
-        </p:spPr>
-        <p:txBody>
-          <a:bodyPr wrap="square" rtlCol="0">
-            <a:spAutoFit/>
-          </a:bodyPr>
-          <a:lstStyle/>
-          <a:p>
-            <a:pPr marL="285750" indent="-285750" algn="just">
-              <a:lnSpc>
-                <a:spcPct val="150000"/>
-              </a:lnSpc>
-              <a:buClr>
-                <a:srgbClr val="C00000"/>
-              </a:buClr>
-              <a:buFont typeface="Wingdings" panose="05000000000000000000" pitchFamily="2" charset="2"/>
-              <a:buChar char="l"/>
-            </a:pPr>
-            <a:r>
-              <a:rPr lang="en-US" altLang="ko-KR" sz="2000" dirty="0">
-                <a:latin typeface="HY헤드라인M" panose="02030600000101010101" pitchFamily="18" charset="-127"/>
-                <a:ea typeface="HY헤드라인M" panose="02030600000101010101" pitchFamily="18" charset="-127"/>
-              </a:rPr>
-              <a:t>Random Forest</a:t>
-            </a:r>
-            <a:r>
-              <a:rPr lang="en-US" altLang="ko-KR" sz="1600" dirty="0">
-                <a:latin typeface="HY헤드라인M" panose="02030600000101010101" pitchFamily="18" charset="-127"/>
-                <a:ea typeface="HY헤드라인M" panose="02030600000101010101" pitchFamily="18" charset="-127"/>
-              </a:rPr>
-              <a:t>– Confusion Matrix</a:t>
-            </a:r>
-            <a:r>
-              <a:rPr lang="ko-KR" altLang="en-US" sz="1600" dirty="0">
-                <a:latin typeface="HY헤드라인M" panose="02030600000101010101" pitchFamily="18" charset="-127"/>
-                <a:ea typeface="HY헤드라인M" panose="02030600000101010101" pitchFamily="18" charset="-127"/>
-              </a:rPr>
-              <a:t>를 활용한 모델 평가</a:t>
-            </a:r>
-            <a:endParaRPr lang="en-US" altLang="ko-KR" sz="1600" dirty="0">
-              <a:latin typeface="HY헤드라인M" panose="02030600000101010101" pitchFamily="18" charset="-127"/>
-              <a:ea typeface="HY헤드라인M" panose="02030600000101010101" pitchFamily="18" charset="-127"/>
-            </a:endParaRPr>
-          </a:p>
-        </p:txBody>
-      </p:sp>
-      <p:sp>
-        <p:nvSpPr>
-          <p:cNvPr id="2" name="Rectangle 203">
-            <a:extLst>
-              <a:ext uri="{FF2B5EF4-FFF2-40B4-BE49-F238E27FC236}">
-                <a16:creationId xmlns:a16="http://schemas.microsoft.com/office/drawing/2014/main" id="{F3781700-51B4-0BC0-C3F4-E02EE8ECB30D}"/>
-              </a:ext>
-            </a:extLst>
-          </p:cNvPr>
-          <p:cNvSpPr>
-            <a:spLocks noChangeArrowheads="1"/>
-          </p:cNvSpPr>
-          <p:nvPr/>
-        </p:nvSpPr>
-        <p:spPr bwMode="auto">
-          <a:xfrm>
-            <a:off x="2051843" y="142852"/>
-            <a:ext cx="5040313" cy="457200"/>
-          </a:xfrm>
-          <a:prstGeom prst="rect">
-            <a:avLst/>
-          </a:prstGeom>
-          <a:noFill/>
-          <a:ln w="9525">
-            <a:noFill/>
-            <a:miter lim="800000"/>
-            <a:headEnd/>
-            <a:tailEnd/>
-          </a:ln>
-        </p:spPr>
-        <p:txBody>
-          <a:bodyPr>
-            <a:spAutoFit/>
-          </a:bodyPr>
-          <a:lstStyle/>
-          <a:p>
-            <a:pPr algn="ctr"/>
-            <a:r>
-              <a:rPr lang="ko-KR" altLang="en-US" sz="2400" b="1" dirty="0">
-                <a:solidFill>
-                  <a:schemeClr val="bg1"/>
-                </a:solidFill>
-                <a:latin typeface="HY헤드라인M" pitchFamily="18" charset="-127"/>
-                <a:ea typeface="HY헤드라인M" pitchFamily="18" charset="-127"/>
-              </a:rPr>
-              <a:t>결과 및 결론</a:t>
-            </a:r>
-          </a:p>
-        </p:txBody>
-      </p:sp>
-      <p:graphicFrame>
-        <p:nvGraphicFramePr>
-          <p:cNvPr id="6" name="표 5">
-            <a:extLst>
-              <a:ext uri="{FF2B5EF4-FFF2-40B4-BE49-F238E27FC236}">
-                <a16:creationId xmlns:a16="http://schemas.microsoft.com/office/drawing/2014/main" id="{B18796C6-D500-B389-E5EF-5E8930B0A5B0}"/>
-              </a:ext>
-            </a:extLst>
-          </p:cNvPr>
-          <p:cNvGraphicFramePr>
-            <a:graphicFrameLocks noGrp="1"/>
-          </p:cNvGraphicFramePr>
-          <p:nvPr>
-            <p:extLst>
-              <p:ext uri="{D42A27DB-BD31-4B8C-83A1-F6EECF244321}">
-                <p14:modId xmlns:p14="http://schemas.microsoft.com/office/powerpoint/2010/main" val="1696354633"/>
-              </p:ext>
-            </p:extLst>
-          </p:nvPr>
-        </p:nvGraphicFramePr>
-        <p:xfrm>
-          <a:off x="5576033" y="4221088"/>
-          <a:ext cx="3032245" cy="1854200"/>
-        </p:xfrm>
-        <a:graphic>
-          <a:graphicData uri="http://schemas.openxmlformats.org/drawingml/2006/table">
-            <a:tbl>
-              <a:tblPr firstRow="1" bandRow="1">
-                <a:tableStyleId>{5C22544A-7EE6-4342-B048-85BDC9FD1C3A}</a:tableStyleId>
-              </a:tblPr>
-              <a:tblGrid>
-                <a:gridCol w="1808109">
-                  <a:extLst>
-                    <a:ext uri="{9D8B030D-6E8A-4147-A177-3AD203B41FA5}">
-                      <a16:colId xmlns:a16="http://schemas.microsoft.com/office/drawing/2014/main" val="1835361487"/>
-                    </a:ext>
-                  </a:extLst>
-                </a:gridCol>
-                <a:gridCol w="1224136">
-                  <a:extLst>
-                    <a:ext uri="{9D8B030D-6E8A-4147-A177-3AD203B41FA5}">
-                      <a16:colId xmlns:a16="http://schemas.microsoft.com/office/drawing/2014/main" val="1148118091"/>
-                    </a:ext>
-                  </a:extLst>
-                </a:gridCol>
-              </a:tblGrid>
-              <a:tr h="370840">
-                <a:tc>
-                  <a:txBody>
-                    <a:bodyPr/>
-                    <a:lstStyle/>
-                    <a:p>
-                      <a:pPr algn="ctr" latinLnBrk="1"/>
-                      <a:r>
-                        <a:rPr lang="ko-KR" altLang="en-US" sz="1300" dirty="0">
-                          <a:solidFill>
-                            <a:schemeClr val="tx1"/>
-                          </a:solidFill>
-                        </a:rPr>
-                        <a:t>평가 지표</a:t>
-                      </a:r>
-                    </a:p>
-                  </a:txBody>
-                  <a:tcPr/>
-                </a:tc>
-                <a:tc>
-                  <a:txBody>
-                    <a:bodyPr/>
-                    <a:lstStyle/>
-                    <a:p>
-                      <a:pPr algn="ctr" latinLnBrk="1"/>
-                      <a:r>
-                        <a:rPr lang="ko-KR" altLang="en-US" sz="1300" dirty="0">
-                          <a:solidFill>
-                            <a:schemeClr val="tx1"/>
-                          </a:solidFill>
-                        </a:rPr>
-                        <a:t>결과</a:t>
-                      </a:r>
-                    </a:p>
-                  </a:txBody>
-                  <a:tcPr/>
-                </a:tc>
-                <a:extLst>
-                  <a:ext uri="{0D108BD9-81ED-4DB2-BD59-A6C34878D82A}">
-                    <a16:rowId xmlns:a16="http://schemas.microsoft.com/office/drawing/2014/main" val="1086663635"/>
-                  </a:ext>
-                </a:extLst>
-              </a:tr>
-              <a:tr h="370840">
-                <a:tc>
-                  <a:txBody>
-                    <a:bodyPr/>
-                    <a:lstStyle/>
-                    <a:p>
-                      <a:pPr algn="ctr" latinLnBrk="1"/>
-                      <a:r>
-                        <a:rPr lang="ko-KR" altLang="en-US" sz="1200" b="1" dirty="0"/>
-                        <a:t>예측도</a:t>
-                      </a:r>
-                      <a:r>
-                        <a:rPr lang="en-US" altLang="ko-KR" sz="1200" b="1" dirty="0"/>
-                        <a:t>(Precision)</a:t>
-                      </a:r>
-                      <a:endParaRPr lang="ko-KR" altLang="en-US" sz="1200" b="1" dirty="0"/>
-                    </a:p>
-                  </a:txBody>
-                  <a:tcPr/>
-                </a:tc>
-                <a:tc>
-                  <a:txBody>
-                    <a:bodyPr/>
-                    <a:lstStyle/>
-                    <a:p>
-                      <a:pPr algn="ctr" latinLnBrk="1"/>
-                      <a:r>
-                        <a:rPr lang="en-US" altLang="ko-KR" sz="1200" b="1" dirty="0"/>
-                        <a:t>1.0</a:t>
-                      </a:r>
-                      <a:endParaRPr lang="ko-KR" altLang="en-US" sz="1200" b="1" dirty="0"/>
-                    </a:p>
-                  </a:txBody>
-                  <a:tcPr/>
-                </a:tc>
-                <a:extLst>
-                  <a:ext uri="{0D108BD9-81ED-4DB2-BD59-A6C34878D82A}">
-                    <a16:rowId xmlns:a16="http://schemas.microsoft.com/office/drawing/2014/main" val="2851690872"/>
-                  </a:ext>
-                </a:extLst>
-              </a:tr>
-              <a:tr h="370840">
-                <a:tc>
-                  <a:txBody>
-                    <a:bodyPr/>
-                    <a:lstStyle/>
-                    <a:p>
-                      <a:pPr algn="ctr" latinLnBrk="1"/>
-                      <a:r>
-                        <a:rPr lang="ko-KR" altLang="en-US" sz="1200" b="1" dirty="0" err="1"/>
-                        <a:t>재현률</a:t>
-                      </a:r>
-                      <a:r>
-                        <a:rPr lang="en-US" altLang="ko-KR" sz="1200" b="1" dirty="0"/>
-                        <a:t>(Recall)</a:t>
-                      </a:r>
-                      <a:endParaRPr lang="ko-KR" altLang="en-US" sz="1200" b="1" dirty="0"/>
-                    </a:p>
-                  </a:txBody>
-                  <a:tcPr/>
-                </a:tc>
-                <a:tc>
-                  <a:txBody>
-                    <a:bodyPr/>
-                    <a:lstStyle/>
-                    <a:p>
-                      <a:pPr algn="ctr" latinLnBrk="1"/>
-                      <a:r>
-                        <a:rPr lang="en-US" altLang="ko-KR" sz="1200" b="1" dirty="0"/>
-                        <a:t>1.0</a:t>
-                      </a:r>
-                      <a:endParaRPr lang="ko-KR" altLang="en-US" sz="1200" b="1" dirty="0"/>
-                    </a:p>
-                  </a:txBody>
-                  <a:tcPr/>
-                </a:tc>
-                <a:extLst>
-                  <a:ext uri="{0D108BD9-81ED-4DB2-BD59-A6C34878D82A}">
-                    <a16:rowId xmlns:a16="http://schemas.microsoft.com/office/drawing/2014/main" val="1753411220"/>
-                  </a:ext>
-                </a:extLst>
-              </a:tr>
-              <a:tr h="370840">
-                <a:tc>
-                  <a:txBody>
-                    <a:bodyPr/>
-                    <a:lstStyle/>
-                    <a:p>
-                      <a:pPr algn="ctr" latinLnBrk="1"/>
-                      <a:r>
-                        <a:rPr lang="ko-KR" altLang="en-US" sz="1200" b="1" dirty="0"/>
-                        <a:t>조화평균</a:t>
-                      </a:r>
-                      <a:r>
-                        <a:rPr lang="en-US" altLang="ko-KR" sz="1200" b="1" dirty="0"/>
-                        <a:t>(F1-Score)</a:t>
-                      </a:r>
-                      <a:endParaRPr lang="ko-KR" altLang="en-US" sz="1200" b="1" dirty="0"/>
-                    </a:p>
-                  </a:txBody>
-                  <a:tcPr/>
-                </a:tc>
-                <a:tc>
-                  <a:txBody>
-                    <a:bodyPr/>
-                    <a:lstStyle/>
-                    <a:p>
-                      <a:pPr algn="ctr" latinLnBrk="1"/>
-                      <a:r>
-                        <a:rPr lang="en-US" altLang="ko-KR" sz="1200" b="1" dirty="0"/>
-                        <a:t>1.0</a:t>
-                      </a:r>
-                      <a:endParaRPr lang="ko-KR" altLang="en-US" sz="1200" b="1" dirty="0"/>
-                    </a:p>
-                  </a:txBody>
-                  <a:tcPr/>
-                </a:tc>
-                <a:extLst>
-                  <a:ext uri="{0D108BD9-81ED-4DB2-BD59-A6C34878D82A}">
-                    <a16:rowId xmlns:a16="http://schemas.microsoft.com/office/drawing/2014/main" val="872414250"/>
-                  </a:ext>
-                </a:extLst>
-              </a:tr>
-              <a:tr h="370840">
-                <a:tc>
-                  <a:txBody>
-                    <a:bodyPr/>
-                    <a:lstStyle/>
-                    <a:p>
-                      <a:pPr algn="ctr" latinLnBrk="1"/>
-                      <a:r>
-                        <a:rPr lang="ko-KR" altLang="en-US" sz="1200" b="1" dirty="0"/>
-                        <a:t>정확도</a:t>
-                      </a:r>
-                      <a:r>
-                        <a:rPr lang="en-US" altLang="ko-KR" sz="1200" b="1" dirty="0"/>
-                        <a:t>(Accuracy)</a:t>
-                      </a:r>
-                      <a:endParaRPr lang="ko-KR" altLang="en-US" sz="1200" b="1" dirty="0"/>
-                    </a:p>
-                  </a:txBody>
-                  <a:tcPr/>
-                </a:tc>
-                <a:tc>
-                  <a:txBody>
-                    <a:bodyPr/>
-                    <a:lstStyle/>
-                    <a:p>
-                      <a:pPr algn="ctr" latinLnBrk="1"/>
-                      <a:r>
-                        <a:rPr lang="en-US" altLang="ko-KR" sz="1200" b="1" dirty="0"/>
-                        <a:t>1.0</a:t>
-                      </a:r>
-                      <a:endParaRPr lang="ko-KR" altLang="en-US" sz="1200" b="1" dirty="0"/>
-                    </a:p>
-                  </a:txBody>
-                  <a:tcPr/>
-                </a:tc>
-                <a:extLst>
-                  <a:ext uri="{0D108BD9-81ED-4DB2-BD59-A6C34878D82A}">
-                    <a16:rowId xmlns:a16="http://schemas.microsoft.com/office/drawing/2014/main" val="3232975489"/>
-                  </a:ext>
-                </a:extLst>
-              </a:tr>
-            </a:tbl>
-          </a:graphicData>
-        </a:graphic>
-      </p:graphicFrame>
-      <p:pic>
-        <p:nvPicPr>
-          <p:cNvPr id="4" name="그림 3">
-            <a:extLst>
-              <a:ext uri="{FF2B5EF4-FFF2-40B4-BE49-F238E27FC236}">
-                <a16:creationId xmlns:a16="http://schemas.microsoft.com/office/drawing/2014/main" id="{D4D0AAF0-5580-2FC1-29E0-CA039239CEF5}"/>
-              </a:ext>
-            </a:extLst>
-          </p:cNvPr>
-          <p:cNvPicPr>
-            <a:picLocks noChangeAspect="1"/>
-          </p:cNvPicPr>
-          <p:nvPr/>
-        </p:nvPicPr>
-        <p:blipFill>
-          <a:blip r:embed="rId3"/>
-          <a:stretch>
-            <a:fillRect/>
-          </a:stretch>
-        </p:blipFill>
-        <p:spPr>
-          <a:xfrm>
-            <a:off x="810381" y="1988840"/>
-            <a:ext cx="4629560" cy="4629560"/>
-          </a:xfrm>
-          <a:prstGeom prst="rect">
-            <a:avLst/>
-          </a:prstGeom>
-        </p:spPr>
-      </p:pic>
-    </p:spTree>
-    <p:extLst>
-      <p:ext uri="{BB962C8B-B14F-4D97-AF65-F5344CB8AC3E}">
-        <p14:creationId xmlns:p14="http://schemas.microsoft.com/office/powerpoint/2010/main" val="285847210"/>
       </p:ext>
     </p:extLst>
   </p:cSld>
@@ -21100,6 +21571,476 @@
                 <a:latin typeface="HY헤드라인M" panose="02030600000101010101" pitchFamily="18" charset="-127"/>
                 <a:ea typeface="HY헤드라인M" panose="02030600000101010101" pitchFamily="18" charset="-127"/>
               </a:rPr>
+              <a:t>Random Forest</a:t>
+            </a:r>
+            <a:r>
+              <a:rPr lang="en-US" altLang="ko-KR" sz="1600" dirty="0">
+                <a:latin typeface="HY헤드라인M" panose="02030600000101010101" pitchFamily="18" charset="-127"/>
+                <a:ea typeface="HY헤드라인M" panose="02030600000101010101" pitchFamily="18" charset="-127"/>
+              </a:rPr>
+              <a:t>– Confusion Matrix</a:t>
+            </a:r>
+            <a:r>
+              <a:rPr lang="ko-KR" altLang="en-US" sz="1600" dirty="0">
+                <a:latin typeface="HY헤드라인M" panose="02030600000101010101" pitchFamily="18" charset="-127"/>
+                <a:ea typeface="HY헤드라인M" panose="02030600000101010101" pitchFamily="18" charset="-127"/>
+              </a:rPr>
+              <a:t>를 활용한 모델 평가</a:t>
+            </a:r>
+            <a:endParaRPr lang="en-US" altLang="ko-KR" sz="1600" dirty="0">
+              <a:latin typeface="HY헤드라인M" panose="02030600000101010101" pitchFamily="18" charset="-127"/>
+              <a:ea typeface="HY헤드라인M" panose="02030600000101010101" pitchFamily="18" charset="-127"/>
+            </a:endParaRPr>
+          </a:p>
+        </p:txBody>
+      </p:sp>
+      <p:sp>
+        <p:nvSpPr>
+          <p:cNvPr id="2" name="Rectangle 203">
+            <a:extLst>
+              <a:ext uri="{FF2B5EF4-FFF2-40B4-BE49-F238E27FC236}">
+                <a16:creationId xmlns:a16="http://schemas.microsoft.com/office/drawing/2014/main" id="{F3781700-51B4-0BC0-C3F4-E02EE8ECB30D}"/>
+              </a:ext>
+            </a:extLst>
+          </p:cNvPr>
+          <p:cNvSpPr>
+            <a:spLocks noChangeArrowheads="1"/>
+          </p:cNvSpPr>
+          <p:nvPr/>
+        </p:nvSpPr>
+        <p:spPr bwMode="auto">
+          <a:xfrm>
+            <a:off x="2051843" y="142852"/>
+            <a:ext cx="5040313" cy="457200"/>
+          </a:xfrm>
+          <a:prstGeom prst="rect">
+            <a:avLst/>
+          </a:prstGeom>
+          <a:noFill/>
+          <a:ln w="9525">
+            <a:noFill/>
+            <a:miter lim="800000"/>
+            <a:headEnd/>
+            <a:tailEnd/>
+          </a:ln>
+        </p:spPr>
+        <p:txBody>
+          <a:bodyPr>
+            <a:spAutoFit/>
+          </a:bodyPr>
+          <a:lstStyle/>
+          <a:p>
+            <a:pPr algn="ctr"/>
+            <a:r>
+              <a:rPr lang="ko-KR" altLang="en-US" sz="2400" b="1" dirty="0">
+                <a:solidFill>
+                  <a:schemeClr val="bg1"/>
+                </a:solidFill>
+                <a:latin typeface="HY헤드라인M" pitchFamily="18" charset="-127"/>
+                <a:ea typeface="HY헤드라인M" pitchFamily="18" charset="-127"/>
+              </a:rPr>
+              <a:t>결과 및 결론</a:t>
+            </a:r>
+          </a:p>
+        </p:txBody>
+      </p:sp>
+      <p:graphicFrame>
+        <p:nvGraphicFramePr>
+          <p:cNvPr id="6" name="표 5">
+            <a:extLst>
+              <a:ext uri="{FF2B5EF4-FFF2-40B4-BE49-F238E27FC236}">
+                <a16:creationId xmlns:a16="http://schemas.microsoft.com/office/drawing/2014/main" id="{B18796C6-D500-B389-E5EF-5E8930B0A5B0}"/>
+              </a:ext>
+            </a:extLst>
+          </p:cNvPr>
+          <p:cNvGraphicFramePr>
+            <a:graphicFrameLocks noGrp="1"/>
+          </p:cNvGraphicFramePr>
+          <p:nvPr>
+            <p:extLst>
+              <p:ext uri="{D42A27DB-BD31-4B8C-83A1-F6EECF244321}">
+                <p14:modId xmlns:p14="http://schemas.microsoft.com/office/powerpoint/2010/main" val="1696354633"/>
+              </p:ext>
+            </p:extLst>
+          </p:nvPr>
+        </p:nvGraphicFramePr>
+        <p:xfrm>
+          <a:off x="5576033" y="4221088"/>
+          <a:ext cx="3032245" cy="1854200"/>
+        </p:xfrm>
+        <a:graphic>
+          <a:graphicData uri="http://schemas.openxmlformats.org/drawingml/2006/table">
+            <a:tbl>
+              <a:tblPr firstRow="1" bandRow="1">
+                <a:tableStyleId>{5C22544A-7EE6-4342-B048-85BDC9FD1C3A}</a:tableStyleId>
+              </a:tblPr>
+              <a:tblGrid>
+                <a:gridCol w="1808109">
+                  <a:extLst>
+                    <a:ext uri="{9D8B030D-6E8A-4147-A177-3AD203B41FA5}">
+                      <a16:colId xmlns:a16="http://schemas.microsoft.com/office/drawing/2014/main" val="1835361487"/>
+                    </a:ext>
+                  </a:extLst>
+                </a:gridCol>
+                <a:gridCol w="1224136">
+                  <a:extLst>
+                    <a:ext uri="{9D8B030D-6E8A-4147-A177-3AD203B41FA5}">
+                      <a16:colId xmlns:a16="http://schemas.microsoft.com/office/drawing/2014/main" val="1148118091"/>
+                    </a:ext>
+                  </a:extLst>
+                </a:gridCol>
+              </a:tblGrid>
+              <a:tr h="370840">
+                <a:tc>
+                  <a:txBody>
+                    <a:bodyPr/>
+                    <a:lstStyle/>
+                    <a:p>
+                      <a:pPr algn="ctr" latinLnBrk="1"/>
+                      <a:r>
+                        <a:rPr lang="ko-KR" altLang="en-US" sz="1300" dirty="0">
+                          <a:solidFill>
+                            <a:schemeClr val="tx1"/>
+                          </a:solidFill>
+                        </a:rPr>
+                        <a:t>평가 지표</a:t>
+                      </a:r>
+                    </a:p>
+                  </a:txBody>
+                  <a:tcPr/>
+                </a:tc>
+                <a:tc>
+                  <a:txBody>
+                    <a:bodyPr/>
+                    <a:lstStyle/>
+                    <a:p>
+                      <a:pPr algn="ctr" latinLnBrk="1"/>
+                      <a:r>
+                        <a:rPr lang="ko-KR" altLang="en-US" sz="1300" dirty="0">
+                          <a:solidFill>
+                            <a:schemeClr val="tx1"/>
+                          </a:solidFill>
+                        </a:rPr>
+                        <a:t>결과</a:t>
+                      </a:r>
+                    </a:p>
+                  </a:txBody>
+                  <a:tcPr/>
+                </a:tc>
+                <a:extLst>
+                  <a:ext uri="{0D108BD9-81ED-4DB2-BD59-A6C34878D82A}">
+                    <a16:rowId xmlns:a16="http://schemas.microsoft.com/office/drawing/2014/main" val="1086663635"/>
+                  </a:ext>
+                </a:extLst>
+              </a:tr>
+              <a:tr h="370840">
+                <a:tc>
+                  <a:txBody>
+                    <a:bodyPr/>
+                    <a:lstStyle/>
+                    <a:p>
+                      <a:pPr algn="ctr" latinLnBrk="1"/>
+                      <a:r>
+                        <a:rPr lang="ko-KR" altLang="en-US" sz="1200" b="1" dirty="0"/>
+                        <a:t>예측도</a:t>
+                      </a:r>
+                      <a:r>
+                        <a:rPr lang="en-US" altLang="ko-KR" sz="1200" b="1" dirty="0"/>
+                        <a:t>(Precision)</a:t>
+                      </a:r>
+                      <a:endParaRPr lang="ko-KR" altLang="en-US" sz="1200" b="1" dirty="0"/>
+                    </a:p>
+                  </a:txBody>
+                  <a:tcPr/>
+                </a:tc>
+                <a:tc>
+                  <a:txBody>
+                    <a:bodyPr/>
+                    <a:lstStyle/>
+                    <a:p>
+                      <a:pPr algn="ctr" latinLnBrk="1"/>
+                      <a:r>
+                        <a:rPr lang="en-US" altLang="ko-KR" sz="1200" b="1" dirty="0"/>
+                        <a:t>1.0</a:t>
+                      </a:r>
+                      <a:endParaRPr lang="ko-KR" altLang="en-US" sz="1200" b="1" dirty="0"/>
+                    </a:p>
+                  </a:txBody>
+                  <a:tcPr/>
+                </a:tc>
+                <a:extLst>
+                  <a:ext uri="{0D108BD9-81ED-4DB2-BD59-A6C34878D82A}">
+                    <a16:rowId xmlns:a16="http://schemas.microsoft.com/office/drawing/2014/main" val="2851690872"/>
+                  </a:ext>
+                </a:extLst>
+              </a:tr>
+              <a:tr h="370840">
+                <a:tc>
+                  <a:txBody>
+                    <a:bodyPr/>
+                    <a:lstStyle/>
+                    <a:p>
+                      <a:pPr algn="ctr" latinLnBrk="1"/>
+                      <a:r>
+                        <a:rPr lang="ko-KR" altLang="en-US" sz="1200" b="1" dirty="0" err="1"/>
+                        <a:t>재현률</a:t>
+                      </a:r>
+                      <a:r>
+                        <a:rPr lang="en-US" altLang="ko-KR" sz="1200" b="1" dirty="0"/>
+                        <a:t>(Recall)</a:t>
+                      </a:r>
+                      <a:endParaRPr lang="ko-KR" altLang="en-US" sz="1200" b="1" dirty="0"/>
+                    </a:p>
+                  </a:txBody>
+                  <a:tcPr/>
+                </a:tc>
+                <a:tc>
+                  <a:txBody>
+                    <a:bodyPr/>
+                    <a:lstStyle/>
+                    <a:p>
+                      <a:pPr algn="ctr" latinLnBrk="1"/>
+                      <a:r>
+                        <a:rPr lang="en-US" altLang="ko-KR" sz="1200" b="1" dirty="0"/>
+                        <a:t>1.0</a:t>
+                      </a:r>
+                      <a:endParaRPr lang="ko-KR" altLang="en-US" sz="1200" b="1" dirty="0"/>
+                    </a:p>
+                  </a:txBody>
+                  <a:tcPr/>
+                </a:tc>
+                <a:extLst>
+                  <a:ext uri="{0D108BD9-81ED-4DB2-BD59-A6C34878D82A}">
+                    <a16:rowId xmlns:a16="http://schemas.microsoft.com/office/drawing/2014/main" val="1753411220"/>
+                  </a:ext>
+                </a:extLst>
+              </a:tr>
+              <a:tr h="370840">
+                <a:tc>
+                  <a:txBody>
+                    <a:bodyPr/>
+                    <a:lstStyle/>
+                    <a:p>
+                      <a:pPr algn="ctr" latinLnBrk="1"/>
+                      <a:r>
+                        <a:rPr lang="ko-KR" altLang="en-US" sz="1200" b="1" dirty="0"/>
+                        <a:t>조화평균</a:t>
+                      </a:r>
+                      <a:r>
+                        <a:rPr lang="en-US" altLang="ko-KR" sz="1200" b="1" dirty="0"/>
+                        <a:t>(F1-Score)</a:t>
+                      </a:r>
+                      <a:endParaRPr lang="ko-KR" altLang="en-US" sz="1200" b="1" dirty="0"/>
+                    </a:p>
+                  </a:txBody>
+                  <a:tcPr/>
+                </a:tc>
+                <a:tc>
+                  <a:txBody>
+                    <a:bodyPr/>
+                    <a:lstStyle/>
+                    <a:p>
+                      <a:pPr algn="ctr" latinLnBrk="1"/>
+                      <a:r>
+                        <a:rPr lang="en-US" altLang="ko-KR" sz="1200" b="1" dirty="0"/>
+                        <a:t>1.0</a:t>
+                      </a:r>
+                      <a:endParaRPr lang="ko-KR" altLang="en-US" sz="1200" b="1" dirty="0"/>
+                    </a:p>
+                  </a:txBody>
+                  <a:tcPr/>
+                </a:tc>
+                <a:extLst>
+                  <a:ext uri="{0D108BD9-81ED-4DB2-BD59-A6C34878D82A}">
+                    <a16:rowId xmlns:a16="http://schemas.microsoft.com/office/drawing/2014/main" val="872414250"/>
+                  </a:ext>
+                </a:extLst>
+              </a:tr>
+              <a:tr h="370840">
+                <a:tc>
+                  <a:txBody>
+                    <a:bodyPr/>
+                    <a:lstStyle/>
+                    <a:p>
+                      <a:pPr algn="ctr" latinLnBrk="1"/>
+                      <a:r>
+                        <a:rPr lang="ko-KR" altLang="en-US" sz="1200" b="1" dirty="0"/>
+                        <a:t>정확도</a:t>
+                      </a:r>
+                      <a:r>
+                        <a:rPr lang="en-US" altLang="ko-KR" sz="1200" b="1" dirty="0"/>
+                        <a:t>(Accuracy)</a:t>
+                      </a:r>
+                      <a:endParaRPr lang="ko-KR" altLang="en-US" sz="1200" b="1" dirty="0"/>
+                    </a:p>
+                  </a:txBody>
+                  <a:tcPr/>
+                </a:tc>
+                <a:tc>
+                  <a:txBody>
+                    <a:bodyPr/>
+                    <a:lstStyle/>
+                    <a:p>
+                      <a:pPr algn="ctr" latinLnBrk="1"/>
+                      <a:r>
+                        <a:rPr lang="en-US" altLang="ko-KR" sz="1200" b="1" dirty="0"/>
+                        <a:t>1.0</a:t>
+                      </a:r>
+                      <a:endParaRPr lang="ko-KR" altLang="en-US" sz="1200" b="1" dirty="0"/>
+                    </a:p>
+                  </a:txBody>
+                  <a:tcPr/>
+                </a:tc>
+                <a:extLst>
+                  <a:ext uri="{0D108BD9-81ED-4DB2-BD59-A6C34878D82A}">
+                    <a16:rowId xmlns:a16="http://schemas.microsoft.com/office/drawing/2014/main" val="3232975489"/>
+                  </a:ext>
+                </a:extLst>
+              </a:tr>
+            </a:tbl>
+          </a:graphicData>
+        </a:graphic>
+      </p:graphicFrame>
+      <p:pic>
+        <p:nvPicPr>
+          <p:cNvPr id="4" name="그림 3">
+            <a:extLst>
+              <a:ext uri="{FF2B5EF4-FFF2-40B4-BE49-F238E27FC236}">
+                <a16:creationId xmlns:a16="http://schemas.microsoft.com/office/drawing/2014/main" id="{D4D0AAF0-5580-2FC1-29E0-CA039239CEF5}"/>
+              </a:ext>
+            </a:extLst>
+          </p:cNvPr>
+          <p:cNvPicPr>
+            <a:picLocks noChangeAspect="1"/>
+          </p:cNvPicPr>
+          <p:nvPr/>
+        </p:nvPicPr>
+        <p:blipFill>
+          <a:blip r:embed="rId3"/>
+          <a:stretch>
+            <a:fillRect/>
+          </a:stretch>
+        </p:blipFill>
+        <p:spPr>
+          <a:xfrm>
+            <a:off x="810381" y="1988840"/>
+            <a:ext cx="4629560" cy="4629560"/>
+          </a:xfrm>
+          <a:prstGeom prst="rect">
+            <a:avLst/>
+          </a:prstGeom>
+        </p:spPr>
+      </p:pic>
+    </p:spTree>
+    <p:extLst>
+      <p:ext uri="{BB962C8B-B14F-4D97-AF65-F5344CB8AC3E}">
+        <p14:creationId xmlns:p14="http://schemas.microsoft.com/office/powerpoint/2010/main" val="285847210"/>
+      </p:ext>
+    </p:extLst>
+  </p:cSld>
+  <p:clrMapOvr>
+    <a:masterClrMapping/>
+  </p:clrMapOvr>
+  <p:transition>
+    <p:fade/>
+  </p:transition>
+</p:sld>
+</file>
+
+<file path=ppt/slides/slide41.xml><?xml version="1.0" encoding="utf-8"?>
+<p:sld xmlns:a="http://schemas.openxmlformats.org/drawingml/2006/main" xmlns:r="http://schemas.openxmlformats.org/officeDocument/2006/relationships" xmlns:p="http://schemas.openxmlformats.org/presentationml/2006/main">
+  <p:cSld>
+    <p:spTree>
+      <p:nvGrpSpPr>
+        <p:cNvPr id="1" name=""/>
+        <p:cNvGrpSpPr/>
+        <p:nvPr/>
+      </p:nvGrpSpPr>
+      <p:grpSpPr>
+        <a:xfrm>
+          <a:off x="0" y="0"/>
+          <a:ext cx="0" cy="0"/>
+          <a:chOff x="0" y="0"/>
+          <a:chExt cx="0" cy="0"/>
+        </a:xfrm>
+      </p:grpSpPr>
+      <p:sp>
+        <p:nvSpPr>
+          <p:cNvPr id="14" name="내용 개체 틀 1"/>
+          <p:cNvSpPr>
+            <a:spLocks noGrp="1"/>
+          </p:cNvSpPr>
+          <p:nvPr>
+            <p:ph/>
+          </p:nvPr>
+        </p:nvSpPr>
+        <p:spPr bwMode="auto">
+          <a:xfrm>
+            <a:off x="179387" y="981075"/>
+            <a:ext cx="8785225" cy="431800"/>
+          </a:xfrm>
+          <a:noFill/>
+          <a:ln>
+            <a:miter lim="800000"/>
+            <a:headEnd/>
+            <a:tailEnd/>
+          </a:ln>
+        </p:spPr>
+        <p:txBody>
+          <a:bodyPr vert="horz" wrap="square" lIns="91440" tIns="45720" rIns="91440" bIns="45720" numCol="1" anchor="t" anchorCtr="0" compatLnSpc="1">
+            <a:prstTxWarp prst="textNoShape">
+              <a:avLst/>
+            </a:prstTxWarp>
+          </a:bodyPr>
+          <a:lstStyle/>
+          <a:p>
+            <a:r>
+              <a:rPr lang="ko-KR" altLang="en-US" dirty="0">
+                <a:latin typeface="HY헤드라인M" pitchFamily="18" charset="-127"/>
+                <a:ea typeface="HY헤드라인M" pitchFamily="18" charset="-127"/>
+              </a:rPr>
+              <a:t>평가 결과 </a:t>
+            </a:r>
+          </a:p>
+        </p:txBody>
+      </p:sp>
+      <p:sp>
+        <p:nvSpPr>
+          <p:cNvPr id="9" name="TextBox 8"/>
+          <p:cNvSpPr txBox="1"/>
+          <p:nvPr/>
+        </p:nvSpPr>
+        <p:spPr>
+          <a:xfrm>
+            <a:off x="514350" y="1422600"/>
+            <a:ext cx="8280724" cy="482120"/>
+          </a:xfrm>
+          <a:prstGeom prst="rect">
+            <a:avLst/>
+          </a:prstGeom>
+          <a:noFill/>
+        </p:spPr>
+        <p:txBody>
+          <a:bodyPr wrap="square" rtlCol="0">
+            <a:spAutoFit/>
+          </a:bodyPr>
+          <a:lstStyle/>
+          <a:p>
+            <a:pPr marL="285750" indent="-285750" algn="just">
+              <a:lnSpc>
+                <a:spcPct val="150000"/>
+              </a:lnSpc>
+              <a:buClr>
+                <a:srgbClr val="C00000"/>
+              </a:buClr>
+              <a:buFont typeface="Wingdings" panose="05000000000000000000" pitchFamily="2" charset="2"/>
+              <a:buChar char="l"/>
+            </a:pPr>
+            <a:r>
+              <a:rPr lang="en-US" altLang="ko-KR" sz="2000" dirty="0">
+                <a:latin typeface="HY헤드라인M" panose="02030600000101010101" pitchFamily="18" charset="-127"/>
+                <a:ea typeface="HY헤드라인M" panose="02030600000101010101" pitchFamily="18" charset="-127"/>
+              </a:rPr>
               <a:t>AdaBoost </a:t>
             </a:r>
             <a:r>
@@ -21476,7 +22417,7 @@
 </p:sld>
 </file>
 
-<file path=ppt/slides/slide41.xml><?xml version="1.0" encoding="utf-8"?>
+<file path=ppt/slides/slide42.xml><?xml version="1.0" encoding="utf-8"?>
 <p:sld xmlns:a="http://schemas.openxmlformats.org/drawingml/2006/main" xmlns:r="http://schemas.openxmlformats.org/officeDocument/2006/relationships" xmlns:p="http://schemas.openxmlformats.org/presentationml/2006/main">
   <p:cSld>
     <p:spTree>
@@ -21732,7 +22673,7 @@
         </p:nvSpPr>
         <p:spPr>
           <a:xfrm>
-            <a:off x="817655" y="4584328"/>
+            <a:off x="817655" y="4675783"/>
             <a:ext cx="8222511" cy="769441"/>
           </a:xfrm>
           <a:prstGeom prst="rect">
@@ -21855,463 +22796,6 @@
     <p:extLst>
       <p:ext uri="{BB962C8B-B14F-4D97-AF65-F5344CB8AC3E}">
         <p14:creationId xmlns:p14="http://schemas.microsoft.com/office/powerpoint/2010/main" val="3276692116"/>
-      </p:ext>
-    </p:extLst>
-  </p:cSld>
-  <p:clrMapOvr>
-    <a:masterClrMapping/>
-  </p:clrMapOvr>
-  <p:transition>
-    <p:fade/>
-  </p:transition>
-</p:sld>
-</file>
-
-<file path=ppt/slides/slide42.xml><?xml version="1.0" encoding="utf-8"?>
-<p:sld xmlns:a="http://schemas.openxmlformats.org/drawingml/2006/main" xmlns:r="http://schemas.openxmlformats.org/officeDocument/2006/relationships" xmlns:p="http://schemas.openxmlformats.org/presentationml/2006/main">
-  <p:cSld>
-    <p:spTree>
-      <p:nvGrpSpPr>
-        <p:cNvPr id="1" name=""/>
-        <p:cNvGrpSpPr/>
-        <p:nvPr/>
-      </p:nvGrpSpPr>
-      <p:grpSpPr>
-        <a:xfrm>
-          <a:off x="0" y="0"/>
-          <a:ext cx="0" cy="0"/>
-          <a:chOff x="0" y="0"/>
-          <a:chExt cx="0" cy="0"/>
-        </a:xfrm>
-      </p:grpSpPr>
-      <p:sp>
-        <p:nvSpPr>
-          <p:cNvPr id="14" name="내용 개체 틀 1"/>
-          <p:cNvSpPr>
-            <a:spLocks noGrp="1"/>
-          </p:cNvSpPr>
-          <p:nvPr>
-            <p:ph/>
-          </p:nvPr>
-        </p:nvSpPr>
-        <p:spPr bwMode="auto">
-          <a:xfrm>
-            <a:off x="179387" y="981075"/>
-            <a:ext cx="8785225" cy="431800"/>
-          </a:xfrm>
-          <a:noFill/>
-          <a:ln>
-            <a:miter lim="800000"/>
-            <a:headEnd/>
-            <a:tailEnd/>
-          </a:ln>
-        </p:spPr>
-        <p:txBody>
-          <a:bodyPr vert="horz" wrap="square" lIns="91440" tIns="45720" rIns="91440" bIns="45720" numCol="1" anchor="t" anchorCtr="0" compatLnSpc="1">
-            <a:prstTxWarp prst="textNoShape">
-              <a:avLst/>
-            </a:prstTxWarp>
-          </a:bodyPr>
-          <a:lstStyle/>
-          <a:p>
-            <a:r>
-              <a:rPr lang="ko-KR" altLang="en-US" dirty="0">
-                <a:latin typeface="HY헤드라인M" pitchFamily="18" charset="-127"/>
-                <a:ea typeface="HY헤드라인M" pitchFamily="18" charset="-127"/>
-              </a:rPr>
-              <a:t>추가 평가</a:t>
-            </a:r>
-          </a:p>
-        </p:txBody>
-      </p:sp>
-      <p:sp>
-        <p:nvSpPr>
-          <p:cNvPr id="9" name="TextBox 8"/>
-          <p:cNvSpPr txBox="1"/>
-          <p:nvPr/>
-        </p:nvSpPr>
-        <p:spPr>
-          <a:xfrm>
-            <a:off x="514350" y="1422600"/>
-            <a:ext cx="8280724" cy="482120"/>
-          </a:xfrm>
-          <a:prstGeom prst="rect">
-            <a:avLst/>
-          </a:prstGeom>
-          <a:noFill/>
-        </p:spPr>
-        <p:txBody>
-          <a:bodyPr wrap="square" rtlCol="0">
-            <a:spAutoFit/>
-          </a:bodyPr>
-          <a:lstStyle/>
-          <a:p>
-            <a:pPr marL="285750" indent="-285750" algn="just">
-              <a:lnSpc>
-                <a:spcPct val="150000"/>
-              </a:lnSpc>
-              <a:buClr>
-                <a:srgbClr val="C00000"/>
-              </a:buClr>
-              <a:buFont typeface="Wingdings" panose="05000000000000000000" pitchFamily="2" charset="2"/>
-              <a:buChar char="l"/>
-            </a:pPr>
-            <a:r>
-              <a:rPr lang="en-US" altLang="ko-KR" sz="2000" dirty="0">
-                <a:latin typeface="HY헤드라인M" panose="02030600000101010101" pitchFamily="18" charset="-127"/>
-                <a:ea typeface="HY헤드라인M" panose="02030600000101010101" pitchFamily="18" charset="-127"/>
-              </a:rPr>
-              <a:t>No-Pipeline</a:t>
-            </a:r>
-            <a:r>
-              <a:rPr lang="ko-KR" altLang="en-US" sz="2000" dirty="0">
-                <a:latin typeface="HY헤드라인M" panose="02030600000101010101" pitchFamily="18" charset="-127"/>
-                <a:ea typeface="HY헤드라인M" panose="02030600000101010101" pitchFamily="18" charset="-127"/>
-              </a:rPr>
-              <a:t> 결과 평가 </a:t>
-            </a:r>
-            <a:endParaRPr lang="en-US" altLang="ko-KR" sz="1600" dirty="0">
-              <a:latin typeface="HY헤드라인M" panose="02030600000101010101" pitchFamily="18" charset="-127"/>
-              <a:ea typeface="HY헤드라인M" panose="02030600000101010101" pitchFamily="18" charset="-127"/>
-            </a:endParaRPr>
-          </a:p>
-        </p:txBody>
-      </p:sp>
-      <p:sp>
-        <p:nvSpPr>
-          <p:cNvPr id="2" name="Rectangle 203">
-            <a:extLst>
-              <a:ext uri="{FF2B5EF4-FFF2-40B4-BE49-F238E27FC236}">
-                <a16:creationId xmlns:a16="http://schemas.microsoft.com/office/drawing/2014/main" id="{F3781700-51B4-0BC0-C3F4-E02EE8ECB30D}"/>
-              </a:ext>
-            </a:extLst>
-          </p:cNvPr>
-          <p:cNvSpPr>
-            <a:spLocks noChangeArrowheads="1"/>
-          </p:cNvSpPr>
-          <p:nvPr/>
-        </p:nvSpPr>
-        <p:spPr bwMode="auto">
-          <a:xfrm>
-            <a:off x="2051843" y="142852"/>
-            <a:ext cx="5040313" cy="457200"/>
-          </a:xfrm>
-          <a:prstGeom prst="rect">
-            <a:avLst/>
-          </a:prstGeom>
-          <a:noFill/>
-          <a:ln w="9525">
-            <a:noFill/>
-            <a:miter lim="800000"/>
-            <a:headEnd/>
-            <a:tailEnd/>
-          </a:ln>
-        </p:spPr>
-        <p:txBody>
-          <a:bodyPr>
-            <a:spAutoFit/>
-          </a:bodyPr>
-          <a:lstStyle/>
-          <a:p>
-            <a:pPr algn="ctr"/>
-            <a:r>
-              <a:rPr lang="ko-KR" altLang="en-US" sz="2400" b="1" dirty="0">
-                <a:solidFill>
-                  <a:schemeClr val="bg1"/>
-                </a:solidFill>
-                <a:latin typeface="HY헤드라인M" pitchFamily="18" charset="-127"/>
-                <a:ea typeface="HY헤드라인M" pitchFamily="18" charset="-127"/>
-              </a:rPr>
-              <a:t>결과 및 결론</a:t>
-            </a:r>
-          </a:p>
-        </p:txBody>
-      </p:sp>
-      <p:pic>
-        <p:nvPicPr>
-          <p:cNvPr id="4" name="그림 3">
-            <a:extLst>
-              <a:ext uri="{FF2B5EF4-FFF2-40B4-BE49-F238E27FC236}">
-                <a16:creationId xmlns:a16="http://schemas.microsoft.com/office/drawing/2014/main" id="{62040D5C-8900-9ADC-FAAF-2365E360E108}"/>
-              </a:ext>
-            </a:extLst>
-          </p:cNvPr>
-          <p:cNvPicPr>
-            <a:picLocks noChangeAspect="1"/>
-          </p:cNvPicPr>
-          <p:nvPr/>
-        </p:nvPicPr>
-        <p:blipFill>
-          <a:blip r:embed="rId3"/>
-          <a:stretch>
-            <a:fillRect/>
-          </a:stretch>
-        </p:blipFill>
-        <p:spPr>
-          <a:xfrm>
-            <a:off x="933934" y="4399437"/>
-            <a:ext cx="5029113" cy="2040208"/>
-          </a:xfrm>
-          <a:prstGeom prst="rect">
-            <a:avLst/>
-          </a:prstGeom>
-        </p:spPr>
-      </p:pic>
-      <p:pic>
-        <p:nvPicPr>
-          <p:cNvPr id="6" name="그림 5">
-            <a:extLst>
-              <a:ext uri="{FF2B5EF4-FFF2-40B4-BE49-F238E27FC236}">
-                <a16:creationId xmlns:a16="http://schemas.microsoft.com/office/drawing/2014/main" id="{824F889B-A005-897D-7A5B-52D56A1C168E}"/>
-              </a:ext>
-            </a:extLst>
-          </p:cNvPr>
-          <p:cNvPicPr>
-            <a:picLocks noChangeAspect="1"/>
-          </p:cNvPicPr>
-          <p:nvPr/>
-        </p:nvPicPr>
-        <p:blipFill>
-          <a:blip r:embed="rId4"/>
-          <a:stretch>
-            <a:fillRect/>
-          </a:stretch>
-        </p:blipFill>
-        <p:spPr>
-          <a:xfrm>
-            <a:off x="1331640" y="2060848"/>
-            <a:ext cx="4631407" cy="2133570"/>
-          </a:xfrm>
-          <a:prstGeom prst="rect">
-            <a:avLst/>
-          </a:prstGeom>
-        </p:spPr>
-      </p:pic>
-      <p:sp>
-        <p:nvSpPr>
-          <p:cNvPr id="10" name="직사각형 9">
-            <a:extLst>
-              <a:ext uri="{FF2B5EF4-FFF2-40B4-BE49-F238E27FC236}">
-                <a16:creationId xmlns:a16="http://schemas.microsoft.com/office/drawing/2014/main" id="{29BADF8C-706E-958A-D048-890FA72C308D}"/>
-              </a:ext>
-            </a:extLst>
-          </p:cNvPr>
-          <p:cNvSpPr/>
-          <p:nvPr/>
-        </p:nvSpPr>
-        <p:spPr>
-          <a:xfrm>
-            <a:off x="4427984" y="2590014"/>
-            <a:ext cx="1535063" cy="3888431"/>
-          </a:xfrm>
-          <a:prstGeom prst="rect">
-            <a:avLst/>
-          </a:prstGeom>
-          <a:noFill/>
-          <a:ln>
-            <a:solidFill>
-              <a:srgbClr val="FF0000"/>
-            </a:solidFill>
-          </a:ln>
-        </p:spPr>
-        <p:style>
-          <a:lnRef idx="2">
-            <a:schemeClr val="accent1">
-              <a:shade val="50000"/>
-            </a:schemeClr>
-          </a:lnRef>
-          <a:fillRef idx="1">
-            <a:schemeClr val="accent1"/>
-          </a:fillRef>
-          <a:effectRef idx="0">
-            <a:schemeClr val="accent1"/>
-          </a:effectRef>
-          <a:fontRef idx="minor">
-            <a:schemeClr val="lt1"/>
-          </a:fontRef>
-        </p:style>
-        <p:txBody>
-          <a:bodyPr rtlCol="0" anchor="ctr"/>
-          <a:lstStyle/>
-          <a:p>
-            <a:pPr algn="ctr"/>
-            <a:endParaRPr lang="ko-KR" altLang="en-US"/>
-          </a:p>
-        </p:txBody>
-      </p:sp>
-      <p:sp>
-        <p:nvSpPr>
-          <p:cNvPr id="11" name="TextBox 10">
-            <a:extLst>
-              <a:ext uri="{FF2B5EF4-FFF2-40B4-BE49-F238E27FC236}">
-                <a16:creationId xmlns:a16="http://schemas.microsoft.com/office/drawing/2014/main" id="{B123BE90-486F-07DA-0848-4CA0067CAC06}"/>
-              </a:ext>
-            </a:extLst>
-          </p:cNvPr>
-          <p:cNvSpPr txBox="1"/>
-          <p:nvPr/>
-        </p:nvSpPr>
-        <p:spPr>
-          <a:xfrm>
-            <a:off x="1259755" y="2590014"/>
-            <a:ext cx="2258146" cy="323165"/>
-          </a:xfrm>
-          <a:prstGeom prst="rect">
-            <a:avLst/>
-          </a:prstGeom>
-          <a:noFill/>
-        </p:spPr>
-        <p:txBody>
-          <a:bodyPr wrap="square" rtlCol="0">
-            <a:spAutoFit/>
-          </a:bodyPr>
-          <a:lstStyle/>
-          <a:p>
-            <a:r>
-              <a:rPr lang="en-US" altLang="ko-KR" sz="1500" b="1" dirty="0">
-                <a:solidFill>
-                  <a:srgbClr val="FF0000"/>
-                </a:solidFill>
-              </a:rPr>
-              <a:t>Pipeline </a:t>
-            </a:r>
-            <a:r>
-              <a:rPr lang="ko-KR" altLang="en-US" sz="1500" b="1" dirty="0">
-                <a:solidFill>
-                  <a:srgbClr val="FF0000"/>
-                </a:solidFill>
-              </a:rPr>
-              <a:t>적용 모델</a:t>
-            </a:r>
-          </a:p>
-        </p:txBody>
-      </p:sp>
-      <p:sp>
-        <p:nvSpPr>
-          <p:cNvPr id="12" name="TextBox 11">
-            <a:extLst>
-              <a:ext uri="{FF2B5EF4-FFF2-40B4-BE49-F238E27FC236}">
-                <a16:creationId xmlns:a16="http://schemas.microsoft.com/office/drawing/2014/main" id="{BDB0AFC1-0A3D-DD84-ADB6-B3A097A2C97A}"/>
-              </a:ext>
-            </a:extLst>
-          </p:cNvPr>
-          <p:cNvSpPr txBox="1"/>
-          <p:nvPr/>
-        </p:nvSpPr>
-        <p:spPr>
-          <a:xfrm>
-            <a:off x="1115616" y="4908224"/>
-            <a:ext cx="2258146" cy="323165"/>
-          </a:xfrm>
-          <a:prstGeom prst="rect">
-            <a:avLst/>
-          </a:prstGeom>
-          <a:noFill/>
-        </p:spPr>
-        <p:txBody>
-          <a:bodyPr wrap="square" rtlCol="0">
-            <a:spAutoFit/>
-          </a:bodyPr>
-          <a:lstStyle/>
-          <a:p>
-            <a:r>
-              <a:rPr lang="en-US" altLang="ko-KR" sz="1500" b="1" dirty="0">
-                <a:solidFill>
-                  <a:srgbClr val="FF0000"/>
-                </a:solidFill>
-              </a:rPr>
-              <a:t>Pipeline </a:t>
-            </a:r>
-            <a:r>
-              <a:rPr lang="ko-KR" altLang="en-US" sz="1500" b="1" dirty="0">
-                <a:solidFill>
-                  <a:srgbClr val="FF0000"/>
-                </a:solidFill>
-              </a:rPr>
-              <a:t>비적용 모델</a:t>
-            </a:r>
-          </a:p>
-        </p:txBody>
-      </p:sp>
-      <p:sp>
-        <p:nvSpPr>
-          <p:cNvPr id="13" name="TextBox 12">
-            <a:extLst>
-              <a:ext uri="{FF2B5EF4-FFF2-40B4-BE49-F238E27FC236}">
-                <a16:creationId xmlns:a16="http://schemas.microsoft.com/office/drawing/2014/main" id="{899A31E4-451F-8C5B-E552-9A36F950F520}"/>
-              </a:ext>
-            </a:extLst>
-          </p:cNvPr>
-          <p:cNvSpPr txBox="1"/>
-          <p:nvPr/>
-        </p:nvSpPr>
-        <p:spPr>
-          <a:xfrm>
-            <a:off x="5995548" y="3771728"/>
-            <a:ext cx="2969063" cy="1169551"/>
-          </a:xfrm>
-          <a:prstGeom prst="rect">
-            <a:avLst/>
-          </a:prstGeom>
-          <a:noFill/>
-        </p:spPr>
-        <p:txBody>
-          <a:bodyPr wrap="square" rtlCol="0">
-            <a:spAutoFit/>
-          </a:bodyPr>
-          <a:lstStyle/>
-          <a:p>
-            <a:r>
-              <a:rPr lang="ko-KR" altLang="en-US" sz="1400" b="1" dirty="0"/>
-              <a:t>랜덤 포레스트</a:t>
-            </a:r>
-            <a:r>
-              <a:rPr lang="en-US" altLang="ko-KR" sz="1400" b="1" dirty="0"/>
-              <a:t>/AdaBoost </a:t>
-            </a:r>
-            <a:r>
-              <a:rPr lang="ko-KR" altLang="en-US" sz="1400" b="1" dirty="0"/>
-              <a:t>모델에서</a:t>
-            </a:r>
-            <a:r>
-              <a:rPr lang="en-US" altLang="ko-KR" sz="1400" b="1" dirty="0"/>
-              <a:t>, </a:t>
-            </a:r>
-            <a:r>
-              <a:rPr lang="ko-KR" altLang="en-US" sz="1400" b="1" dirty="0"/>
-              <a:t>파이프라인 적용 시 정확도와 조화평균이 좋아짐을 확인</a:t>
-            </a:r>
-            <a:endParaRPr lang="en-US" altLang="ko-KR" sz="1400" b="1" dirty="0"/>
-          </a:p>
-          <a:p>
-            <a:r>
-              <a:rPr lang="en-US" altLang="ko-KR" sz="1400" b="1" dirty="0"/>
-              <a:t>(But, </a:t>
-            </a:r>
-            <a:r>
-              <a:rPr lang="ko-KR" altLang="en-US" sz="1400" b="1" dirty="0"/>
-              <a:t>로지스틱 회귀와 </a:t>
-            </a:r>
-            <a:r>
-              <a:rPr lang="ko-KR" altLang="en-US" sz="1400" b="1" dirty="0" err="1"/>
-              <a:t>결정트리에서는</a:t>
-            </a:r>
-            <a:r>
-              <a:rPr lang="ko-KR" altLang="en-US" sz="1400" b="1" dirty="0"/>
-              <a:t> 반대의 결과가 보임</a:t>
-            </a:r>
-            <a:r>
-              <a:rPr lang="en-US" altLang="ko-KR" sz="1400" b="1" dirty="0"/>
-              <a:t>)</a:t>
-            </a:r>
-            <a:endParaRPr lang="ko-KR" altLang="en-US" sz="1400" b="1" dirty="0"/>
-          </a:p>
-        </p:txBody>
-      </p:sp>
-    </p:spTree>
-    <p:extLst>
-      <p:ext uri="{BB962C8B-B14F-4D97-AF65-F5344CB8AC3E}">
-        <p14:creationId xmlns:p14="http://schemas.microsoft.com/office/powerpoint/2010/main" val="3706602164"/>
       </p:ext>
     </p:extLst>
   </p:cSld>
@@ -22414,6 +22898,463 @@
               <a:buChar char="l"/>
             </a:pPr>
             <a:r>
+              <a:rPr lang="en-US" altLang="ko-KR" sz="2000" dirty="0">
+                <a:latin typeface="HY헤드라인M" panose="02030600000101010101" pitchFamily="18" charset="-127"/>
+                <a:ea typeface="HY헤드라인M" panose="02030600000101010101" pitchFamily="18" charset="-127"/>
+              </a:rPr>
+              <a:t>No-Pipeline</a:t>
+            </a:r>
+            <a:r>
+              <a:rPr lang="ko-KR" altLang="en-US" sz="2000" dirty="0">
+                <a:latin typeface="HY헤드라인M" panose="02030600000101010101" pitchFamily="18" charset="-127"/>
+                <a:ea typeface="HY헤드라인M" panose="02030600000101010101" pitchFamily="18" charset="-127"/>
+              </a:rPr>
+              <a:t> 결과 평가 </a:t>
+            </a:r>
+            <a:endParaRPr lang="en-US" altLang="ko-KR" sz="1600" dirty="0">
+              <a:latin typeface="HY헤드라인M" panose="02030600000101010101" pitchFamily="18" charset="-127"/>
+              <a:ea typeface="HY헤드라인M" panose="02030600000101010101" pitchFamily="18" charset="-127"/>
+            </a:endParaRPr>
+          </a:p>
+        </p:txBody>
+      </p:sp>
+      <p:sp>
+        <p:nvSpPr>
+          <p:cNvPr id="2" name="Rectangle 203">
+            <a:extLst>
+              <a:ext uri="{FF2B5EF4-FFF2-40B4-BE49-F238E27FC236}">
+                <a16:creationId xmlns:a16="http://schemas.microsoft.com/office/drawing/2014/main" id="{F3781700-51B4-0BC0-C3F4-E02EE8ECB30D}"/>
+              </a:ext>
+            </a:extLst>
+          </p:cNvPr>
+          <p:cNvSpPr>
+            <a:spLocks noChangeArrowheads="1"/>
+          </p:cNvSpPr>
+          <p:nvPr/>
+        </p:nvSpPr>
+        <p:spPr bwMode="auto">
+          <a:xfrm>
+            <a:off x="2051843" y="142852"/>
+            <a:ext cx="5040313" cy="457200"/>
+          </a:xfrm>
+          <a:prstGeom prst="rect">
+            <a:avLst/>
+          </a:prstGeom>
+          <a:noFill/>
+          <a:ln w="9525">
+            <a:noFill/>
+            <a:miter lim="800000"/>
+            <a:headEnd/>
+            <a:tailEnd/>
+          </a:ln>
+        </p:spPr>
+        <p:txBody>
+          <a:bodyPr>
+            <a:spAutoFit/>
+          </a:bodyPr>
+          <a:lstStyle/>
+          <a:p>
+            <a:pPr algn="ctr"/>
+            <a:r>
+              <a:rPr lang="ko-KR" altLang="en-US" sz="2400" b="1" dirty="0">
+                <a:solidFill>
+                  <a:schemeClr val="bg1"/>
+                </a:solidFill>
+                <a:latin typeface="HY헤드라인M" pitchFamily="18" charset="-127"/>
+                <a:ea typeface="HY헤드라인M" pitchFamily="18" charset="-127"/>
+              </a:rPr>
+              <a:t>결과 및 결론</a:t>
+            </a:r>
+          </a:p>
+        </p:txBody>
+      </p:sp>
+      <p:pic>
+        <p:nvPicPr>
+          <p:cNvPr id="4" name="그림 3">
+            <a:extLst>
+              <a:ext uri="{FF2B5EF4-FFF2-40B4-BE49-F238E27FC236}">
+                <a16:creationId xmlns:a16="http://schemas.microsoft.com/office/drawing/2014/main" id="{62040D5C-8900-9ADC-FAAF-2365E360E108}"/>
+              </a:ext>
+            </a:extLst>
+          </p:cNvPr>
+          <p:cNvPicPr>
+            <a:picLocks noChangeAspect="1"/>
+          </p:cNvPicPr>
+          <p:nvPr/>
+        </p:nvPicPr>
+        <p:blipFill>
+          <a:blip r:embed="rId3"/>
+          <a:stretch>
+            <a:fillRect/>
+          </a:stretch>
+        </p:blipFill>
+        <p:spPr>
+          <a:xfrm>
+            <a:off x="933934" y="4399437"/>
+            <a:ext cx="5029113" cy="2040208"/>
+          </a:xfrm>
+          <a:prstGeom prst="rect">
+            <a:avLst/>
+          </a:prstGeom>
+        </p:spPr>
+      </p:pic>
+      <p:pic>
+        <p:nvPicPr>
+          <p:cNvPr id="6" name="그림 5">
+            <a:extLst>
+              <a:ext uri="{FF2B5EF4-FFF2-40B4-BE49-F238E27FC236}">
+                <a16:creationId xmlns:a16="http://schemas.microsoft.com/office/drawing/2014/main" id="{824F889B-A005-897D-7A5B-52D56A1C168E}"/>
+              </a:ext>
+            </a:extLst>
+          </p:cNvPr>
+          <p:cNvPicPr>
+            <a:picLocks noChangeAspect="1"/>
+          </p:cNvPicPr>
+          <p:nvPr/>
+        </p:nvPicPr>
+        <p:blipFill>
+          <a:blip r:embed="rId4"/>
+          <a:stretch>
+            <a:fillRect/>
+          </a:stretch>
+        </p:blipFill>
+        <p:spPr>
+          <a:xfrm>
+            <a:off x="1331640" y="2060848"/>
+            <a:ext cx="4631407" cy="2133570"/>
+          </a:xfrm>
+          <a:prstGeom prst="rect">
+            <a:avLst/>
+          </a:prstGeom>
+        </p:spPr>
+      </p:pic>
+      <p:sp>
+        <p:nvSpPr>
+          <p:cNvPr id="10" name="직사각형 9">
+            <a:extLst>
+              <a:ext uri="{FF2B5EF4-FFF2-40B4-BE49-F238E27FC236}">
+                <a16:creationId xmlns:a16="http://schemas.microsoft.com/office/drawing/2014/main" id="{29BADF8C-706E-958A-D048-890FA72C308D}"/>
+              </a:ext>
+            </a:extLst>
+          </p:cNvPr>
+          <p:cNvSpPr/>
+          <p:nvPr/>
+        </p:nvSpPr>
+        <p:spPr>
+          <a:xfrm>
+            <a:off x="4427984" y="2590014"/>
+            <a:ext cx="1535063" cy="3888431"/>
+          </a:xfrm>
+          <a:prstGeom prst="rect">
+            <a:avLst/>
+          </a:prstGeom>
+          <a:noFill/>
+          <a:ln>
+            <a:solidFill>
+              <a:srgbClr val="FF0000"/>
+            </a:solidFill>
+          </a:ln>
+        </p:spPr>
+        <p:style>
+          <a:lnRef idx="2">
+            <a:schemeClr val="accent1">
+              <a:shade val="50000"/>
+            </a:schemeClr>
+          </a:lnRef>
+          <a:fillRef idx="1">
+            <a:schemeClr val="accent1"/>
+          </a:fillRef>
+          <a:effectRef idx="0">
+            <a:schemeClr val="accent1"/>
+          </a:effectRef>
+          <a:fontRef idx="minor">
+            <a:schemeClr val="lt1"/>
+          </a:fontRef>
+        </p:style>
+        <p:txBody>
+          <a:bodyPr rtlCol="0" anchor="ctr"/>
+          <a:lstStyle/>
+          <a:p>
+            <a:pPr algn="ctr"/>
+            <a:endParaRPr lang="ko-KR" altLang="en-US"/>
+          </a:p>
+        </p:txBody>
+      </p:sp>
+      <p:sp>
+        <p:nvSpPr>
+          <p:cNvPr id="11" name="TextBox 10">
+            <a:extLst>
+              <a:ext uri="{FF2B5EF4-FFF2-40B4-BE49-F238E27FC236}">
+                <a16:creationId xmlns:a16="http://schemas.microsoft.com/office/drawing/2014/main" id="{B123BE90-486F-07DA-0848-4CA0067CAC06}"/>
+              </a:ext>
+            </a:extLst>
+          </p:cNvPr>
+          <p:cNvSpPr txBox="1"/>
+          <p:nvPr/>
+        </p:nvSpPr>
+        <p:spPr>
+          <a:xfrm>
+            <a:off x="1259755" y="2590014"/>
+            <a:ext cx="2258146" cy="323165"/>
+          </a:xfrm>
+          <a:prstGeom prst="rect">
+            <a:avLst/>
+          </a:prstGeom>
+          <a:noFill/>
+        </p:spPr>
+        <p:txBody>
+          <a:bodyPr wrap="square" rtlCol="0">
+            <a:spAutoFit/>
+          </a:bodyPr>
+          <a:lstStyle/>
+          <a:p>
+            <a:r>
+              <a:rPr lang="en-US" altLang="ko-KR" sz="1500" b="1" dirty="0">
+                <a:solidFill>
+                  <a:srgbClr val="FF0000"/>
+                </a:solidFill>
+              </a:rPr>
+              <a:t>Pipeline </a:t>
+            </a:r>
+            <a:r>
+              <a:rPr lang="ko-KR" altLang="en-US" sz="1500" b="1" dirty="0">
+                <a:solidFill>
+                  <a:srgbClr val="FF0000"/>
+                </a:solidFill>
+              </a:rPr>
+              <a:t>적용 모델</a:t>
+            </a:r>
+          </a:p>
+        </p:txBody>
+      </p:sp>
+      <p:sp>
+        <p:nvSpPr>
+          <p:cNvPr id="12" name="TextBox 11">
+            <a:extLst>
+              <a:ext uri="{FF2B5EF4-FFF2-40B4-BE49-F238E27FC236}">
+                <a16:creationId xmlns:a16="http://schemas.microsoft.com/office/drawing/2014/main" id="{BDB0AFC1-0A3D-DD84-ADB6-B3A097A2C97A}"/>
+              </a:ext>
+            </a:extLst>
+          </p:cNvPr>
+          <p:cNvSpPr txBox="1"/>
+          <p:nvPr/>
+        </p:nvSpPr>
+        <p:spPr>
+          <a:xfrm>
+            <a:off x="1115616" y="4908224"/>
+            <a:ext cx="2258146" cy="323165"/>
+          </a:xfrm>
+          <a:prstGeom prst="rect">
+            <a:avLst/>
+          </a:prstGeom>
+          <a:noFill/>
+        </p:spPr>
+        <p:txBody>
+          <a:bodyPr wrap="square" rtlCol="0">
+            <a:spAutoFit/>
+          </a:bodyPr>
+          <a:lstStyle/>
+          <a:p>
+            <a:r>
+              <a:rPr lang="en-US" altLang="ko-KR" sz="1500" b="1" dirty="0">
+                <a:solidFill>
+                  <a:srgbClr val="FF0000"/>
+                </a:solidFill>
+              </a:rPr>
+              <a:t>Pipeline </a:t>
+            </a:r>
+            <a:r>
+              <a:rPr lang="ko-KR" altLang="en-US" sz="1500" b="1" dirty="0">
+                <a:solidFill>
+                  <a:srgbClr val="FF0000"/>
+                </a:solidFill>
+              </a:rPr>
+              <a:t>비적용 모델</a:t>
+            </a:r>
+          </a:p>
+        </p:txBody>
+      </p:sp>
+      <p:sp>
+        <p:nvSpPr>
+          <p:cNvPr id="13" name="TextBox 12">
+            <a:extLst>
+              <a:ext uri="{FF2B5EF4-FFF2-40B4-BE49-F238E27FC236}">
+                <a16:creationId xmlns:a16="http://schemas.microsoft.com/office/drawing/2014/main" id="{899A31E4-451F-8C5B-E552-9A36F950F520}"/>
+              </a:ext>
+            </a:extLst>
+          </p:cNvPr>
+          <p:cNvSpPr txBox="1"/>
+          <p:nvPr/>
+        </p:nvSpPr>
+        <p:spPr>
+          <a:xfrm>
+            <a:off x="5995548" y="3771728"/>
+            <a:ext cx="2969063" cy="1169551"/>
+          </a:xfrm>
+          <a:prstGeom prst="rect">
+            <a:avLst/>
+          </a:prstGeom>
+          <a:noFill/>
+        </p:spPr>
+        <p:txBody>
+          <a:bodyPr wrap="square" rtlCol="0">
+            <a:spAutoFit/>
+          </a:bodyPr>
+          <a:lstStyle/>
+          <a:p>
+            <a:r>
+              <a:rPr lang="ko-KR" altLang="en-US" sz="1400" b="1" dirty="0"/>
+              <a:t>랜덤 포레스트</a:t>
+            </a:r>
+            <a:r>
+              <a:rPr lang="en-US" altLang="ko-KR" sz="1400" b="1" dirty="0"/>
+              <a:t>/AdaBoost </a:t>
+            </a:r>
+            <a:r>
+              <a:rPr lang="ko-KR" altLang="en-US" sz="1400" b="1" dirty="0"/>
+              <a:t>모델에서</a:t>
+            </a:r>
+            <a:r>
+              <a:rPr lang="en-US" altLang="ko-KR" sz="1400" b="1" dirty="0"/>
+              <a:t>, </a:t>
+            </a:r>
+            <a:r>
+              <a:rPr lang="ko-KR" altLang="en-US" sz="1400" b="1" dirty="0"/>
+              <a:t>파이프라인 적용 시 정확도와 조화평균이 좋아짐을 확인</a:t>
+            </a:r>
+            <a:endParaRPr lang="en-US" altLang="ko-KR" sz="1400" b="1" dirty="0"/>
+          </a:p>
+          <a:p>
+            <a:r>
+              <a:rPr lang="en-US" altLang="ko-KR" sz="1400" b="1" dirty="0"/>
+              <a:t>(But, </a:t>
+            </a:r>
+            <a:r>
+              <a:rPr lang="ko-KR" altLang="en-US" sz="1400" b="1" dirty="0"/>
+              <a:t>로지스틱 회귀와 </a:t>
+            </a:r>
+            <a:r>
+              <a:rPr lang="ko-KR" altLang="en-US" sz="1400" b="1" dirty="0" err="1"/>
+              <a:t>결정트리에서는</a:t>
+            </a:r>
+            <a:r>
+              <a:rPr lang="ko-KR" altLang="en-US" sz="1400" b="1" dirty="0"/>
+              <a:t> 반대의 결과가 보임</a:t>
+            </a:r>
+            <a:r>
+              <a:rPr lang="en-US" altLang="ko-KR" sz="1400" b="1" dirty="0"/>
+              <a:t>)</a:t>
+            </a:r>
+            <a:endParaRPr lang="ko-KR" altLang="en-US" sz="1400" b="1" dirty="0"/>
+          </a:p>
+        </p:txBody>
+      </p:sp>
+    </p:spTree>
+    <p:extLst>
+      <p:ext uri="{BB962C8B-B14F-4D97-AF65-F5344CB8AC3E}">
+        <p14:creationId xmlns:p14="http://schemas.microsoft.com/office/powerpoint/2010/main" val="3706602164"/>
+      </p:ext>
+    </p:extLst>
+  </p:cSld>
+  <p:clrMapOvr>
+    <a:masterClrMapping/>
+  </p:clrMapOvr>
+  <p:transition>
+    <p:fade/>
+  </p:transition>
+</p:sld>
+</file>
+
+<file path=ppt/slides/slide44.xml><?xml version="1.0" encoding="utf-8"?>
+<p:sld xmlns:a="http://schemas.openxmlformats.org/drawingml/2006/main" xmlns:r="http://schemas.openxmlformats.org/officeDocument/2006/relationships" xmlns:p="http://schemas.openxmlformats.org/presentationml/2006/main">
+  <p:cSld>
+    <p:spTree>
+      <p:nvGrpSpPr>
+        <p:cNvPr id="1" name=""/>
+        <p:cNvGrpSpPr/>
+        <p:nvPr/>
+      </p:nvGrpSpPr>
+      <p:grpSpPr>
+        <a:xfrm>
+          <a:off x="0" y="0"/>
+          <a:ext cx="0" cy="0"/>
+          <a:chOff x="0" y="0"/>
+          <a:chExt cx="0" cy="0"/>
+        </a:xfrm>
+      </p:grpSpPr>
+      <p:sp>
+        <p:nvSpPr>
+          <p:cNvPr id="14" name="내용 개체 틀 1"/>
+          <p:cNvSpPr>
+            <a:spLocks noGrp="1"/>
+          </p:cNvSpPr>
+          <p:nvPr>
+            <p:ph/>
+          </p:nvPr>
+        </p:nvSpPr>
+        <p:spPr bwMode="auto">
+          <a:xfrm>
+            <a:off x="179387" y="981075"/>
+            <a:ext cx="8785225" cy="431800"/>
+          </a:xfrm>
+          <a:noFill/>
+          <a:ln>
+            <a:miter lim="800000"/>
+            <a:headEnd/>
+            <a:tailEnd/>
+          </a:ln>
+        </p:spPr>
+        <p:txBody>
+          <a:bodyPr vert="horz" wrap="square" lIns="91440" tIns="45720" rIns="91440" bIns="45720" numCol="1" anchor="t" anchorCtr="0" compatLnSpc="1">
+            <a:prstTxWarp prst="textNoShape">
+              <a:avLst/>
+            </a:prstTxWarp>
+          </a:bodyPr>
+          <a:lstStyle/>
+          <a:p>
+            <a:r>
+              <a:rPr lang="ko-KR" altLang="en-US" dirty="0">
+                <a:latin typeface="HY헤드라인M" pitchFamily="18" charset="-127"/>
+                <a:ea typeface="HY헤드라인M" pitchFamily="18" charset="-127"/>
+              </a:rPr>
+              <a:t>추가 평가</a:t>
+            </a:r>
+          </a:p>
+        </p:txBody>
+      </p:sp>
+      <p:sp>
+        <p:nvSpPr>
+          <p:cNvPr id="9" name="TextBox 8"/>
+          <p:cNvSpPr txBox="1"/>
+          <p:nvPr/>
+        </p:nvSpPr>
+        <p:spPr>
+          <a:xfrm>
+            <a:off x="514350" y="1422600"/>
+            <a:ext cx="8280724" cy="482120"/>
+          </a:xfrm>
+          <a:prstGeom prst="rect">
+            <a:avLst/>
+          </a:prstGeom>
+          <a:noFill/>
+        </p:spPr>
+        <p:txBody>
+          <a:bodyPr wrap="square" rtlCol="0">
+            <a:spAutoFit/>
+          </a:bodyPr>
+          <a:lstStyle/>
+          <a:p>
+            <a:pPr marL="285750" indent="-285750" algn="just">
+              <a:lnSpc>
+                <a:spcPct val="150000"/>
+              </a:lnSpc>
+              <a:buClr>
+                <a:srgbClr val="C00000"/>
+              </a:buClr>
+              <a:buFont typeface="Wingdings" panose="05000000000000000000" pitchFamily="2" charset="2"/>
+              <a:buChar char="l"/>
+            </a:pPr>
+            <a:r>
               <a:rPr lang="ko-KR" altLang="en-US" sz="2000" dirty="0">
                 <a:latin typeface="HY헤드라인M" panose="02030600000101010101" pitchFamily="18" charset="-127"/>
                 <a:ea typeface="HY헤드라인M" panose="02030600000101010101" pitchFamily="18" charset="-127"/>
@@ -22593,15 +23534,7 @@
                   <a:srgbClr val="FF0000"/>
                 </a:solidFill>
               </a:rPr>
-              <a:t>가장 큰 영향을 </a:t>
-            </a:r>
-            <a:r>
-              <a:rPr lang="ko-KR" altLang="en-US" sz="1500" b="1">
-                <a:solidFill>
-                  <a:srgbClr val="FF0000"/>
-                </a:solidFill>
-              </a:rPr>
-              <a:t>주는 </a:t>
+              <a:t>가장 큰 영향을 주는 </a:t>
             </a:r>
             <a:r>
               <a:rPr lang="en-US" altLang="ko-KR" sz="1500" b="1" dirty="0">
@@ -22622,10 +23555,1085 @@
           </a:p>
         </p:txBody>
       </p:sp>
+      <p:sp>
+        <p:nvSpPr>
+          <p:cNvPr id="3" name="직사각형 2">
+            <a:extLst>
+              <a:ext uri="{FF2B5EF4-FFF2-40B4-BE49-F238E27FC236}">
+                <a16:creationId xmlns:a16="http://schemas.microsoft.com/office/drawing/2014/main" id="{6A914A98-0596-7EDB-338C-28D1AB82CA0D}"/>
+              </a:ext>
+            </a:extLst>
+          </p:cNvPr>
+          <p:cNvSpPr/>
+          <p:nvPr/>
+        </p:nvSpPr>
+        <p:spPr>
+          <a:xfrm>
+            <a:off x="611559" y="4668151"/>
+            <a:ext cx="1440283" cy="1650831"/>
+          </a:xfrm>
+          <a:prstGeom prst="rect">
+            <a:avLst/>
+          </a:prstGeom>
+          <a:noFill/>
+          <a:ln>
+            <a:solidFill>
+              <a:srgbClr val="0066FF"/>
+            </a:solidFill>
+          </a:ln>
+        </p:spPr>
+        <p:style>
+          <a:lnRef idx="2">
+            <a:schemeClr val="accent1">
+              <a:shade val="50000"/>
+            </a:schemeClr>
+          </a:lnRef>
+          <a:fillRef idx="1">
+            <a:schemeClr val="accent1"/>
+          </a:fillRef>
+          <a:effectRef idx="0">
+            <a:schemeClr val="accent1"/>
+          </a:effectRef>
+          <a:fontRef idx="minor">
+            <a:schemeClr val="lt1"/>
+          </a:fontRef>
+        </p:style>
+        <p:txBody>
+          <a:bodyPr rtlCol="0" anchor="ctr"/>
+          <a:lstStyle/>
+          <a:p>
+            <a:pPr algn="ctr"/>
+            <a:endParaRPr lang="ko-KR" altLang="en-US"/>
+          </a:p>
+        </p:txBody>
+      </p:sp>
+      <p:sp>
+        <p:nvSpPr>
+          <p:cNvPr id="4" name="TextBox 3">
+            <a:extLst>
+              <a:ext uri="{FF2B5EF4-FFF2-40B4-BE49-F238E27FC236}">
+                <a16:creationId xmlns:a16="http://schemas.microsoft.com/office/drawing/2014/main" id="{CC10D55C-819A-F297-B114-3BBBFF0B2B70}"/>
+              </a:ext>
+            </a:extLst>
+          </p:cNvPr>
+          <p:cNvSpPr txBox="1"/>
+          <p:nvPr/>
+        </p:nvSpPr>
+        <p:spPr>
+          <a:xfrm>
+            <a:off x="2051842" y="4699324"/>
+            <a:ext cx="1656184" cy="553998"/>
+          </a:xfrm>
+          <a:prstGeom prst="rect">
+            <a:avLst/>
+          </a:prstGeom>
+          <a:noFill/>
+        </p:spPr>
+        <p:txBody>
+          <a:bodyPr wrap="square" rtlCol="0">
+            <a:spAutoFit/>
+          </a:bodyPr>
+          <a:lstStyle/>
+          <a:p>
+            <a:r>
+              <a:rPr lang="ko-KR" altLang="en-US" sz="1500" b="1" dirty="0">
+                <a:solidFill>
+                  <a:srgbClr val="0033CC"/>
+                </a:solidFill>
+              </a:rPr>
+              <a:t>중요도 하위 피처 </a:t>
+            </a:r>
+            <a:r>
+              <a:rPr lang="en-US" altLang="ko-KR" sz="1500" b="1" dirty="0">
+                <a:solidFill>
+                  <a:srgbClr val="0033CC"/>
+                </a:solidFill>
+              </a:rPr>
+              <a:t>9</a:t>
+            </a:r>
+            <a:r>
+              <a:rPr lang="ko-KR" altLang="en-US" sz="1500" b="1" dirty="0">
+                <a:solidFill>
+                  <a:srgbClr val="0033CC"/>
+                </a:solidFill>
+              </a:rPr>
+              <a:t>개 </a:t>
+            </a:r>
+          </a:p>
+        </p:txBody>
+      </p:sp>
     </p:spTree>
     <p:extLst>
       <p:ext uri="{BB962C8B-B14F-4D97-AF65-F5344CB8AC3E}">
         <p14:creationId xmlns:p14="http://schemas.microsoft.com/office/powerpoint/2010/main" val="398210732"/>
+      </p:ext>
+    </p:extLst>
+  </p:cSld>
+  <p:clrMapOvr>
+    <a:masterClrMapping/>
+  </p:clrMapOvr>
+  <p:transition>
+    <p:fade/>
+  </p:transition>
+</p:sld>
+</file>
+
+<file path=ppt/slides/slide45.xml><?xml version="1.0" encoding="utf-8"?>
+<p:sld xmlns:a="http://schemas.openxmlformats.org/drawingml/2006/main" xmlns:r="http://schemas.openxmlformats.org/officeDocument/2006/relationships" xmlns:p="http://schemas.openxmlformats.org/presentationml/2006/main">
+  <p:cSld>
+    <p:spTree>
+      <p:nvGrpSpPr>
+        <p:cNvPr id="1" name=""/>
+        <p:cNvGrpSpPr/>
+        <p:nvPr/>
+      </p:nvGrpSpPr>
+      <p:grpSpPr>
+        <a:xfrm>
+          <a:off x="0" y="0"/>
+          <a:ext cx="0" cy="0"/>
+          <a:chOff x="0" y="0"/>
+          <a:chExt cx="0" cy="0"/>
+        </a:xfrm>
+      </p:grpSpPr>
+      <p:sp>
+        <p:nvSpPr>
+          <p:cNvPr id="14" name="내용 개체 틀 1"/>
+          <p:cNvSpPr>
+            <a:spLocks noGrp="1"/>
+          </p:cNvSpPr>
+          <p:nvPr>
+            <p:ph/>
+          </p:nvPr>
+        </p:nvSpPr>
+        <p:spPr bwMode="auto">
+          <a:xfrm>
+            <a:off x="179387" y="981075"/>
+            <a:ext cx="8785225" cy="431800"/>
+          </a:xfrm>
+          <a:noFill/>
+          <a:ln>
+            <a:miter lim="800000"/>
+            <a:headEnd/>
+            <a:tailEnd/>
+          </a:ln>
+        </p:spPr>
+        <p:txBody>
+          <a:bodyPr vert="horz" wrap="square" lIns="91440" tIns="45720" rIns="91440" bIns="45720" numCol="1" anchor="t" anchorCtr="0" compatLnSpc="1">
+            <a:prstTxWarp prst="textNoShape">
+              <a:avLst/>
+            </a:prstTxWarp>
+          </a:bodyPr>
+          <a:lstStyle/>
+          <a:p>
+            <a:r>
+              <a:rPr lang="ko-KR" altLang="en-US" dirty="0">
+                <a:latin typeface="HY헤드라인M" pitchFamily="18" charset="-127"/>
+                <a:ea typeface="HY헤드라인M" pitchFamily="18" charset="-127"/>
+              </a:rPr>
+              <a:t>추가 평가</a:t>
+            </a:r>
+          </a:p>
+        </p:txBody>
+      </p:sp>
+      <p:sp>
+        <p:nvSpPr>
+          <p:cNvPr id="9" name="TextBox 8"/>
+          <p:cNvSpPr txBox="1"/>
+          <p:nvPr/>
+        </p:nvSpPr>
+        <p:spPr>
+          <a:xfrm>
+            <a:off x="514350" y="1422600"/>
+            <a:ext cx="8280724" cy="482120"/>
+          </a:xfrm>
+          <a:prstGeom prst="rect">
+            <a:avLst/>
+          </a:prstGeom>
+          <a:noFill/>
+        </p:spPr>
+        <p:txBody>
+          <a:bodyPr wrap="square" rtlCol="0">
+            <a:spAutoFit/>
+          </a:bodyPr>
+          <a:lstStyle/>
+          <a:p>
+            <a:pPr marL="285750" indent="-285750" algn="just">
+              <a:lnSpc>
+                <a:spcPct val="150000"/>
+              </a:lnSpc>
+              <a:buClr>
+                <a:srgbClr val="C00000"/>
+              </a:buClr>
+              <a:buFont typeface="Wingdings" panose="05000000000000000000" pitchFamily="2" charset="2"/>
+              <a:buChar char="l"/>
+            </a:pPr>
+            <a:r>
+              <a:rPr lang="ko-KR" altLang="en-US" sz="2000" dirty="0">
+                <a:latin typeface="HY헤드라인M" panose="02030600000101010101" pitchFamily="18" charset="-127"/>
+                <a:ea typeface="HY헤드라인M" panose="02030600000101010101" pitchFamily="18" charset="-127"/>
+              </a:rPr>
+              <a:t>중요도 하위 </a:t>
+            </a:r>
+            <a:r>
+              <a:rPr lang="en-US" altLang="ko-KR" sz="2000" dirty="0">
+                <a:latin typeface="HY헤드라인M" panose="02030600000101010101" pitchFamily="18" charset="-127"/>
+                <a:ea typeface="HY헤드라인M" panose="02030600000101010101" pitchFamily="18" charset="-127"/>
+              </a:rPr>
+              <a:t>Feature 9</a:t>
+            </a:r>
+            <a:r>
+              <a:rPr lang="ko-KR" altLang="en-US" sz="2000" dirty="0">
+                <a:latin typeface="HY헤드라인M" panose="02030600000101010101" pitchFamily="18" charset="-127"/>
+                <a:ea typeface="HY헤드라인M" panose="02030600000101010101" pitchFamily="18" charset="-127"/>
+              </a:rPr>
+              <a:t>개 제거</a:t>
+            </a:r>
+            <a:endParaRPr lang="en-US" altLang="ko-KR" sz="1600" dirty="0">
+              <a:latin typeface="HY헤드라인M" panose="02030600000101010101" pitchFamily="18" charset="-127"/>
+              <a:ea typeface="HY헤드라인M" panose="02030600000101010101" pitchFamily="18" charset="-127"/>
+            </a:endParaRPr>
+          </a:p>
+        </p:txBody>
+      </p:sp>
+      <p:sp>
+        <p:nvSpPr>
+          <p:cNvPr id="2" name="Rectangle 203">
+            <a:extLst>
+              <a:ext uri="{FF2B5EF4-FFF2-40B4-BE49-F238E27FC236}">
+                <a16:creationId xmlns:a16="http://schemas.microsoft.com/office/drawing/2014/main" id="{F3781700-51B4-0BC0-C3F4-E02EE8ECB30D}"/>
+              </a:ext>
+            </a:extLst>
+          </p:cNvPr>
+          <p:cNvSpPr>
+            <a:spLocks noChangeArrowheads="1"/>
+          </p:cNvSpPr>
+          <p:nvPr/>
+        </p:nvSpPr>
+        <p:spPr bwMode="auto">
+          <a:xfrm>
+            <a:off x="2051843" y="142852"/>
+            <a:ext cx="5040313" cy="457200"/>
+          </a:xfrm>
+          <a:prstGeom prst="rect">
+            <a:avLst/>
+          </a:prstGeom>
+          <a:noFill/>
+          <a:ln w="9525">
+            <a:noFill/>
+            <a:miter lim="800000"/>
+            <a:headEnd/>
+            <a:tailEnd/>
+          </a:ln>
+        </p:spPr>
+        <p:txBody>
+          <a:bodyPr>
+            <a:spAutoFit/>
+          </a:bodyPr>
+          <a:lstStyle/>
+          <a:p>
+            <a:pPr algn="ctr"/>
+            <a:r>
+              <a:rPr lang="ko-KR" altLang="en-US" sz="2400" b="1" dirty="0">
+                <a:solidFill>
+                  <a:schemeClr val="bg1"/>
+                </a:solidFill>
+                <a:latin typeface="HY헤드라인M" pitchFamily="18" charset="-127"/>
+                <a:ea typeface="HY헤드라인M" pitchFamily="18" charset="-127"/>
+              </a:rPr>
+              <a:t>결과 및 결론</a:t>
+            </a:r>
+          </a:p>
+        </p:txBody>
+      </p:sp>
+      <p:pic>
+        <p:nvPicPr>
+          <p:cNvPr id="4" name="그림 3">
+            <a:extLst>
+              <a:ext uri="{FF2B5EF4-FFF2-40B4-BE49-F238E27FC236}">
+                <a16:creationId xmlns:a16="http://schemas.microsoft.com/office/drawing/2014/main" id="{7F42C9AF-5B86-03E2-5410-0F2D11707FC2}"/>
+              </a:ext>
+            </a:extLst>
+          </p:cNvPr>
+          <p:cNvPicPr>
+            <a:picLocks noChangeAspect="1"/>
+          </p:cNvPicPr>
+          <p:nvPr/>
+        </p:nvPicPr>
+        <p:blipFill>
+          <a:blip r:embed="rId3"/>
+          <a:stretch>
+            <a:fillRect/>
+          </a:stretch>
+        </p:blipFill>
+        <p:spPr>
+          <a:xfrm>
+            <a:off x="514350" y="1951910"/>
+            <a:ext cx="8391927" cy="3959940"/>
+          </a:xfrm>
+          <a:prstGeom prst="rect">
+            <a:avLst/>
+          </a:prstGeom>
+        </p:spPr>
+      </p:pic>
+    </p:spTree>
+    <p:extLst>
+      <p:ext uri="{BB962C8B-B14F-4D97-AF65-F5344CB8AC3E}">
+        <p14:creationId xmlns:p14="http://schemas.microsoft.com/office/powerpoint/2010/main" val="2227396185"/>
+      </p:ext>
+    </p:extLst>
+  </p:cSld>
+  <p:clrMapOvr>
+    <a:masterClrMapping/>
+  </p:clrMapOvr>
+  <p:transition>
+    <p:fade/>
+  </p:transition>
+</p:sld>
+</file>
+
+<file path=ppt/slides/slide46.xml><?xml version="1.0" encoding="utf-8"?>
+<p:sld xmlns:a="http://schemas.openxmlformats.org/drawingml/2006/main" xmlns:r="http://schemas.openxmlformats.org/officeDocument/2006/relationships" xmlns:p="http://schemas.openxmlformats.org/presentationml/2006/main">
+  <p:cSld>
+    <p:spTree>
+      <p:nvGrpSpPr>
+        <p:cNvPr id="1" name=""/>
+        <p:cNvGrpSpPr/>
+        <p:nvPr/>
+      </p:nvGrpSpPr>
+      <p:grpSpPr>
+        <a:xfrm>
+          <a:off x="0" y="0"/>
+          <a:ext cx="0" cy="0"/>
+          <a:chOff x="0" y="0"/>
+          <a:chExt cx="0" cy="0"/>
+        </a:xfrm>
+      </p:grpSpPr>
+      <p:sp>
+        <p:nvSpPr>
+          <p:cNvPr id="14" name="내용 개체 틀 1"/>
+          <p:cNvSpPr>
+            <a:spLocks noGrp="1"/>
+          </p:cNvSpPr>
+          <p:nvPr>
+            <p:ph/>
+          </p:nvPr>
+        </p:nvSpPr>
+        <p:spPr bwMode="auto">
+          <a:xfrm>
+            <a:off x="179387" y="981075"/>
+            <a:ext cx="8785225" cy="431800"/>
+          </a:xfrm>
+          <a:noFill/>
+          <a:ln>
+            <a:miter lim="800000"/>
+            <a:headEnd/>
+            <a:tailEnd/>
+          </a:ln>
+        </p:spPr>
+        <p:txBody>
+          <a:bodyPr vert="horz" wrap="square" lIns="91440" tIns="45720" rIns="91440" bIns="45720" numCol="1" anchor="t" anchorCtr="0" compatLnSpc="1">
+            <a:prstTxWarp prst="textNoShape">
+              <a:avLst/>
+            </a:prstTxWarp>
+          </a:bodyPr>
+          <a:lstStyle/>
+          <a:p>
+            <a:r>
+              <a:rPr lang="ko-KR" altLang="en-US" dirty="0">
+                <a:latin typeface="HY헤드라인M" pitchFamily="18" charset="-127"/>
+                <a:ea typeface="HY헤드라인M" pitchFamily="18" charset="-127"/>
+              </a:rPr>
+              <a:t>추가 평가</a:t>
+            </a:r>
+          </a:p>
+        </p:txBody>
+      </p:sp>
+      <p:sp>
+        <p:nvSpPr>
+          <p:cNvPr id="9" name="TextBox 8"/>
+          <p:cNvSpPr txBox="1"/>
+          <p:nvPr/>
+        </p:nvSpPr>
+        <p:spPr>
+          <a:xfrm>
+            <a:off x="514350" y="1422600"/>
+            <a:ext cx="8280724" cy="482120"/>
+          </a:xfrm>
+          <a:prstGeom prst="rect">
+            <a:avLst/>
+          </a:prstGeom>
+          <a:noFill/>
+        </p:spPr>
+        <p:txBody>
+          <a:bodyPr wrap="square" rtlCol="0">
+            <a:spAutoFit/>
+          </a:bodyPr>
+          <a:lstStyle/>
+          <a:p>
+            <a:pPr marL="285750" indent="-285750" algn="just">
+              <a:lnSpc>
+                <a:spcPct val="150000"/>
+              </a:lnSpc>
+              <a:buClr>
+                <a:srgbClr val="C00000"/>
+              </a:buClr>
+              <a:buFont typeface="Wingdings" panose="05000000000000000000" pitchFamily="2" charset="2"/>
+              <a:buChar char="l"/>
+            </a:pPr>
+            <a:r>
+              <a:rPr lang="ko-KR" altLang="en-US" sz="2000" dirty="0">
+                <a:latin typeface="HY헤드라인M" panose="02030600000101010101" pitchFamily="18" charset="-127"/>
+                <a:ea typeface="HY헤드라인M" panose="02030600000101010101" pitchFamily="18" charset="-127"/>
+              </a:rPr>
+              <a:t>제거 후 성능 비교</a:t>
+            </a:r>
+            <a:endParaRPr lang="en-US" altLang="ko-KR" sz="1600" dirty="0">
+              <a:latin typeface="HY헤드라인M" panose="02030600000101010101" pitchFamily="18" charset="-127"/>
+              <a:ea typeface="HY헤드라인M" panose="02030600000101010101" pitchFamily="18" charset="-127"/>
+            </a:endParaRPr>
+          </a:p>
+        </p:txBody>
+      </p:sp>
+      <p:sp>
+        <p:nvSpPr>
+          <p:cNvPr id="2" name="Rectangle 203">
+            <a:extLst>
+              <a:ext uri="{FF2B5EF4-FFF2-40B4-BE49-F238E27FC236}">
+                <a16:creationId xmlns:a16="http://schemas.microsoft.com/office/drawing/2014/main" id="{F3781700-51B4-0BC0-C3F4-E02EE8ECB30D}"/>
+              </a:ext>
+            </a:extLst>
+          </p:cNvPr>
+          <p:cNvSpPr>
+            <a:spLocks noChangeArrowheads="1"/>
+          </p:cNvSpPr>
+          <p:nvPr/>
+        </p:nvSpPr>
+        <p:spPr bwMode="auto">
+          <a:xfrm>
+            <a:off x="2051843" y="142852"/>
+            <a:ext cx="5040313" cy="457200"/>
+          </a:xfrm>
+          <a:prstGeom prst="rect">
+            <a:avLst/>
+          </a:prstGeom>
+          <a:noFill/>
+          <a:ln w="9525">
+            <a:noFill/>
+            <a:miter lim="800000"/>
+            <a:headEnd/>
+            <a:tailEnd/>
+          </a:ln>
+        </p:spPr>
+        <p:txBody>
+          <a:bodyPr>
+            <a:spAutoFit/>
+          </a:bodyPr>
+          <a:lstStyle/>
+          <a:p>
+            <a:pPr algn="ctr"/>
+            <a:r>
+              <a:rPr lang="ko-KR" altLang="en-US" sz="2400" b="1" dirty="0">
+                <a:solidFill>
+                  <a:schemeClr val="bg1"/>
+                </a:solidFill>
+                <a:latin typeface="HY헤드라인M" pitchFamily="18" charset="-127"/>
+                <a:ea typeface="HY헤드라인M" pitchFamily="18" charset="-127"/>
+              </a:rPr>
+              <a:t>결과 및 결론</a:t>
+            </a:r>
+          </a:p>
+        </p:txBody>
+      </p:sp>
+      <p:pic>
+        <p:nvPicPr>
+          <p:cNvPr id="5" name="그림 4">
+            <a:extLst>
+              <a:ext uri="{FF2B5EF4-FFF2-40B4-BE49-F238E27FC236}">
+                <a16:creationId xmlns:a16="http://schemas.microsoft.com/office/drawing/2014/main" id="{CF030401-1C5F-9E97-543A-73ED64F08250}"/>
+              </a:ext>
+            </a:extLst>
+          </p:cNvPr>
+          <p:cNvPicPr>
+            <a:picLocks noChangeAspect="1"/>
+          </p:cNvPicPr>
+          <p:nvPr/>
+        </p:nvPicPr>
+        <p:blipFill>
+          <a:blip r:embed="rId3"/>
+          <a:stretch>
+            <a:fillRect/>
+          </a:stretch>
+        </p:blipFill>
+        <p:spPr>
+          <a:xfrm>
+            <a:off x="1043608" y="4581128"/>
+            <a:ext cx="4968552" cy="1553951"/>
+          </a:xfrm>
+          <a:prstGeom prst="rect">
+            <a:avLst/>
+          </a:prstGeom>
+        </p:spPr>
+      </p:pic>
+      <p:pic>
+        <p:nvPicPr>
+          <p:cNvPr id="6" name="그림 5">
+            <a:extLst>
+              <a:ext uri="{FF2B5EF4-FFF2-40B4-BE49-F238E27FC236}">
+                <a16:creationId xmlns:a16="http://schemas.microsoft.com/office/drawing/2014/main" id="{20C4275C-FD68-9D25-4B9C-2002DD6A9E00}"/>
+              </a:ext>
+            </a:extLst>
+          </p:cNvPr>
+          <p:cNvPicPr>
+            <a:picLocks noChangeAspect="1"/>
+          </p:cNvPicPr>
+          <p:nvPr/>
+        </p:nvPicPr>
+        <p:blipFill>
+          <a:blip r:embed="rId4"/>
+          <a:stretch>
+            <a:fillRect/>
+          </a:stretch>
+        </p:blipFill>
+        <p:spPr>
+          <a:xfrm>
+            <a:off x="1043609" y="1988840"/>
+            <a:ext cx="5037326" cy="2043540"/>
+          </a:xfrm>
+          <a:prstGeom prst="rect">
+            <a:avLst/>
+          </a:prstGeom>
+        </p:spPr>
+      </p:pic>
+      <p:sp>
+        <p:nvSpPr>
+          <p:cNvPr id="7" name="화살표: 오른쪽 6">
+            <a:extLst>
+              <a:ext uri="{FF2B5EF4-FFF2-40B4-BE49-F238E27FC236}">
+                <a16:creationId xmlns:a16="http://schemas.microsoft.com/office/drawing/2014/main" id="{321DC561-EFDC-738D-F617-7A72511BCD23}"/>
+              </a:ext>
+            </a:extLst>
+          </p:cNvPr>
+          <p:cNvSpPr/>
+          <p:nvPr/>
+        </p:nvSpPr>
+        <p:spPr>
+          <a:xfrm rot="5400000">
+            <a:off x="3584604" y="4057151"/>
+            <a:ext cx="471891" cy="576064"/>
+          </a:xfrm>
+          <a:prstGeom prst="rightArrow">
+            <a:avLst/>
+          </a:prstGeom>
+          <a:noFill/>
+          <a:ln>
+            <a:solidFill>
+              <a:schemeClr val="tx1"/>
+            </a:solidFill>
+          </a:ln>
+        </p:spPr>
+        <p:style>
+          <a:lnRef idx="2">
+            <a:schemeClr val="accent1">
+              <a:shade val="50000"/>
+            </a:schemeClr>
+          </a:lnRef>
+          <a:fillRef idx="1">
+            <a:schemeClr val="accent1"/>
+          </a:fillRef>
+          <a:effectRef idx="0">
+            <a:schemeClr val="accent1"/>
+          </a:effectRef>
+          <a:fontRef idx="minor">
+            <a:schemeClr val="lt1"/>
+          </a:fontRef>
+        </p:style>
+        <p:txBody>
+          <a:bodyPr rtlCol="0" anchor="ctr"/>
+          <a:lstStyle/>
+          <a:p>
+            <a:pPr algn="ctr"/>
+            <a:endParaRPr lang="ko-KR" altLang="en-US"/>
+          </a:p>
+        </p:txBody>
+      </p:sp>
+      <p:sp>
+        <p:nvSpPr>
+          <p:cNvPr id="8" name="직사각형 7">
+            <a:extLst>
+              <a:ext uri="{FF2B5EF4-FFF2-40B4-BE49-F238E27FC236}">
+                <a16:creationId xmlns:a16="http://schemas.microsoft.com/office/drawing/2014/main" id="{EE79A5E1-BE8C-C47E-BA83-458883D09D82}"/>
+              </a:ext>
+            </a:extLst>
+          </p:cNvPr>
+          <p:cNvSpPr/>
+          <p:nvPr/>
+        </p:nvSpPr>
+        <p:spPr>
+          <a:xfrm>
+            <a:off x="3779912" y="3699771"/>
+            <a:ext cx="1573535" cy="335773"/>
+          </a:xfrm>
+          <a:prstGeom prst="rect">
+            <a:avLst/>
+          </a:prstGeom>
+          <a:noFill/>
+          <a:ln>
+            <a:solidFill>
+              <a:srgbClr val="0066FF"/>
+            </a:solidFill>
+          </a:ln>
+        </p:spPr>
+        <p:style>
+          <a:lnRef idx="2">
+            <a:schemeClr val="accent1">
+              <a:shade val="50000"/>
+            </a:schemeClr>
+          </a:lnRef>
+          <a:fillRef idx="1">
+            <a:schemeClr val="accent1"/>
+          </a:fillRef>
+          <a:effectRef idx="0">
+            <a:schemeClr val="accent1"/>
+          </a:effectRef>
+          <a:fontRef idx="minor">
+            <a:schemeClr val="lt1"/>
+          </a:fontRef>
+        </p:style>
+        <p:txBody>
+          <a:bodyPr rtlCol="0" anchor="ctr"/>
+          <a:lstStyle/>
+          <a:p>
+            <a:pPr algn="ctr"/>
+            <a:endParaRPr lang="ko-KR" altLang="en-US"/>
+          </a:p>
+        </p:txBody>
+      </p:sp>
+      <p:sp>
+        <p:nvSpPr>
+          <p:cNvPr id="10" name="직사각형 9">
+            <a:extLst>
+              <a:ext uri="{FF2B5EF4-FFF2-40B4-BE49-F238E27FC236}">
+                <a16:creationId xmlns:a16="http://schemas.microsoft.com/office/drawing/2014/main" id="{92FE3642-2EDD-A2E6-B0B6-A59C5914638A}"/>
+              </a:ext>
+            </a:extLst>
+          </p:cNvPr>
+          <p:cNvSpPr/>
+          <p:nvPr/>
+        </p:nvSpPr>
+        <p:spPr>
+          <a:xfrm>
+            <a:off x="3779913" y="5725578"/>
+            <a:ext cx="1573534" cy="335773"/>
+          </a:xfrm>
+          <a:prstGeom prst="rect">
+            <a:avLst/>
+          </a:prstGeom>
+          <a:noFill/>
+          <a:ln>
+            <a:solidFill>
+              <a:srgbClr val="0066FF"/>
+            </a:solidFill>
+          </a:ln>
+        </p:spPr>
+        <p:style>
+          <a:lnRef idx="2">
+            <a:schemeClr val="accent1">
+              <a:shade val="50000"/>
+            </a:schemeClr>
+          </a:lnRef>
+          <a:fillRef idx="1">
+            <a:schemeClr val="accent1"/>
+          </a:fillRef>
+          <a:effectRef idx="0">
+            <a:schemeClr val="accent1"/>
+          </a:effectRef>
+          <a:fontRef idx="minor">
+            <a:schemeClr val="lt1"/>
+          </a:fontRef>
+        </p:style>
+        <p:txBody>
+          <a:bodyPr rtlCol="0" anchor="ctr"/>
+          <a:lstStyle/>
+          <a:p>
+            <a:pPr algn="ctr"/>
+            <a:endParaRPr lang="ko-KR" altLang="en-US"/>
+          </a:p>
+        </p:txBody>
+      </p:sp>
+      <p:sp>
+        <p:nvSpPr>
+          <p:cNvPr id="11" name="TextBox 10">
+            <a:extLst>
+              <a:ext uri="{FF2B5EF4-FFF2-40B4-BE49-F238E27FC236}">
+                <a16:creationId xmlns:a16="http://schemas.microsoft.com/office/drawing/2014/main" id="{26B2240A-9807-E019-4229-F4C573DC0980}"/>
+              </a:ext>
+            </a:extLst>
+          </p:cNvPr>
+          <p:cNvSpPr txBox="1"/>
+          <p:nvPr/>
+        </p:nvSpPr>
+        <p:spPr>
+          <a:xfrm>
+            <a:off x="6080935" y="3688688"/>
+            <a:ext cx="2367673" cy="1384995"/>
+          </a:xfrm>
+          <a:prstGeom prst="rect">
+            <a:avLst/>
+          </a:prstGeom>
+          <a:noFill/>
+        </p:spPr>
+        <p:txBody>
+          <a:bodyPr wrap="square" rtlCol="0">
+            <a:spAutoFit/>
+          </a:bodyPr>
+          <a:lstStyle/>
+          <a:p>
+            <a:r>
+              <a:rPr lang="en-US" altLang="ko-KR" sz="1400" b="1" dirty="0">
+                <a:solidFill>
+                  <a:srgbClr val="0033CC"/>
+                </a:solidFill>
+              </a:rPr>
+              <a:t>AdaBoost </a:t>
+            </a:r>
+            <a:r>
+              <a:rPr lang="ko-KR" altLang="en-US" sz="1400" b="1" dirty="0">
+                <a:solidFill>
+                  <a:srgbClr val="0033CC"/>
+                </a:solidFill>
+              </a:rPr>
+              <a:t>모델에서</a:t>
+            </a:r>
+            <a:r>
+              <a:rPr lang="en-US" altLang="ko-KR" sz="1400" b="1" dirty="0">
+                <a:solidFill>
+                  <a:srgbClr val="0033CC"/>
+                </a:solidFill>
+              </a:rPr>
+              <a:t> </a:t>
+            </a:r>
+            <a:r>
+              <a:rPr lang="ko-KR" altLang="en-US" sz="1400" b="1" dirty="0">
+                <a:solidFill>
+                  <a:srgbClr val="0033CC"/>
+                </a:solidFill>
+              </a:rPr>
+              <a:t>약간의 성능 하락이 있으나</a:t>
+            </a:r>
+            <a:r>
+              <a:rPr lang="en-US" altLang="ko-KR" sz="1400" b="1" dirty="0">
+                <a:solidFill>
+                  <a:srgbClr val="0033CC"/>
+                </a:solidFill>
+              </a:rPr>
+              <a:t>, </a:t>
+            </a:r>
+            <a:r>
+              <a:rPr lang="ko-KR" altLang="en-US" sz="1400" b="1" dirty="0">
+                <a:solidFill>
+                  <a:srgbClr val="0033CC"/>
+                </a:solidFill>
+              </a:rPr>
+              <a:t>오히려 결정 트리에서는 향상됨</a:t>
+            </a:r>
+            <a:endParaRPr lang="en-US" altLang="ko-KR" sz="1400" b="1" dirty="0">
+              <a:solidFill>
+                <a:srgbClr val="0033CC"/>
+              </a:solidFill>
+            </a:endParaRPr>
+          </a:p>
+          <a:p>
+            <a:endParaRPr lang="en-US" altLang="ko-KR" sz="1400" b="1" dirty="0">
+              <a:solidFill>
+                <a:srgbClr val="0033CC"/>
+              </a:solidFill>
+            </a:endParaRPr>
+          </a:p>
+          <a:p>
+            <a:r>
+              <a:rPr lang="en-US" altLang="ko-KR" sz="1400" b="1" dirty="0">
+                <a:solidFill>
+                  <a:srgbClr val="0033CC"/>
+                </a:solidFill>
+              </a:rPr>
+              <a:t>But, </a:t>
+            </a:r>
+            <a:r>
+              <a:rPr lang="ko-KR" altLang="en-US" sz="1400" b="1" dirty="0">
+                <a:solidFill>
+                  <a:srgbClr val="0033CC"/>
+                </a:solidFill>
+              </a:rPr>
+              <a:t>하위 </a:t>
+            </a:r>
+            <a:r>
+              <a:rPr lang="en-US" altLang="ko-KR" sz="1400" b="1" dirty="0">
+                <a:solidFill>
+                  <a:srgbClr val="0033CC"/>
+                </a:solidFill>
+              </a:rPr>
+              <a:t>12</a:t>
+            </a:r>
+            <a:r>
+              <a:rPr lang="ko-KR" altLang="en-US" sz="1400" b="1" dirty="0">
+                <a:solidFill>
+                  <a:srgbClr val="0033CC"/>
+                </a:solidFill>
+              </a:rPr>
+              <a:t>개 제거 시</a:t>
+            </a:r>
+            <a:r>
+              <a:rPr lang="en-US" altLang="ko-KR" sz="1400" b="1" dirty="0">
+                <a:solidFill>
+                  <a:srgbClr val="0033CC"/>
+                </a:solidFill>
+              </a:rPr>
+              <a:t>, </a:t>
+            </a:r>
+            <a:r>
+              <a:rPr lang="ko-KR" altLang="en-US" sz="1400" b="1" dirty="0">
+                <a:solidFill>
+                  <a:srgbClr val="0033CC"/>
+                </a:solidFill>
+              </a:rPr>
+              <a:t>모든 모델에서 성능 하락 발생</a:t>
+            </a:r>
+            <a:r>
+              <a:rPr lang="en-US" altLang="ko-KR" sz="1400" b="1" dirty="0">
+                <a:solidFill>
+                  <a:srgbClr val="0033CC"/>
+                </a:solidFill>
+              </a:rPr>
+              <a:t> </a:t>
+            </a:r>
+            <a:r>
+              <a:rPr lang="ko-KR" altLang="en-US" sz="1400" b="1" dirty="0">
+                <a:solidFill>
+                  <a:srgbClr val="0033CC"/>
+                </a:solidFill>
+              </a:rPr>
+              <a:t> </a:t>
+            </a:r>
+          </a:p>
+        </p:txBody>
+      </p:sp>
+      <p:sp>
+        <p:nvSpPr>
+          <p:cNvPr id="13" name="TextBox 12">
+            <a:extLst>
+              <a:ext uri="{FF2B5EF4-FFF2-40B4-BE49-F238E27FC236}">
+                <a16:creationId xmlns:a16="http://schemas.microsoft.com/office/drawing/2014/main" id="{A13E2287-68E3-51E0-C917-61A330ECF049}"/>
+              </a:ext>
+            </a:extLst>
+          </p:cNvPr>
+          <p:cNvSpPr txBox="1"/>
+          <p:nvPr/>
+        </p:nvSpPr>
+        <p:spPr>
+          <a:xfrm>
+            <a:off x="406240" y="6218132"/>
+            <a:ext cx="8496944" cy="369332"/>
+          </a:xfrm>
+          <a:prstGeom prst="rect">
+            <a:avLst/>
+          </a:prstGeom>
+          <a:noFill/>
+        </p:spPr>
+        <p:txBody>
+          <a:bodyPr wrap="square" rtlCol="0">
+            <a:spAutoFit/>
+          </a:bodyPr>
+          <a:lstStyle/>
+          <a:p>
+            <a:r>
+              <a:rPr lang="ko-KR" altLang="en-US" b="1" dirty="0">
+                <a:solidFill>
+                  <a:srgbClr val="FF0000"/>
+                </a:solidFill>
+              </a:rPr>
+              <a:t>→ 따라서</a:t>
+            </a:r>
+            <a:r>
+              <a:rPr lang="en-US" altLang="ko-KR" b="1" dirty="0">
+                <a:solidFill>
+                  <a:srgbClr val="FF0000"/>
+                </a:solidFill>
+              </a:rPr>
+              <a:t>, </a:t>
+            </a:r>
+            <a:r>
+              <a:rPr lang="ko-KR" altLang="en-US" b="1" dirty="0">
+                <a:solidFill>
+                  <a:srgbClr val="FF0000"/>
+                </a:solidFill>
+              </a:rPr>
+              <a:t>추후 추가로 데이터를 수집시에는 하위 </a:t>
+            </a:r>
+            <a:r>
+              <a:rPr lang="en-US" altLang="ko-KR" b="1" dirty="0">
+                <a:solidFill>
+                  <a:srgbClr val="FF0000"/>
+                </a:solidFill>
+              </a:rPr>
+              <a:t>9</a:t>
+            </a:r>
+            <a:r>
+              <a:rPr lang="ko-KR" altLang="en-US" b="1" dirty="0">
+                <a:solidFill>
+                  <a:srgbClr val="FF0000"/>
+                </a:solidFill>
+              </a:rPr>
+              <a:t>개 </a:t>
+            </a:r>
+            <a:r>
+              <a:rPr lang="ko-KR" altLang="en-US" b="1" dirty="0" err="1">
+                <a:solidFill>
+                  <a:srgbClr val="FF0000"/>
+                </a:solidFill>
+              </a:rPr>
+              <a:t>피쳐의</a:t>
+            </a:r>
+            <a:r>
+              <a:rPr lang="ko-KR" altLang="en-US" b="1" dirty="0">
+                <a:solidFill>
+                  <a:srgbClr val="FF0000"/>
+                </a:solidFill>
+              </a:rPr>
+              <a:t> 데이터를 생략 가능</a:t>
+            </a:r>
+          </a:p>
+        </p:txBody>
+      </p:sp>
+      <p:sp>
+        <p:nvSpPr>
+          <p:cNvPr id="15" name="TextBox 14">
+            <a:extLst>
+              <a:ext uri="{FF2B5EF4-FFF2-40B4-BE49-F238E27FC236}">
+                <a16:creationId xmlns:a16="http://schemas.microsoft.com/office/drawing/2014/main" id="{371938AF-B524-03F5-390C-076262F6A07A}"/>
+              </a:ext>
+            </a:extLst>
+          </p:cNvPr>
+          <p:cNvSpPr txBox="1"/>
+          <p:nvPr/>
+        </p:nvSpPr>
+        <p:spPr>
+          <a:xfrm>
+            <a:off x="1259755" y="2529771"/>
+            <a:ext cx="2258146" cy="323165"/>
+          </a:xfrm>
+          <a:prstGeom prst="rect">
+            <a:avLst/>
+          </a:prstGeom>
+          <a:noFill/>
+        </p:spPr>
+        <p:txBody>
+          <a:bodyPr wrap="square" rtlCol="0">
+            <a:spAutoFit/>
+          </a:bodyPr>
+          <a:lstStyle/>
+          <a:p>
+            <a:r>
+              <a:rPr lang="en-US" altLang="ko-KR" sz="1500" b="1" dirty="0">
+                <a:solidFill>
+                  <a:srgbClr val="0066FF"/>
+                </a:solidFill>
+              </a:rPr>
+              <a:t>18</a:t>
+            </a:r>
+            <a:r>
+              <a:rPr lang="ko-KR" altLang="en-US" sz="1500" b="1" dirty="0">
+                <a:solidFill>
+                  <a:srgbClr val="0066FF"/>
+                </a:solidFill>
+              </a:rPr>
+              <a:t>개의 </a:t>
+            </a:r>
+            <a:r>
+              <a:rPr lang="ko-KR" altLang="en-US" sz="1500" b="1" dirty="0" err="1">
+                <a:solidFill>
+                  <a:srgbClr val="0066FF"/>
+                </a:solidFill>
+              </a:rPr>
+              <a:t>피쳐</a:t>
+            </a:r>
+            <a:r>
+              <a:rPr lang="ko-KR" altLang="en-US" sz="1500" b="1" dirty="0">
+                <a:solidFill>
+                  <a:srgbClr val="0066FF"/>
+                </a:solidFill>
+              </a:rPr>
+              <a:t> 사용</a:t>
+            </a:r>
+          </a:p>
+        </p:txBody>
+      </p:sp>
+      <p:sp>
+        <p:nvSpPr>
+          <p:cNvPr id="16" name="TextBox 15">
+            <a:extLst>
+              <a:ext uri="{FF2B5EF4-FFF2-40B4-BE49-F238E27FC236}">
+                <a16:creationId xmlns:a16="http://schemas.microsoft.com/office/drawing/2014/main" id="{177E7090-6A24-FE17-2EF6-8C5C650A0B9D}"/>
+              </a:ext>
+            </a:extLst>
+          </p:cNvPr>
+          <p:cNvSpPr txBox="1"/>
+          <p:nvPr/>
+        </p:nvSpPr>
+        <p:spPr>
+          <a:xfrm>
+            <a:off x="1259632" y="4581128"/>
+            <a:ext cx="1656184" cy="323165"/>
+          </a:xfrm>
+          <a:prstGeom prst="rect">
+            <a:avLst/>
+          </a:prstGeom>
+          <a:noFill/>
+        </p:spPr>
+        <p:txBody>
+          <a:bodyPr wrap="square" rtlCol="0">
+            <a:spAutoFit/>
+          </a:bodyPr>
+          <a:lstStyle/>
+          <a:p>
+            <a:r>
+              <a:rPr lang="en-US" altLang="ko-KR" sz="1500" b="1" dirty="0">
+                <a:solidFill>
+                  <a:srgbClr val="0066FF"/>
+                </a:solidFill>
+              </a:rPr>
+              <a:t>9</a:t>
+            </a:r>
+            <a:r>
+              <a:rPr lang="ko-KR" altLang="en-US" sz="1500" b="1" dirty="0">
+                <a:solidFill>
+                  <a:srgbClr val="0066FF"/>
+                </a:solidFill>
+              </a:rPr>
+              <a:t>개의 </a:t>
+            </a:r>
+            <a:r>
+              <a:rPr lang="ko-KR" altLang="en-US" sz="1500" b="1" dirty="0" err="1">
+                <a:solidFill>
+                  <a:srgbClr val="0066FF"/>
+                </a:solidFill>
+              </a:rPr>
+              <a:t>피쳐</a:t>
+            </a:r>
+            <a:r>
+              <a:rPr lang="ko-KR" altLang="en-US" sz="1500" b="1" dirty="0">
+                <a:solidFill>
+                  <a:srgbClr val="0066FF"/>
+                </a:solidFill>
+              </a:rPr>
+              <a:t> 사용</a:t>
+            </a:r>
+          </a:p>
+        </p:txBody>
+      </p:sp>
+    </p:spTree>
+    <p:extLst>
+      <p:ext uri="{BB962C8B-B14F-4D97-AF65-F5344CB8AC3E}">
+        <p14:creationId xmlns:p14="http://schemas.microsoft.com/office/powerpoint/2010/main" val="333801062"/>
       </p:ext>
     </p:extLst>
   </p:cSld>
